--- a/Churn Prediction in Telecom.pptx
+++ b/Churn Prediction in Telecom.pptx
@@ -108,6 +108,11 @@
       </a:defRPr>
     </a:lvl9pPr>
   </p:defaultTextStyle>
+  <p:extLst>
+    <p:ext uri="{EFAFB233-063F-42B5-8137-9DF3F51BA10A}">
+      <p15:sldGuideLst xmlns:p15="http://schemas.microsoft.com/office/powerpoint/2012/main"/>
+    </p:ext>
+  </p:extLst>
 </p:presentation>
 </file>
 
@@ -258,7 +263,7 @@
           <a:p>
             <a:fld id="{498091AC-18C7-4233-95AF-D63622717748}" type="datetimeFigureOut">
               <a:rPr lang="en-US" smtClean="0"/>
-              <a:t>7/21/2025</a:t>
+              <a:t>7/22/2025</a:t>
             </a:fld>
             <a:endParaRPr lang="en-US"/>
           </a:p>
@@ -456,7 +461,7 @@
           <a:p>
             <a:fld id="{498091AC-18C7-4233-95AF-D63622717748}" type="datetimeFigureOut">
               <a:rPr lang="en-US" smtClean="0"/>
-              <a:t>7/21/2025</a:t>
+              <a:t>7/22/2025</a:t>
             </a:fld>
             <a:endParaRPr lang="en-US"/>
           </a:p>
@@ -664,7 +669,7 @@
           <a:p>
             <a:fld id="{498091AC-18C7-4233-95AF-D63622717748}" type="datetimeFigureOut">
               <a:rPr lang="en-US" smtClean="0"/>
-              <a:t>7/21/2025</a:t>
+              <a:t>7/22/2025</a:t>
             </a:fld>
             <a:endParaRPr lang="en-US"/>
           </a:p>
@@ -862,7 +867,7 @@
           <a:p>
             <a:fld id="{498091AC-18C7-4233-95AF-D63622717748}" type="datetimeFigureOut">
               <a:rPr lang="en-US" smtClean="0"/>
-              <a:t>7/21/2025</a:t>
+              <a:t>7/22/2025</a:t>
             </a:fld>
             <a:endParaRPr lang="en-US"/>
           </a:p>
@@ -1137,7 +1142,7 @@
           <a:p>
             <a:fld id="{498091AC-18C7-4233-95AF-D63622717748}" type="datetimeFigureOut">
               <a:rPr lang="en-US" smtClean="0"/>
-              <a:t>7/21/2025</a:t>
+              <a:t>7/22/2025</a:t>
             </a:fld>
             <a:endParaRPr lang="en-US"/>
           </a:p>
@@ -1402,7 +1407,7 @@
           <a:p>
             <a:fld id="{498091AC-18C7-4233-95AF-D63622717748}" type="datetimeFigureOut">
               <a:rPr lang="en-US" smtClean="0"/>
-              <a:t>7/21/2025</a:t>
+              <a:t>7/22/2025</a:t>
             </a:fld>
             <a:endParaRPr lang="en-US"/>
           </a:p>
@@ -1814,7 +1819,7 @@
           <a:p>
             <a:fld id="{498091AC-18C7-4233-95AF-D63622717748}" type="datetimeFigureOut">
               <a:rPr lang="en-US" smtClean="0"/>
-              <a:t>7/21/2025</a:t>
+              <a:t>7/22/2025</a:t>
             </a:fld>
             <a:endParaRPr lang="en-US"/>
           </a:p>
@@ -1955,7 +1960,7 @@
           <a:p>
             <a:fld id="{498091AC-18C7-4233-95AF-D63622717748}" type="datetimeFigureOut">
               <a:rPr lang="en-US" smtClean="0"/>
-              <a:t>7/21/2025</a:t>
+              <a:t>7/22/2025</a:t>
             </a:fld>
             <a:endParaRPr lang="en-US"/>
           </a:p>
@@ -2068,7 +2073,7 @@
           <a:p>
             <a:fld id="{498091AC-18C7-4233-95AF-D63622717748}" type="datetimeFigureOut">
               <a:rPr lang="en-US" smtClean="0"/>
-              <a:t>7/21/2025</a:t>
+              <a:t>7/22/2025</a:t>
             </a:fld>
             <a:endParaRPr lang="en-US"/>
           </a:p>
@@ -2379,7 +2384,7 @@
           <a:p>
             <a:fld id="{498091AC-18C7-4233-95AF-D63622717748}" type="datetimeFigureOut">
               <a:rPr lang="en-US" smtClean="0"/>
-              <a:t>7/21/2025</a:t>
+              <a:t>7/22/2025</a:t>
             </a:fld>
             <a:endParaRPr lang="en-US"/>
           </a:p>
@@ -2667,7 +2672,7 @@
           <a:p>
             <a:fld id="{498091AC-18C7-4233-95AF-D63622717748}" type="datetimeFigureOut">
               <a:rPr lang="en-US" smtClean="0"/>
-              <a:t>7/21/2025</a:t>
+              <a:t>7/22/2025</a:t>
             </a:fld>
             <a:endParaRPr lang="en-US"/>
           </a:p>
@@ -2908,7 +2913,7 @@
           <a:p>
             <a:fld id="{498091AC-18C7-4233-95AF-D63622717748}" type="datetimeFigureOut">
               <a:rPr lang="en-US" smtClean="0"/>
-              <a:t>7/21/2025</a:t>
+              <a:t>7/22/2025</a:t>
             </a:fld>
             <a:endParaRPr lang="en-US"/>
           </a:p>
@@ -3339,7 +3344,7 @@
         </p:nvSpPr>
         <p:spPr>
           <a:xfrm>
-            <a:off x="1447800" y="2699972"/>
+            <a:off x="1687286" y="2525801"/>
             <a:ext cx="8371114" cy="707886"/>
           </a:xfrm>
           <a:prstGeom prst="rect">
@@ -3396,6 +3401,41 @@
           <a:chExt cx="0" cy="0"/>
         </a:xfrm>
       </p:grpSpPr>
+      <p:sp>
+        <p:nvSpPr>
+          <p:cNvPr id="2" name="TextBox 1">
+            <a:extLst>
+              <a:ext uri="{FF2B5EF4-FFF2-40B4-BE49-F238E27FC236}">
+                <a16:creationId xmlns:a16="http://schemas.microsoft.com/office/drawing/2014/main" id="{1482C342-042B-0F37-20D9-B8B1E7C917F5}"/>
+              </a:ext>
+            </a:extLst>
+          </p:cNvPr>
+          <p:cNvSpPr txBox="1"/>
+          <p:nvPr/>
+        </p:nvSpPr>
+        <p:spPr>
+          <a:xfrm>
+            <a:off x="1665514" y="381000"/>
+            <a:ext cx="8392886" cy="523220"/>
+          </a:xfrm>
+          <a:prstGeom prst="rect">
+            <a:avLst/>
+          </a:prstGeom>
+          <a:noFill/>
+        </p:spPr>
+        <p:txBody>
+          <a:bodyPr wrap="square" rtlCol="0">
+            <a:spAutoFit/>
+          </a:bodyPr>
+          <a:lstStyle/>
+          <a:p>
+            <a:r>
+              <a:rPr lang="en-US" sz="2800" b="1" dirty="0"/>
+              <a:t>Business Overview</a:t>
+            </a:r>
+          </a:p>
+        </p:txBody>
+      </p:sp>
     </p:spTree>
     <p:extLst>
       <p:ext uri="{BB962C8B-B14F-4D97-AF65-F5344CB8AC3E}">

--- a/Churn Prediction in Telecom.pptx
+++ b/Churn Prediction in Telecom.pptx
@@ -2,7 +2,7 @@
 <file path=ppt/presentation.xml><?xml version="1.0" encoding="utf-8"?>
 <p:presentation xmlns:a="http://schemas.openxmlformats.org/drawingml/2006/main" xmlns:r="http://schemas.openxmlformats.org/officeDocument/2006/relationships" xmlns:p="http://schemas.openxmlformats.org/presentationml/2006/main" saveSubsetFonts="1">
   <p:sldMasterIdLst>
-    <p:sldMasterId id="2147483648" r:id="rId1"/>
+    <p:sldMasterId id="2147483696" r:id="rId1"/>
   </p:sldMasterIdLst>
   <p:sldIdLst>
     <p:sldId id="256" r:id="rId2"/>
@@ -17,7 +17,7 @@
     <a:defPPr>
       <a:defRPr lang="en-US"/>
     </a:defPPr>
-    <a:lvl1pPr marL="0" algn="l" defTabSz="914400" rtl="0" eaLnBrk="1" latinLnBrk="0" hangingPunct="1">
+    <a:lvl1pPr marL="0" algn="l" defTabSz="457200" rtl="0" eaLnBrk="1" latinLnBrk="0" hangingPunct="1">
       <a:defRPr sz="1800" kern="1200">
         <a:solidFill>
           <a:schemeClr val="tx1"/>
@@ -27,7 +27,7 @@
         <a:cs typeface="+mn-cs"/>
       </a:defRPr>
     </a:lvl1pPr>
-    <a:lvl2pPr marL="457200" algn="l" defTabSz="914400" rtl="0" eaLnBrk="1" latinLnBrk="0" hangingPunct="1">
+    <a:lvl2pPr marL="457200" algn="l" defTabSz="457200" rtl="0" eaLnBrk="1" latinLnBrk="0" hangingPunct="1">
       <a:defRPr sz="1800" kern="1200">
         <a:solidFill>
           <a:schemeClr val="tx1"/>
@@ -37,7 +37,7 @@
         <a:cs typeface="+mn-cs"/>
       </a:defRPr>
     </a:lvl2pPr>
-    <a:lvl3pPr marL="914400" algn="l" defTabSz="914400" rtl="0" eaLnBrk="1" latinLnBrk="0" hangingPunct="1">
+    <a:lvl3pPr marL="914400" algn="l" defTabSz="457200" rtl="0" eaLnBrk="1" latinLnBrk="0" hangingPunct="1">
       <a:defRPr sz="1800" kern="1200">
         <a:solidFill>
           <a:schemeClr val="tx1"/>
@@ -47,7 +47,7 @@
         <a:cs typeface="+mn-cs"/>
       </a:defRPr>
     </a:lvl3pPr>
-    <a:lvl4pPr marL="1371600" algn="l" defTabSz="914400" rtl="0" eaLnBrk="1" latinLnBrk="0" hangingPunct="1">
+    <a:lvl4pPr marL="1371600" algn="l" defTabSz="457200" rtl="0" eaLnBrk="1" latinLnBrk="0" hangingPunct="1">
       <a:defRPr sz="1800" kern="1200">
         <a:solidFill>
           <a:schemeClr val="tx1"/>
@@ -57,7 +57,7 @@
         <a:cs typeface="+mn-cs"/>
       </a:defRPr>
     </a:lvl4pPr>
-    <a:lvl5pPr marL="1828800" algn="l" defTabSz="914400" rtl="0" eaLnBrk="1" latinLnBrk="0" hangingPunct="1">
+    <a:lvl5pPr marL="1828800" algn="l" defTabSz="457200" rtl="0" eaLnBrk="1" latinLnBrk="0" hangingPunct="1">
       <a:defRPr sz="1800" kern="1200">
         <a:solidFill>
           <a:schemeClr val="tx1"/>
@@ -67,7 +67,7 @@
         <a:cs typeface="+mn-cs"/>
       </a:defRPr>
     </a:lvl5pPr>
-    <a:lvl6pPr marL="2286000" algn="l" defTabSz="914400" rtl="0" eaLnBrk="1" latinLnBrk="0" hangingPunct="1">
+    <a:lvl6pPr marL="2286000" algn="l" defTabSz="457200" rtl="0" eaLnBrk="1" latinLnBrk="0" hangingPunct="1">
       <a:defRPr sz="1800" kern="1200">
         <a:solidFill>
           <a:schemeClr val="tx1"/>
@@ -77,7 +77,7 @@
         <a:cs typeface="+mn-cs"/>
       </a:defRPr>
     </a:lvl6pPr>
-    <a:lvl7pPr marL="2743200" algn="l" defTabSz="914400" rtl="0" eaLnBrk="1" latinLnBrk="0" hangingPunct="1">
+    <a:lvl7pPr marL="2743200" algn="l" defTabSz="457200" rtl="0" eaLnBrk="1" latinLnBrk="0" hangingPunct="1">
       <a:defRPr sz="1800" kern="1200">
         <a:solidFill>
           <a:schemeClr val="tx1"/>
@@ -87,7 +87,7 @@
         <a:cs typeface="+mn-cs"/>
       </a:defRPr>
     </a:lvl7pPr>
-    <a:lvl8pPr marL="3200400" algn="l" defTabSz="914400" rtl="0" eaLnBrk="1" latinLnBrk="0" hangingPunct="1">
+    <a:lvl8pPr marL="3200400" algn="l" defTabSz="457200" rtl="0" eaLnBrk="1" latinLnBrk="0" hangingPunct="1">
       <a:defRPr sz="1800" kern="1200">
         <a:solidFill>
           <a:schemeClr val="tx1"/>
@@ -97,7 +97,7 @@
         <a:cs typeface="+mn-cs"/>
       </a:defRPr>
     </a:lvl8pPr>
-    <a:lvl9pPr marL="3657600" algn="l" defTabSz="914400" rtl="0" eaLnBrk="1" latinLnBrk="0" hangingPunct="1">
+    <a:lvl9pPr marL="3657600" algn="l" defTabSz="457200" rtl="0" eaLnBrk="1" latinLnBrk="0" hangingPunct="1">
       <a:defRPr sz="1800" kern="1200">
         <a:solidFill>
           <a:schemeClr val="tx1"/>
@@ -135,13 +135,7 @@
       </p:grpSpPr>
       <p:sp>
         <p:nvSpPr>
-          <p:cNvPr id="2" name="Title 1">
-            <a:extLst>
-              <a:ext uri="{FF2B5EF4-FFF2-40B4-BE49-F238E27FC236}">
-                <a16:creationId xmlns:a16="http://schemas.microsoft.com/office/drawing/2014/main" id="{6E457A55-C1F1-2A6F-CA19-25544E6218BF}"/>
-              </a:ext>
-            </a:extLst>
-          </p:cNvPr>
+          <p:cNvPr id="2" name="Title 1"/>
           <p:cNvSpPr>
             <a:spLocks noGrp="1"/>
           </p:cNvSpPr>
@@ -151,15 +145,32 @@
         </p:nvSpPr>
         <p:spPr>
           <a:xfrm>
-            <a:off x="1524000" y="1122363"/>
-            <a:ext cx="9144000" cy="2387600"/>
+            <a:off x="1751012" y="609601"/>
+            <a:ext cx="8676222" cy="3200400"/>
           </a:xfrm>
         </p:spPr>
         <p:txBody>
-          <a:bodyPr anchor="b"/>
+          <a:bodyPr anchor="b">
+            <a:normAutofit/>
+          </a:bodyPr>
           <a:lstStyle>
             <a:lvl1pPr algn="ctr">
-              <a:defRPr sz="6000"/>
+              <a:defRPr sz="4800">
+                <a:effectLst>
+                  <a:glow rad="38100">
+                    <a:schemeClr val="bg1">
+                      <a:lumMod val="65000"/>
+                      <a:lumOff val="35000"/>
+                      <a:alpha val="50000"/>
+                    </a:schemeClr>
+                  </a:glow>
+                  <a:outerShdw blurRad="28575" dist="31750" dir="13200000" algn="tl" rotWithShape="0">
+                    <a:srgbClr val="000000">
+                      <a:alpha val="25000"/>
+                    </a:srgbClr>
+                  </a:outerShdw>
+                </a:effectLst>
+              </a:defRPr>
             </a:lvl1pPr>
           </a:lstStyle>
           <a:p>
@@ -167,18 +178,13 @@
               <a:rPr lang="en-US"/>
               <a:t>Click to edit Master title style</a:t>
             </a:r>
-          </a:p>
-        </p:txBody>
-      </p:sp>
-      <p:sp>
-        <p:nvSpPr>
-          <p:cNvPr id="3" name="Subtitle 2">
-            <a:extLst>
-              <a:ext uri="{FF2B5EF4-FFF2-40B4-BE49-F238E27FC236}">
-                <a16:creationId xmlns:a16="http://schemas.microsoft.com/office/drawing/2014/main" id="{FE2B66A8-F9D5-ED49-56FF-6F8631791F5F}"/>
-              </a:ext>
-            </a:extLst>
-          </p:cNvPr>
+            <a:endParaRPr lang="en-US" dirty="0"/>
+          </a:p>
+        </p:txBody>
+      </p:sp>
+      <p:sp>
+        <p:nvSpPr>
+          <p:cNvPr id="3" name="Subtitle 2"/>
           <p:cNvSpPr>
             <a:spLocks noGrp="1"/>
           </p:cNvSpPr>
@@ -188,48 +194,113 @@
         </p:nvSpPr>
         <p:spPr>
           <a:xfrm>
-            <a:off x="1524000" y="3602038"/>
-            <a:ext cx="9144000" cy="1655762"/>
+            <a:off x="1751012" y="3886200"/>
+            <a:ext cx="8676222" cy="1905000"/>
           </a:xfrm>
         </p:spPr>
         <p:txBody>
-          <a:bodyPr/>
+          <a:bodyPr anchor="t">
+            <a:normAutofit/>
+          </a:bodyPr>
           <a:lstStyle>
             <a:lvl1pPr marL="0" indent="0" algn="ctr">
               <a:buNone/>
-              <a:defRPr sz="2400"/>
+              <a:defRPr sz="2100">
+                <a:gradFill flip="none" rotWithShape="1">
+                  <a:gsLst>
+                    <a:gs pos="0">
+                      <a:schemeClr val="tx1"/>
+                    </a:gs>
+                    <a:gs pos="100000">
+                      <a:schemeClr val="tx1">
+                        <a:lumMod val="75000"/>
+                      </a:schemeClr>
+                    </a:gs>
+                  </a:gsLst>
+                  <a:lin ang="5400000" scaled="0"/>
+                  <a:tileRect/>
+                </a:gradFill>
+              </a:defRPr>
             </a:lvl1pPr>
             <a:lvl2pPr marL="457200" indent="0" algn="ctr">
               <a:buNone/>
-              <a:defRPr sz="2000"/>
+              <a:defRPr>
+                <a:solidFill>
+                  <a:schemeClr val="tx1">
+                    <a:tint val="75000"/>
+                  </a:schemeClr>
+                </a:solidFill>
+              </a:defRPr>
             </a:lvl2pPr>
             <a:lvl3pPr marL="914400" indent="0" algn="ctr">
               <a:buNone/>
-              <a:defRPr sz="1800"/>
+              <a:defRPr>
+                <a:solidFill>
+                  <a:schemeClr val="tx1">
+                    <a:tint val="75000"/>
+                  </a:schemeClr>
+                </a:solidFill>
+              </a:defRPr>
             </a:lvl3pPr>
             <a:lvl4pPr marL="1371600" indent="0" algn="ctr">
               <a:buNone/>
-              <a:defRPr sz="1600"/>
+              <a:defRPr>
+                <a:solidFill>
+                  <a:schemeClr val="tx1">
+                    <a:tint val="75000"/>
+                  </a:schemeClr>
+                </a:solidFill>
+              </a:defRPr>
             </a:lvl4pPr>
             <a:lvl5pPr marL="1828800" indent="0" algn="ctr">
               <a:buNone/>
-              <a:defRPr sz="1600"/>
+              <a:defRPr>
+                <a:solidFill>
+                  <a:schemeClr val="tx1">
+                    <a:tint val="75000"/>
+                  </a:schemeClr>
+                </a:solidFill>
+              </a:defRPr>
             </a:lvl5pPr>
             <a:lvl6pPr marL="2286000" indent="0" algn="ctr">
               <a:buNone/>
-              <a:defRPr sz="1600"/>
+              <a:defRPr>
+                <a:solidFill>
+                  <a:schemeClr val="tx1">
+                    <a:tint val="75000"/>
+                  </a:schemeClr>
+                </a:solidFill>
+              </a:defRPr>
             </a:lvl6pPr>
             <a:lvl7pPr marL="2743200" indent="0" algn="ctr">
               <a:buNone/>
-              <a:defRPr sz="1600"/>
+              <a:defRPr>
+                <a:solidFill>
+                  <a:schemeClr val="tx1">
+                    <a:tint val="75000"/>
+                  </a:schemeClr>
+                </a:solidFill>
+              </a:defRPr>
             </a:lvl7pPr>
             <a:lvl8pPr marL="3200400" indent="0" algn="ctr">
               <a:buNone/>
-              <a:defRPr sz="1600"/>
+              <a:defRPr>
+                <a:solidFill>
+                  <a:schemeClr val="tx1">
+                    <a:tint val="75000"/>
+                  </a:schemeClr>
+                </a:solidFill>
+              </a:defRPr>
             </a:lvl8pPr>
             <a:lvl9pPr marL="3657600" indent="0" algn="ctr">
               <a:buNone/>
-              <a:defRPr sz="1600"/>
+              <a:defRPr>
+                <a:solidFill>
+                  <a:schemeClr val="tx1">
+                    <a:tint val="75000"/>
+                  </a:schemeClr>
+                </a:solidFill>
+              </a:defRPr>
             </a:lvl9pPr>
           </a:lstStyle>
           <a:p>
@@ -237,18 +308,13 @@
               <a:rPr lang="en-US"/>
               <a:t>Click to edit Master subtitle style</a:t>
             </a:r>
-          </a:p>
-        </p:txBody>
-      </p:sp>
-      <p:sp>
-        <p:nvSpPr>
-          <p:cNvPr id="4" name="Date Placeholder 3">
-            <a:extLst>
-              <a:ext uri="{FF2B5EF4-FFF2-40B4-BE49-F238E27FC236}">
-                <a16:creationId xmlns:a16="http://schemas.microsoft.com/office/drawing/2014/main" id="{F0C152F3-76E6-B69C-DD85-A88DE4D279ED}"/>
-              </a:ext>
-            </a:extLst>
-          </p:cNvPr>
+            <a:endParaRPr lang="en-US" dirty="0"/>
+          </a:p>
+        </p:txBody>
+      </p:sp>
+      <p:sp>
+        <p:nvSpPr>
+          <p:cNvPr id="4" name="Date Placeholder 3"/>
           <p:cNvSpPr>
             <a:spLocks noGrp="1"/>
           </p:cNvSpPr>
@@ -271,13 +337,7 @@
       </p:sp>
       <p:sp>
         <p:nvSpPr>
-          <p:cNvPr id="5" name="Footer Placeholder 4">
-            <a:extLst>
-              <a:ext uri="{FF2B5EF4-FFF2-40B4-BE49-F238E27FC236}">
-                <a16:creationId xmlns:a16="http://schemas.microsoft.com/office/drawing/2014/main" id="{3712930F-9BFF-4DD2-BF3D-1C9016C3124D}"/>
-              </a:ext>
-            </a:extLst>
-          </p:cNvPr>
+          <p:cNvPr id="5" name="Footer Placeholder 4"/>
           <p:cNvSpPr>
             <a:spLocks noGrp="1"/>
           </p:cNvSpPr>
@@ -296,13 +356,7 @@
       </p:sp>
       <p:sp>
         <p:nvSpPr>
-          <p:cNvPr id="6" name="Slide Number Placeholder 5">
-            <a:extLst>
-              <a:ext uri="{FF2B5EF4-FFF2-40B4-BE49-F238E27FC236}">
-                <a16:creationId xmlns:a16="http://schemas.microsoft.com/office/drawing/2014/main" id="{A975D1D7-C5CC-78E6-C839-C5DD5B3E3252}"/>
-              </a:ext>
-            </a:extLst>
-          </p:cNvPr>
+          <p:cNvPr id="6" name="Slide Number Placeholder 5"/>
           <p:cNvSpPr>
             <a:spLocks noGrp="1"/>
           </p:cNvSpPr>
@@ -326,7 +380,7 @@
     </p:spTree>
     <p:extLst>
       <p:ext uri="{BB962C8B-B14F-4D97-AF65-F5344CB8AC3E}">
-        <p14:creationId xmlns:p14="http://schemas.microsoft.com/office/powerpoint/2010/main" val="2237276118"/>
+        <p14:creationId xmlns:p14="http://schemas.microsoft.com/office/powerpoint/2010/main" val="2265708655"/>
       </p:ext>
     </p:extLst>
   </p:cSld>
@@ -337,6 +391,2113 @@
 </file>
 
 <file path=ppt/slideLayouts/slideLayout10.xml><?xml version="1.0" encoding="utf-8"?>
+<p:sldLayout xmlns:a="http://schemas.openxmlformats.org/drawingml/2006/main" xmlns:r="http://schemas.openxmlformats.org/officeDocument/2006/relationships" xmlns:p="http://schemas.openxmlformats.org/presentationml/2006/main" preserve="1">
+  <p:cSld name="Panoramic Picture with Caption">
+    <p:spTree>
+      <p:nvGrpSpPr>
+        <p:cNvPr id="1" name=""/>
+        <p:cNvGrpSpPr/>
+        <p:nvPr/>
+      </p:nvGrpSpPr>
+      <p:grpSpPr>
+        <a:xfrm>
+          <a:off x="0" y="0"/>
+          <a:ext cx="0" cy="0"/>
+          <a:chOff x="0" y="0"/>
+          <a:chExt cx="0" cy="0"/>
+        </a:xfrm>
+      </p:grpSpPr>
+      <p:sp>
+        <p:nvSpPr>
+          <p:cNvPr id="2" name="Title 1"/>
+          <p:cNvSpPr>
+            <a:spLocks noGrp="1"/>
+          </p:cNvSpPr>
+          <p:nvPr>
+            <p:ph type="title"/>
+          </p:nvPr>
+        </p:nvSpPr>
+        <p:spPr>
+          <a:xfrm>
+            <a:off x="1141413" y="4732865"/>
+            <a:ext cx="9906000" cy="566738"/>
+          </a:xfrm>
+        </p:spPr>
+        <p:txBody>
+          <a:bodyPr anchor="b">
+            <a:normAutofit/>
+          </a:bodyPr>
+          <a:lstStyle>
+            <a:lvl1pPr algn="l">
+              <a:defRPr sz="2400" b="0"/>
+            </a:lvl1pPr>
+          </a:lstStyle>
+          <a:p>
+            <a:r>
+              <a:rPr lang="en-US"/>
+              <a:t>Click to edit Master title style</a:t>
+            </a:r>
+            <a:endParaRPr lang="en-US" dirty="0"/>
+          </a:p>
+        </p:txBody>
+      </p:sp>
+      <p:sp>
+        <p:nvSpPr>
+          <p:cNvPr id="3" name="Picture Placeholder 2"/>
+          <p:cNvSpPr>
+            <a:spLocks noGrp="1" noChangeAspect="1"/>
+          </p:cNvSpPr>
+          <p:nvPr>
+            <p:ph type="pic" idx="1"/>
+          </p:nvPr>
+        </p:nvSpPr>
+        <p:spPr>
+          <a:xfrm>
+            <a:off x="1979612" y="932112"/>
+            <a:ext cx="8225944" cy="3164976"/>
+          </a:xfrm>
+          <a:prstGeom prst="roundRect">
+            <a:avLst>
+              <a:gd name="adj" fmla="val 4380"/>
+            </a:avLst>
+          </a:prstGeom>
+          <a:ln w="38100">
+            <a:gradFill flip="none" rotWithShape="1">
+              <a:gsLst>
+                <a:gs pos="0">
+                  <a:schemeClr val="bg2"/>
+                </a:gs>
+                <a:gs pos="100000">
+                  <a:schemeClr val="bg2">
+                    <a:lumMod val="75000"/>
+                  </a:schemeClr>
+                </a:gs>
+              </a:gsLst>
+              <a:lin ang="5400000" scaled="0"/>
+              <a:tileRect/>
+            </a:gradFill>
+          </a:ln>
+          <a:effectLst>
+            <a:innerShdw blurRad="57150" dist="38100" dir="14460000">
+              <a:srgbClr val="000000">
+                <a:alpha val="70000"/>
+              </a:srgbClr>
+            </a:innerShdw>
+          </a:effectLst>
+        </p:spPr>
+        <p:txBody>
+          <a:bodyPr anchor="t">
+            <a:normAutofit/>
+          </a:bodyPr>
+          <a:lstStyle>
+            <a:lvl1pPr marL="0" indent="0" algn="ctr">
+              <a:buNone/>
+              <a:defRPr sz="1600"/>
+            </a:lvl1pPr>
+            <a:lvl2pPr marL="457200" indent="0">
+              <a:buNone/>
+              <a:defRPr sz="1600"/>
+            </a:lvl2pPr>
+            <a:lvl3pPr marL="914400" indent="0">
+              <a:buNone/>
+              <a:defRPr sz="1600"/>
+            </a:lvl3pPr>
+            <a:lvl4pPr marL="1371600" indent="0">
+              <a:buNone/>
+              <a:defRPr sz="1600"/>
+            </a:lvl4pPr>
+            <a:lvl5pPr marL="1828800" indent="0">
+              <a:buNone/>
+              <a:defRPr sz="1600"/>
+            </a:lvl5pPr>
+            <a:lvl6pPr marL="2286000" indent="0">
+              <a:buNone/>
+              <a:defRPr sz="1600"/>
+            </a:lvl6pPr>
+            <a:lvl7pPr marL="2743200" indent="0">
+              <a:buNone/>
+              <a:defRPr sz="1600"/>
+            </a:lvl7pPr>
+            <a:lvl8pPr marL="3200400" indent="0">
+              <a:buNone/>
+              <a:defRPr sz="1600"/>
+            </a:lvl8pPr>
+            <a:lvl9pPr marL="3657600" indent="0">
+              <a:buNone/>
+              <a:defRPr sz="1600"/>
+            </a:lvl9pPr>
+          </a:lstStyle>
+          <a:p>
+            <a:r>
+              <a:rPr lang="en-US"/>
+              <a:t>Click icon to add picture</a:t>
+            </a:r>
+            <a:endParaRPr lang="en-US" dirty="0"/>
+          </a:p>
+        </p:txBody>
+      </p:sp>
+      <p:sp>
+        <p:nvSpPr>
+          <p:cNvPr id="4" name="Text Placeholder 3"/>
+          <p:cNvSpPr>
+            <a:spLocks noGrp="1"/>
+          </p:cNvSpPr>
+          <p:nvPr>
+            <p:ph type="body" sz="half" idx="2"/>
+          </p:nvPr>
+        </p:nvSpPr>
+        <p:spPr>
+          <a:xfrm>
+            <a:off x="1141413" y="5299603"/>
+            <a:ext cx="9906000" cy="493712"/>
+          </a:xfrm>
+        </p:spPr>
+        <p:txBody>
+          <a:bodyPr>
+            <a:normAutofit/>
+          </a:bodyPr>
+          <a:lstStyle>
+            <a:lvl1pPr marL="0" indent="0">
+              <a:buNone/>
+              <a:defRPr sz="1400"/>
+            </a:lvl1pPr>
+            <a:lvl2pPr marL="457200" indent="0">
+              <a:buNone/>
+              <a:defRPr sz="1200"/>
+            </a:lvl2pPr>
+            <a:lvl3pPr marL="914400" indent="0">
+              <a:buNone/>
+              <a:defRPr sz="1000"/>
+            </a:lvl3pPr>
+            <a:lvl4pPr marL="1371600" indent="0">
+              <a:buNone/>
+              <a:defRPr sz="900"/>
+            </a:lvl4pPr>
+            <a:lvl5pPr marL="1828800" indent="0">
+              <a:buNone/>
+              <a:defRPr sz="900"/>
+            </a:lvl5pPr>
+            <a:lvl6pPr marL="2286000" indent="0">
+              <a:buNone/>
+              <a:defRPr sz="900"/>
+            </a:lvl6pPr>
+            <a:lvl7pPr marL="2743200" indent="0">
+              <a:buNone/>
+              <a:defRPr sz="900"/>
+            </a:lvl7pPr>
+            <a:lvl8pPr marL="3200400" indent="0">
+              <a:buNone/>
+              <a:defRPr sz="900"/>
+            </a:lvl8pPr>
+            <a:lvl9pPr marL="3657600" indent="0">
+              <a:buNone/>
+              <a:defRPr sz="900"/>
+            </a:lvl9pPr>
+          </a:lstStyle>
+          <a:p>
+            <a:pPr lvl="0"/>
+            <a:r>
+              <a:rPr lang="en-US"/>
+              <a:t>Click to edit Master text styles</a:t>
+            </a:r>
+          </a:p>
+        </p:txBody>
+      </p:sp>
+      <p:sp>
+        <p:nvSpPr>
+          <p:cNvPr id="5" name="Date Placeholder 4"/>
+          <p:cNvSpPr>
+            <a:spLocks noGrp="1"/>
+          </p:cNvSpPr>
+          <p:nvPr>
+            <p:ph type="dt" sz="half" idx="10"/>
+          </p:nvPr>
+        </p:nvSpPr>
+        <p:spPr/>
+        <p:txBody>
+          <a:bodyPr/>
+          <a:lstStyle/>
+          <a:p>
+            <a:fld id="{498091AC-18C7-4233-95AF-D63622717748}" type="datetimeFigureOut">
+              <a:rPr lang="en-US" smtClean="0"/>
+              <a:t>7/22/2025</a:t>
+            </a:fld>
+            <a:endParaRPr lang="en-US"/>
+          </a:p>
+        </p:txBody>
+      </p:sp>
+      <p:sp>
+        <p:nvSpPr>
+          <p:cNvPr id="6" name="Footer Placeholder 5"/>
+          <p:cNvSpPr>
+            <a:spLocks noGrp="1"/>
+          </p:cNvSpPr>
+          <p:nvPr>
+            <p:ph type="ftr" sz="quarter" idx="11"/>
+          </p:nvPr>
+        </p:nvSpPr>
+        <p:spPr/>
+        <p:txBody>
+          <a:bodyPr/>
+          <a:lstStyle/>
+          <a:p>
+            <a:endParaRPr lang="en-US"/>
+          </a:p>
+        </p:txBody>
+      </p:sp>
+      <p:sp>
+        <p:nvSpPr>
+          <p:cNvPr id="7" name="Slide Number Placeholder 6"/>
+          <p:cNvSpPr>
+            <a:spLocks noGrp="1"/>
+          </p:cNvSpPr>
+          <p:nvPr>
+            <p:ph type="sldNum" sz="quarter" idx="12"/>
+          </p:nvPr>
+        </p:nvSpPr>
+        <p:spPr/>
+        <p:txBody>
+          <a:bodyPr/>
+          <a:lstStyle/>
+          <a:p>
+            <a:fld id="{2ED05E14-59B9-4AB9-9978-68B9D26F8450}" type="slidenum">
+              <a:rPr lang="en-US" smtClean="0"/>
+              <a:t>‹#›</a:t>
+            </a:fld>
+            <a:endParaRPr lang="en-US"/>
+          </a:p>
+        </p:txBody>
+      </p:sp>
+    </p:spTree>
+    <p:extLst>
+      <p:ext uri="{BB962C8B-B14F-4D97-AF65-F5344CB8AC3E}">
+        <p14:creationId xmlns:p14="http://schemas.microsoft.com/office/powerpoint/2010/main" val="320842763"/>
+      </p:ext>
+    </p:extLst>
+  </p:cSld>
+  <p:clrMapOvr>
+    <a:masterClrMapping/>
+  </p:clrMapOvr>
+</p:sldLayout>
+</file>
+
+<file path=ppt/slideLayouts/slideLayout11.xml><?xml version="1.0" encoding="utf-8"?>
+<p:sldLayout xmlns:a="http://schemas.openxmlformats.org/drawingml/2006/main" xmlns:r="http://schemas.openxmlformats.org/officeDocument/2006/relationships" xmlns:p="http://schemas.openxmlformats.org/presentationml/2006/main" preserve="1">
+  <p:cSld name="Title and Caption">
+    <p:spTree>
+      <p:nvGrpSpPr>
+        <p:cNvPr id="1" name=""/>
+        <p:cNvGrpSpPr/>
+        <p:nvPr/>
+      </p:nvGrpSpPr>
+      <p:grpSpPr>
+        <a:xfrm>
+          <a:off x="0" y="0"/>
+          <a:ext cx="0" cy="0"/>
+          <a:chOff x="0" y="0"/>
+          <a:chExt cx="0" cy="0"/>
+        </a:xfrm>
+      </p:grpSpPr>
+      <p:sp>
+        <p:nvSpPr>
+          <p:cNvPr id="2" name="Title 1"/>
+          <p:cNvSpPr>
+            <a:spLocks noGrp="1"/>
+          </p:cNvSpPr>
+          <p:nvPr>
+            <p:ph type="title"/>
+          </p:nvPr>
+        </p:nvSpPr>
+        <p:spPr>
+          <a:xfrm>
+            <a:off x="1141412" y="609601"/>
+            <a:ext cx="9905999" cy="3124199"/>
+          </a:xfrm>
+        </p:spPr>
+        <p:txBody>
+          <a:bodyPr anchor="ctr">
+            <a:normAutofit/>
+          </a:bodyPr>
+          <a:lstStyle>
+            <a:lvl1pPr algn="l">
+              <a:defRPr sz="3200" b="0" cap="all"/>
+            </a:lvl1pPr>
+          </a:lstStyle>
+          <a:p>
+            <a:r>
+              <a:rPr lang="en-US"/>
+              <a:t>Click to edit Master title style</a:t>
+            </a:r>
+            <a:endParaRPr lang="en-US" dirty="0"/>
+          </a:p>
+        </p:txBody>
+      </p:sp>
+      <p:sp>
+        <p:nvSpPr>
+          <p:cNvPr id="3" name="Text Placeholder 2"/>
+          <p:cNvSpPr>
+            <a:spLocks noGrp="1"/>
+          </p:cNvSpPr>
+          <p:nvPr>
+            <p:ph type="body" idx="1"/>
+          </p:nvPr>
+        </p:nvSpPr>
+        <p:spPr>
+          <a:xfrm>
+            <a:off x="1141411" y="4343400"/>
+            <a:ext cx="9906000" cy="1447800"/>
+          </a:xfrm>
+        </p:spPr>
+        <p:txBody>
+          <a:bodyPr anchor="ctr">
+            <a:normAutofit/>
+          </a:bodyPr>
+          <a:lstStyle>
+            <a:lvl1pPr marL="0" indent="0" algn="l">
+              <a:buNone/>
+              <a:defRPr sz="2000">
+                <a:gradFill flip="none" rotWithShape="1">
+                  <a:gsLst>
+                    <a:gs pos="0">
+                      <a:schemeClr val="tx1"/>
+                    </a:gs>
+                    <a:gs pos="100000">
+                      <a:schemeClr val="tx1">
+                        <a:lumMod val="75000"/>
+                      </a:schemeClr>
+                    </a:gs>
+                  </a:gsLst>
+                  <a:lin ang="5400000" scaled="0"/>
+                  <a:tileRect/>
+                </a:gradFill>
+              </a:defRPr>
+            </a:lvl1pPr>
+            <a:lvl2pPr marL="457200" indent="0">
+              <a:buNone/>
+              <a:defRPr sz="1800">
+                <a:solidFill>
+                  <a:schemeClr val="tx1">
+                    <a:tint val="75000"/>
+                  </a:schemeClr>
+                </a:solidFill>
+              </a:defRPr>
+            </a:lvl2pPr>
+            <a:lvl3pPr marL="914400" indent="0">
+              <a:buNone/>
+              <a:defRPr sz="1600">
+                <a:solidFill>
+                  <a:schemeClr val="tx1">
+                    <a:tint val="75000"/>
+                  </a:schemeClr>
+                </a:solidFill>
+              </a:defRPr>
+            </a:lvl3pPr>
+            <a:lvl4pPr marL="1371600" indent="0">
+              <a:buNone/>
+              <a:defRPr sz="1400">
+                <a:solidFill>
+                  <a:schemeClr val="tx1">
+                    <a:tint val="75000"/>
+                  </a:schemeClr>
+                </a:solidFill>
+              </a:defRPr>
+            </a:lvl4pPr>
+            <a:lvl5pPr marL="1828800" indent="0">
+              <a:buNone/>
+              <a:defRPr sz="1400">
+                <a:solidFill>
+                  <a:schemeClr val="tx1">
+                    <a:tint val="75000"/>
+                  </a:schemeClr>
+                </a:solidFill>
+              </a:defRPr>
+            </a:lvl5pPr>
+            <a:lvl6pPr marL="2286000" indent="0">
+              <a:buNone/>
+              <a:defRPr sz="1400">
+                <a:solidFill>
+                  <a:schemeClr val="tx1">
+                    <a:tint val="75000"/>
+                  </a:schemeClr>
+                </a:solidFill>
+              </a:defRPr>
+            </a:lvl6pPr>
+            <a:lvl7pPr marL="2743200" indent="0">
+              <a:buNone/>
+              <a:defRPr sz="1400">
+                <a:solidFill>
+                  <a:schemeClr val="tx1">
+                    <a:tint val="75000"/>
+                  </a:schemeClr>
+                </a:solidFill>
+              </a:defRPr>
+            </a:lvl7pPr>
+            <a:lvl8pPr marL="3200400" indent="0">
+              <a:buNone/>
+              <a:defRPr sz="1400">
+                <a:solidFill>
+                  <a:schemeClr val="tx1">
+                    <a:tint val="75000"/>
+                  </a:schemeClr>
+                </a:solidFill>
+              </a:defRPr>
+            </a:lvl8pPr>
+            <a:lvl9pPr marL="3657600" indent="0">
+              <a:buNone/>
+              <a:defRPr sz="1400">
+                <a:solidFill>
+                  <a:schemeClr val="tx1">
+                    <a:tint val="75000"/>
+                  </a:schemeClr>
+                </a:solidFill>
+              </a:defRPr>
+            </a:lvl9pPr>
+          </a:lstStyle>
+          <a:p>
+            <a:pPr lvl="0"/>
+            <a:r>
+              <a:rPr lang="en-US"/>
+              <a:t>Click to edit Master text styles</a:t>
+            </a:r>
+          </a:p>
+        </p:txBody>
+      </p:sp>
+      <p:sp>
+        <p:nvSpPr>
+          <p:cNvPr id="4" name="Date Placeholder 3"/>
+          <p:cNvSpPr>
+            <a:spLocks noGrp="1"/>
+          </p:cNvSpPr>
+          <p:nvPr>
+            <p:ph type="dt" sz="half" idx="10"/>
+          </p:nvPr>
+        </p:nvSpPr>
+        <p:spPr/>
+        <p:txBody>
+          <a:bodyPr/>
+          <a:lstStyle/>
+          <a:p>
+            <a:fld id="{498091AC-18C7-4233-95AF-D63622717748}" type="datetimeFigureOut">
+              <a:rPr lang="en-US" smtClean="0"/>
+              <a:t>7/22/2025</a:t>
+            </a:fld>
+            <a:endParaRPr lang="en-US"/>
+          </a:p>
+        </p:txBody>
+      </p:sp>
+      <p:sp>
+        <p:nvSpPr>
+          <p:cNvPr id="5" name="Footer Placeholder 4"/>
+          <p:cNvSpPr>
+            <a:spLocks noGrp="1"/>
+          </p:cNvSpPr>
+          <p:nvPr>
+            <p:ph type="ftr" sz="quarter" idx="11"/>
+          </p:nvPr>
+        </p:nvSpPr>
+        <p:spPr/>
+        <p:txBody>
+          <a:bodyPr/>
+          <a:lstStyle/>
+          <a:p>
+            <a:endParaRPr lang="en-US"/>
+          </a:p>
+        </p:txBody>
+      </p:sp>
+      <p:sp>
+        <p:nvSpPr>
+          <p:cNvPr id="6" name="Slide Number Placeholder 5"/>
+          <p:cNvSpPr>
+            <a:spLocks noGrp="1"/>
+          </p:cNvSpPr>
+          <p:nvPr>
+            <p:ph type="sldNum" sz="quarter" idx="12"/>
+          </p:nvPr>
+        </p:nvSpPr>
+        <p:spPr/>
+        <p:txBody>
+          <a:bodyPr/>
+          <a:lstStyle/>
+          <a:p>
+            <a:fld id="{2ED05E14-59B9-4AB9-9978-68B9D26F8450}" type="slidenum">
+              <a:rPr lang="en-US" smtClean="0"/>
+              <a:t>‹#›</a:t>
+            </a:fld>
+            <a:endParaRPr lang="en-US"/>
+          </a:p>
+        </p:txBody>
+      </p:sp>
+    </p:spTree>
+    <p:extLst>
+      <p:ext uri="{BB962C8B-B14F-4D97-AF65-F5344CB8AC3E}">
+        <p14:creationId xmlns:p14="http://schemas.microsoft.com/office/powerpoint/2010/main" val="2496013779"/>
+      </p:ext>
+    </p:extLst>
+  </p:cSld>
+  <p:clrMapOvr>
+    <a:masterClrMapping/>
+  </p:clrMapOvr>
+</p:sldLayout>
+</file>
+
+<file path=ppt/slideLayouts/slideLayout12.xml><?xml version="1.0" encoding="utf-8"?>
+<p:sldLayout xmlns:a="http://schemas.openxmlformats.org/drawingml/2006/main" xmlns:r="http://schemas.openxmlformats.org/officeDocument/2006/relationships" xmlns:p="http://schemas.openxmlformats.org/presentationml/2006/main" preserve="1">
+  <p:cSld name="Quote with Caption">
+    <p:spTree>
+      <p:nvGrpSpPr>
+        <p:cNvPr id="1" name=""/>
+        <p:cNvGrpSpPr/>
+        <p:nvPr/>
+      </p:nvGrpSpPr>
+      <p:grpSpPr>
+        <a:xfrm>
+          <a:off x="0" y="0"/>
+          <a:ext cx="0" cy="0"/>
+          <a:chOff x="0" y="0"/>
+          <a:chExt cx="0" cy="0"/>
+        </a:xfrm>
+      </p:grpSpPr>
+      <p:sp>
+        <p:nvSpPr>
+          <p:cNvPr id="14" name="TextBox 13"/>
+          <p:cNvSpPr txBox="1"/>
+          <p:nvPr/>
+        </p:nvSpPr>
+        <p:spPr>
+          <a:xfrm>
+            <a:off x="836612" y="786824"/>
+            <a:ext cx="609600" cy="584776"/>
+          </a:xfrm>
+          <a:prstGeom prst="rect">
+            <a:avLst/>
+          </a:prstGeom>
+        </p:spPr>
+        <p:txBody>
+          <a:bodyPr vert="horz" lIns="91440" tIns="45720" rIns="91440" bIns="45720" rtlCol="0" anchor="ctr">
+            <a:noAutofit/>
+          </a:bodyPr>
+          <a:lstStyle>
+            <a:lvl1pPr>
+              <a:spcBef>
+                <a:spcPct val="0"/>
+              </a:spcBef>
+              <a:buNone/>
+              <a:defRPr sz="3200" b="0" cap="all">
+                <a:ln w="3175" cmpd="sng">
+                  <a:noFill/>
+                </a:ln>
+                <a:effectLst>
+                  <a:glow rad="38100">
+                    <a:schemeClr val="bg1">
+                      <a:lumMod val="65000"/>
+                      <a:lumOff val="35000"/>
+                      <a:alpha val="40000"/>
+                    </a:schemeClr>
+                  </a:glow>
+                  <a:outerShdw blurRad="28575" dist="38100" dir="14040000" algn="tl" rotWithShape="0">
+                    <a:srgbClr val="000000">
+                      <a:alpha val="25000"/>
+                    </a:srgbClr>
+                  </a:outerShdw>
+                </a:effectLst>
+              </a:defRPr>
+            </a:lvl1pPr>
+            <a:lvl2pPr>
+              <a:defRPr>
+                <a:solidFill>
+                  <a:schemeClr val="tx2"/>
+                </a:solidFill>
+              </a:defRPr>
+            </a:lvl2pPr>
+            <a:lvl3pPr>
+              <a:defRPr>
+                <a:solidFill>
+                  <a:schemeClr val="tx2"/>
+                </a:solidFill>
+              </a:defRPr>
+            </a:lvl3pPr>
+            <a:lvl4pPr>
+              <a:defRPr>
+                <a:solidFill>
+                  <a:schemeClr val="tx2"/>
+                </a:solidFill>
+              </a:defRPr>
+            </a:lvl4pPr>
+            <a:lvl5pPr>
+              <a:defRPr>
+                <a:solidFill>
+                  <a:schemeClr val="tx2"/>
+                </a:solidFill>
+              </a:defRPr>
+            </a:lvl5pPr>
+            <a:lvl6pPr>
+              <a:defRPr>
+                <a:solidFill>
+                  <a:schemeClr val="tx2"/>
+                </a:solidFill>
+              </a:defRPr>
+            </a:lvl6pPr>
+            <a:lvl7pPr>
+              <a:defRPr>
+                <a:solidFill>
+                  <a:schemeClr val="tx2"/>
+                </a:solidFill>
+              </a:defRPr>
+            </a:lvl7pPr>
+            <a:lvl8pPr>
+              <a:defRPr>
+                <a:solidFill>
+                  <a:schemeClr val="tx2"/>
+                </a:solidFill>
+              </a:defRPr>
+            </a:lvl8pPr>
+            <a:lvl9pPr>
+              <a:defRPr>
+                <a:solidFill>
+                  <a:schemeClr val="tx2"/>
+                </a:solidFill>
+              </a:defRPr>
+            </a:lvl9pPr>
+          </a:lstStyle>
+          <a:p>
+            <a:pPr lvl="0"/>
+            <a:r>
+              <a:rPr lang="en-US" sz="8000" dirty="0">
+                <a:solidFill>
+                  <a:schemeClr val="accent1"/>
+                </a:solidFill>
+              </a:rPr>
+              <a:t>“</a:t>
+            </a:r>
+          </a:p>
+        </p:txBody>
+      </p:sp>
+      <p:sp>
+        <p:nvSpPr>
+          <p:cNvPr id="15" name="TextBox 14"/>
+          <p:cNvSpPr txBox="1"/>
+          <p:nvPr/>
+        </p:nvSpPr>
+        <p:spPr>
+          <a:xfrm>
+            <a:off x="10437812" y="2743200"/>
+            <a:ext cx="609600" cy="584776"/>
+          </a:xfrm>
+          <a:prstGeom prst="rect">
+            <a:avLst/>
+          </a:prstGeom>
+        </p:spPr>
+        <p:txBody>
+          <a:bodyPr vert="horz" lIns="91440" tIns="45720" rIns="91440" bIns="45720" rtlCol="0" anchor="ctr">
+            <a:noAutofit/>
+          </a:bodyPr>
+          <a:lstStyle>
+            <a:lvl1pPr>
+              <a:spcBef>
+                <a:spcPct val="0"/>
+              </a:spcBef>
+              <a:buNone/>
+              <a:defRPr sz="3200" b="0" cap="all">
+                <a:ln w="3175" cmpd="sng">
+                  <a:noFill/>
+                </a:ln>
+                <a:effectLst>
+                  <a:glow rad="38100">
+                    <a:schemeClr val="bg1">
+                      <a:lumMod val="65000"/>
+                      <a:lumOff val="35000"/>
+                      <a:alpha val="40000"/>
+                    </a:schemeClr>
+                  </a:glow>
+                  <a:outerShdw blurRad="28575" dist="38100" dir="14040000" algn="tl" rotWithShape="0">
+                    <a:srgbClr val="000000">
+                      <a:alpha val="25000"/>
+                    </a:srgbClr>
+                  </a:outerShdw>
+                </a:effectLst>
+              </a:defRPr>
+            </a:lvl1pPr>
+            <a:lvl2pPr>
+              <a:defRPr>
+                <a:solidFill>
+                  <a:schemeClr val="tx2"/>
+                </a:solidFill>
+              </a:defRPr>
+            </a:lvl2pPr>
+            <a:lvl3pPr>
+              <a:defRPr>
+                <a:solidFill>
+                  <a:schemeClr val="tx2"/>
+                </a:solidFill>
+              </a:defRPr>
+            </a:lvl3pPr>
+            <a:lvl4pPr>
+              <a:defRPr>
+                <a:solidFill>
+                  <a:schemeClr val="tx2"/>
+                </a:solidFill>
+              </a:defRPr>
+            </a:lvl4pPr>
+            <a:lvl5pPr>
+              <a:defRPr>
+                <a:solidFill>
+                  <a:schemeClr val="tx2"/>
+                </a:solidFill>
+              </a:defRPr>
+            </a:lvl5pPr>
+            <a:lvl6pPr>
+              <a:defRPr>
+                <a:solidFill>
+                  <a:schemeClr val="tx2"/>
+                </a:solidFill>
+              </a:defRPr>
+            </a:lvl6pPr>
+            <a:lvl7pPr>
+              <a:defRPr>
+                <a:solidFill>
+                  <a:schemeClr val="tx2"/>
+                </a:solidFill>
+              </a:defRPr>
+            </a:lvl7pPr>
+            <a:lvl8pPr>
+              <a:defRPr>
+                <a:solidFill>
+                  <a:schemeClr val="tx2"/>
+                </a:solidFill>
+              </a:defRPr>
+            </a:lvl8pPr>
+            <a:lvl9pPr>
+              <a:defRPr>
+                <a:solidFill>
+                  <a:schemeClr val="tx2"/>
+                </a:solidFill>
+              </a:defRPr>
+            </a:lvl9pPr>
+          </a:lstStyle>
+          <a:p>
+            <a:pPr lvl="0" algn="r"/>
+            <a:r>
+              <a:rPr lang="en-US" sz="8000" dirty="0">
+                <a:solidFill>
+                  <a:schemeClr val="accent1"/>
+                </a:solidFill>
+              </a:rPr>
+              <a:t>”</a:t>
+            </a:r>
+          </a:p>
+        </p:txBody>
+      </p:sp>
+      <p:sp>
+        <p:nvSpPr>
+          <p:cNvPr id="2" name="Title 1"/>
+          <p:cNvSpPr>
+            <a:spLocks noGrp="1"/>
+          </p:cNvSpPr>
+          <p:nvPr>
+            <p:ph type="title"/>
+          </p:nvPr>
+        </p:nvSpPr>
+        <p:spPr>
+          <a:xfrm>
+            <a:off x="1446213" y="609601"/>
+            <a:ext cx="9296398" cy="2743199"/>
+          </a:xfrm>
+        </p:spPr>
+        <p:txBody>
+          <a:bodyPr anchor="ctr">
+            <a:normAutofit/>
+          </a:bodyPr>
+          <a:lstStyle>
+            <a:lvl1pPr algn="l">
+              <a:defRPr sz="3200" b="0" cap="all">
+                <a:solidFill>
+                  <a:schemeClr val="tx1"/>
+                </a:solidFill>
+              </a:defRPr>
+            </a:lvl1pPr>
+          </a:lstStyle>
+          <a:p>
+            <a:r>
+              <a:rPr lang="en-US"/>
+              <a:t>Click to edit Master title style</a:t>
+            </a:r>
+            <a:endParaRPr lang="en-US" dirty="0"/>
+          </a:p>
+        </p:txBody>
+      </p:sp>
+      <p:sp>
+        <p:nvSpPr>
+          <p:cNvPr id="10" name="Text Placeholder 9"/>
+          <p:cNvSpPr>
+            <a:spLocks noGrp="1"/>
+          </p:cNvSpPr>
+          <p:nvPr>
+            <p:ph type="body" sz="quarter" idx="13"/>
+          </p:nvPr>
+        </p:nvSpPr>
+        <p:spPr>
+          <a:xfrm>
+            <a:off x="1674812" y="3352800"/>
+            <a:ext cx="8839202" cy="381000"/>
+          </a:xfrm>
+        </p:spPr>
+        <p:txBody>
+          <a:bodyPr anchor="ctr"/>
+          <a:lstStyle>
+            <a:lvl1pPr marL="0" indent="0">
+              <a:buFontTx/>
+              <a:buNone/>
+              <a:defRPr/>
+            </a:lvl1pPr>
+            <a:lvl2pPr marL="457200" indent="0">
+              <a:buFontTx/>
+              <a:buNone/>
+              <a:defRPr/>
+            </a:lvl2pPr>
+            <a:lvl3pPr marL="914400" indent="0">
+              <a:buFontTx/>
+              <a:buNone/>
+              <a:defRPr/>
+            </a:lvl3pPr>
+            <a:lvl4pPr marL="1371600" indent="0">
+              <a:buFontTx/>
+              <a:buNone/>
+              <a:defRPr/>
+            </a:lvl4pPr>
+            <a:lvl5pPr marL="1828800" indent="0">
+              <a:buFontTx/>
+              <a:buNone/>
+              <a:defRPr/>
+            </a:lvl5pPr>
+          </a:lstStyle>
+          <a:p>
+            <a:pPr lvl="0"/>
+            <a:r>
+              <a:rPr lang="en-US"/>
+              <a:t>Click to edit Master text styles</a:t>
+            </a:r>
+          </a:p>
+        </p:txBody>
+      </p:sp>
+      <p:sp>
+        <p:nvSpPr>
+          <p:cNvPr id="3" name="Text Placeholder 2"/>
+          <p:cNvSpPr>
+            <a:spLocks noGrp="1"/>
+          </p:cNvSpPr>
+          <p:nvPr>
+            <p:ph type="body" idx="1"/>
+          </p:nvPr>
+        </p:nvSpPr>
+        <p:spPr>
+          <a:xfrm>
+            <a:off x="1141411" y="4343400"/>
+            <a:ext cx="9906000" cy="1447800"/>
+          </a:xfrm>
+        </p:spPr>
+        <p:txBody>
+          <a:bodyPr vert="horz" lIns="91440" tIns="45720" rIns="91440" bIns="45720" rtlCol="0" anchor="ctr">
+            <a:normAutofit/>
+          </a:bodyPr>
+          <a:lstStyle>
+            <a:lvl1pPr>
+              <a:buNone/>
+              <a:defRPr lang="en-US" sz="2000">
+                <a:gradFill flip="none" rotWithShape="1">
+                  <a:gsLst>
+                    <a:gs pos="0">
+                      <a:schemeClr val="tx1"/>
+                    </a:gs>
+                    <a:gs pos="100000">
+                      <a:schemeClr val="tx1">
+                        <a:lumMod val="75000"/>
+                      </a:schemeClr>
+                    </a:gs>
+                  </a:gsLst>
+                  <a:lin ang="5400000" scaled="0"/>
+                  <a:tileRect/>
+                </a:gradFill>
+              </a:defRPr>
+            </a:lvl1pPr>
+          </a:lstStyle>
+          <a:p>
+            <a:pPr marL="0" lvl="0" indent="0">
+              <a:buNone/>
+            </a:pPr>
+            <a:r>
+              <a:rPr lang="en-US"/>
+              <a:t>Click to edit Master text styles</a:t>
+            </a:r>
+          </a:p>
+        </p:txBody>
+      </p:sp>
+      <p:sp>
+        <p:nvSpPr>
+          <p:cNvPr id="4" name="Date Placeholder 3"/>
+          <p:cNvSpPr>
+            <a:spLocks noGrp="1"/>
+          </p:cNvSpPr>
+          <p:nvPr>
+            <p:ph type="dt" sz="half" idx="10"/>
+          </p:nvPr>
+        </p:nvSpPr>
+        <p:spPr/>
+        <p:txBody>
+          <a:bodyPr/>
+          <a:lstStyle/>
+          <a:p>
+            <a:fld id="{498091AC-18C7-4233-95AF-D63622717748}" type="datetimeFigureOut">
+              <a:rPr lang="en-US" smtClean="0"/>
+              <a:t>7/22/2025</a:t>
+            </a:fld>
+            <a:endParaRPr lang="en-US"/>
+          </a:p>
+        </p:txBody>
+      </p:sp>
+      <p:sp>
+        <p:nvSpPr>
+          <p:cNvPr id="5" name="Footer Placeholder 4"/>
+          <p:cNvSpPr>
+            <a:spLocks noGrp="1"/>
+          </p:cNvSpPr>
+          <p:nvPr>
+            <p:ph type="ftr" sz="quarter" idx="11"/>
+          </p:nvPr>
+        </p:nvSpPr>
+        <p:spPr/>
+        <p:txBody>
+          <a:bodyPr/>
+          <a:lstStyle/>
+          <a:p>
+            <a:endParaRPr lang="en-US"/>
+          </a:p>
+        </p:txBody>
+      </p:sp>
+      <p:sp>
+        <p:nvSpPr>
+          <p:cNvPr id="6" name="Slide Number Placeholder 5"/>
+          <p:cNvSpPr>
+            <a:spLocks noGrp="1"/>
+          </p:cNvSpPr>
+          <p:nvPr>
+            <p:ph type="sldNum" sz="quarter" idx="12"/>
+          </p:nvPr>
+        </p:nvSpPr>
+        <p:spPr/>
+        <p:txBody>
+          <a:bodyPr/>
+          <a:lstStyle/>
+          <a:p>
+            <a:fld id="{2ED05E14-59B9-4AB9-9978-68B9D26F8450}" type="slidenum">
+              <a:rPr lang="en-US" smtClean="0"/>
+              <a:t>‹#›</a:t>
+            </a:fld>
+            <a:endParaRPr lang="en-US"/>
+          </a:p>
+        </p:txBody>
+      </p:sp>
+    </p:spTree>
+    <p:extLst>
+      <p:ext uri="{BB962C8B-B14F-4D97-AF65-F5344CB8AC3E}">
+        <p14:creationId xmlns:p14="http://schemas.microsoft.com/office/powerpoint/2010/main" val="2081099602"/>
+      </p:ext>
+    </p:extLst>
+  </p:cSld>
+  <p:clrMapOvr>
+    <a:masterClrMapping/>
+  </p:clrMapOvr>
+</p:sldLayout>
+</file>
+
+<file path=ppt/slideLayouts/slideLayout13.xml><?xml version="1.0" encoding="utf-8"?>
+<p:sldLayout xmlns:a="http://schemas.openxmlformats.org/drawingml/2006/main" xmlns:r="http://schemas.openxmlformats.org/officeDocument/2006/relationships" xmlns:p="http://schemas.openxmlformats.org/presentationml/2006/main" preserve="1">
+  <p:cSld name="Name Card">
+    <p:spTree>
+      <p:nvGrpSpPr>
+        <p:cNvPr id="1" name=""/>
+        <p:cNvGrpSpPr/>
+        <p:nvPr/>
+      </p:nvGrpSpPr>
+      <p:grpSpPr>
+        <a:xfrm>
+          <a:off x="0" y="0"/>
+          <a:ext cx="0" cy="0"/>
+          <a:chOff x="0" y="0"/>
+          <a:chExt cx="0" cy="0"/>
+        </a:xfrm>
+      </p:grpSpPr>
+      <p:sp>
+        <p:nvSpPr>
+          <p:cNvPr id="2" name="Title 1"/>
+          <p:cNvSpPr>
+            <a:spLocks noGrp="1"/>
+          </p:cNvSpPr>
+          <p:nvPr>
+            <p:ph type="title"/>
+          </p:nvPr>
+        </p:nvSpPr>
+        <p:spPr>
+          <a:xfrm>
+            <a:off x="1141412" y="3308581"/>
+            <a:ext cx="9906000" cy="1468800"/>
+          </a:xfrm>
+        </p:spPr>
+        <p:txBody>
+          <a:bodyPr anchor="b">
+            <a:normAutofit/>
+          </a:bodyPr>
+          <a:lstStyle>
+            <a:lvl1pPr algn="l">
+              <a:defRPr sz="3200" b="0" cap="all"/>
+            </a:lvl1pPr>
+          </a:lstStyle>
+          <a:p>
+            <a:r>
+              <a:rPr lang="en-US"/>
+              <a:t>Click to edit Master title style</a:t>
+            </a:r>
+            <a:endParaRPr lang="en-US" dirty="0"/>
+          </a:p>
+        </p:txBody>
+      </p:sp>
+      <p:sp>
+        <p:nvSpPr>
+          <p:cNvPr id="3" name="Text Placeholder 2"/>
+          <p:cNvSpPr>
+            <a:spLocks noGrp="1"/>
+          </p:cNvSpPr>
+          <p:nvPr>
+            <p:ph type="body" idx="1"/>
+          </p:nvPr>
+        </p:nvSpPr>
+        <p:spPr>
+          <a:xfrm>
+            <a:off x="1141410" y="4777381"/>
+            <a:ext cx="9906001" cy="860400"/>
+          </a:xfrm>
+        </p:spPr>
+        <p:txBody>
+          <a:bodyPr vert="horz" lIns="91440" tIns="45720" rIns="91440" bIns="45720" rtlCol="0" anchor="t">
+            <a:normAutofit/>
+          </a:bodyPr>
+          <a:lstStyle>
+            <a:lvl1pPr>
+              <a:defRPr lang="en-US" sz="2000">
+                <a:gradFill flip="none" rotWithShape="1">
+                  <a:gsLst>
+                    <a:gs pos="0">
+                      <a:schemeClr val="tx1"/>
+                    </a:gs>
+                    <a:gs pos="100000">
+                      <a:schemeClr val="tx1">
+                        <a:lumMod val="75000"/>
+                      </a:schemeClr>
+                    </a:gs>
+                  </a:gsLst>
+                  <a:lin ang="5400000" scaled="0"/>
+                  <a:tileRect/>
+                </a:gradFill>
+              </a:defRPr>
+            </a:lvl1pPr>
+          </a:lstStyle>
+          <a:p>
+            <a:pPr marL="0" lvl="0" indent="0">
+              <a:buNone/>
+            </a:pPr>
+            <a:r>
+              <a:rPr lang="en-US"/>
+              <a:t>Click to edit Master text styles</a:t>
+            </a:r>
+          </a:p>
+        </p:txBody>
+      </p:sp>
+      <p:sp>
+        <p:nvSpPr>
+          <p:cNvPr id="4" name="Date Placeholder 3"/>
+          <p:cNvSpPr>
+            <a:spLocks noGrp="1"/>
+          </p:cNvSpPr>
+          <p:nvPr>
+            <p:ph type="dt" sz="half" idx="10"/>
+          </p:nvPr>
+        </p:nvSpPr>
+        <p:spPr/>
+        <p:txBody>
+          <a:bodyPr/>
+          <a:lstStyle/>
+          <a:p>
+            <a:fld id="{498091AC-18C7-4233-95AF-D63622717748}" type="datetimeFigureOut">
+              <a:rPr lang="en-US" smtClean="0"/>
+              <a:t>7/22/2025</a:t>
+            </a:fld>
+            <a:endParaRPr lang="en-US"/>
+          </a:p>
+        </p:txBody>
+      </p:sp>
+      <p:sp>
+        <p:nvSpPr>
+          <p:cNvPr id="5" name="Footer Placeholder 4"/>
+          <p:cNvSpPr>
+            <a:spLocks noGrp="1"/>
+          </p:cNvSpPr>
+          <p:nvPr>
+            <p:ph type="ftr" sz="quarter" idx="11"/>
+          </p:nvPr>
+        </p:nvSpPr>
+        <p:spPr/>
+        <p:txBody>
+          <a:bodyPr/>
+          <a:lstStyle/>
+          <a:p>
+            <a:endParaRPr lang="en-US"/>
+          </a:p>
+        </p:txBody>
+      </p:sp>
+      <p:sp>
+        <p:nvSpPr>
+          <p:cNvPr id="6" name="Slide Number Placeholder 5"/>
+          <p:cNvSpPr>
+            <a:spLocks noGrp="1"/>
+          </p:cNvSpPr>
+          <p:nvPr>
+            <p:ph type="sldNum" sz="quarter" idx="12"/>
+          </p:nvPr>
+        </p:nvSpPr>
+        <p:spPr/>
+        <p:txBody>
+          <a:bodyPr/>
+          <a:lstStyle/>
+          <a:p>
+            <a:fld id="{2ED05E14-59B9-4AB9-9978-68B9D26F8450}" type="slidenum">
+              <a:rPr lang="en-US" smtClean="0"/>
+              <a:t>‹#›</a:t>
+            </a:fld>
+            <a:endParaRPr lang="en-US"/>
+          </a:p>
+        </p:txBody>
+      </p:sp>
+    </p:spTree>
+    <p:extLst>
+      <p:ext uri="{BB962C8B-B14F-4D97-AF65-F5344CB8AC3E}">
+        <p14:creationId xmlns:p14="http://schemas.microsoft.com/office/powerpoint/2010/main" val="2149229905"/>
+      </p:ext>
+    </p:extLst>
+  </p:cSld>
+  <p:clrMapOvr>
+    <a:masterClrMapping/>
+  </p:clrMapOvr>
+</p:sldLayout>
+</file>
+
+<file path=ppt/slideLayouts/slideLayout14.xml><?xml version="1.0" encoding="utf-8"?>
+<p:sldLayout xmlns:a="http://schemas.openxmlformats.org/drawingml/2006/main" xmlns:r="http://schemas.openxmlformats.org/officeDocument/2006/relationships" xmlns:p="http://schemas.openxmlformats.org/presentationml/2006/main" preserve="1">
+  <p:cSld name="Quote Name Card">
+    <p:spTree>
+      <p:nvGrpSpPr>
+        <p:cNvPr id="1" name=""/>
+        <p:cNvGrpSpPr/>
+        <p:nvPr/>
+      </p:nvGrpSpPr>
+      <p:grpSpPr>
+        <a:xfrm>
+          <a:off x="0" y="0"/>
+          <a:ext cx="0" cy="0"/>
+          <a:chOff x="0" y="0"/>
+          <a:chExt cx="0" cy="0"/>
+        </a:xfrm>
+      </p:grpSpPr>
+      <p:sp>
+        <p:nvSpPr>
+          <p:cNvPr id="14" name="TextBox 13"/>
+          <p:cNvSpPr txBox="1"/>
+          <p:nvPr/>
+        </p:nvSpPr>
+        <p:spPr>
+          <a:xfrm>
+            <a:off x="836612" y="786824"/>
+            <a:ext cx="609600" cy="584776"/>
+          </a:xfrm>
+          <a:prstGeom prst="rect">
+            <a:avLst/>
+          </a:prstGeom>
+        </p:spPr>
+        <p:txBody>
+          <a:bodyPr vert="horz" lIns="91440" tIns="45720" rIns="91440" bIns="45720" rtlCol="0" anchor="ctr">
+            <a:noAutofit/>
+          </a:bodyPr>
+          <a:lstStyle>
+            <a:lvl1pPr>
+              <a:spcBef>
+                <a:spcPct val="0"/>
+              </a:spcBef>
+              <a:buNone/>
+              <a:defRPr sz="3200" b="0" cap="all">
+                <a:ln w="3175" cmpd="sng">
+                  <a:noFill/>
+                </a:ln>
+                <a:effectLst>
+                  <a:glow rad="38100">
+                    <a:schemeClr val="bg1">
+                      <a:lumMod val="65000"/>
+                      <a:lumOff val="35000"/>
+                      <a:alpha val="40000"/>
+                    </a:schemeClr>
+                  </a:glow>
+                  <a:outerShdw blurRad="28575" dist="38100" dir="14040000" algn="tl" rotWithShape="0">
+                    <a:srgbClr val="000000">
+                      <a:alpha val="25000"/>
+                    </a:srgbClr>
+                  </a:outerShdw>
+                </a:effectLst>
+              </a:defRPr>
+            </a:lvl1pPr>
+            <a:lvl2pPr>
+              <a:defRPr>
+                <a:solidFill>
+                  <a:schemeClr val="tx2"/>
+                </a:solidFill>
+              </a:defRPr>
+            </a:lvl2pPr>
+            <a:lvl3pPr>
+              <a:defRPr>
+                <a:solidFill>
+                  <a:schemeClr val="tx2"/>
+                </a:solidFill>
+              </a:defRPr>
+            </a:lvl3pPr>
+            <a:lvl4pPr>
+              <a:defRPr>
+                <a:solidFill>
+                  <a:schemeClr val="tx2"/>
+                </a:solidFill>
+              </a:defRPr>
+            </a:lvl4pPr>
+            <a:lvl5pPr>
+              <a:defRPr>
+                <a:solidFill>
+                  <a:schemeClr val="tx2"/>
+                </a:solidFill>
+              </a:defRPr>
+            </a:lvl5pPr>
+            <a:lvl6pPr>
+              <a:defRPr>
+                <a:solidFill>
+                  <a:schemeClr val="tx2"/>
+                </a:solidFill>
+              </a:defRPr>
+            </a:lvl6pPr>
+            <a:lvl7pPr>
+              <a:defRPr>
+                <a:solidFill>
+                  <a:schemeClr val="tx2"/>
+                </a:solidFill>
+              </a:defRPr>
+            </a:lvl7pPr>
+            <a:lvl8pPr>
+              <a:defRPr>
+                <a:solidFill>
+                  <a:schemeClr val="tx2"/>
+                </a:solidFill>
+              </a:defRPr>
+            </a:lvl8pPr>
+            <a:lvl9pPr>
+              <a:defRPr>
+                <a:solidFill>
+                  <a:schemeClr val="tx2"/>
+                </a:solidFill>
+              </a:defRPr>
+            </a:lvl9pPr>
+          </a:lstStyle>
+          <a:p>
+            <a:pPr lvl="0"/>
+            <a:r>
+              <a:rPr lang="en-US" sz="8000" dirty="0">
+                <a:solidFill>
+                  <a:schemeClr val="accent1"/>
+                </a:solidFill>
+              </a:rPr>
+              <a:t>“</a:t>
+            </a:r>
+          </a:p>
+        </p:txBody>
+      </p:sp>
+      <p:sp>
+        <p:nvSpPr>
+          <p:cNvPr id="15" name="TextBox 14"/>
+          <p:cNvSpPr txBox="1"/>
+          <p:nvPr/>
+        </p:nvSpPr>
+        <p:spPr>
+          <a:xfrm>
+            <a:off x="10437812" y="2743200"/>
+            <a:ext cx="609600" cy="584776"/>
+          </a:xfrm>
+          <a:prstGeom prst="rect">
+            <a:avLst/>
+          </a:prstGeom>
+        </p:spPr>
+        <p:txBody>
+          <a:bodyPr vert="horz" lIns="91440" tIns="45720" rIns="91440" bIns="45720" rtlCol="0" anchor="ctr">
+            <a:noAutofit/>
+          </a:bodyPr>
+          <a:lstStyle>
+            <a:lvl1pPr>
+              <a:spcBef>
+                <a:spcPct val="0"/>
+              </a:spcBef>
+              <a:buNone/>
+              <a:defRPr sz="3200" b="0" cap="all">
+                <a:ln w="3175" cmpd="sng">
+                  <a:noFill/>
+                </a:ln>
+                <a:effectLst>
+                  <a:glow rad="38100">
+                    <a:schemeClr val="bg1">
+                      <a:lumMod val="65000"/>
+                      <a:lumOff val="35000"/>
+                      <a:alpha val="40000"/>
+                    </a:schemeClr>
+                  </a:glow>
+                  <a:outerShdw blurRad="28575" dist="38100" dir="14040000" algn="tl" rotWithShape="0">
+                    <a:srgbClr val="000000">
+                      <a:alpha val="25000"/>
+                    </a:srgbClr>
+                  </a:outerShdw>
+                </a:effectLst>
+              </a:defRPr>
+            </a:lvl1pPr>
+            <a:lvl2pPr>
+              <a:defRPr>
+                <a:solidFill>
+                  <a:schemeClr val="tx2"/>
+                </a:solidFill>
+              </a:defRPr>
+            </a:lvl2pPr>
+            <a:lvl3pPr>
+              <a:defRPr>
+                <a:solidFill>
+                  <a:schemeClr val="tx2"/>
+                </a:solidFill>
+              </a:defRPr>
+            </a:lvl3pPr>
+            <a:lvl4pPr>
+              <a:defRPr>
+                <a:solidFill>
+                  <a:schemeClr val="tx2"/>
+                </a:solidFill>
+              </a:defRPr>
+            </a:lvl4pPr>
+            <a:lvl5pPr>
+              <a:defRPr>
+                <a:solidFill>
+                  <a:schemeClr val="tx2"/>
+                </a:solidFill>
+              </a:defRPr>
+            </a:lvl5pPr>
+            <a:lvl6pPr>
+              <a:defRPr>
+                <a:solidFill>
+                  <a:schemeClr val="tx2"/>
+                </a:solidFill>
+              </a:defRPr>
+            </a:lvl6pPr>
+            <a:lvl7pPr>
+              <a:defRPr>
+                <a:solidFill>
+                  <a:schemeClr val="tx2"/>
+                </a:solidFill>
+              </a:defRPr>
+            </a:lvl7pPr>
+            <a:lvl8pPr>
+              <a:defRPr>
+                <a:solidFill>
+                  <a:schemeClr val="tx2"/>
+                </a:solidFill>
+              </a:defRPr>
+            </a:lvl8pPr>
+            <a:lvl9pPr>
+              <a:defRPr>
+                <a:solidFill>
+                  <a:schemeClr val="tx2"/>
+                </a:solidFill>
+              </a:defRPr>
+            </a:lvl9pPr>
+          </a:lstStyle>
+          <a:p>
+            <a:pPr lvl="0" algn="r"/>
+            <a:r>
+              <a:rPr lang="en-US" sz="8000" dirty="0">
+                <a:solidFill>
+                  <a:schemeClr val="accent1"/>
+                </a:solidFill>
+              </a:rPr>
+              <a:t>”</a:t>
+            </a:r>
+          </a:p>
+        </p:txBody>
+      </p:sp>
+      <p:sp>
+        <p:nvSpPr>
+          <p:cNvPr id="2" name="Title 1"/>
+          <p:cNvSpPr>
+            <a:spLocks noGrp="1"/>
+          </p:cNvSpPr>
+          <p:nvPr>
+            <p:ph type="title"/>
+          </p:nvPr>
+        </p:nvSpPr>
+        <p:spPr>
+          <a:xfrm>
+            <a:off x="1446213" y="609601"/>
+            <a:ext cx="9296398" cy="2743199"/>
+          </a:xfrm>
+        </p:spPr>
+        <p:txBody>
+          <a:bodyPr anchor="ctr">
+            <a:normAutofit/>
+          </a:bodyPr>
+          <a:lstStyle>
+            <a:lvl1pPr algn="l">
+              <a:defRPr sz="3200" b="0" cap="all">
+                <a:gradFill flip="none" rotWithShape="1">
+                  <a:gsLst>
+                    <a:gs pos="0">
+                      <a:schemeClr val="tx1"/>
+                    </a:gs>
+                    <a:gs pos="100000">
+                      <a:schemeClr val="tx1">
+                        <a:lumMod val="75000"/>
+                      </a:schemeClr>
+                    </a:gs>
+                  </a:gsLst>
+                  <a:lin ang="5400000" scaled="0"/>
+                  <a:tileRect/>
+                </a:gradFill>
+              </a:defRPr>
+            </a:lvl1pPr>
+          </a:lstStyle>
+          <a:p>
+            <a:r>
+              <a:rPr lang="en-US"/>
+              <a:t>Click to edit Master title style</a:t>
+            </a:r>
+            <a:endParaRPr lang="en-US" dirty="0"/>
+          </a:p>
+        </p:txBody>
+      </p:sp>
+      <p:sp>
+        <p:nvSpPr>
+          <p:cNvPr id="10" name="Text Placeholder 9"/>
+          <p:cNvSpPr>
+            <a:spLocks noGrp="1"/>
+          </p:cNvSpPr>
+          <p:nvPr>
+            <p:ph type="body" sz="quarter" idx="13"/>
+          </p:nvPr>
+        </p:nvSpPr>
+        <p:spPr>
+          <a:xfrm>
+            <a:off x="1141412" y="3886200"/>
+            <a:ext cx="9906000" cy="889000"/>
+          </a:xfrm>
+        </p:spPr>
+        <p:txBody>
+          <a:bodyPr vert="horz" lIns="91440" tIns="45720" rIns="91440" bIns="45720" rtlCol="0" anchor="b">
+            <a:normAutofit/>
+          </a:bodyPr>
+          <a:lstStyle>
+            <a:lvl1pPr>
+              <a:buNone/>
+              <a:defRPr lang="en-US" sz="2400" b="0" cap="all" dirty="0">
+                <a:ln w="3175" cmpd="sng">
+                  <a:noFill/>
+                </a:ln>
+                <a:gradFill flip="none" rotWithShape="1">
+                  <a:gsLst>
+                    <a:gs pos="0">
+                      <a:schemeClr val="tx1"/>
+                    </a:gs>
+                    <a:gs pos="100000">
+                      <a:schemeClr val="tx1">
+                        <a:lumMod val="75000"/>
+                      </a:schemeClr>
+                    </a:gs>
+                  </a:gsLst>
+                  <a:lin ang="5400000" scaled="0"/>
+                  <a:tileRect/>
+                </a:gradFill>
+                <a:effectLst>
+                  <a:glow rad="38100">
+                    <a:schemeClr val="bg1">
+                      <a:lumMod val="65000"/>
+                      <a:lumOff val="35000"/>
+                      <a:alpha val="40000"/>
+                    </a:schemeClr>
+                  </a:glow>
+                  <a:outerShdw blurRad="28575" dist="38100" dir="14040000" algn="tl" rotWithShape="0">
+                    <a:srgbClr val="000000">
+                      <a:alpha val="25000"/>
+                    </a:srgbClr>
+                  </a:outerShdw>
+                </a:effectLst>
+              </a:defRPr>
+            </a:lvl1pPr>
+          </a:lstStyle>
+          <a:p>
+            <a:pPr marL="0" lvl="0">
+              <a:spcBef>
+                <a:spcPct val="0"/>
+              </a:spcBef>
+              <a:buNone/>
+            </a:pPr>
+            <a:r>
+              <a:rPr lang="en-US"/>
+              <a:t>Click to edit Master text styles</a:t>
+            </a:r>
+          </a:p>
+        </p:txBody>
+      </p:sp>
+      <p:sp>
+        <p:nvSpPr>
+          <p:cNvPr id="3" name="Text Placeholder 2"/>
+          <p:cNvSpPr>
+            <a:spLocks noGrp="1"/>
+          </p:cNvSpPr>
+          <p:nvPr>
+            <p:ph type="body" idx="1"/>
+          </p:nvPr>
+        </p:nvSpPr>
+        <p:spPr>
+          <a:xfrm>
+            <a:off x="1141411" y="4775200"/>
+            <a:ext cx="9906000" cy="1016000"/>
+          </a:xfrm>
+        </p:spPr>
+        <p:txBody>
+          <a:bodyPr anchor="t">
+            <a:normAutofit/>
+          </a:bodyPr>
+          <a:lstStyle>
+            <a:lvl1pPr marL="0" indent="0" algn="l">
+              <a:buNone/>
+              <a:defRPr sz="1800">
+                <a:gradFill flip="none" rotWithShape="1">
+                  <a:gsLst>
+                    <a:gs pos="0">
+                      <a:schemeClr val="tx1"/>
+                    </a:gs>
+                    <a:gs pos="100000">
+                      <a:schemeClr val="tx1">
+                        <a:lumMod val="75000"/>
+                      </a:schemeClr>
+                    </a:gs>
+                  </a:gsLst>
+                  <a:lin ang="5400000" scaled="0"/>
+                  <a:tileRect/>
+                </a:gradFill>
+              </a:defRPr>
+            </a:lvl1pPr>
+            <a:lvl2pPr marL="457200" indent="0">
+              <a:buNone/>
+              <a:defRPr sz="1800">
+                <a:solidFill>
+                  <a:schemeClr val="tx1">
+                    <a:tint val="75000"/>
+                  </a:schemeClr>
+                </a:solidFill>
+              </a:defRPr>
+            </a:lvl2pPr>
+            <a:lvl3pPr marL="914400" indent="0">
+              <a:buNone/>
+              <a:defRPr sz="1600">
+                <a:solidFill>
+                  <a:schemeClr val="tx1">
+                    <a:tint val="75000"/>
+                  </a:schemeClr>
+                </a:solidFill>
+              </a:defRPr>
+            </a:lvl3pPr>
+            <a:lvl4pPr marL="1371600" indent="0">
+              <a:buNone/>
+              <a:defRPr sz="1400">
+                <a:solidFill>
+                  <a:schemeClr val="tx1">
+                    <a:tint val="75000"/>
+                  </a:schemeClr>
+                </a:solidFill>
+              </a:defRPr>
+            </a:lvl4pPr>
+            <a:lvl5pPr marL="1828800" indent="0">
+              <a:buNone/>
+              <a:defRPr sz="1400">
+                <a:solidFill>
+                  <a:schemeClr val="tx1">
+                    <a:tint val="75000"/>
+                  </a:schemeClr>
+                </a:solidFill>
+              </a:defRPr>
+            </a:lvl5pPr>
+            <a:lvl6pPr marL="2286000" indent="0">
+              <a:buNone/>
+              <a:defRPr sz="1400">
+                <a:solidFill>
+                  <a:schemeClr val="tx1">
+                    <a:tint val="75000"/>
+                  </a:schemeClr>
+                </a:solidFill>
+              </a:defRPr>
+            </a:lvl6pPr>
+            <a:lvl7pPr marL="2743200" indent="0">
+              <a:buNone/>
+              <a:defRPr sz="1400">
+                <a:solidFill>
+                  <a:schemeClr val="tx1">
+                    <a:tint val="75000"/>
+                  </a:schemeClr>
+                </a:solidFill>
+              </a:defRPr>
+            </a:lvl7pPr>
+            <a:lvl8pPr marL="3200400" indent="0">
+              <a:buNone/>
+              <a:defRPr sz="1400">
+                <a:solidFill>
+                  <a:schemeClr val="tx1">
+                    <a:tint val="75000"/>
+                  </a:schemeClr>
+                </a:solidFill>
+              </a:defRPr>
+            </a:lvl8pPr>
+            <a:lvl9pPr marL="3657600" indent="0">
+              <a:buNone/>
+              <a:defRPr sz="1400">
+                <a:solidFill>
+                  <a:schemeClr val="tx1">
+                    <a:tint val="75000"/>
+                  </a:schemeClr>
+                </a:solidFill>
+              </a:defRPr>
+            </a:lvl9pPr>
+          </a:lstStyle>
+          <a:p>
+            <a:pPr lvl="0"/>
+            <a:r>
+              <a:rPr lang="en-US"/>
+              <a:t>Click to edit Master text styles</a:t>
+            </a:r>
+          </a:p>
+        </p:txBody>
+      </p:sp>
+      <p:sp>
+        <p:nvSpPr>
+          <p:cNvPr id="4" name="Date Placeholder 3"/>
+          <p:cNvSpPr>
+            <a:spLocks noGrp="1"/>
+          </p:cNvSpPr>
+          <p:nvPr>
+            <p:ph type="dt" sz="half" idx="10"/>
+          </p:nvPr>
+        </p:nvSpPr>
+        <p:spPr/>
+        <p:txBody>
+          <a:bodyPr/>
+          <a:lstStyle/>
+          <a:p>
+            <a:fld id="{498091AC-18C7-4233-95AF-D63622717748}" type="datetimeFigureOut">
+              <a:rPr lang="en-US" smtClean="0"/>
+              <a:t>7/22/2025</a:t>
+            </a:fld>
+            <a:endParaRPr lang="en-US"/>
+          </a:p>
+        </p:txBody>
+      </p:sp>
+      <p:sp>
+        <p:nvSpPr>
+          <p:cNvPr id="5" name="Footer Placeholder 4"/>
+          <p:cNvSpPr>
+            <a:spLocks noGrp="1"/>
+          </p:cNvSpPr>
+          <p:nvPr>
+            <p:ph type="ftr" sz="quarter" idx="11"/>
+          </p:nvPr>
+        </p:nvSpPr>
+        <p:spPr/>
+        <p:txBody>
+          <a:bodyPr/>
+          <a:lstStyle/>
+          <a:p>
+            <a:endParaRPr lang="en-US"/>
+          </a:p>
+        </p:txBody>
+      </p:sp>
+      <p:sp>
+        <p:nvSpPr>
+          <p:cNvPr id="6" name="Slide Number Placeholder 5"/>
+          <p:cNvSpPr>
+            <a:spLocks noGrp="1"/>
+          </p:cNvSpPr>
+          <p:nvPr>
+            <p:ph type="sldNum" sz="quarter" idx="12"/>
+          </p:nvPr>
+        </p:nvSpPr>
+        <p:spPr/>
+        <p:txBody>
+          <a:bodyPr/>
+          <a:lstStyle/>
+          <a:p>
+            <a:fld id="{2ED05E14-59B9-4AB9-9978-68B9D26F8450}" type="slidenum">
+              <a:rPr lang="en-US" smtClean="0"/>
+              <a:t>‹#›</a:t>
+            </a:fld>
+            <a:endParaRPr lang="en-US"/>
+          </a:p>
+        </p:txBody>
+      </p:sp>
+    </p:spTree>
+    <p:extLst>
+      <p:ext uri="{BB962C8B-B14F-4D97-AF65-F5344CB8AC3E}">
+        <p14:creationId xmlns:p14="http://schemas.microsoft.com/office/powerpoint/2010/main" val="942809779"/>
+      </p:ext>
+    </p:extLst>
+  </p:cSld>
+  <p:clrMapOvr>
+    <a:masterClrMapping/>
+  </p:clrMapOvr>
+</p:sldLayout>
+</file>
+
+<file path=ppt/slideLayouts/slideLayout15.xml><?xml version="1.0" encoding="utf-8"?>
+<p:sldLayout xmlns:a="http://schemas.openxmlformats.org/drawingml/2006/main" xmlns:r="http://schemas.openxmlformats.org/officeDocument/2006/relationships" xmlns:p="http://schemas.openxmlformats.org/presentationml/2006/main" preserve="1">
+  <p:cSld name="True or False">
+    <p:spTree>
+      <p:nvGrpSpPr>
+        <p:cNvPr id="1" name=""/>
+        <p:cNvGrpSpPr/>
+        <p:nvPr/>
+      </p:nvGrpSpPr>
+      <p:grpSpPr>
+        <a:xfrm>
+          <a:off x="0" y="0"/>
+          <a:ext cx="0" cy="0"/>
+          <a:chOff x="0" y="0"/>
+          <a:chExt cx="0" cy="0"/>
+        </a:xfrm>
+      </p:grpSpPr>
+      <p:sp>
+        <p:nvSpPr>
+          <p:cNvPr id="2" name="Title 1"/>
+          <p:cNvSpPr>
+            <a:spLocks noGrp="1"/>
+          </p:cNvSpPr>
+          <p:nvPr>
+            <p:ph type="title"/>
+          </p:nvPr>
+        </p:nvSpPr>
+        <p:spPr>
+          <a:xfrm>
+            <a:off x="1141412" y="609601"/>
+            <a:ext cx="9905999" cy="2743199"/>
+          </a:xfrm>
+        </p:spPr>
+        <p:txBody>
+          <a:bodyPr vert="horz" lIns="91440" tIns="45720" rIns="91440" bIns="45720" rtlCol="0" anchor="ctr">
+            <a:normAutofit/>
+          </a:bodyPr>
+          <a:lstStyle>
+            <a:lvl1pPr>
+              <a:defRPr lang="en-US" b="0" dirty="0"/>
+            </a:lvl1pPr>
+          </a:lstStyle>
+          <a:p>
+            <a:pPr marL="0" lvl="0"/>
+            <a:r>
+              <a:rPr lang="en-US"/>
+              <a:t>Click to edit Master title style</a:t>
+            </a:r>
+            <a:endParaRPr lang="en-US" dirty="0"/>
+          </a:p>
+        </p:txBody>
+      </p:sp>
+      <p:sp>
+        <p:nvSpPr>
+          <p:cNvPr id="10" name="Text Placeholder 9"/>
+          <p:cNvSpPr>
+            <a:spLocks noGrp="1"/>
+          </p:cNvSpPr>
+          <p:nvPr>
+            <p:ph type="body" sz="quarter" idx="13"/>
+          </p:nvPr>
+        </p:nvSpPr>
+        <p:spPr>
+          <a:xfrm>
+            <a:off x="1141412" y="3505200"/>
+            <a:ext cx="9906000" cy="838200"/>
+          </a:xfrm>
+        </p:spPr>
+        <p:txBody>
+          <a:bodyPr vert="horz" lIns="91440" tIns="45720" rIns="91440" bIns="45720" rtlCol="0" anchor="b">
+            <a:normAutofit/>
+          </a:bodyPr>
+          <a:lstStyle>
+            <a:lvl1pPr>
+              <a:buNone/>
+              <a:defRPr lang="en-US" sz="2800" b="0" cap="all" dirty="0">
+                <a:ln w="3175" cmpd="sng">
+                  <a:noFill/>
+                </a:ln>
+                <a:gradFill flip="none" rotWithShape="1">
+                  <a:gsLst>
+                    <a:gs pos="0">
+                      <a:schemeClr val="tx1"/>
+                    </a:gs>
+                    <a:gs pos="100000">
+                      <a:schemeClr val="tx1">
+                        <a:lumMod val="75000"/>
+                      </a:schemeClr>
+                    </a:gs>
+                  </a:gsLst>
+                  <a:lin ang="5400000" scaled="0"/>
+                  <a:tileRect/>
+                </a:gradFill>
+                <a:effectLst>
+                  <a:glow rad="38100">
+                    <a:schemeClr val="bg1">
+                      <a:lumMod val="65000"/>
+                      <a:lumOff val="35000"/>
+                      <a:alpha val="40000"/>
+                    </a:schemeClr>
+                  </a:glow>
+                  <a:outerShdw blurRad="28575" dist="38100" dir="14040000" algn="tl" rotWithShape="0">
+                    <a:srgbClr val="000000">
+                      <a:alpha val="25000"/>
+                    </a:srgbClr>
+                  </a:outerShdw>
+                </a:effectLst>
+              </a:defRPr>
+            </a:lvl1pPr>
+          </a:lstStyle>
+          <a:p>
+            <a:pPr marL="0" lvl="0">
+              <a:spcBef>
+                <a:spcPct val="0"/>
+              </a:spcBef>
+              <a:buNone/>
+            </a:pPr>
+            <a:r>
+              <a:rPr lang="en-US"/>
+              <a:t>Click to edit Master text styles</a:t>
+            </a:r>
+          </a:p>
+        </p:txBody>
+      </p:sp>
+      <p:sp>
+        <p:nvSpPr>
+          <p:cNvPr id="3" name="Text Placeholder 2"/>
+          <p:cNvSpPr>
+            <a:spLocks noGrp="1"/>
+          </p:cNvSpPr>
+          <p:nvPr>
+            <p:ph type="body" idx="1"/>
+          </p:nvPr>
+        </p:nvSpPr>
+        <p:spPr>
+          <a:xfrm>
+            <a:off x="1141411" y="4343400"/>
+            <a:ext cx="9906000" cy="1447800"/>
+          </a:xfrm>
+        </p:spPr>
+        <p:txBody>
+          <a:bodyPr anchor="t">
+            <a:normAutofit/>
+          </a:bodyPr>
+          <a:lstStyle>
+            <a:lvl1pPr marL="0" indent="0" algn="l">
+              <a:buNone/>
+              <a:defRPr sz="1800">
+                <a:gradFill flip="none" rotWithShape="1">
+                  <a:gsLst>
+                    <a:gs pos="0">
+                      <a:schemeClr val="tx1"/>
+                    </a:gs>
+                    <a:gs pos="100000">
+                      <a:schemeClr val="tx1">
+                        <a:lumMod val="75000"/>
+                      </a:schemeClr>
+                    </a:gs>
+                  </a:gsLst>
+                  <a:lin ang="5400000" scaled="0"/>
+                  <a:tileRect/>
+                </a:gradFill>
+              </a:defRPr>
+            </a:lvl1pPr>
+            <a:lvl2pPr marL="457200" indent="0">
+              <a:buNone/>
+              <a:defRPr sz="1800">
+                <a:solidFill>
+                  <a:schemeClr val="tx1">
+                    <a:tint val="75000"/>
+                  </a:schemeClr>
+                </a:solidFill>
+              </a:defRPr>
+            </a:lvl2pPr>
+            <a:lvl3pPr marL="914400" indent="0">
+              <a:buNone/>
+              <a:defRPr sz="1600">
+                <a:solidFill>
+                  <a:schemeClr val="tx1">
+                    <a:tint val="75000"/>
+                  </a:schemeClr>
+                </a:solidFill>
+              </a:defRPr>
+            </a:lvl3pPr>
+            <a:lvl4pPr marL="1371600" indent="0">
+              <a:buNone/>
+              <a:defRPr sz="1400">
+                <a:solidFill>
+                  <a:schemeClr val="tx1">
+                    <a:tint val="75000"/>
+                  </a:schemeClr>
+                </a:solidFill>
+              </a:defRPr>
+            </a:lvl4pPr>
+            <a:lvl5pPr marL="1828800" indent="0">
+              <a:buNone/>
+              <a:defRPr sz="1400">
+                <a:solidFill>
+                  <a:schemeClr val="tx1">
+                    <a:tint val="75000"/>
+                  </a:schemeClr>
+                </a:solidFill>
+              </a:defRPr>
+            </a:lvl5pPr>
+            <a:lvl6pPr marL="2286000" indent="0">
+              <a:buNone/>
+              <a:defRPr sz="1400">
+                <a:solidFill>
+                  <a:schemeClr val="tx1">
+                    <a:tint val="75000"/>
+                  </a:schemeClr>
+                </a:solidFill>
+              </a:defRPr>
+            </a:lvl6pPr>
+            <a:lvl7pPr marL="2743200" indent="0">
+              <a:buNone/>
+              <a:defRPr sz="1400">
+                <a:solidFill>
+                  <a:schemeClr val="tx1">
+                    <a:tint val="75000"/>
+                  </a:schemeClr>
+                </a:solidFill>
+              </a:defRPr>
+            </a:lvl7pPr>
+            <a:lvl8pPr marL="3200400" indent="0">
+              <a:buNone/>
+              <a:defRPr sz="1400">
+                <a:solidFill>
+                  <a:schemeClr val="tx1">
+                    <a:tint val="75000"/>
+                  </a:schemeClr>
+                </a:solidFill>
+              </a:defRPr>
+            </a:lvl8pPr>
+            <a:lvl9pPr marL="3657600" indent="0">
+              <a:buNone/>
+              <a:defRPr sz="1400">
+                <a:solidFill>
+                  <a:schemeClr val="tx1">
+                    <a:tint val="75000"/>
+                  </a:schemeClr>
+                </a:solidFill>
+              </a:defRPr>
+            </a:lvl9pPr>
+          </a:lstStyle>
+          <a:p>
+            <a:pPr lvl="0"/>
+            <a:r>
+              <a:rPr lang="en-US"/>
+              <a:t>Click to edit Master text styles</a:t>
+            </a:r>
+          </a:p>
+        </p:txBody>
+      </p:sp>
+      <p:sp>
+        <p:nvSpPr>
+          <p:cNvPr id="4" name="Date Placeholder 3"/>
+          <p:cNvSpPr>
+            <a:spLocks noGrp="1"/>
+          </p:cNvSpPr>
+          <p:nvPr>
+            <p:ph type="dt" sz="half" idx="10"/>
+          </p:nvPr>
+        </p:nvSpPr>
+        <p:spPr/>
+        <p:txBody>
+          <a:bodyPr/>
+          <a:lstStyle/>
+          <a:p>
+            <a:fld id="{498091AC-18C7-4233-95AF-D63622717748}" type="datetimeFigureOut">
+              <a:rPr lang="en-US" smtClean="0"/>
+              <a:t>7/22/2025</a:t>
+            </a:fld>
+            <a:endParaRPr lang="en-US"/>
+          </a:p>
+        </p:txBody>
+      </p:sp>
+      <p:sp>
+        <p:nvSpPr>
+          <p:cNvPr id="5" name="Footer Placeholder 4"/>
+          <p:cNvSpPr>
+            <a:spLocks noGrp="1"/>
+          </p:cNvSpPr>
+          <p:nvPr>
+            <p:ph type="ftr" sz="quarter" idx="11"/>
+          </p:nvPr>
+        </p:nvSpPr>
+        <p:spPr/>
+        <p:txBody>
+          <a:bodyPr/>
+          <a:lstStyle/>
+          <a:p>
+            <a:endParaRPr lang="en-US"/>
+          </a:p>
+        </p:txBody>
+      </p:sp>
+      <p:sp>
+        <p:nvSpPr>
+          <p:cNvPr id="6" name="Slide Number Placeholder 5"/>
+          <p:cNvSpPr>
+            <a:spLocks noGrp="1"/>
+          </p:cNvSpPr>
+          <p:nvPr>
+            <p:ph type="sldNum" sz="quarter" idx="12"/>
+          </p:nvPr>
+        </p:nvSpPr>
+        <p:spPr/>
+        <p:txBody>
+          <a:bodyPr/>
+          <a:lstStyle/>
+          <a:p>
+            <a:fld id="{2ED05E14-59B9-4AB9-9978-68B9D26F8450}" type="slidenum">
+              <a:rPr lang="en-US" smtClean="0"/>
+              <a:t>‹#›</a:t>
+            </a:fld>
+            <a:endParaRPr lang="en-US"/>
+          </a:p>
+        </p:txBody>
+      </p:sp>
+    </p:spTree>
+    <p:extLst>
+      <p:ext uri="{BB962C8B-B14F-4D97-AF65-F5344CB8AC3E}">
+        <p14:creationId xmlns:p14="http://schemas.microsoft.com/office/powerpoint/2010/main" val="3936238361"/>
+      </p:ext>
+    </p:extLst>
+  </p:cSld>
+  <p:clrMapOvr>
+    <a:masterClrMapping/>
+  </p:clrMapOvr>
+</p:sldLayout>
+</file>
+
+<file path=ppt/slideLayouts/slideLayout16.xml><?xml version="1.0" encoding="utf-8"?>
 <p:sldLayout xmlns:a="http://schemas.openxmlformats.org/drawingml/2006/main" xmlns:r="http://schemas.openxmlformats.org/officeDocument/2006/relationships" xmlns:p="http://schemas.openxmlformats.org/presentationml/2006/main" type="vertTx" preserve="1">
   <p:cSld name="Title and Vertical Text">
     <p:spTree>
@@ -355,13 +2516,7 @@
       </p:grpSpPr>
       <p:sp>
         <p:nvSpPr>
-          <p:cNvPr id="2" name="Title 1">
-            <a:extLst>
-              <a:ext uri="{FF2B5EF4-FFF2-40B4-BE49-F238E27FC236}">
-                <a16:creationId xmlns:a16="http://schemas.microsoft.com/office/drawing/2014/main" id="{18F3E1FD-E8F4-539E-383C-50BB3E9C9B1C}"/>
-              </a:ext>
-            </a:extLst>
-          </p:cNvPr>
+          <p:cNvPr id="7" name="Title 1"/>
           <p:cNvSpPr>
             <a:spLocks noGrp="1"/>
           </p:cNvSpPr>
@@ -369,7 +2524,12 @@
             <p:ph type="title"/>
           </p:nvPr>
         </p:nvSpPr>
-        <p:spPr/>
+        <p:spPr>
+          <a:xfrm>
+            <a:off x="1141413" y="609600"/>
+            <a:ext cx="9905998" cy="1905000"/>
+          </a:xfrm>
+        </p:spPr>
         <p:txBody>
           <a:bodyPr/>
           <a:lstStyle/>
@@ -378,18 +2538,13 @@
               <a:rPr lang="en-US"/>
               <a:t>Click to edit Master title style</a:t>
             </a:r>
-          </a:p>
-        </p:txBody>
-      </p:sp>
-      <p:sp>
-        <p:nvSpPr>
-          <p:cNvPr id="3" name="Vertical Text Placeholder 2">
-            <a:extLst>
-              <a:ext uri="{FF2B5EF4-FFF2-40B4-BE49-F238E27FC236}">
-                <a16:creationId xmlns:a16="http://schemas.microsoft.com/office/drawing/2014/main" id="{30B12307-9273-1F59-916C-C9CB211EE698}"/>
-              </a:ext>
-            </a:extLst>
-          </p:cNvPr>
+            <a:endParaRPr lang="en-US" dirty="0"/>
+          </a:p>
+        </p:txBody>
+      </p:sp>
+      <p:sp>
+        <p:nvSpPr>
+          <p:cNvPr id="3" name="Vertical Text Placeholder 2"/>
           <p:cNvSpPr>
             <a:spLocks noGrp="1"/>
           </p:cNvSpPr>
@@ -399,7 +2554,7 @@
         </p:nvSpPr>
         <p:spPr/>
         <p:txBody>
-          <a:bodyPr vert="eaVert"/>
+          <a:bodyPr vert="eaVert" anchor="t"/>
           <a:lstStyle/>
           <a:p>
             <a:pPr lvl="0"/>
@@ -435,18 +2590,13 @@
               <a:rPr lang="en-US"/>
               <a:t>Fifth level</a:t>
             </a:r>
-          </a:p>
-        </p:txBody>
-      </p:sp>
-      <p:sp>
-        <p:nvSpPr>
-          <p:cNvPr id="4" name="Date Placeholder 3">
-            <a:extLst>
-              <a:ext uri="{FF2B5EF4-FFF2-40B4-BE49-F238E27FC236}">
-                <a16:creationId xmlns:a16="http://schemas.microsoft.com/office/drawing/2014/main" id="{B22F1897-FA37-E4F1-96B1-77F823F33A8D}"/>
-              </a:ext>
-            </a:extLst>
-          </p:cNvPr>
+            <a:endParaRPr lang="en-US" dirty="0"/>
+          </a:p>
+        </p:txBody>
+      </p:sp>
+      <p:sp>
+        <p:nvSpPr>
+          <p:cNvPr id="4" name="Date Placeholder 3"/>
           <p:cNvSpPr>
             <a:spLocks noGrp="1"/>
           </p:cNvSpPr>
@@ -469,13 +2619,7 @@
       </p:sp>
       <p:sp>
         <p:nvSpPr>
-          <p:cNvPr id="5" name="Footer Placeholder 4">
-            <a:extLst>
-              <a:ext uri="{FF2B5EF4-FFF2-40B4-BE49-F238E27FC236}">
-                <a16:creationId xmlns:a16="http://schemas.microsoft.com/office/drawing/2014/main" id="{BFB127F3-48E5-1FD4-A353-CCF4EFA85A73}"/>
-              </a:ext>
-            </a:extLst>
-          </p:cNvPr>
+          <p:cNvPr id="5" name="Footer Placeholder 4"/>
           <p:cNvSpPr>
             <a:spLocks noGrp="1"/>
           </p:cNvSpPr>
@@ -494,13 +2638,7 @@
       </p:sp>
       <p:sp>
         <p:nvSpPr>
-          <p:cNvPr id="6" name="Slide Number Placeholder 5">
-            <a:extLst>
-              <a:ext uri="{FF2B5EF4-FFF2-40B4-BE49-F238E27FC236}">
-                <a16:creationId xmlns:a16="http://schemas.microsoft.com/office/drawing/2014/main" id="{A84DD9B7-9693-C2B3-7D75-5726A5BD2BB0}"/>
-              </a:ext>
-            </a:extLst>
-          </p:cNvPr>
+          <p:cNvPr id="6" name="Slide Number Placeholder 5"/>
           <p:cNvSpPr>
             <a:spLocks noGrp="1"/>
           </p:cNvSpPr>
@@ -524,7 +2662,7 @@
     </p:spTree>
     <p:extLst>
       <p:ext uri="{BB962C8B-B14F-4D97-AF65-F5344CB8AC3E}">
-        <p14:creationId xmlns:p14="http://schemas.microsoft.com/office/powerpoint/2010/main" val="653459931"/>
+        <p14:creationId xmlns:p14="http://schemas.microsoft.com/office/powerpoint/2010/main" val="2697941364"/>
       </p:ext>
     </p:extLst>
   </p:cSld>
@@ -534,7 +2672,7 @@
 </p:sldLayout>
 </file>
 
-<file path=ppt/slideLayouts/slideLayout11.xml><?xml version="1.0" encoding="utf-8"?>
+<file path=ppt/slideLayouts/slideLayout17.xml><?xml version="1.0" encoding="utf-8"?>
 <p:sldLayout xmlns:a="http://schemas.openxmlformats.org/drawingml/2006/main" xmlns:r="http://schemas.openxmlformats.org/officeDocument/2006/relationships" xmlns:p="http://schemas.openxmlformats.org/presentationml/2006/main" type="vertTitleAndTx" preserve="1">
   <p:cSld name="Vertical Title and Text">
     <p:spTree>
@@ -553,13 +2691,7 @@
       </p:grpSpPr>
       <p:sp>
         <p:nvSpPr>
-          <p:cNvPr id="2" name="Vertical Title 1">
-            <a:extLst>
-              <a:ext uri="{FF2B5EF4-FFF2-40B4-BE49-F238E27FC236}">
-                <a16:creationId xmlns:a16="http://schemas.microsoft.com/office/drawing/2014/main" id="{6F2F12FD-A1CD-6D0D-ABE5-3608AF7FD81E}"/>
-              </a:ext>
-            </a:extLst>
-          </p:cNvPr>
+          <p:cNvPr id="2" name="Vertical Title 1"/>
           <p:cNvSpPr>
             <a:spLocks noGrp="1"/>
           </p:cNvSpPr>
@@ -569,8 +2701,8 @@
         </p:nvSpPr>
         <p:spPr>
           <a:xfrm>
-            <a:off x="8724900" y="365125"/>
-            <a:ext cx="2628900" cy="5811838"/>
+            <a:off x="8836898" y="609599"/>
+            <a:ext cx="2210514" cy="5181601"/>
           </a:xfrm>
         </p:spPr>
         <p:txBody>
@@ -581,18 +2713,13 @@
               <a:rPr lang="en-US"/>
               <a:t>Click to edit Master title style</a:t>
             </a:r>
-          </a:p>
-        </p:txBody>
-      </p:sp>
-      <p:sp>
-        <p:nvSpPr>
-          <p:cNvPr id="3" name="Vertical Text Placeholder 2">
-            <a:extLst>
-              <a:ext uri="{FF2B5EF4-FFF2-40B4-BE49-F238E27FC236}">
-                <a16:creationId xmlns:a16="http://schemas.microsoft.com/office/drawing/2014/main" id="{4119F2DC-2E14-4F5E-100F-0FF4FF9383A5}"/>
-              </a:ext>
-            </a:extLst>
-          </p:cNvPr>
+            <a:endParaRPr lang="en-US" dirty="0"/>
+          </a:p>
+        </p:txBody>
+      </p:sp>
+      <p:sp>
+        <p:nvSpPr>
+          <p:cNvPr id="3" name="Vertical Text Placeholder 2"/>
           <p:cNvSpPr>
             <a:spLocks noGrp="1"/>
           </p:cNvSpPr>
@@ -602,12 +2729,12 @@
         </p:nvSpPr>
         <p:spPr>
           <a:xfrm>
-            <a:off x="838200" y="365125"/>
-            <a:ext cx="7734300" cy="5811838"/>
+            <a:off x="1141412" y="609600"/>
+            <a:ext cx="7543800" cy="5181600"/>
           </a:xfrm>
         </p:spPr>
         <p:txBody>
-          <a:bodyPr vert="eaVert"/>
+          <a:bodyPr vert="eaVert" anchor="t"/>
           <a:lstStyle/>
           <a:p>
             <a:pPr lvl="0"/>
@@ -643,18 +2770,13 @@
               <a:rPr lang="en-US"/>
               <a:t>Fifth level</a:t>
             </a:r>
-          </a:p>
-        </p:txBody>
-      </p:sp>
-      <p:sp>
-        <p:nvSpPr>
-          <p:cNvPr id="4" name="Date Placeholder 3">
-            <a:extLst>
-              <a:ext uri="{FF2B5EF4-FFF2-40B4-BE49-F238E27FC236}">
-                <a16:creationId xmlns:a16="http://schemas.microsoft.com/office/drawing/2014/main" id="{0E20ACFC-616C-E590-C352-BFF0737F2267}"/>
-              </a:ext>
-            </a:extLst>
-          </p:cNvPr>
+            <a:endParaRPr lang="en-US" dirty="0"/>
+          </a:p>
+        </p:txBody>
+      </p:sp>
+      <p:sp>
+        <p:nvSpPr>
+          <p:cNvPr id="4" name="Date Placeholder 3"/>
           <p:cNvSpPr>
             <a:spLocks noGrp="1"/>
           </p:cNvSpPr>
@@ -677,13 +2799,7 @@
       </p:sp>
       <p:sp>
         <p:nvSpPr>
-          <p:cNvPr id="5" name="Footer Placeholder 4">
-            <a:extLst>
-              <a:ext uri="{FF2B5EF4-FFF2-40B4-BE49-F238E27FC236}">
-                <a16:creationId xmlns:a16="http://schemas.microsoft.com/office/drawing/2014/main" id="{F118D7BF-E6D1-9519-885C-DC960F5FBAD1}"/>
-              </a:ext>
-            </a:extLst>
-          </p:cNvPr>
+          <p:cNvPr id="5" name="Footer Placeholder 4"/>
           <p:cNvSpPr>
             <a:spLocks noGrp="1"/>
           </p:cNvSpPr>
@@ -702,13 +2818,7 @@
       </p:sp>
       <p:sp>
         <p:nvSpPr>
-          <p:cNvPr id="6" name="Slide Number Placeholder 5">
-            <a:extLst>
-              <a:ext uri="{FF2B5EF4-FFF2-40B4-BE49-F238E27FC236}">
-                <a16:creationId xmlns:a16="http://schemas.microsoft.com/office/drawing/2014/main" id="{578550A1-7FA4-580C-33E4-0B7D2207E9F8}"/>
-              </a:ext>
-            </a:extLst>
-          </p:cNvPr>
+          <p:cNvPr id="6" name="Slide Number Placeholder 5"/>
           <p:cNvSpPr>
             <a:spLocks noGrp="1"/>
           </p:cNvSpPr>
@@ -732,7 +2842,7 @@
     </p:spTree>
     <p:extLst>
       <p:ext uri="{BB962C8B-B14F-4D97-AF65-F5344CB8AC3E}">
-        <p14:creationId xmlns:p14="http://schemas.microsoft.com/office/powerpoint/2010/main" val="2854443770"/>
+        <p14:creationId xmlns:p14="http://schemas.microsoft.com/office/powerpoint/2010/main" val="194407544"/>
       </p:ext>
     </p:extLst>
   </p:cSld>
@@ -761,13 +2871,7 @@
       </p:grpSpPr>
       <p:sp>
         <p:nvSpPr>
-          <p:cNvPr id="2" name="Title 1">
-            <a:extLst>
-              <a:ext uri="{FF2B5EF4-FFF2-40B4-BE49-F238E27FC236}">
-                <a16:creationId xmlns:a16="http://schemas.microsoft.com/office/drawing/2014/main" id="{D3E8781A-37ED-90AB-44FC-E04A03CD68B9}"/>
-              </a:ext>
-            </a:extLst>
-          </p:cNvPr>
+          <p:cNvPr id="2" name="Title 1"/>
           <p:cNvSpPr>
             <a:spLocks noGrp="1"/>
           </p:cNvSpPr>
@@ -784,18 +2888,13 @@
               <a:rPr lang="en-US"/>
               <a:t>Click to edit Master title style</a:t>
             </a:r>
-          </a:p>
-        </p:txBody>
-      </p:sp>
-      <p:sp>
-        <p:nvSpPr>
-          <p:cNvPr id="3" name="Content Placeholder 2">
-            <a:extLst>
-              <a:ext uri="{FF2B5EF4-FFF2-40B4-BE49-F238E27FC236}">
-                <a16:creationId xmlns:a16="http://schemas.microsoft.com/office/drawing/2014/main" id="{F8A12325-9E2D-9CB7-42AB-5AF5A64BDA31}"/>
-              </a:ext>
-            </a:extLst>
-          </p:cNvPr>
+            <a:endParaRPr lang="en-US" dirty="0"/>
+          </a:p>
+        </p:txBody>
+      </p:sp>
+      <p:sp>
+        <p:nvSpPr>
+          <p:cNvPr id="3" name="Content Placeholder 2"/>
           <p:cNvSpPr>
             <a:spLocks noGrp="1"/>
           </p:cNvSpPr>
@@ -805,7 +2904,7 @@
         </p:nvSpPr>
         <p:spPr/>
         <p:txBody>
-          <a:bodyPr/>
+          <a:bodyPr anchor="ctr"/>
           <a:lstStyle/>
           <a:p>
             <a:pPr lvl="0"/>
@@ -841,18 +2940,13 @@
               <a:rPr lang="en-US"/>
               <a:t>Fifth level</a:t>
             </a:r>
-          </a:p>
-        </p:txBody>
-      </p:sp>
-      <p:sp>
-        <p:nvSpPr>
-          <p:cNvPr id="4" name="Date Placeholder 3">
-            <a:extLst>
-              <a:ext uri="{FF2B5EF4-FFF2-40B4-BE49-F238E27FC236}">
-                <a16:creationId xmlns:a16="http://schemas.microsoft.com/office/drawing/2014/main" id="{BFDE1064-7B45-5B08-B5D5-0ACBCAC9739D}"/>
-              </a:ext>
-            </a:extLst>
-          </p:cNvPr>
+            <a:endParaRPr lang="en-US" dirty="0"/>
+          </a:p>
+        </p:txBody>
+      </p:sp>
+      <p:sp>
+        <p:nvSpPr>
+          <p:cNvPr id="4" name="Date Placeholder 3"/>
           <p:cNvSpPr>
             <a:spLocks noGrp="1"/>
           </p:cNvSpPr>
@@ -875,13 +2969,7 @@
       </p:sp>
       <p:sp>
         <p:nvSpPr>
-          <p:cNvPr id="5" name="Footer Placeholder 4">
-            <a:extLst>
-              <a:ext uri="{FF2B5EF4-FFF2-40B4-BE49-F238E27FC236}">
-                <a16:creationId xmlns:a16="http://schemas.microsoft.com/office/drawing/2014/main" id="{4CB2E28A-E768-E097-9C02-ECEE6BABA2E3}"/>
-              </a:ext>
-            </a:extLst>
-          </p:cNvPr>
+          <p:cNvPr id="5" name="Footer Placeholder 4"/>
           <p:cNvSpPr>
             <a:spLocks noGrp="1"/>
           </p:cNvSpPr>
@@ -900,13 +2988,7 @@
       </p:sp>
       <p:sp>
         <p:nvSpPr>
-          <p:cNvPr id="6" name="Slide Number Placeholder 5">
-            <a:extLst>
-              <a:ext uri="{FF2B5EF4-FFF2-40B4-BE49-F238E27FC236}">
-                <a16:creationId xmlns:a16="http://schemas.microsoft.com/office/drawing/2014/main" id="{4F58C744-71A4-949E-86C6-D32F1E9B1A2F}"/>
-              </a:ext>
-            </a:extLst>
-          </p:cNvPr>
+          <p:cNvPr id="6" name="Slide Number Placeholder 5"/>
           <p:cNvSpPr>
             <a:spLocks noGrp="1"/>
           </p:cNvSpPr>
@@ -930,7 +3012,7 @@
     </p:spTree>
     <p:extLst>
       <p:ext uri="{BB962C8B-B14F-4D97-AF65-F5344CB8AC3E}">
-        <p14:creationId xmlns:p14="http://schemas.microsoft.com/office/powerpoint/2010/main" val="3255907130"/>
+        <p14:creationId xmlns:p14="http://schemas.microsoft.com/office/powerpoint/2010/main" val="3044688592"/>
       </p:ext>
     </p:extLst>
   </p:cSld>
@@ -959,13 +3041,7 @@
       </p:grpSpPr>
       <p:sp>
         <p:nvSpPr>
-          <p:cNvPr id="2" name="Title 1">
-            <a:extLst>
-              <a:ext uri="{FF2B5EF4-FFF2-40B4-BE49-F238E27FC236}">
-                <a16:creationId xmlns:a16="http://schemas.microsoft.com/office/drawing/2014/main" id="{24A4C4B8-A4EC-7F0C-CCA8-39684E0A2F86}"/>
-              </a:ext>
-            </a:extLst>
-          </p:cNvPr>
+          <p:cNvPr id="2" name="Title 1"/>
           <p:cNvSpPr>
             <a:spLocks noGrp="1"/>
           </p:cNvSpPr>
@@ -975,15 +3051,15 @@
         </p:nvSpPr>
         <p:spPr>
           <a:xfrm>
-            <a:off x="831850" y="1709738"/>
-            <a:ext cx="10515600" cy="2852737"/>
+            <a:off x="1751013" y="3308581"/>
+            <a:ext cx="8686800" cy="1468800"/>
           </a:xfrm>
         </p:spPr>
         <p:txBody>
           <a:bodyPr anchor="b"/>
           <a:lstStyle>
-            <a:lvl1pPr>
-              <a:defRPr sz="6000"/>
+            <a:lvl1pPr algn="r">
+              <a:defRPr sz="4000" b="0" cap="all"/>
             </a:lvl1pPr>
           </a:lstStyle>
           <a:p>
@@ -991,18 +3067,13 @@
               <a:rPr lang="en-US"/>
               <a:t>Click to edit Master title style</a:t>
             </a:r>
-          </a:p>
-        </p:txBody>
-      </p:sp>
-      <p:sp>
-        <p:nvSpPr>
-          <p:cNvPr id="3" name="Text Placeholder 2">
-            <a:extLst>
-              <a:ext uri="{FF2B5EF4-FFF2-40B4-BE49-F238E27FC236}">
-                <a16:creationId xmlns:a16="http://schemas.microsoft.com/office/drawing/2014/main" id="{47251F07-0245-3AD1-4B0A-CC403511CEBB}"/>
-              </a:ext>
-            </a:extLst>
-          </p:cNvPr>
+            <a:endParaRPr lang="en-US" dirty="0"/>
+          </a:p>
+        </p:txBody>
+      </p:sp>
+      <p:sp>
+        <p:nvSpPr>
+          <p:cNvPr id="3" name="Text Placeholder 2"/>
           <p:cNvSpPr>
             <a:spLocks noGrp="1"/>
           </p:cNvSpPr>
@@ -1012,102 +3083,113 @@
         </p:nvSpPr>
         <p:spPr>
           <a:xfrm>
-            <a:off x="831850" y="4589463"/>
-            <a:ext cx="10515600" cy="1500187"/>
+            <a:off x="1751011" y="4777381"/>
+            <a:ext cx="8686801" cy="860400"/>
           </a:xfrm>
         </p:spPr>
         <p:txBody>
-          <a:bodyPr/>
+          <a:bodyPr anchor="t">
+            <a:normAutofit/>
+          </a:bodyPr>
           <a:lstStyle>
-            <a:lvl1pPr marL="0" indent="0">
-              <a:buNone/>
-              <a:defRPr sz="2400">
+            <a:lvl1pPr marL="0" indent="0" algn="r">
+              <a:buNone/>
+              <a:defRPr sz="2000">
+                <a:gradFill flip="none" rotWithShape="1">
+                  <a:gsLst>
+                    <a:gs pos="0">
+                      <a:schemeClr val="tx1"/>
+                    </a:gs>
+                    <a:gs pos="100000">
+                      <a:schemeClr val="tx1">
+                        <a:lumMod val="75000"/>
+                      </a:schemeClr>
+                    </a:gs>
+                  </a:gsLst>
+                  <a:lin ang="5400000" scaled="0"/>
+                  <a:tileRect/>
+                </a:gradFill>
+              </a:defRPr>
+            </a:lvl1pPr>
+            <a:lvl2pPr marL="457200" indent="0">
+              <a:buNone/>
+              <a:defRPr sz="1800">
                 <a:solidFill>
                   <a:schemeClr val="tx1">
                     <a:tint val="75000"/>
                   </a:schemeClr>
                 </a:solidFill>
               </a:defRPr>
-            </a:lvl1pPr>
-            <a:lvl2pPr marL="457200" indent="0">
-              <a:buNone/>
-              <a:defRPr sz="2000">
+            </a:lvl2pPr>
+            <a:lvl3pPr marL="914400" indent="0">
+              <a:buNone/>
+              <a:defRPr sz="1600">
                 <a:solidFill>
                   <a:schemeClr val="tx1">
                     <a:tint val="75000"/>
                   </a:schemeClr>
                 </a:solidFill>
               </a:defRPr>
-            </a:lvl2pPr>
-            <a:lvl3pPr marL="914400" indent="0">
-              <a:buNone/>
-              <a:defRPr sz="1800">
+            </a:lvl3pPr>
+            <a:lvl4pPr marL="1371600" indent="0">
+              <a:buNone/>
+              <a:defRPr sz="1400">
                 <a:solidFill>
                   <a:schemeClr val="tx1">
                     <a:tint val="75000"/>
                   </a:schemeClr>
                 </a:solidFill>
               </a:defRPr>
-            </a:lvl3pPr>
-            <a:lvl4pPr marL="1371600" indent="0">
-              <a:buNone/>
-              <a:defRPr sz="1600">
+            </a:lvl4pPr>
+            <a:lvl5pPr marL="1828800" indent="0">
+              <a:buNone/>
+              <a:defRPr sz="1400">
                 <a:solidFill>
                   <a:schemeClr val="tx1">
                     <a:tint val="75000"/>
                   </a:schemeClr>
                 </a:solidFill>
               </a:defRPr>
-            </a:lvl4pPr>
-            <a:lvl5pPr marL="1828800" indent="0">
-              <a:buNone/>
-              <a:defRPr sz="1600">
+            </a:lvl5pPr>
+            <a:lvl6pPr marL="2286000" indent="0">
+              <a:buNone/>
+              <a:defRPr sz="1400">
                 <a:solidFill>
                   <a:schemeClr val="tx1">
                     <a:tint val="75000"/>
                   </a:schemeClr>
                 </a:solidFill>
               </a:defRPr>
-            </a:lvl5pPr>
-            <a:lvl6pPr marL="2286000" indent="0">
-              <a:buNone/>
-              <a:defRPr sz="1600">
+            </a:lvl6pPr>
+            <a:lvl7pPr marL="2743200" indent="0">
+              <a:buNone/>
+              <a:defRPr sz="1400">
                 <a:solidFill>
                   <a:schemeClr val="tx1">
                     <a:tint val="75000"/>
                   </a:schemeClr>
                 </a:solidFill>
               </a:defRPr>
-            </a:lvl6pPr>
-            <a:lvl7pPr marL="2743200" indent="0">
-              <a:buNone/>
-              <a:defRPr sz="1600">
+            </a:lvl7pPr>
+            <a:lvl8pPr marL="3200400" indent="0">
+              <a:buNone/>
+              <a:defRPr sz="1400">
                 <a:solidFill>
                   <a:schemeClr val="tx1">
                     <a:tint val="75000"/>
                   </a:schemeClr>
                 </a:solidFill>
               </a:defRPr>
-            </a:lvl7pPr>
-            <a:lvl8pPr marL="3200400" indent="0">
-              <a:buNone/>
-              <a:defRPr sz="1600">
+            </a:lvl8pPr>
+            <a:lvl9pPr marL="3657600" indent="0">
+              <a:buNone/>
+              <a:defRPr sz="1400">
                 <a:solidFill>
                   <a:schemeClr val="tx1">
                     <a:tint val="75000"/>
                   </a:schemeClr>
                 </a:solidFill>
               </a:defRPr>
-            </a:lvl8pPr>
-            <a:lvl9pPr marL="3657600" indent="0">
-              <a:buNone/>
-              <a:defRPr sz="1600">
-                <a:solidFill>
-                  <a:schemeClr val="tx1">
-                    <a:tint val="75000"/>
-                  </a:schemeClr>
-                </a:solidFill>
-              </a:defRPr>
             </a:lvl9pPr>
           </a:lstStyle>
           <a:p>
@@ -1121,13 +3203,7 @@
       </p:sp>
       <p:sp>
         <p:nvSpPr>
-          <p:cNvPr id="4" name="Date Placeholder 3">
-            <a:extLst>
-              <a:ext uri="{FF2B5EF4-FFF2-40B4-BE49-F238E27FC236}">
-                <a16:creationId xmlns:a16="http://schemas.microsoft.com/office/drawing/2014/main" id="{AAD0F762-C8D8-3085-37AE-B4701443744B}"/>
-              </a:ext>
-            </a:extLst>
-          </p:cNvPr>
+          <p:cNvPr id="4" name="Date Placeholder 3"/>
           <p:cNvSpPr>
             <a:spLocks noGrp="1"/>
           </p:cNvSpPr>
@@ -1150,13 +3226,7 @@
       </p:sp>
       <p:sp>
         <p:nvSpPr>
-          <p:cNvPr id="5" name="Footer Placeholder 4">
-            <a:extLst>
-              <a:ext uri="{FF2B5EF4-FFF2-40B4-BE49-F238E27FC236}">
-                <a16:creationId xmlns:a16="http://schemas.microsoft.com/office/drawing/2014/main" id="{A12141DF-5456-71EC-6919-7EC7D6D6B84F}"/>
-              </a:ext>
-            </a:extLst>
-          </p:cNvPr>
+          <p:cNvPr id="5" name="Footer Placeholder 4"/>
           <p:cNvSpPr>
             <a:spLocks noGrp="1"/>
           </p:cNvSpPr>
@@ -1175,13 +3245,7 @@
       </p:sp>
       <p:sp>
         <p:nvSpPr>
-          <p:cNvPr id="6" name="Slide Number Placeholder 5">
-            <a:extLst>
-              <a:ext uri="{FF2B5EF4-FFF2-40B4-BE49-F238E27FC236}">
-                <a16:creationId xmlns:a16="http://schemas.microsoft.com/office/drawing/2014/main" id="{CD666D71-DA57-B658-5B10-47907F05A4E2}"/>
-              </a:ext>
-            </a:extLst>
-          </p:cNvPr>
+          <p:cNvPr id="6" name="Slide Number Placeholder 5"/>
           <p:cNvSpPr>
             <a:spLocks noGrp="1"/>
           </p:cNvSpPr>
@@ -1205,7 +3269,7 @@
     </p:spTree>
     <p:extLst>
       <p:ext uri="{BB962C8B-B14F-4D97-AF65-F5344CB8AC3E}">
-        <p14:creationId xmlns:p14="http://schemas.microsoft.com/office/powerpoint/2010/main" val="4190190439"/>
+        <p14:creationId xmlns:p14="http://schemas.microsoft.com/office/powerpoint/2010/main" val="1987912690"/>
       </p:ext>
     </p:extLst>
   </p:cSld>
@@ -1234,13 +3298,7 @@
       </p:grpSpPr>
       <p:sp>
         <p:nvSpPr>
-          <p:cNvPr id="2" name="Title 1">
-            <a:extLst>
-              <a:ext uri="{FF2B5EF4-FFF2-40B4-BE49-F238E27FC236}">
-                <a16:creationId xmlns:a16="http://schemas.microsoft.com/office/drawing/2014/main" id="{28913A0B-E17A-2FCA-469E-960EC86992E3}"/>
-              </a:ext>
-            </a:extLst>
-          </p:cNvPr>
+          <p:cNvPr id="2" name="Title 1"/>
           <p:cNvSpPr>
             <a:spLocks noGrp="1"/>
           </p:cNvSpPr>
@@ -1257,18 +3315,13 @@
               <a:rPr lang="en-US"/>
               <a:t>Click to edit Master title style</a:t>
             </a:r>
-          </a:p>
-        </p:txBody>
-      </p:sp>
-      <p:sp>
-        <p:nvSpPr>
-          <p:cNvPr id="3" name="Content Placeholder 2">
-            <a:extLst>
-              <a:ext uri="{FF2B5EF4-FFF2-40B4-BE49-F238E27FC236}">
-                <a16:creationId xmlns:a16="http://schemas.microsoft.com/office/drawing/2014/main" id="{854B90C0-7FF9-F152-0B42-AC6433CC12EF}"/>
-              </a:ext>
-            </a:extLst>
-          </p:cNvPr>
+            <a:endParaRPr lang="en-US" dirty="0"/>
+          </a:p>
+        </p:txBody>
+      </p:sp>
+      <p:sp>
+        <p:nvSpPr>
+          <p:cNvPr id="3" name="Content Placeholder 2"/>
           <p:cNvSpPr>
             <a:spLocks noGrp="1"/>
           </p:cNvSpPr>
@@ -1278,13 +3331,43 @@
         </p:nvSpPr>
         <p:spPr>
           <a:xfrm>
-            <a:off x="838200" y="1825625"/>
-            <a:ext cx="5181600" cy="4351338"/>
+            <a:off x="1141412" y="2666999"/>
+            <a:ext cx="4876800" cy="3124201"/>
           </a:xfrm>
         </p:spPr>
         <p:txBody>
-          <a:bodyPr/>
-          <a:lstStyle/>
+          <a:bodyPr>
+            <a:normAutofit/>
+          </a:bodyPr>
+          <a:lstStyle>
+            <a:lvl1pPr>
+              <a:defRPr sz="1800"/>
+            </a:lvl1pPr>
+            <a:lvl2pPr>
+              <a:defRPr sz="1600"/>
+            </a:lvl2pPr>
+            <a:lvl3pPr>
+              <a:defRPr sz="1400"/>
+            </a:lvl3pPr>
+            <a:lvl4pPr>
+              <a:defRPr sz="1200"/>
+            </a:lvl4pPr>
+            <a:lvl5pPr>
+              <a:defRPr sz="1200"/>
+            </a:lvl5pPr>
+            <a:lvl6pPr>
+              <a:defRPr sz="1200"/>
+            </a:lvl6pPr>
+            <a:lvl7pPr>
+              <a:defRPr sz="1200"/>
+            </a:lvl7pPr>
+            <a:lvl8pPr>
+              <a:defRPr sz="1200"/>
+            </a:lvl8pPr>
+            <a:lvl9pPr>
+              <a:defRPr sz="1200"/>
+            </a:lvl9pPr>
+          </a:lstStyle>
           <a:p>
             <a:pPr lvl="0"/>
             <a:r>
@@ -1319,18 +3402,13 @@
               <a:rPr lang="en-US"/>
               <a:t>Fifth level</a:t>
             </a:r>
-          </a:p>
-        </p:txBody>
-      </p:sp>
-      <p:sp>
-        <p:nvSpPr>
-          <p:cNvPr id="4" name="Content Placeholder 3">
-            <a:extLst>
-              <a:ext uri="{FF2B5EF4-FFF2-40B4-BE49-F238E27FC236}">
-                <a16:creationId xmlns:a16="http://schemas.microsoft.com/office/drawing/2014/main" id="{41F8900A-128B-3C2B-C901-CF5C7DEFE810}"/>
-              </a:ext>
-            </a:extLst>
-          </p:cNvPr>
+            <a:endParaRPr lang="en-US" dirty="0"/>
+          </a:p>
+        </p:txBody>
+      </p:sp>
+      <p:sp>
+        <p:nvSpPr>
+          <p:cNvPr id="4" name="Content Placeholder 3"/>
           <p:cNvSpPr>
             <a:spLocks noGrp="1"/>
           </p:cNvSpPr>
@@ -1340,13 +3418,43 @@
         </p:nvSpPr>
         <p:spPr>
           <a:xfrm>
-            <a:off x="6172200" y="1825625"/>
-            <a:ext cx="5181600" cy="4351338"/>
+            <a:off x="6170612" y="2667000"/>
+            <a:ext cx="4876800" cy="3124200"/>
           </a:xfrm>
         </p:spPr>
         <p:txBody>
-          <a:bodyPr/>
-          <a:lstStyle/>
+          <a:bodyPr>
+            <a:normAutofit/>
+          </a:bodyPr>
+          <a:lstStyle>
+            <a:lvl1pPr>
+              <a:defRPr sz="1800"/>
+            </a:lvl1pPr>
+            <a:lvl2pPr>
+              <a:defRPr sz="1600"/>
+            </a:lvl2pPr>
+            <a:lvl3pPr>
+              <a:defRPr sz="1400"/>
+            </a:lvl3pPr>
+            <a:lvl4pPr>
+              <a:defRPr sz="1200"/>
+            </a:lvl4pPr>
+            <a:lvl5pPr>
+              <a:defRPr sz="1200"/>
+            </a:lvl5pPr>
+            <a:lvl6pPr>
+              <a:defRPr sz="1200"/>
+            </a:lvl6pPr>
+            <a:lvl7pPr>
+              <a:defRPr sz="1200"/>
+            </a:lvl7pPr>
+            <a:lvl8pPr>
+              <a:defRPr sz="1200"/>
+            </a:lvl8pPr>
+            <a:lvl9pPr>
+              <a:defRPr sz="1200"/>
+            </a:lvl9pPr>
+          </a:lstStyle>
           <a:p>
             <a:pPr lvl="0"/>
             <a:r>
@@ -1381,18 +3489,13 @@
               <a:rPr lang="en-US"/>
               <a:t>Fifth level</a:t>
             </a:r>
-          </a:p>
-        </p:txBody>
-      </p:sp>
-      <p:sp>
-        <p:nvSpPr>
-          <p:cNvPr id="5" name="Date Placeholder 4">
-            <a:extLst>
-              <a:ext uri="{FF2B5EF4-FFF2-40B4-BE49-F238E27FC236}">
-                <a16:creationId xmlns:a16="http://schemas.microsoft.com/office/drawing/2014/main" id="{D8F27C84-7738-CC6F-C0F9-46E6F6D57B0F}"/>
-              </a:ext>
-            </a:extLst>
-          </p:cNvPr>
+            <a:endParaRPr lang="en-US" dirty="0"/>
+          </a:p>
+        </p:txBody>
+      </p:sp>
+      <p:sp>
+        <p:nvSpPr>
+          <p:cNvPr id="5" name="Date Placeholder 4"/>
           <p:cNvSpPr>
             <a:spLocks noGrp="1"/>
           </p:cNvSpPr>
@@ -1415,13 +3518,7 @@
       </p:sp>
       <p:sp>
         <p:nvSpPr>
-          <p:cNvPr id="6" name="Footer Placeholder 5">
-            <a:extLst>
-              <a:ext uri="{FF2B5EF4-FFF2-40B4-BE49-F238E27FC236}">
-                <a16:creationId xmlns:a16="http://schemas.microsoft.com/office/drawing/2014/main" id="{EADE2F09-6F45-AB4A-78B5-9BEF3F21B19C}"/>
-              </a:ext>
-            </a:extLst>
-          </p:cNvPr>
+          <p:cNvPr id="6" name="Footer Placeholder 5"/>
           <p:cNvSpPr>
             <a:spLocks noGrp="1"/>
           </p:cNvSpPr>
@@ -1440,13 +3537,7 @@
       </p:sp>
       <p:sp>
         <p:nvSpPr>
-          <p:cNvPr id="7" name="Slide Number Placeholder 6">
-            <a:extLst>
-              <a:ext uri="{FF2B5EF4-FFF2-40B4-BE49-F238E27FC236}">
-                <a16:creationId xmlns:a16="http://schemas.microsoft.com/office/drawing/2014/main" id="{7F747986-15EE-15E2-F997-E9249CE3CD95}"/>
-              </a:ext>
-            </a:extLst>
-          </p:cNvPr>
+          <p:cNvPr id="7" name="Slide Number Placeholder 6"/>
           <p:cNvSpPr>
             <a:spLocks noGrp="1"/>
           </p:cNvSpPr>
@@ -1470,7 +3561,7 @@
     </p:spTree>
     <p:extLst>
       <p:ext uri="{BB962C8B-B14F-4D97-AF65-F5344CB8AC3E}">
-        <p14:creationId xmlns:p14="http://schemas.microsoft.com/office/powerpoint/2010/main" val="2837428841"/>
+        <p14:creationId xmlns:p14="http://schemas.microsoft.com/office/powerpoint/2010/main" val="3509433112"/>
       </p:ext>
     </p:extLst>
   </p:cSld>
@@ -1499,65 +3590,55 @@
       </p:grpSpPr>
       <p:sp>
         <p:nvSpPr>
-          <p:cNvPr id="2" name="Title 1">
-            <a:extLst>
-              <a:ext uri="{FF2B5EF4-FFF2-40B4-BE49-F238E27FC236}">
-                <a16:creationId xmlns:a16="http://schemas.microsoft.com/office/drawing/2014/main" id="{70171C73-B030-B05D-1EE5-61711A29C78B}"/>
-              </a:ext>
-            </a:extLst>
-          </p:cNvPr>
+          <p:cNvPr id="2" name="Title 1"/>
           <p:cNvSpPr>
             <a:spLocks noGrp="1"/>
           </p:cNvSpPr>
           <p:nvPr>
             <p:ph type="title"/>
+          </p:nvPr>
+        </p:nvSpPr>
+        <p:spPr/>
+        <p:txBody>
+          <a:bodyPr/>
+          <a:lstStyle>
+            <a:lvl1pPr>
+              <a:defRPr/>
+            </a:lvl1pPr>
+          </a:lstStyle>
+          <a:p>
+            <a:r>
+              <a:rPr lang="en-US"/>
+              <a:t>Click to edit Master title style</a:t>
+            </a:r>
+            <a:endParaRPr lang="en-US" dirty="0"/>
+          </a:p>
+        </p:txBody>
+      </p:sp>
+      <p:sp>
+        <p:nvSpPr>
+          <p:cNvPr id="3" name="Text Placeholder 2"/>
+          <p:cNvSpPr>
+            <a:spLocks noGrp="1"/>
+          </p:cNvSpPr>
+          <p:nvPr>
+            <p:ph type="body" idx="1"/>
           </p:nvPr>
         </p:nvSpPr>
         <p:spPr>
           <a:xfrm>
-            <a:off x="839788" y="365125"/>
-            <a:ext cx="10515600" cy="1325563"/>
+            <a:off x="1429280" y="2658533"/>
+            <a:ext cx="4588931" cy="576262"/>
           </a:xfrm>
         </p:spPr>
         <p:txBody>
-          <a:bodyPr/>
-          <a:lstStyle/>
-          <a:p>
-            <a:r>
-              <a:rPr lang="en-US"/>
-              <a:t>Click to edit Master title style</a:t>
-            </a:r>
-          </a:p>
-        </p:txBody>
-      </p:sp>
-      <p:sp>
-        <p:nvSpPr>
-          <p:cNvPr id="3" name="Text Placeholder 2">
-            <a:extLst>
-              <a:ext uri="{FF2B5EF4-FFF2-40B4-BE49-F238E27FC236}">
-                <a16:creationId xmlns:a16="http://schemas.microsoft.com/office/drawing/2014/main" id="{509D45C2-D8D0-A934-9308-B2E020AF828F}"/>
-              </a:ext>
-            </a:extLst>
-          </p:cNvPr>
-          <p:cNvSpPr>
-            <a:spLocks noGrp="1"/>
-          </p:cNvSpPr>
-          <p:nvPr>
-            <p:ph type="body" idx="1"/>
-          </p:nvPr>
-        </p:nvSpPr>
-        <p:spPr>
-          <a:xfrm>
-            <a:off x="839788" y="1681163"/>
-            <a:ext cx="5157787" cy="823912"/>
-          </a:xfrm>
-        </p:spPr>
-        <p:txBody>
-          <a:bodyPr anchor="b"/>
+          <a:bodyPr anchor="b">
+            <a:noAutofit/>
+          </a:bodyPr>
           <a:lstStyle>
             <a:lvl1pPr marL="0" indent="0">
               <a:buNone/>
-              <a:defRPr sz="2400" b="1"/>
+              <a:defRPr sz="2800" b="0"/>
             </a:lvl1pPr>
             <a:lvl2pPr marL="457200" indent="0">
               <a:buNone/>
@@ -1603,13 +3684,7 @@
       </p:sp>
       <p:sp>
         <p:nvSpPr>
-          <p:cNvPr id="4" name="Content Placeholder 3">
-            <a:extLst>
-              <a:ext uri="{FF2B5EF4-FFF2-40B4-BE49-F238E27FC236}">
-                <a16:creationId xmlns:a16="http://schemas.microsoft.com/office/drawing/2014/main" id="{63D94735-FD9D-4B28-E6C6-3F139713C118}"/>
-              </a:ext>
-            </a:extLst>
-          </p:cNvPr>
+          <p:cNvPr id="4" name="Content Placeholder 3"/>
           <p:cNvSpPr>
             <a:spLocks noGrp="1"/>
           </p:cNvSpPr>
@@ -1619,13 +3694,43 @@
         </p:nvSpPr>
         <p:spPr>
           <a:xfrm>
-            <a:off x="839788" y="2505075"/>
-            <a:ext cx="5157787" cy="3684588"/>
+            <a:off x="1141412" y="3243262"/>
+            <a:ext cx="4876800" cy="2547937"/>
           </a:xfrm>
         </p:spPr>
         <p:txBody>
-          <a:bodyPr/>
-          <a:lstStyle/>
+          <a:bodyPr anchor="t">
+            <a:normAutofit/>
+          </a:bodyPr>
+          <a:lstStyle>
+            <a:lvl1pPr>
+              <a:defRPr sz="1800"/>
+            </a:lvl1pPr>
+            <a:lvl2pPr>
+              <a:defRPr sz="1600"/>
+            </a:lvl2pPr>
+            <a:lvl3pPr>
+              <a:defRPr sz="1400"/>
+            </a:lvl3pPr>
+            <a:lvl4pPr>
+              <a:defRPr sz="1200"/>
+            </a:lvl4pPr>
+            <a:lvl5pPr>
+              <a:defRPr sz="1200"/>
+            </a:lvl5pPr>
+            <a:lvl6pPr>
+              <a:defRPr sz="1200"/>
+            </a:lvl6pPr>
+            <a:lvl7pPr>
+              <a:defRPr sz="1200"/>
+            </a:lvl7pPr>
+            <a:lvl8pPr>
+              <a:defRPr sz="1200"/>
+            </a:lvl8pPr>
+            <a:lvl9pPr>
+              <a:defRPr sz="1200"/>
+            </a:lvl9pPr>
+          </a:lstStyle>
           <a:p>
             <a:pPr lvl="0"/>
             <a:r>
@@ -1660,18 +3765,13 @@
               <a:rPr lang="en-US"/>
               <a:t>Fifth level</a:t>
             </a:r>
-          </a:p>
-        </p:txBody>
-      </p:sp>
-      <p:sp>
-        <p:nvSpPr>
-          <p:cNvPr id="5" name="Text Placeholder 4">
-            <a:extLst>
-              <a:ext uri="{FF2B5EF4-FFF2-40B4-BE49-F238E27FC236}">
-                <a16:creationId xmlns:a16="http://schemas.microsoft.com/office/drawing/2014/main" id="{3EA2423C-D979-1FA7-8669-5C0066520E35}"/>
-              </a:ext>
-            </a:extLst>
-          </p:cNvPr>
+            <a:endParaRPr lang="en-US" dirty="0"/>
+          </a:p>
+        </p:txBody>
+      </p:sp>
+      <p:sp>
+        <p:nvSpPr>
+          <p:cNvPr id="5" name="Text Placeholder 4"/>
           <p:cNvSpPr>
             <a:spLocks noGrp="1"/>
           </p:cNvSpPr>
@@ -1681,16 +3781,18 @@
         </p:nvSpPr>
         <p:spPr>
           <a:xfrm>
-            <a:off x="6172200" y="1681163"/>
-            <a:ext cx="5183188" cy="823912"/>
+            <a:off x="6443133" y="2667000"/>
+            <a:ext cx="4604280" cy="576262"/>
           </a:xfrm>
         </p:spPr>
         <p:txBody>
-          <a:bodyPr anchor="b"/>
+          <a:bodyPr anchor="b">
+            <a:noAutofit/>
+          </a:bodyPr>
           <a:lstStyle>
             <a:lvl1pPr marL="0" indent="0">
               <a:buNone/>
-              <a:defRPr sz="2400" b="1"/>
+              <a:defRPr sz="2800" b="0"/>
             </a:lvl1pPr>
             <a:lvl2pPr marL="457200" indent="0">
               <a:buNone/>
@@ -1736,13 +3838,7 @@
       </p:sp>
       <p:sp>
         <p:nvSpPr>
-          <p:cNvPr id="6" name="Content Placeholder 5">
-            <a:extLst>
-              <a:ext uri="{FF2B5EF4-FFF2-40B4-BE49-F238E27FC236}">
-                <a16:creationId xmlns:a16="http://schemas.microsoft.com/office/drawing/2014/main" id="{D171360F-2674-10F7-55BF-2CBF646FE589}"/>
-              </a:ext>
-            </a:extLst>
-          </p:cNvPr>
+          <p:cNvPr id="6" name="Content Placeholder 5"/>
           <p:cNvSpPr>
             <a:spLocks noGrp="1"/>
           </p:cNvSpPr>
@@ -1752,13 +3848,43 @@
         </p:nvSpPr>
         <p:spPr>
           <a:xfrm>
-            <a:off x="6172200" y="2505075"/>
-            <a:ext cx="5183188" cy="3684588"/>
+            <a:off x="6170612" y="3243262"/>
+            <a:ext cx="4876801" cy="2547937"/>
           </a:xfrm>
         </p:spPr>
         <p:txBody>
-          <a:bodyPr/>
-          <a:lstStyle/>
+          <a:bodyPr anchor="t">
+            <a:normAutofit/>
+          </a:bodyPr>
+          <a:lstStyle>
+            <a:lvl1pPr>
+              <a:defRPr sz="1800"/>
+            </a:lvl1pPr>
+            <a:lvl2pPr>
+              <a:defRPr sz="1600"/>
+            </a:lvl2pPr>
+            <a:lvl3pPr>
+              <a:defRPr sz="1400"/>
+            </a:lvl3pPr>
+            <a:lvl4pPr>
+              <a:defRPr sz="1200"/>
+            </a:lvl4pPr>
+            <a:lvl5pPr>
+              <a:defRPr sz="1200"/>
+            </a:lvl5pPr>
+            <a:lvl6pPr>
+              <a:defRPr sz="1200"/>
+            </a:lvl6pPr>
+            <a:lvl7pPr>
+              <a:defRPr sz="1200"/>
+            </a:lvl7pPr>
+            <a:lvl8pPr>
+              <a:defRPr sz="1200"/>
+            </a:lvl8pPr>
+            <a:lvl9pPr>
+              <a:defRPr sz="1200"/>
+            </a:lvl9pPr>
+          </a:lstStyle>
           <a:p>
             <a:pPr lvl="0"/>
             <a:r>
@@ -1793,18 +3919,13 @@
               <a:rPr lang="en-US"/>
               <a:t>Fifth level</a:t>
             </a:r>
-          </a:p>
-        </p:txBody>
-      </p:sp>
-      <p:sp>
-        <p:nvSpPr>
-          <p:cNvPr id="7" name="Date Placeholder 6">
-            <a:extLst>
-              <a:ext uri="{FF2B5EF4-FFF2-40B4-BE49-F238E27FC236}">
-                <a16:creationId xmlns:a16="http://schemas.microsoft.com/office/drawing/2014/main" id="{4020EE83-C2DE-52A3-314A-CB58A81E229F}"/>
-              </a:ext>
-            </a:extLst>
-          </p:cNvPr>
+            <a:endParaRPr lang="en-US" dirty="0"/>
+          </a:p>
+        </p:txBody>
+      </p:sp>
+      <p:sp>
+        <p:nvSpPr>
+          <p:cNvPr id="7" name="Date Placeholder 6"/>
           <p:cNvSpPr>
             <a:spLocks noGrp="1"/>
           </p:cNvSpPr>
@@ -1827,13 +3948,7 @@
       </p:sp>
       <p:sp>
         <p:nvSpPr>
-          <p:cNvPr id="8" name="Footer Placeholder 7">
-            <a:extLst>
-              <a:ext uri="{FF2B5EF4-FFF2-40B4-BE49-F238E27FC236}">
-                <a16:creationId xmlns:a16="http://schemas.microsoft.com/office/drawing/2014/main" id="{DE5D90E5-53D0-32B5-5E6B-BAA21A9BC100}"/>
-              </a:ext>
-            </a:extLst>
-          </p:cNvPr>
+          <p:cNvPr id="8" name="Footer Placeholder 7"/>
           <p:cNvSpPr>
             <a:spLocks noGrp="1"/>
           </p:cNvSpPr>
@@ -1852,13 +3967,7 @@
       </p:sp>
       <p:sp>
         <p:nvSpPr>
-          <p:cNvPr id="9" name="Slide Number Placeholder 8">
-            <a:extLst>
-              <a:ext uri="{FF2B5EF4-FFF2-40B4-BE49-F238E27FC236}">
-                <a16:creationId xmlns:a16="http://schemas.microsoft.com/office/drawing/2014/main" id="{D3749F52-9A67-1DD6-21E1-E5AEFF9B1BAA}"/>
-              </a:ext>
-            </a:extLst>
-          </p:cNvPr>
+          <p:cNvPr id="9" name="Slide Number Placeholder 8"/>
           <p:cNvSpPr>
             <a:spLocks noGrp="1"/>
           </p:cNvSpPr>
@@ -1882,7 +3991,7 @@
     </p:spTree>
     <p:extLst>
       <p:ext uri="{BB962C8B-B14F-4D97-AF65-F5344CB8AC3E}">
-        <p14:creationId xmlns:p14="http://schemas.microsoft.com/office/powerpoint/2010/main" val="3950986021"/>
+        <p14:creationId xmlns:p14="http://schemas.microsoft.com/office/powerpoint/2010/main" val="2009193731"/>
       </p:ext>
     </p:extLst>
   </p:cSld>
@@ -1911,13 +4020,7 @@
       </p:grpSpPr>
       <p:sp>
         <p:nvSpPr>
-          <p:cNvPr id="2" name="Title 1">
-            <a:extLst>
-              <a:ext uri="{FF2B5EF4-FFF2-40B4-BE49-F238E27FC236}">
-                <a16:creationId xmlns:a16="http://schemas.microsoft.com/office/drawing/2014/main" id="{2DCA37A1-615D-9568-65B3-988C7146626D}"/>
-              </a:ext>
-            </a:extLst>
-          </p:cNvPr>
+          <p:cNvPr id="2" name="Title 1"/>
           <p:cNvSpPr>
             <a:spLocks noGrp="1"/>
           </p:cNvSpPr>
@@ -1934,18 +4037,13 @@
               <a:rPr lang="en-US"/>
               <a:t>Click to edit Master title style</a:t>
             </a:r>
-          </a:p>
-        </p:txBody>
-      </p:sp>
-      <p:sp>
-        <p:nvSpPr>
-          <p:cNvPr id="3" name="Date Placeholder 2">
-            <a:extLst>
-              <a:ext uri="{FF2B5EF4-FFF2-40B4-BE49-F238E27FC236}">
-                <a16:creationId xmlns:a16="http://schemas.microsoft.com/office/drawing/2014/main" id="{AF0F47EE-B1B6-D56D-E7A1-96A403F10C2B}"/>
-              </a:ext>
-            </a:extLst>
-          </p:cNvPr>
+            <a:endParaRPr lang="en-US" dirty="0"/>
+          </a:p>
+        </p:txBody>
+      </p:sp>
+      <p:sp>
+        <p:nvSpPr>
+          <p:cNvPr id="3" name="Date Placeholder 2"/>
           <p:cNvSpPr>
             <a:spLocks noGrp="1"/>
           </p:cNvSpPr>
@@ -1968,13 +4066,7 @@
       </p:sp>
       <p:sp>
         <p:nvSpPr>
-          <p:cNvPr id="4" name="Footer Placeholder 3">
-            <a:extLst>
-              <a:ext uri="{FF2B5EF4-FFF2-40B4-BE49-F238E27FC236}">
-                <a16:creationId xmlns:a16="http://schemas.microsoft.com/office/drawing/2014/main" id="{F18700F6-2D62-B4C7-275F-EF6CEEBB19C5}"/>
-              </a:ext>
-            </a:extLst>
-          </p:cNvPr>
+          <p:cNvPr id="4" name="Footer Placeholder 3"/>
           <p:cNvSpPr>
             <a:spLocks noGrp="1"/>
           </p:cNvSpPr>
@@ -1993,13 +4085,7 @@
       </p:sp>
       <p:sp>
         <p:nvSpPr>
-          <p:cNvPr id="5" name="Slide Number Placeholder 4">
-            <a:extLst>
-              <a:ext uri="{FF2B5EF4-FFF2-40B4-BE49-F238E27FC236}">
-                <a16:creationId xmlns:a16="http://schemas.microsoft.com/office/drawing/2014/main" id="{E80475C0-BE8B-819D-1659-B8903B5A34CB}"/>
-              </a:ext>
-            </a:extLst>
-          </p:cNvPr>
+          <p:cNvPr id="5" name="Slide Number Placeholder 4"/>
           <p:cNvSpPr>
             <a:spLocks noGrp="1"/>
           </p:cNvSpPr>
@@ -2023,7 +4109,7 @@
     </p:spTree>
     <p:extLst>
       <p:ext uri="{BB962C8B-B14F-4D97-AF65-F5344CB8AC3E}">
-        <p14:creationId xmlns:p14="http://schemas.microsoft.com/office/powerpoint/2010/main" val="2298924430"/>
+        <p14:creationId xmlns:p14="http://schemas.microsoft.com/office/powerpoint/2010/main" val="2646826606"/>
       </p:ext>
     </p:extLst>
   </p:cSld>
@@ -2052,13 +4138,7 @@
       </p:grpSpPr>
       <p:sp>
         <p:nvSpPr>
-          <p:cNvPr id="2" name="Date Placeholder 1">
-            <a:extLst>
-              <a:ext uri="{FF2B5EF4-FFF2-40B4-BE49-F238E27FC236}">
-                <a16:creationId xmlns:a16="http://schemas.microsoft.com/office/drawing/2014/main" id="{F99DEEB7-AA75-EBD9-8504-FEDE44970C66}"/>
-              </a:ext>
-            </a:extLst>
-          </p:cNvPr>
+          <p:cNvPr id="2" name="Date Placeholder 1"/>
           <p:cNvSpPr>
             <a:spLocks noGrp="1"/>
           </p:cNvSpPr>
@@ -2081,13 +4161,7 @@
       </p:sp>
       <p:sp>
         <p:nvSpPr>
-          <p:cNvPr id="3" name="Footer Placeholder 2">
-            <a:extLst>
-              <a:ext uri="{FF2B5EF4-FFF2-40B4-BE49-F238E27FC236}">
-                <a16:creationId xmlns:a16="http://schemas.microsoft.com/office/drawing/2014/main" id="{C44FD3E6-ACD8-EAFF-86E2-F035B4A1892E}"/>
-              </a:ext>
-            </a:extLst>
-          </p:cNvPr>
+          <p:cNvPr id="3" name="Footer Placeholder 2"/>
           <p:cNvSpPr>
             <a:spLocks noGrp="1"/>
           </p:cNvSpPr>
@@ -2106,13 +4180,7 @@
       </p:sp>
       <p:sp>
         <p:nvSpPr>
-          <p:cNvPr id="4" name="Slide Number Placeholder 3">
-            <a:extLst>
-              <a:ext uri="{FF2B5EF4-FFF2-40B4-BE49-F238E27FC236}">
-                <a16:creationId xmlns:a16="http://schemas.microsoft.com/office/drawing/2014/main" id="{4D776A1E-DDD0-D76D-C39F-137B802E214F}"/>
-              </a:ext>
-            </a:extLst>
-          </p:cNvPr>
+          <p:cNvPr id="4" name="Slide Number Placeholder 3"/>
           <p:cNvSpPr>
             <a:spLocks noGrp="1"/>
           </p:cNvSpPr>
@@ -2136,7 +4204,7 @@
     </p:spTree>
     <p:extLst>
       <p:ext uri="{BB962C8B-B14F-4D97-AF65-F5344CB8AC3E}">
-        <p14:creationId xmlns:p14="http://schemas.microsoft.com/office/powerpoint/2010/main" val="324140469"/>
+        <p14:creationId xmlns:p14="http://schemas.microsoft.com/office/powerpoint/2010/main" val="359928148"/>
       </p:ext>
     </p:extLst>
   </p:cSld>
@@ -2165,13 +4233,7 @@
       </p:grpSpPr>
       <p:sp>
         <p:nvSpPr>
-          <p:cNvPr id="2" name="Title 1">
-            <a:extLst>
-              <a:ext uri="{FF2B5EF4-FFF2-40B4-BE49-F238E27FC236}">
-                <a16:creationId xmlns:a16="http://schemas.microsoft.com/office/drawing/2014/main" id="{B625665D-FE45-3E6F-97D6-B967AD583E16}"/>
-              </a:ext>
-            </a:extLst>
-          </p:cNvPr>
+          <p:cNvPr id="2" name="Title 1"/>
           <p:cNvSpPr>
             <a:spLocks noGrp="1"/>
           </p:cNvSpPr>
@@ -2181,139 +4243,135 @@
         </p:nvSpPr>
         <p:spPr>
           <a:xfrm>
-            <a:off x="839788" y="457200"/>
-            <a:ext cx="3932237" cy="1600200"/>
+            <a:off x="1141411" y="1600200"/>
+            <a:ext cx="3549121" cy="1371600"/>
           </a:xfrm>
         </p:spPr>
         <p:txBody>
-          <a:bodyPr anchor="b"/>
+          <a:bodyPr anchor="b">
+            <a:normAutofit/>
+          </a:bodyPr>
+          <a:lstStyle>
+            <a:lvl1pPr algn="l">
+              <a:defRPr sz="2400" b="0"/>
+            </a:lvl1pPr>
+          </a:lstStyle>
+          <a:p>
+            <a:r>
+              <a:rPr lang="en-US"/>
+              <a:t>Click to edit Master title style</a:t>
+            </a:r>
+            <a:endParaRPr lang="en-US" dirty="0"/>
+          </a:p>
+        </p:txBody>
+      </p:sp>
+      <p:sp>
+        <p:nvSpPr>
+          <p:cNvPr id="3" name="Content Placeholder 2"/>
+          <p:cNvSpPr>
+            <a:spLocks noGrp="1"/>
+          </p:cNvSpPr>
+          <p:nvPr>
+            <p:ph idx="1"/>
+          </p:nvPr>
+        </p:nvSpPr>
+        <p:spPr>
+          <a:xfrm>
+            <a:off x="5103812" y="609601"/>
+            <a:ext cx="5943601" cy="5181600"/>
+          </a:xfrm>
+        </p:spPr>
+        <p:txBody>
+          <a:bodyPr anchor="ctr">
+            <a:normAutofit/>
+          </a:bodyPr>
           <a:lstStyle>
             <a:lvl1pPr>
-              <a:defRPr sz="3200"/>
+              <a:defRPr sz="2000"/>
             </a:lvl1pPr>
+            <a:lvl2pPr>
+              <a:defRPr sz="1800"/>
+            </a:lvl2pPr>
+            <a:lvl3pPr>
+              <a:defRPr sz="1600"/>
+            </a:lvl3pPr>
+            <a:lvl4pPr>
+              <a:defRPr sz="1400"/>
+            </a:lvl4pPr>
+            <a:lvl5pPr>
+              <a:defRPr sz="1400"/>
+            </a:lvl5pPr>
+            <a:lvl6pPr>
+              <a:defRPr sz="1400"/>
+            </a:lvl6pPr>
+            <a:lvl7pPr>
+              <a:defRPr sz="1400"/>
+            </a:lvl7pPr>
+            <a:lvl8pPr>
+              <a:defRPr sz="1400"/>
+            </a:lvl8pPr>
+            <a:lvl9pPr>
+              <a:defRPr sz="1400"/>
+            </a:lvl9pPr>
           </a:lstStyle>
           <a:p>
-            <a:r>
-              <a:rPr lang="en-US"/>
-              <a:t>Click to edit Master title style</a:t>
-            </a:r>
-          </a:p>
-        </p:txBody>
-      </p:sp>
-      <p:sp>
-        <p:nvSpPr>
-          <p:cNvPr id="3" name="Content Placeholder 2">
-            <a:extLst>
-              <a:ext uri="{FF2B5EF4-FFF2-40B4-BE49-F238E27FC236}">
-                <a16:creationId xmlns:a16="http://schemas.microsoft.com/office/drawing/2014/main" id="{4C0959A5-55EC-F9D5-90E5-838D11BEAC2A}"/>
-              </a:ext>
-            </a:extLst>
-          </p:cNvPr>
-          <p:cNvSpPr>
-            <a:spLocks noGrp="1"/>
-          </p:cNvSpPr>
-          <p:nvPr>
-            <p:ph idx="1"/>
+            <a:pPr lvl="0"/>
+            <a:r>
+              <a:rPr lang="en-US"/>
+              <a:t>Click to edit Master text styles</a:t>
+            </a:r>
+          </a:p>
+          <a:p>
+            <a:pPr lvl="1"/>
+            <a:r>
+              <a:rPr lang="en-US"/>
+              <a:t>Second level</a:t>
+            </a:r>
+          </a:p>
+          <a:p>
+            <a:pPr lvl="2"/>
+            <a:r>
+              <a:rPr lang="en-US"/>
+              <a:t>Third level</a:t>
+            </a:r>
+          </a:p>
+          <a:p>
+            <a:pPr lvl="3"/>
+            <a:r>
+              <a:rPr lang="en-US"/>
+              <a:t>Fourth level</a:t>
+            </a:r>
+          </a:p>
+          <a:p>
+            <a:pPr lvl="4"/>
+            <a:r>
+              <a:rPr lang="en-US"/>
+              <a:t>Fifth level</a:t>
+            </a:r>
+            <a:endParaRPr lang="en-US" dirty="0"/>
+          </a:p>
+        </p:txBody>
+      </p:sp>
+      <p:sp>
+        <p:nvSpPr>
+          <p:cNvPr id="4" name="Text Placeholder 3"/>
+          <p:cNvSpPr>
+            <a:spLocks noGrp="1"/>
+          </p:cNvSpPr>
+          <p:nvPr>
+            <p:ph type="body" sz="half" idx="2"/>
           </p:nvPr>
         </p:nvSpPr>
         <p:spPr>
           <a:xfrm>
-            <a:off x="5183188" y="987425"/>
-            <a:ext cx="6172200" cy="4873625"/>
+            <a:off x="1141411" y="2971800"/>
+            <a:ext cx="3549121" cy="1828800"/>
           </a:xfrm>
         </p:spPr>
         <p:txBody>
-          <a:bodyPr/>
-          <a:lstStyle>
-            <a:lvl1pPr>
-              <a:defRPr sz="3200"/>
-            </a:lvl1pPr>
-            <a:lvl2pPr>
-              <a:defRPr sz="2800"/>
-            </a:lvl2pPr>
-            <a:lvl3pPr>
-              <a:defRPr sz="2400"/>
-            </a:lvl3pPr>
-            <a:lvl4pPr>
-              <a:defRPr sz="2000"/>
-            </a:lvl4pPr>
-            <a:lvl5pPr>
-              <a:defRPr sz="2000"/>
-            </a:lvl5pPr>
-            <a:lvl6pPr>
-              <a:defRPr sz="2000"/>
-            </a:lvl6pPr>
-            <a:lvl7pPr>
-              <a:defRPr sz="2000"/>
-            </a:lvl7pPr>
-            <a:lvl8pPr>
-              <a:defRPr sz="2000"/>
-            </a:lvl8pPr>
-            <a:lvl9pPr>
-              <a:defRPr sz="2000"/>
-            </a:lvl9pPr>
-          </a:lstStyle>
-          <a:p>
-            <a:pPr lvl="0"/>
-            <a:r>
-              <a:rPr lang="en-US"/>
-              <a:t>Click to edit Master text styles</a:t>
-            </a:r>
-          </a:p>
-          <a:p>
-            <a:pPr lvl="1"/>
-            <a:r>
-              <a:rPr lang="en-US"/>
-              <a:t>Second level</a:t>
-            </a:r>
-          </a:p>
-          <a:p>
-            <a:pPr lvl="2"/>
-            <a:r>
-              <a:rPr lang="en-US"/>
-              <a:t>Third level</a:t>
-            </a:r>
-          </a:p>
-          <a:p>
-            <a:pPr lvl="3"/>
-            <a:r>
-              <a:rPr lang="en-US"/>
-              <a:t>Fourth level</a:t>
-            </a:r>
-          </a:p>
-          <a:p>
-            <a:pPr lvl="4"/>
-            <a:r>
-              <a:rPr lang="en-US"/>
-              <a:t>Fifth level</a:t>
-            </a:r>
-          </a:p>
-        </p:txBody>
-      </p:sp>
-      <p:sp>
-        <p:nvSpPr>
-          <p:cNvPr id="4" name="Text Placeholder 3">
-            <a:extLst>
-              <a:ext uri="{FF2B5EF4-FFF2-40B4-BE49-F238E27FC236}">
-                <a16:creationId xmlns:a16="http://schemas.microsoft.com/office/drawing/2014/main" id="{FAB8A727-F780-9824-BB89-278D1E59B4D5}"/>
-              </a:ext>
-            </a:extLst>
-          </p:cNvPr>
-          <p:cNvSpPr>
-            <a:spLocks noGrp="1"/>
-          </p:cNvSpPr>
-          <p:nvPr>
-            <p:ph type="body" sz="half" idx="2"/>
-          </p:nvPr>
-        </p:nvSpPr>
-        <p:spPr>
-          <a:xfrm>
-            <a:off x="839788" y="2057400"/>
-            <a:ext cx="3932237" cy="3811588"/>
-          </a:xfrm>
-        </p:spPr>
-        <p:txBody>
-          <a:bodyPr/>
+          <a:bodyPr>
+            <a:normAutofit/>
+          </a:bodyPr>
           <a:lstStyle>
             <a:lvl1pPr marL="0" indent="0">
               <a:buNone/>
@@ -2321,35 +4379,35 @@
             </a:lvl1pPr>
             <a:lvl2pPr marL="457200" indent="0">
               <a:buNone/>
-              <a:defRPr sz="1400"/>
+              <a:defRPr sz="1200"/>
             </a:lvl2pPr>
             <a:lvl3pPr marL="914400" indent="0">
               <a:buNone/>
-              <a:defRPr sz="1200"/>
+              <a:defRPr sz="1000"/>
             </a:lvl3pPr>
             <a:lvl4pPr marL="1371600" indent="0">
               <a:buNone/>
-              <a:defRPr sz="1000"/>
+              <a:defRPr sz="900"/>
             </a:lvl4pPr>
             <a:lvl5pPr marL="1828800" indent="0">
               <a:buNone/>
-              <a:defRPr sz="1000"/>
+              <a:defRPr sz="900"/>
             </a:lvl5pPr>
             <a:lvl6pPr marL="2286000" indent="0">
               <a:buNone/>
-              <a:defRPr sz="1000"/>
+              <a:defRPr sz="900"/>
             </a:lvl6pPr>
             <a:lvl7pPr marL="2743200" indent="0">
               <a:buNone/>
-              <a:defRPr sz="1000"/>
+              <a:defRPr sz="900"/>
             </a:lvl7pPr>
             <a:lvl8pPr marL="3200400" indent="0">
               <a:buNone/>
-              <a:defRPr sz="1000"/>
+              <a:defRPr sz="900"/>
             </a:lvl8pPr>
             <a:lvl9pPr marL="3657600" indent="0">
               <a:buNone/>
-              <a:defRPr sz="1000"/>
+              <a:defRPr sz="900"/>
             </a:lvl9pPr>
           </a:lstStyle>
           <a:p>
@@ -2363,13 +4421,7 @@
       </p:sp>
       <p:sp>
         <p:nvSpPr>
-          <p:cNvPr id="5" name="Date Placeholder 4">
-            <a:extLst>
-              <a:ext uri="{FF2B5EF4-FFF2-40B4-BE49-F238E27FC236}">
-                <a16:creationId xmlns:a16="http://schemas.microsoft.com/office/drawing/2014/main" id="{5832C69D-351F-A8EE-454A-EC910A992F94}"/>
-              </a:ext>
-            </a:extLst>
-          </p:cNvPr>
+          <p:cNvPr id="5" name="Date Placeholder 4"/>
           <p:cNvSpPr>
             <a:spLocks noGrp="1"/>
           </p:cNvSpPr>
@@ -2392,13 +4444,7 @@
       </p:sp>
       <p:sp>
         <p:nvSpPr>
-          <p:cNvPr id="6" name="Footer Placeholder 5">
-            <a:extLst>
-              <a:ext uri="{FF2B5EF4-FFF2-40B4-BE49-F238E27FC236}">
-                <a16:creationId xmlns:a16="http://schemas.microsoft.com/office/drawing/2014/main" id="{1D189DD5-CEA0-8A3C-6307-3E6A1427BA88}"/>
-              </a:ext>
-            </a:extLst>
-          </p:cNvPr>
+          <p:cNvPr id="6" name="Footer Placeholder 5"/>
           <p:cNvSpPr>
             <a:spLocks noGrp="1"/>
           </p:cNvSpPr>
@@ -2417,13 +4463,7 @@
       </p:sp>
       <p:sp>
         <p:nvSpPr>
-          <p:cNvPr id="7" name="Slide Number Placeholder 6">
-            <a:extLst>
-              <a:ext uri="{FF2B5EF4-FFF2-40B4-BE49-F238E27FC236}">
-                <a16:creationId xmlns:a16="http://schemas.microsoft.com/office/drawing/2014/main" id="{934AEAC4-0841-06D3-CA7F-B43C8FB2F44B}"/>
-              </a:ext>
-            </a:extLst>
-          </p:cNvPr>
+          <p:cNvPr id="7" name="Slide Number Placeholder 6"/>
           <p:cNvSpPr>
             <a:spLocks noGrp="1"/>
           </p:cNvSpPr>
@@ -2447,7 +4487,7 @@
     </p:spTree>
     <p:extLst>
       <p:ext uri="{BB962C8B-B14F-4D97-AF65-F5344CB8AC3E}">
-        <p14:creationId xmlns:p14="http://schemas.microsoft.com/office/powerpoint/2010/main" val="2079555533"/>
+        <p14:creationId xmlns:p14="http://schemas.microsoft.com/office/powerpoint/2010/main" val="820032458"/>
       </p:ext>
     </p:extLst>
   </p:cSld>
@@ -2476,13 +4516,7 @@
       </p:grpSpPr>
       <p:sp>
         <p:nvSpPr>
-          <p:cNvPr id="2" name="Title 1">
-            <a:extLst>
-              <a:ext uri="{FF2B5EF4-FFF2-40B4-BE49-F238E27FC236}">
-                <a16:creationId xmlns:a16="http://schemas.microsoft.com/office/drawing/2014/main" id="{974CB371-44BE-08EE-0A6B-ACD14F4AC14D}"/>
-              </a:ext>
-            </a:extLst>
-          </p:cNvPr>
+          <p:cNvPr id="2" name="Title 1"/>
           <p:cNvSpPr>
             <a:spLocks noGrp="1"/>
           </p:cNvSpPr>
@@ -2492,15 +4526,17 @@
         </p:nvSpPr>
         <p:spPr>
           <a:xfrm>
-            <a:off x="839788" y="457200"/>
-            <a:ext cx="3932237" cy="1600200"/>
+            <a:off x="1141411" y="1600200"/>
+            <a:ext cx="5334001" cy="1371600"/>
           </a:xfrm>
         </p:spPr>
         <p:txBody>
-          <a:bodyPr anchor="b"/>
+          <a:bodyPr anchor="b">
+            <a:normAutofit/>
+          </a:bodyPr>
           <a:lstStyle>
-            <a:lvl1pPr>
-              <a:defRPr sz="3200"/>
+            <a:lvl1pPr algn="l">
+              <a:defRPr sz="2800" b="0"/>
             </a:lvl1pPr>
           </a:lstStyle>
           <a:p>
@@ -2508,20 +4544,15 @@
               <a:rPr lang="en-US"/>
               <a:t>Click to edit Master title style</a:t>
             </a:r>
-          </a:p>
-        </p:txBody>
-      </p:sp>
-      <p:sp>
-        <p:nvSpPr>
-          <p:cNvPr id="3" name="Picture Placeholder 2">
-            <a:extLst>
-              <a:ext uri="{FF2B5EF4-FFF2-40B4-BE49-F238E27FC236}">
-                <a16:creationId xmlns:a16="http://schemas.microsoft.com/office/drawing/2014/main" id="{94FE2EDE-C7EC-0E63-3140-2FA1C12B1EAD}"/>
-              </a:ext>
-            </a:extLst>
-          </p:cNvPr>
-          <p:cNvSpPr>
-            <a:spLocks noGrp="1"/>
+            <a:endParaRPr lang="en-US" dirty="0"/>
+          </a:p>
+        </p:txBody>
+      </p:sp>
+      <p:sp>
+        <p:nvSpPr>
+          <p:cNvPr id="14" name="Picture Placeholder 2"/>
+          <p:cNvSpPr>
+            <a:spLocks noGrp="1" noChangeAspect="1"/>
           </p:cNvSpPr>
           <p:nvPr>
             <p:ph type="pic" idx="1"/>
@@ -2529,118 +4560,143 @@
         </p:nvSpPr>
         <p:spPr>
           <a:xfrm>
-            <a:off x="5183188" y="987425"/>
-            <a:ext cx="6172200" cy="4873625"/>
+            <a:off x="7433733" y="-18288"/>
+            <a:ext cx="3276599" cy="6903720"/>
           </a:xfrm>
+          <a:ln w="38100">
+            <a:gradFill flip="none" rotWithShape="1">
+              <a:gsLst>
+                <a:gs pos="0">
+                  <a:schemeClr val="bg2"/>
+                </a:gs>
+                <a:gs pos="100000">
+                  <a:schemeClr val="bg2">
+                    <a:lumMod val="75000"/>
+                  </a:schemeClr>
+                </a:gs>
+              </a:gsLst>
+              <a:lin ang="5400000" scaled="0"/>
+              <a:tileRect/>
+            </a:gradFill>
+          </a:ln>
+          <a:effectLst>
+            <a:innerShdw blurRad="57150" dist="38100" dir="10800000">
+              <a:srgbClr val="000000">
+                <a:alpha val="70000"/>
+              </a:srgbClr>
+            </a:innerShdw>
+          </a:effectLst>
         </p:spPr>
         <p:txBody>
-          <a:bodyPr/>
+          <a:bodyPr anchor="t">
+            <a:normAutofit/>
+          </a:bodyPr>
           <a:lstStyle>
-            <a:lvl1pPr marL="0" indent="0">
-              <a:buNone/>
-              <a:defRPr sz="3200"/>
-            </a:lvl1pPr>
-            <a:lvl2pPr marL="457200" indent="0">
-              <a:buNone/>
-              <a:defRPr sz="2800"/>
-            </a:lvl2pPr>
-            <a:lvl3pPr marL="914400" indent="0">
-              <a:buNone/>
-              <a:defRPr sz="2400"/>
-            </a:lvl3pPr>
-            <a:lvl4pPr marL="1371600" indent="0">
-              <a:buNone/>
-              <a:defRPr sz="2000"/>
-            </a:lvl4pPr>
-            <a:lvl5pPr marL="1828800" indent="0">
-              <a:buNone/>
-              <a:defRPr sz="2000"/>
-            </a:lvl5pPr>
-            <a:lvl6pPr marL="2286000" indent="0">
-              <a:buNone/>
-              <a:defRPr sz="2000"/>
-            </a:lvl6pPr>
-            <a:lvl7pPr marL="2743200" indent="0">
-              <a:buNone/>
-              <a:defRPr sz="2000"/>
-            </a:lvl7pPr>
-            <a:lvl8pPr marL="3200400" indent="0">
-              <a:buNone/>
-              <a:defRPr sz="2000"/>
-            </a:lvl8pPr>
-            <a:lvl9pPr marL="3657600" indent="0">
-              <a:buNone/>
-              <a:defRPr sz="2000"/>
-            </a:lvl9pPr>
-          </a:lstStyle>
-          <a:p>
-            <a:endParaRPr lang="en-US"/>
-          </a:p>
-        </p:txBody>
-      </p:sp>
-      <p:sp>
-        <p:nvSpPr>
-          <p:cNvPr id="4" name="Text Placeholder 3">
-            <a:extLst>
-              <a:ext uri="{FF2B5EF4-FFF2-40B4-BE49-F238E27FC236}">
-                <a16:creationId xmlns:a16="http://schemas.microsoft.com/office/drawing/2014/main" id="{96AE0E07-1724-6B67-A9B5-F8C344592116}"/>
-              </a:ext>
-            </a:extLst>
-          </p:cNvPr>
-          <p:cNvSpPr>
-            <a:spLocks noGrp="1"/>
-          </p:cNvSpPr>
-          <p:nvPr>
-            <p:ph type="body" sz="half" idx="2"/>
-          </p:nvPr>
-        </p:nvSpPr>
-        <p:spPr>
-          <a:xfrm>
-            <a:off x="839788" y="2057400"/>
-            <a:ext cx="3932237" cy="3811588"/>
-          </a:xfrm>
-        </p:spPr>
-        <p:txBody>
-          <a:bodyPr/>
-          <a:lstStyle>
-            <a:lvl1pPr marL="0" indent="0">
+            <a:lvl1pPr marL="0" indent="0" algn="ctr">
               <a:buNone/>
               <a:defRPr sz="1600"/>
             </a:lvl1pPr>
             <a:lvl2pPr marL="457200" indent="0">
               <a:buNone/>
-              <a:defRPr sz="1400"/>
+              <a:defRPr sz="1600"/>
             </a:lvl2pPr>
             <a:lvl3pPr marL="914400" indent="0">
               <a:buNone/>
-              <a:defRPr sz="1200"/>
+              <a:defRPr sz="1600"/>
             </a:lvl3pPr>
             <a:lvl4pPr marL="1371600" indent="0">
               <a:buNone/>
-              <a:defRPr sz="1000"/>
+              <a:defRPr sz="1600"/>
             </a:lvl4pPr>
             <a:lvl5pPr marL="1828800" indent="0">
               <a:buNone/>
-              <a:defRPr sz="1000"/>
+              <a:defRPr sz="1600"/>
             </a:lvl5pPr>
             <a:lvl6pPr marL="2286000" indent="0">
               <a:buNone/>
-              <a:defRPr sz="1000"/>
+              <a:defRPr sz="1600"/>
             </a:lvl6pPr>
             <a:lvl7pPr marL="2743200" indent="0">
               <a:buNone/>
-              <a:defRPr sz="1000"/>
+              <a:defRPr sz="1600"/>
             </a:lvl7pPr>
             <a:lvl8pPr marL="3200400" indent="0">
               <a:buNone/>
-              <a:defRPr sz="1000"/>
+              <a:defRPr sz="1600"/>
             </a:lvl8pPr>
             <a:lvl9pPr marL="3657600" indent="0">
               <a:buNone/>
-              <a:defRPr sz="1000"/>
+              <a:defRPr sz="1600"/>
             </a:lvl9pPr>
           </a:lstStyle>
           <a:p>
+            <a:r>
+              <a:rPr lang="en-US"/>
+              <a:t>Click icon to add picture</a:t>
+            </a:r>
+            <a:endParaRPr lang="en-US" dirty="0"/>
+          </a:p>
+        </p:txBody>
+      </p:sp>
+      <p:sp>
+        <p:nvSpPr>
+          <p:cNvPr id="4" name="Text Placeholder 3"/>
+          <p:cNvSpPr>
+            <a:spLocks noGrp="1"/>
+          </p:cNvSpPr>
+          <p:nvPr>
+            <p:ph type="body" sz="half" idx="2"/>
+          </p:nvPr>
+        </p:nvSpPr>
+        <p:spPr>
+          <a:xfrm>
+            <a:off x="1141411" y="2971800"/>
+            <a:ext cx="5334001" cy="1828800"/>
+          </a:xfrm>
+        </p:spPr>
+        <p:txBody>
+          <a:bodyPr>
+            <a:normAutofit/>
+          </a:bodyPr>
+          <a:lstStyle>
+            <a:lvl1pPr marL="0" indent="0">
+              <a:buNone/>
+              <a:defRPr sz="1800"/>
+            </a:lvl1pPr>
+            <a:lvl2pPr marL="457200" indent="0">
+              <a:buNone/>
+              <a:defRPr sz="1200"/>
+            </a:lvl2pPr>
+            <a:lvl3pPr marL="914400" indent="0">
+              <a:buNone/>
+              <a:defRPr sz="1000"/>
+            </a:lvl3pPr>
+            <a:lvl4pPr marL="1371600" indent="0">
+              <a:buNone/>
+              <a:defRPr sz="900"/>
+            </a:lvl4pPr>
+            <a:lvl5pPr marL="1828800" indent="0">
+              <a:buNone/>
+              <a:defRPr sz="900"/>
+            </a:lvl5pPr>
+            <a:lvl6pPr marL="2286000" indent="0">
+              <a:buNone/>
+              <a:defRPr sz="900"/>
+            </a:lvl6pPr>
+            <a:lvl7pPr marL="2743200" indent="0">
+              <a:buNone/>
+              <a:defRPr sz="900"/>
+            </a:lvl7pPr>
+            <a:lvl8pPr marL="3200400" indent="0">
+              <a:buNone/>
+              <a:defRPr sz="900"/>
+            </a:lvl8pPr>
+            <a:lvl9pPr marL="3657600" indent="0">
+              <a:buNone/>
+              <a:defRPr sz="900"/>
+            </a:lvl9pPr>
+          </a:lstStyle>
+          <a:p>
             <a:pPr lvl="0"/>
             <a:r>
               <a:rPr lang="en-US"/>
@@ -2651,13 +4707,7 @@
       </p:sp>
       <p:sp>
         <p:nvSpPr>
-          <p:cNvPr id="5" name="Date Placeholder 4">
-            <a:extLst>
-              <a:ext uri="{FF2B5EF4-FFF2-40B4-BE49-F238E27FC236}">
-                <a16:creationId xmlns:a16="http://schemas.microsoft.com/office/drawing/2014/main" id="{A7C01F1E-5E65-B58C-0316-3BCACCA5F064}"/>
-              </a:ext>
-            </a:extLst>
-          </p:cNvPr>
+          <p:cNvPr id="5" name="Date Placeholder 4"/>
           <p:cNvSpPr>
             <a:spLocks noGrp="1"/>
           </p:cNvSpPr>
@@ -2665,7 +4715,12 @@
             <p:ph type="dt" sz="half" idx="10"/>
           </p:nvPr>
         </p:nvSpPr>
-        <p:spPr/>
+        <p:spPr>
+          <a:xfrm>
+            <a:off x="6399212" y="5883275"/>
+            <a:ext cx="914400" cy="365125"/>
+          </a:xfrm>
+        </p:spPr>
         <p:txBody>
           <a:bodyPr/>
           <a:lstStyle/>
@@ -2680,13 +4735,7 @@
       </p:sp>
       <p:sp>
         <p:nvSpPr>
-          <p:cNvPr id="6" name="Footer Placeholder 5">
-            <a:extLst>
-              <a:ext uri="{FF2B5EF4-FFF2-40B4-BE49-F238E27FC236}">
-                <a16:creationId xmlns:a16="http://schemas.microsoft.com/office/drawing/2014/main" id="{679EB5FE-3C34-8EBB-00CB-82D6057710A6}"/>
-              </a:ext>
-            </a:extLst>
-          </p:cNvPr>
+          <p:cNvPr id="6" name="Footer Placeholder 5"/>
           <p:cNvSpPr>
             <a:spLocks noGrp="1"/>
           </p:cNvSpPr>
@@ -2694,7 +4743,12 @@
             <p:ph type="ftr" sz="quarter" idx="11"/>
           </p:nvPr>
         </p:nvSpPr>
-        <p:spPr/>
+        <p:spPr>
+          <a:xfrm>
+            <a:off x="1141412" y="5883275"/>
+            <a:ext cx="5105400" cy="365125"/>
+          </a:xfrm>
+        </p:spPr>
         <p:txBody>
           <a:bodyPr/>
           <a:lstStyle/>
@@ -2705,13 +4759,7 @@
       </p:sp>
       <p:sp>
         <p:nvSpPr>
-          <p:cNvPr id="7" name="Slide Number Placeholder 6">
-            <a:extLst>
-              <a:ext uri="{FF2B5EF4-FFF2-40B4-BE49-F238E27FC236}">
-                <a16:creationId xmlns:a16="http://schemas.microsoft.com/office/drawing/2014/main" id="{473957A1-80B9-0146-C806-5C72AA0E6FD1}"/>
-              </a:ext>
-            </a:extLst>
-          </p:cNvPr>
+          <p:cNvPr id="7" name="Slide Number Placeholder 6"/>
           <p:cNvSpPr>
             <a:spLocks noGrp="1"/>
           </p:cNvSpPr>
@@ -2719,7 +4767,12 @@
             <p:ph type="sldNum" sz="quarter" idx="12"/>
           </p:nvPr>
         </p:nvSpPr>
-        <p:spPr/>
+        <p:spPr>
+          <a:xfrm>
+            <a:off x="10742612" y="5883275"/>
+            <a:ext cx="322567" cy="365125"/>
+          </a:xfrm>
+        </p:spPr>
         <p:txBody>
           <a:bodyPr/>
           <a:lstStyle/>
@@ -2735,7 +4788,7 @@
     </p:spTree>
     <p:extLst>
       <p:ext uri="{BB962C8B-B14F-4D97-AF65-F5344CB8AC3E}">
-        <p14:creationId xmlns:p14="http://schemas.microsoft.com/office/powerpoint/2010/main" val="2937240471"/>
+        <p14:creationId xmlns:p14="http://schemas.microsoft.com/office/powerpoint/2010/main" val="929437829"/>
       </p:ext>
     </p:extLst>
   </p:cSld>
@@ -2749,8 +4802,8 @@
 <p:sldMaster xmlns:a="http://schemas.openxmlformats.org/drawingml/2006/main" xmlns:r="http://schemas.openxmlformats.org/officeDocument/2006/relationships" xmlns:p="http://schemas.openxmlformats.org/presentationml/2006/main">
   <p:cSld>
     <p:bg>
-      <p:bgRef idx="1001">
-        <a:schemeClr val="bg1"/>
+      <p:bgRef idx="1003">
+        <a:schemeClr val="bg2"/>
       </p:bgRef>
     </p:bg>
     <p:spTree>
@@ -2769,13 +4822,7 @@
       </p:grpSpPr>
       <p:sp>
         <p:nvSpPr>
-          <p:cNvPr id="2" name="Title Placeholder 1">
-            <a:extLst>
-              <a:ext uri="{FF2B5EF4-FFF2-40B4-BE49-F238E27FC236}">
-                <a16:creationId xmlns:a16="http://schemas.microsoft.com/office/drawing/2014/main" id="{EB31D5BD-6F29-0298-4577-F448A92D97BF}"/>
-              </a:ext>
-            </a:extLst>
-          </p:cNvPr>
+          <p:cNvPr id="2" name="Title Placeholder 1"/>
           <p:cNvSpPr>
             <a:spLocks noGrp="1"/>
           </p:cNvSpPr>
@@ -2785,8 +4832,8 @@
         </p:nvSpPr>
         <p:spPr>
           <a:xfrm>
-            <a:off x="838200" y="365125"/>
-            <a:ext cx="10515600" cy="1325563"/>
+            <a:off x="1141413" y="609600"/>
+            <a:ext cx="9905998" cy="1905000"/>
           </a:xfrm>
           <a:prstGeom prst="rect">
             <a:avLst/>
@@ -2802,18 +4849,13 @@
               <a:rPr lang="en-US"/>
               <a:t>Click to edit Master title style</a:t>
             </a:r>
-          </a:p>
-        </p:txBody>
-      </p:sp>
-      <p:sp>
-        <p:nvSpPr>
-          <p:cNvPr id="3" name="Text Placeholder 2">
-            <a:extLst>
-              <a:ext uri="{FF2B5EF4-FFF2-40B4-BE49-F238E27FC236}">
-                <a16:creationId xmlns:a16="http://schemas.microsoft.com/office/drawing/2014/main" id="{1D2FC420-CCE0-5CD0-44E7-4BE6FEEFD687}"/>
-              </a:ext>
-            </a:extLst>
-          </p:cNvPr>
+            <a:endParaRPr lang="en-US" dirty="0"/>
+          </a:p>
+        </p:txBody>
+      </p:sp>
+      <p:sp>
+        <p:nvSpPr>
+          <p:cNvPr id="3" name="Text Placeholder 2"/>
           <p:cNvSpPr>
             <a:spLocks noGrp="1"/>
           </p:cNvSpPr>
@@ -2823,15 +4865,15 @@
         </p:nvSpPr>
         <p:spPr>
           <a:xfrm>
-            <a:off x="838200" y="1825625"/>
-            <a:ext cx="10515600" cy="4351338"/>
+            <a:off x="1141413" y="2666999"/>
+            <a:ext cx="9905998" cy="3124201"/>
           </a:xfrm>
           <a:prstGeom prst="rect">
             <a:avLst/>
           </a:prstGeom>
         </p:spPr>
         <p:txBody>
-          <a:bodyPr vert="horz" lIns="91440" tIns="45720" rIns="91440" bIns="45720" rtlCol="0">
+          <a:bodyPr vert="horz" lIns="91440" tIns="45720" rIns="91440" bIns="45720" rtlCol="0" anchor="ctr">
             <a:normAutofit/>
           </a:bodyPr>
           <a:lstStyle/>
@@ -2869,18 +4911,13 @@
               <a:rPr lang="en-US"/>
               <a:t>Fifth level</a:t>
             </a:r>
-          </a:p>
-        </p:txBody>
-      </p:sp>
-      <p:sp>
-        <p:nvSpPr>
-          <p:cNvPr id="4" name="Date Placeholder 3">
-            <a:extLst>
-              <a:ext uri="{FF2B5EF4-FFF2-40B4-BE49-F238E27FC236}">
-                <a16:creationId xmlns:a16="http://schemas.microsoft.com/office/drawing/2014/main" id="{7A160716-7989-299A-4D6A-5F8CE1FFF06B}"/>
-              </a:ext>
-            </a:extLst>
-          </p:cNvPr>
+            <a:endParaRPr lang="en-US" dirty="0"/>
+          </a:p>
+        </p:txBody>
+      </p:sp>
+      <p:sp>
+        <p:nvSpPr>
+          <p:cNvPr id="4" name="Date Placeholder 3"/>
           <p:cNvSpPr>
             <a:spLocks noGrp="1"/>
           </p:cNvSpPr>
@@ -2890,8 +4927,8 @@
         </p:nvSpPr>
         <p:spPr>
           <a:xfrm>
-            <a:off x="838200" y="6356350"/>
-            <a:ext cx="2743200" cy="365125"/>
+            <a:off x="8837612" y="5883275"/>
+            <a:ext cx="1600200" cy="365125"/>
           </a:xfrm>
           <a:prstGeom prst="rect">
             <a:avLst/>
@@ -2900,13 +4937,21 @@
         <p:txBody>
           <a:bodyPr vert="horz" lIns="91440" tIns="45720" rIns="91440" bIns="45720" rtlCol="0" anchor="ctr"/>
           <a:lstStyle>
-            <a:lvl1pPr algn="l">
-              <a:defRPr sz="1200">
+            <a:lvl1pPr algn="r">
+              <a:defRPr sz="900" b="1" i="0">
                 <a:solidFill>
                   <a:schemeClr val="tx1">
-                    <a:tint val="75000"/>
+                    <a:lumMod val="75000"/>
                   </a:schemeClr>
                 </a:solidFill>
+                <a:effectLst>
+                  <a:outerShdw blurRad="50800" dist="38100" dir="2700000" algn="tl" rotWithShape="0">
+                    <a:srgbClr val="000000">
+                      <a:alpha val="43000"/>
+                    </a:srgbClr>
+                  </a:outerShdw>
+                </a:effectLst>
+                <a:latin typeface="+mn-lt"/>
               </a:defRPr>
             </a:lvl1pPr>
           </a:lstStyle>
@@ -2921,13 +4966,7 @@
       </p:sp>
       <p:sp>
         <p:nvSpPr>
-          <p:cNvPr id="5" name="Footer Placeholder 4">
-            <a:extLst>
-              <a:ext uri="{FF2B5EF4-FFF2-40B4-BE49-F238E27FC236}">
-                <a16:creationId xmlns:a16="http://schemas.microsoft.com/office/drawing/2014/main" id="{FCD55481-B3A9-0F52-2392-A92687423198}"/>
-              </a:ext>
-            </a:extLst>
-          </p:cNvPr>
+          <p:cNvPr id="5" name="Footer Placeholder 4"/>
           <p:cNvSpPr>
             <a:spLocks noGrp="1"/>
           </p:cNvSpPr>
@@ -2937,8 +4976,8 @@
         </p:nvSpPr>
         <p:spPr>
           <a:xfrm>
-            <a:off x="4038600" y="6356350"/>
-            <a:ext cx="4114800" cy="365125"/>
+            <a:off x="1141412" y="5883275"/>
+            <a:ext cx="7543800" cy="365125"/>
           </a:xfrm>
           <a:prstGeom prst="rect">
             <a:avLst/>
@@ -2947,13 +4986,21 @@
         <p:txBody>
           <a:bodyPr vert="horz" lIns="91440" tIns="45720" rIns="91440" bIns="45720" rtlCol="0" anchor="ctr"/>
           <a:lstStyle>
-            <a:lvl1pPr algn="ctr">
-              <a:defRPr sz="1200">
+            <a:lvl1pPr algn="l">
+              <a:defRPr sz="900" b="1" i="0">
                 <a:solidFill>
                   <a:schemeClr val="tx1">
-                    <a:tint val="75000"/>
+                    <a:lumMod val="75000"/>
                   </a:schemeClr>
                 </a:solidFill>
+                <a:effectLst>
+                  <a:outerShdw blurRad="50800" dist="38100" dir="2700000" algn="tl" rotWithShape="0">
+                    <a:srgbClr val="000000">
+                      <a:alpha val="43000"/>
+                    </a:srgbClr>
+                  </a:outerShdw>
+                </a:effectLst>
+                <a:latin typeface="+mn-lt"/>
               </a:defRPr>
             </a:lvl1pPr>
           </a:lstStyle>
@@ -2964,13 +5011,7 @@
       </p:sp>
       <p:sp>
         <p:nvSpPr>
-          <p:cNvPr id="6" name="Slide Number Placeholder 5">
-            <a:extLst>
-              <a:ext uri="{FF2B5EF4-FFF2-40B4-BE49-F238E27FC236}">
-                <a16:creationId xmlns:a16="http://schemas.microsoft.com/office/drawing/2014/main" id="{5EC8C651-6D12-80B7-42E3-23E7AD0994D6}"/>
-              </a:ext>
-            </a:extLst>
-          </p:cNvPr>
+          <p:cNvPr id="6" name="Slide Number Placeholder 5"/>
           <p:cNvSpPr>
             <a:spLocks noGrp="1"/>
           </p:cNvSpPr>
@@ -2980,8 +5021,8 @@
         </p:nvSpPr>
         <p:spPr>
           <a:xfrm>
-            <a:off x="8610600" y="6356350"/>
-            <a:ext cx="2743200" cy="365125"/>
+            <a:off x="10514012" y="5883275"/>
+            <a:ext cx="551167" cy="365125"/>
           </a:xfrm>
           <a:prstGeom prst="rect">
             <a:avLst/>
@@ -2991,12 +5032,20 @@
           <a:bodyPr vert="horz" lIns="91440" tIns="45720" rIns="91440" bIns="45720" rtlCol="0" anchor="ctr"/>
           <a:lstStyle>
             <a:lvl1pPr algn="r">
-              <a:defRPr sz="1200">
+              <a:defRPr sz="900" b="1" i="0">
                 <a:solidFill>
                   <a:schemeClr val="tx1">
-                    <a:tint val="75000"/>
+                    <a:lumMod val="75000"/>
                   </a:schemeClr>
                 </a:solidFill>
+                <a:effectLst>
+                  <a:outerShdw blurRad="50800" dist="38100" dir="2700000" algn="tl" rotWithShape="0">
+                    <a:srgbClr val="000000">
+                      <a:alpha val="43000"/>
+                    </a:srgbClr>
+                  </a:outerShdw>
+                </a:effectLst>
+                <a:latin typeface="+mn-lt"/>
               </a:defRPr>
             </a:lvl1pPr>
           </a:lstStyle>
@@ -3012,202 +5061,550 @@
     </p:spTree>
     <p:extLst>
       <p:ext uri="{BB962C8B-B14F-4D97-AF65-F5344CB8AC3E}">
-        <p14:creationId xmlns:p14="http://schemas.microsoft.com/office/powerpoint/2010/main" val="3849839532"/>
+        <p14:creationId xmlns:p14="http://schemas.microsoft.com/office/powerpoint/2010/main" val="634886518"/>
       </p:ext>
     </p:extLst>
   </p:cSld>
-  <p:clrMap bg1="lt1" tx1="dk1" bg2="lt2" tx2="dk2" accent1="accent1" accent2="accent2" accent3="accent3" accent4="accent4" accent5="accent5" accent6="accent6" hlink="hlink" folHlink="folHlink"/>
+  <p:clrMap bg1="dk1" tx1="lt1" bg2="dk2" tx2="lt2" accent1="accent1" accent2="accent2" accent3="accent3" accent4="accent4" accent5="accent5" accent6="accent6" hlink="hlink" folHlink="folHlink"/>
   <p:sldLayoutIdLst>
-    <p:sldLayoutId id="2147483649" r:id="rId1"/>
-    <p:sldLayoutId id="2147483650" r:id="rId2"/>
-    <p:sldLayoutId id="2147483651" r:id="rId3"/>
-    <p:sldLayoutId id="2147483652" r:id="rId4"/>
-    <p:sldLayoutId id="2147483653" r:id="rId5"/>
-    <p:sldLayoutId id="2147483654" r:id="rId6"/>
-    <p:sldLayoutId id="2147483655" r:id="rId7"/>
-    <p:sldLayoutId id="2147483656" r:id="rId8"/>
-    <p:sldLayoutId id="2147483657" r:id="rId9"/>
-    <p:sldLayoutId id="2147483658" r:id="rId10"/>
-    <p:sldLayoutId id="2147483659" r:id="rId11"/>
+    <p:sldLayoutId id="2147483697" r:id="rId1"/>
+    <p:sldLayoutId id="2147483698" r:id="rId2"/>
+    <p:sldLayoutId id="2147483699" r:id="rId3"/>
+    <p:sldLayoutId id="2147483700" r:id="rId4"/>
+    <p:sldLayoutId id="2147483701" r:id="rId5"/>
+    <p:sldLayoutId id="2147483702" r:id="rId6"/>
+    <p:sldLayoutId id="2147483703" r:id="rId7"/>
+    <p:sldLayoutId id="2147483704" r:id="rId8"/>
+    <p:sldLayoutId id="2147483705" r:id="rId9"/>
+    <p:sldLayoutId id="2147483706" r:id="rId10"/>
+    <p:sldLayoutId id="2147483707" r:id="rId11"/>
+    <p:sldLayoutId id="2147483708" r:id="rId12"/>
+    <p:sldLayoutId id="2147483709" r:id="rId13"/>
+    <p:sldLayoutId id="2147483710" r:id="rId14"/>
+    <p:sldLayoutId id="2147483711" r:id="rId15"/>
+    <p:sldLayoutId id="2147483712" r:id="rId16"/>
+    <p:sldLayoutId id="2147483713" r:id="rId17"/>
   </p:sldLayoutIdLst>
   <p:txStyles>
     <p:titleStyle>
-      <a:lvl1pPr algn="l" defTabSz="914400" rtl="0" eaLnBrk="1" latinLnBrk="0" hangingPunct="1">
-        <a:lnSpc>
-          <a:spcPct val="90000"/>
-        </a:lnSpc>
+      <a:lvl1pPr algn="l" defTabSz="457200" rtl="0" eaLnBrk="1" latinLnBrk="0" hangingPunct="1">
         <a:spcBef>
           <a:spcPct val="0"/>
         </a:spcBef>
         <a:buNone/>
-        <a:defRPr sz="4400" kern="1200">
-          <a:solidFill>
-            <a:schemeClr val="tx1"/>
-          </a:solidFill>
+        <a:defRPr sz="3200" kern="1200" cap="all">
+          <a:ln w="3175" cmpd="sng">
+            <a:noFill/>
+          </a:ln>
+          <a:gradFill flip="none" rotWithShape="1">
+            <a:gsLst>
+              <a:gs pos="0">
+                <a:schemeClr val="tx1"/>
+              </a:gs>
+              <a:gs pos="100000">
+                <a:schemeClr val="tx1">
+                  <a:lumMod val="65000"/>
+                </a:schemeClr>
+              </a:gs>
+            </a:gsLst>
+            <a:lin ang="5580000" scaled="0"/>
+            <a:tileRect/>
+          </a:gradFill>
+          <a:effectLst>
+            <a:glow rad="38100">
+              <a:schemeClr val="bg1">
+                <a:lumMod val="65000"/>
+                <a:lumOff val="35000"/>
+                <a:alpha val="40000"/>
+              </a:schemeClr>
+            </a:glow>
+            <a:outerShdw blurRad="28575" dist="38100" dir="14040000" algn="tl" rotWithShape="0">
+              <a:srgbClr val="000000">
+                <a:alpha val="25000"/>
+              </a:srgbClr>
+            </a:outerShdw>
+          </a:effectLst>
           <a:latin typeface="+mj-lt"/>
           <a:ea typeface="+mj-ea"/>
           <a:cs typeface="+mj-cs"/>
         </a:defRPr>
       </a:lvl1pPr>
+      <a:lvl2pPr eaLnBrk="1" hangingPunct="1">
+        <a:defRPr>
+          <a:solidFill>
+            <a:schemeClr val="tx2"/>
+          </a:solidFill>
+        </a:defRPr>
+      </a:lvl2pPr>
+      <a:lvl3pPr eaLnBrk="1" hangingPunct="1">
+        <a:defRPr>
+          <a:solidFill>
+            <a:schemeClr val="tx2"/>
+          </a:solidFill>
+        </a:defRPr>
+      </a:lvl3pPr>
+      <a:lvl4pPr eaLnBrk="1" hangingPunct="1">
+        <a:defRPr>
+          <a:solidFill>
+            <a:schemeClr val="tx2"/>
+          </a:solidFill>
+        </a:defRPr>
+      </a:lvl4pPr>
+      <a:lvl5pPr eaLnBrk="1" hangingPunct="1">
+        <a:defRPr>
+          <a:solidFill>
+            <a:schemeClr val="tx2"/>
+          </a:solidFill>
+        </a:defRPr>
+      </a:lvl5pPr>
+      <a:lvl6pPr eaLnBrk="1" hangingPunct="1">
+        <a:defRPr>
+          <a:solidFill>
+            <a:schemeClr val="tx2"/>
+          </a:solidFill>
+        </a:defRPr>
+      </a:lvl6pPr>
+      <a:lvl7pPr eaLnBrk="1" hangingPunct="1">
+        <a:defRPr>
+          <a:solidFill>
+            <a:schemeClr val="tx2"/>
+          </a:solidFill>
+        </a:defRPr>
+      </a:lvl7pPr>
+      <a:lvl8pPr eaLnBrk="1" hangingPunct="1">
+        <a:defRPr>
+          <a:solidFill>
+            <a:schemeClr val="tx2"/>
+          </a:solidFill>
+        </a:defRPr>
+      </a:lvl8pPr>
+      <a:lvl9pPr eaLnBrk="1" hangingPunct="1">
+        <a:defRPr>
+          <a:solidFill>
+            <a:schemeClr val="tx2"/>
+          </a:solidFill>
+        </a:defRPr>
+      </a:lvl9pPr>
     </p:titleStyle>
     <p:bodyStyle>
-      <a:lvl1pPr marL="228600" indent="-228600" algn="l" defTabSz="914400" rtl="0" eaLnBrk="1" latinLnBrk="0" hangingPunct="1">
-        <a:lnSpc>
-          <a:spcPct val="90000"/>
-        </a:lnSpc>
+      <a:lvl1pPr marL="285750" indent="-285750" algn="l" defTabSz="457200" rtl="0" eaLnBrk="1" latinLnBrk="0" hangingPunct="1">
         <a:spcBef>
-          <a:spcPts val="1000"/>
+          <a:spcPct val="20000"/>
         </a:spcBef>
-        <a:buFont typeface="Arial" panose="020B0604020202020204" pitchFamily="34" charset="0"/>
+        <a:spcAft>
+          <a:spcPts val="600"/>
+        </a:spcAft>
+        <a:buClr>
+          <a:schemeClr val="tx1"/>
+        </a:buClr>
+        <a:buSzPct val="100000"/>
+        <a:buFont typeface="Arial"/>
         <a:buChar char="•"/>
-        <a:defRPr sz="2800" kern="1200">
-          <a:solidFill>
-            <a:schemeClr val="tx1"/>
-          </a:solidFill>
+        <a:defRPr sz="2000" kern="1200" cap="small">
+          <a:gradFill flip="none" rotWithShape="1">
+            <a:gsLst>
+              <a:gs pos="0">
+                <a:schemeClr val="tx1"/>
+              </a:gs>
+              <a:gs pos="100000">
+                <a:schemeClr val="tx1">
+                  <a:lumMod val="75000"/>
+                </a:schemeClr>
+              </a:gs>
+            </a:gsLst>
+            <a:lin ang="5580000" scaled="0"/>
+            <a:tileRect/>
+          </a:gradFill>
+          <a:effectLst>
+            <a:glow rad="38100">
+              <a:schemeClr val="bg1">
+                <a:lumMod val="50000"/>
+                <a:lumOff val="50000"/>
+                <a:alpha val="20000"/>
+              </a:schemeClr>
+            </a:glow>
+            <a:outerShdw blurRad="44450" dist="12700" dir="13860000" algn="tl" rotWithShape="0">
+              <a:srgbClr val="000000">
+                <a:alpha val="20000"/>
+              </a:srgbClr>
+            </a:outerShdw>
+          </a:effectLst>
           <a:latin typeface="+mn-lt"/>
           <a:ea typeface="+mn-ea"/>
           <a:cs typeface="+mn-cs"/>
         </a:defRPr>
       </a:lvl1pPr>
-      <a:lvl2pPr marL="685800" indent="-228600" algn="l" defTabSz="914400" rtl="0" eaLnBrk="1" latinLnBrk="0" hangingPunct="1">
-        <a:lnSpc>
-          <a:spcPct val="90000"/>
-        </a:lnSpc>
+      <a:lvl2pPr marL="742950" indent="-285750" algn="l" defTabSz="457200" rtl="0" eaLnBrk="1" latinLnBrk="0" hangingPunct="1">
         <a:spcBef>
-          <a:spcPts val="500"/>
+          <a:spcPct val="20000"/>
         </a:spcBef>
-        <a:buFont typeface="Arial" panose="020B0604020202020204" pitchFamily="34" charset="0"/>
+        <a:spcAft>
+          <a:spcPts val="600"/>
+        </a:spcAft>
+        <a:buClr>
+          <a:schemeClr val="tx1"/>
+        </a:buClr>
+        <a:buSzPct val="100000"/>
+        <a:buFont typeface="Arial"/>
         <a:buChar char="•"/>
-        <a:defRPr sz="2400" kern="1200">
-          <a:solidFill>
-            <a:schemeClr val="tx1"/>
-          </a:solidFill>
+        <a:defRPr sz="1800" kern="1200" cap="small">
+          <a:gradFill flip="none" rotWithShape="1">
+            <a:gsLst>
+              <a:gs pos="0">
+                <a:schemeClr val="tx1"/>
+              </a:gs>
+              <a:gs pos="100000">
+                <a:schemeClr val="tx1">
+                  <a:lumMod val="75000"/>
+                </a:schemeClr>
+              </a:gs>
+            </a:gsLst>
+            <a:lin ang="5580000" scaled="0"/>
+            <a:tileRect/>
+          </a:gradFill>
+          <a:effectLst>
+            <a:glow rad="38100">
+              <a:schemeClr val="bg1">
+                <a:lumMod val="50000"/>
+                <a:lumOff val="50000"/>
+                <a:alpha val="20000"/>
+              </a:schemeClr>
+            </a:glow>
+            <a:outerShdw blurRad="44450" dist="12700" dir="13860000" algn="tl" rotWithShape="0">
+              <a:srgbClr val="000000">
+                <a:alpha val="20000"/>
+              </a:srgbClr>
+            </a:outerShdw>
+          </a:effectLst>
           <a:latin typeface="+mn-lt"/>
           <a:ea typeface="+mn-ea"/>
           <a:cs typeface="+mn-cs"/>
         </a:defRPr>
       </a:lvl2pPr>
-      <a:lvl3pPr marL="1143000" indent="-228600" algn="l" defTabSz="914400" rtl="0" eaLnBrk="1" latinLnBrk="0" hangingPunct="1">
-        <a:lnSpc>
-          <a:spcPct val="90000"/>
-        </a:lnSpc>
+      <a:lvl3pPr marL="1200150" indent="-285750" algn="l" defTabSz="457200" rtl="0" eaLnBrk="1" latinLnBrk="0" hangingPunct="1">
         <a:spcBef>
-          <a:spcPts val="500"/>
+          <a:spcPct val="20000"/>
         </a:spcBef>
-        <a:buFont typeface="Arial" panose="020B0604020202020204" pitchFamily="34" charset="0"/>
+        <a:spcAft>
+          <a:spcPts val="600"/>
+        </a:spcAft>
+        <a:buClr>
+          <a:schemeClr val="tx1"/>
+        </a:buClr>
+        <a:buSzPct val="100000"/>
+        <a:buFont typeface="Arial"/>
         <a:buChar char="•"/>
-        <a:defRPr sz="2000" kern="1200">
-          <a:solidFill>
-            <a:schemeClr val="tx1"/>
-          </a:solidFill>
+        <a:defRPr sz="1600" kern="1200" cap="small">
+          <a:gradFill flip="none" rotWithShape="1">
+            <a:gsLst>
+              <a:gs pos="0">
+                <a:schemeClr val="tx1"/>
+              </a:gs>
+              <a:gs pos="100000">
+                <a:schemeClr val="tx1">
+                  <a:lumMod val="75000"/>
+                </a:schemeClr>
+              </a:gs>
+            </a:gsLst>
+            <a:lin ang="5580000" scaled="0"/>
+            <a:tileRect/>
+          </a:gradFill>
+          <a:effectLst>
+            <a:glow rad="38100">
+              <a:schemeClr val="bg1">
+                <a:lumMod val="50000"/>
+                <a:lumOff val="50000"/>
+                <a:alpha val="20000"/>
+              </a:schemeClr>
+            </a:glow>
+            <a:outerShdw blurRad="44450" dist="12700" dir="13860000" algn="tl" rotWithShape="0">
+              <a:srgbClr val="000000">
+                <a:alpha val="20000"/>
+              </a:srgbClr>
+            </a:outerShdw>
+          </a:effectLst>
           <a:latin typeface="+mn-lt"/>
           <a:ea typeface="+mn-ea"/>
           <a:cs typeface="+mn-cs"/>
         </a:defRPr>
       </a:lvl3pPr>
-      <a:lvl4pPr marL="1600200" indent="-228600" algn="l" defTabSz="914400" rtl="0" eaLnBrk="1" latinLnBrk="0" hangingPunct="1">
-        <a:lnSpc>
-          <a:spcPct val="90000"/>
-        </a:lnSpc>
+      <a:lvl4pPr marL="1543050" indent="-171450" algn="l" defTabSz="457200" rtl="0" eaLnBrk="1" latinLnBrk="0" hangingPunct="1">
         <a:spcBef>
-          <a:spcPts val="500"/>
+          <a:spcPct val="20000"/>
         </a:spcBef>
-        <a:buFont typeface="Arial" panose="020B0604020202020204" pitchFamily="34" charset="0"/>
+        <a:spcAft>
+          <a:spcPts val="600"/>
+        </a:spcAft>
+        <a:buClr>
+          <a:schemeClr val="tx1"/>
+        </a:buClr>
+        <a:buSzPct val="100000"/>
+        <a:buFont typeface="Arial"/>
         <a:buChar char="•"/>
-        <a:defRPr sz="1800" kern="1200">
-          <a:solidFill>
-            <a:schemeClr val="tx1"/>
-          </a:solidFill>
+        <a:defRPr sz="1400" kern="1200" cap="small">
+          <a:gradFill flip="none" rotWithShape="1">
+            <a:gsLst>
+              <a:gs pos="0">
+                <a:schemeClr val="tx1"/>
+              </a:gs>
+              <a:gs pos="100000">
+                <a:schemeClr val="tx1">
+                  <a:lumMod val="75000"/>
+                </a:schemeClr>
+              </a:gs>
+            </a:gsLst>
+            <a:lin ang="5580000" scaled="0"/>
+            <a:tileRect/>
+          </a:gradFill>
+          <a:effectLst>
+            <a:glow rad="38100">
+              <a:schemeClr val="bg1">
+                <a:lumMod val="50000"/>
+                <a:lumOff val="50000"/>
+                <a:alpha val="20000"/>
+              </a:schemeClr>
+            </a:glow>
+            <a:outerShdw blurRad="44450" dist="12700" dir="13860000" algn="tl" rotWithShape="0">
+              <a:srgbClr val="000000">
+                <a:alpha val="20000"/>
+              </a:srgbClr>
+            </a:outerShdw>
+          </a:effectLst>
           <a:latin typeface="+mn-lt"/>
           <a:ea typeface="+mn-ea"/>
           <a:cs typeface="+mn-cs"/>
         </a:defRPr>
       </a:lvl4pPr>
-      <a:lvl5pPr marL="2057400" indent="-228600" algn="l" defTabSz="914400" rtl="0" eaLnBrk="1" latinLnBrk="0" hangingPunct="1">
-        <a:lnSpc>
-          <a:spcPct val="90000"/>
-        </a:lnSpc>
+      <a:lvl5pPr marL="2000250" indent="-171450" algn="l" defTabSz="457200" rtl="0" eaLnBrk="1" latinLnBrk="0" hangingPunct="1">
         <a:spcBef>
-          <a:spcPts val="500"/>
+          <a:spcPct val="20000"/>
         </a:spcBef>
-        <a:buFont typeface="Arial" panose="020B0604020202020204" pitchFamily="34" charset="0"/>
+        <a:spcAft>
+          <a:spcPts val="600"/>
+        </a:spcAft>
+        <a:buClr>
+          <a:schemeClr val="tx1"/>
+        </a:buClr>
+        <a:buSzPct val="100000"/>
+        <a:buFont typeface="Arial"/>
         <a:buChar char="•"/>
-        <a:defRPr sz="1800" kern="1200">
-          <a:solidFill>
-            <a:schemeClr val="tx1"/>
-          </a:solidFill>
+        <a:defRPr sz="1400" kern="1200" cap="small">
+          <a:gradFill flip="none" rotWithShape="1">
+            <a:gsLst>
+              <a:gs pos="0">
+                <a:schemeClr val="tx1"/>
+              </a:gs>
+              <a:gs pos="100000">
+                <a:schemeClr val="tx1">
+                  <a:lumMod val="75000"/>
+                </a:schemeClr>
+              </a:gs>
+            </a:gsLst>
+            <a:lin ang="5580000" scaled="0"/>
+            <a:tileRect/>
+          </a:gradFill>
+          <a:effectLst>
+            <a:glow rad="38100">
+              <a:schemeClr val="bg1">
+                <a:lumMod val="50000"/>
+                <a:lumOff val="50000"/>
+                <a:alpha val="20000"/>
+              </a:schemeClr>
+            </a:glow>
+            <a:outerShdw blurRad="44450" dist="12700" dir="13860000" algn="tl" rotWithShape="0">
+              <a:srgbClr val="000000">
+                <a:alpha val="20000"/>
+              </a:srgbClr>
+            </a:outerShdw>
+          </a:effectLst>
           <a:latin typeface="+mn-lt"/>
           <a:ea typeface="+mn-ea"/>
           <a:cs typeface="+mn-cs"/>
         </a:defRPr>
       </a:lvl5pPr>
-      <a:lvl6pPr marL="2514600" indent="-228600" algn="l" defTabSz="914400" rtl="0" eaLnBrk="1" latinLnBrk="0" hangingPunct="1">
-        <a:lnSpc>
-          <a:spcPct val="90000"/>
-        </a:lnSpc>
+      <a:lvl6pPr marL="2514600" indent="-228600" algn="l" defTabSz="457200" rtl="0" eaLnBrk="1" latinLnBrk="0" hangingPunct="1">
         <a:spcBef>
-          <a:spcPts val="500"/>
+          <a:spcPct val="20000"/>
         </a:spcBef>
-        <a:buFont typeface="Arial" panose="020B0604020202020204" pitchFamily="34" charset="0"/>
+        <a:spcAft>
+          <a:spcPts val="600"/>
+        </a:spcAft>
+        <a:buClr>
+          <a:schemeClr val="tx1"/>
+        </a:buClr>
+        <a:buSzPct val="100000"/>
+        <a:buFont typeface="Arial"/>
         <a:buChar char="•"/>
-        <a:defRPr sz="1800" kern="1200">
-          <a:solidFill>
-            <a:schemeClr val="tx1"/>
-          </a:solidFill>
+        <a:defRPr sz="1200" kern="1200" cap="small">
+          <a:gradFill flip="none" rotWithShape="1">
+            <a:gsLst>
+              <a:gs pos="0">
+                <a:schemeClr val="tx1"/>
+              </a:gs>
+              <a:gs pos="100000">
+                <a:schemeClr val="tx1">
+                  <a:lumMod val="75000"/>
+                </a:schemeClr>
+              </a:gs>
+            </a:gsLst>
+            <a:lin ang="5580000" scaled="0"/>
+            <a:tileRect/>
+          </a:gradFill>
+          <a:effectLst>
+            <a:glow rad="38100">
+              <a:schemeClr val="bg1">
+                <a:lumMod val="50000"/>
+                <a:lumOff val="50000"/>
+                <a:alpha val="20000"/>
+              </a:schemeClr>
+            </a:glow>
+            <a:outerShdw blurRad="44450" dist="12700" dir="13860000" algn="tl" rotWithShape="0">
+              <a:srgbClr val="000000">
+                <a:alpha val="20000"/>
+              </a:srgbClr>
+            </a:outerShdw>
+          </a:effectLst>
           <a:latin typeface="+mn-lt"/>
           <a:ea typeface="+mn-ea"/>
           <a:cs typeface="+mn-cs"/>
         </a:defRPr>
       </a:lvl6pPr>
-      <a:lvl7pPr marL="2971800" indent="-228600" algn="l" defTabSz="914400" rtl="0" eaLnBrk="1" latinLnBrk="0" hangingPunct="1">
-        <a:lnSpc>
-          <a:spcPct val="90000"/>
-        </a:lnSpc>
+      <a:lvl7pPr marL="2971800" indent="-228600" algn="l" defTabSz="457200" rtl="0" eaLnBrk="1" latinLnBrk="0" hangingPunct="1">
         <a:spcBef>
-          <a:spcPts val="500"/>
+          <a:spcPct val="20000"/>
         </a:spcBef>
-        <a:buFont typeface="Arial" panose="020B0604020202020204" pitchFamily="34" charset="0"/>
+        <a:spcAft>
+          <a:spcPts val="600"/>
+        </a:spcAft>
+        <a:buClr>
+          <a:schemeClr val="tx1"/>
+        </a:buClr>
+        <a:buSzPct val="100000"/>
+        <a:buFont typeface="Arial"/>
         <a:buChar char="•"/>
-        <a:defRPr sz="1800" kern="1200">
-          <a:solidFill>
-            <a:schemeClr val="tx1"/>
-          </a:solidFill>
+        <a:defRPr sz="1200" kern="1200" cap="small">
+          <a:gradFill flip="none" rotWithShape="1">
+            <a:gsLst>
+              <a:gs pos="0">
+                <a:schemeClr val="tx1"/>
+              </a:gs>
+              <a:gs pos="100000">
+                <a:schemeClr val="tx1">
+                  <a:lumMod val="75000"/>
+                </a:schemeClr>
+              </a:gs>
+            </a:gsLst>
+            <a:lin ang="5580000" scaled="0"/>
+            <a:tileRect/>
+          </a:gradFill>
+          <a:effectLst>
+            <a:glow rad="38100">
+              <a:schemeClr val="bg1">
+                <a:lumMod val="50000"/>
+                <a:lumOff val="50000"/>
+                <a:alpha val="20000"/>
+              </a:schemeClr>
+            </a:glow>
+            <a:outerShdw blurRad="44450" dist="12700" dir="13860000" algn="tl" rotWithShape="0">
+              <a:srgbClr val="000000">
+                <a:alpha val="20000"/>
+              </a:srgbClr>
+            </a:outerShdw>
+          </a:effectLst>
           <a:latin typeface="+mn-lt"/>
           <a:ea typeface="+mn-ea"/>
           <a:cs typeface="+mn-cs"/>
         </a:defRPr>
       </a:lvl7pPr>
-      <a:lvl8pPr marL="3429000" indent="-228600" algn="l" defTabSz="914400" rtl="0" eaLnBrk="1" latinLnBrk="0" hangingPunct="1">
-        <a:lnSpc>
-          <a:spcPct val="90000"/>
-        </a:lnSpc>
+      <a:lvl8pPr marL="3429000" indent="-228600" algn="l" defTabSz="457200" rtl="0" eaLnBrk="1" latinLnBrk="0" hangingPunct="1">
         <a:spcBef>
-          <a:spcPts val="500"/>
+          <a:spcPct val="20000"/>
         </a:spcBef>
-        <a:buFont typeface="Arial" panose="020B0604020202020204" pitchFamily="34" charset="0"/>
+        <a:spcAft>
+          <a:spcPts val="600"/>
+        </a:spcAft>
+        <a:buClr>
+          <a:schemeClr val="tx1"/>
+        </a:buClr>
+        <a:buSzPct val="100000"/>
+        <a:buFont typeface="Arial"/>
         <a:buChar char="•"/>
-        <a:defRPr sz="1800" kern="1200">
-          <a:solidFill>
-            <a:schemeClr val="tx1"/>
-          </a:solidFill>
+        <a:defRPr sz="1200" kern="1200" cap="small">
+          <a:gradFill flip="none" rotWithShape="1">
+            <a:gsLst>
+              <a:gs pos="0">
+                <a:schemeClr val="tx1"/>
+              </a:gs>
+              <a:gs pos="100000">
+                <a:schemeClr val="tx1">
+                  <a:lumMod val="75000"/>
+                </a:schemeClr>
+              </a:gs>
+            </a:gsLst>
+            <a:lin ang="5580000" scaled="0"/>
+            <a:tileRect/>
+          </a:gradFill>
+          <a:effectLst>
+            <a:glow rad="38100">
+              <a:schemeClr val="bg1">
+                <a:lumMod val="50000"/>
+                <a:lumOff val="50000"/>
+                <a:alpha val="20000"/>
+              </a:schemeClr>
+            </a:glow>
+            <a:outerShdw blurRad="44450" dist="12700" dir="13860000" algn="tl" rotWithShape="0">
+              <a:srgbClr val="000000">
+                <a:alpha val="20000"/>
+              </a:srgbClr>
+            </a:outerShdw>
+          </a:effectLst>
           <a:latin typeface="+mn-lt"/>
           <a:ea typeface="+mn-ea"/>
           <a:cs typeface="+mn-cs"/>
         </a:defRPr>
       </a:lvl8pPr>
-      <a:lvl9pPr marL="3886200" indent="-228600" algn="l" defTabSz="914400" rtl="0" eaLnBrk="1" latinLnBrk="0" hangingPunct="1">
-        <a:lnSpc>
-          <a:spcPct val="90000"/>
-        </a:lnSpc>
+      <a:lvl9pPr marL="3886200" indent="-228600" algn="l" defTabSz="457200" rtl="0" eaLnBrk="1" latinLnBrk="0" hangingPunct="1">
         <a:spcBef>
-          <a:spcPts val="500"/>
+          <a:spcPct val="20000"/>
         </a:spcBef>
-        <a:buFont typeface="Arial" panose="020B0604020202020204" pitchFamily="34" charset="0"/>
+        <a:spcAft>
+          <a:spcPts val="600"/>
+        </a:spcAft>
+        <a:buClr>
+          <a:schemeClr val="tx1"/>
+        </a:buClr>
+        <a:buSzPct val="100000"/>
+        <a:buFont typeface="Arial"/>
         <a:buChar char="•"/>
-        <a:defRPr sz="1800" kern="1200">
-          <a:solidFill>
-            <a:schemeClr val="tx1"/>
-          </a:solidFill>
+        <a:defRPr sz="1200" kern="1200" cap="small">
+          <a:gradFill flip="none" rotWithShape="1">
+            <a:gsLst>
+              <a:gs pos="0">
+                <a:schemeClr val="tx1"/>
+              </a:gs>
+              <a:gs pos="100000">
+                <a:schemeClr val="tx1">
+                  <a:lumMod val="75000"/>
+                </a:schemeClr>
+              </a:gs>
+            </a:gsLst>
+            <a:lin ang="5580000" scaled="0"/>
+            <a:tileRect/>
+          </a:gradFill>
+          <a:effectLst>
+            <a:glow rad="38100">
+              <a:schemeClr val="bg1">
+                <a:lumMod val="50000"/>
+                <a:lumOff val="50000"/>
+                <a:alpha val="20000"/>
+              </a:schemeClr>
+            </a:glow>
+            <a:outerShdw blurRad="44450" dist="12700" dir="13860000" algn="tl" rotWithShape="0">
+              <a:srgbClr val="000000">
+                <a:alpha val="20000"/>
+              </a:srgbClr>
+            </a:outerShdw>
+          </a:effectLst>
           <a:latin typeface="+mn-lt"/>
           <a:ea typeface="+mn-ea"/>
           <a:cs typeface="+mn-cs"/>
@@ -3218,7 +5615,7 @@
       <a:defPPr>
         <a:defRPr lang="en-US"/>
       </a:defPPr>
-      <a:lvl1pPr marL="0" algn="l" defTabSz="914400" rtl="0" eaLnBrk="1" latinLnBrk="0" hangingPunct="1">
+      <a:lvl1pPr marL="0" algn="l" defTabSz="457200" rtl="0" eaLnBrk="1" latinLnBrk="0" hangingPunct="1">
         <a:defRPr sz="1800" kern="1200">
           <a:solidFill>
             <a:schemeClr val="tx1"/>
@@ -3228,7 +5625,7 @@
           <a:cs typeface="+mn-cs"/>
         </a:defRPr>
       </a:lvl1pPr>
-      <a:lvl2pPr marL="457200" algn="l" defTabSz="914400" rtl="0" eaLnBrk="1" latinLnBrk="0" hangingPunct="1">
+      <a:lvl2pPr marL="457200" algn="l" defTabSz="457200" rtl="0" eaLnBrk="1" latinLnBrk="0" hangingPunct="1">
         <a:defRPr sz="1800" kern="1200">
           <a:solidFill>
             <a:schemeClr val="tx1"/>
@@ -3238,7 +5635,7 @@
           <a:cs typeface="+mn-cs"/>
         </a:defRPr>
       </a:lvl2pPr>
-      <a:lvl3pPr marL="914400" algn="l" defTabSz="914400" rtl="0" eaLnBrk="1" latinLnBrk="0" hangingPunct="1">
+      <a:lvl3pPr marL="914400" algn="l" defTabSz="457200" rtl="0" eaLnBrk="1" latinLnBrk="0" hangingPunct="1">
         <a:defRPr sz="1800" kern="1200">
           <a:solidFill>
             <a:schemeClr val="tx1"/>
@@ -3248,7 +5645,7 @@
           <a:cs typeface="+mn-cs"/>
         </a:defRPr>
       </a:lvl3pPr>
-      <a:lvl4pPr marL="1371600" algn="l" defTabSz="914400" rtl="0" eaLnBrk="1" latinLnBrk="0" hangingPunct="1">
+      <a:lvl4pPr marL="1371600" algn="l" defTabSz="457200" rtl="0" eaLnBrk="1" latinLnBrk="0" hangingPunct="1">
         <a:defRPr sz="1800" kern="1200">
           <a:solidFill>
             <a:schemeClr val="tx1"/>
@@ -3258,7 +5655,7 @@
           <a:cs typeface="+mn-cs"/>
         </a:defRPr>
       </a:lvl4pPr>
-      <a:lvl5pPr marL="1828800" algn="l" defTabSz="914400" rtl="0" eaLnBrk="1" latinLnBrk="0" hangingPunct="1">
+      <a:lvl5pPr marL="1828800" algn="l" defTabSz="457200" rtl="0" eaLnBrk="1" latinLnBrk="0" hangingPunct="1">
         <a:defRPr sz="1800" kern="1200">
           <a:solidFill>
             <a:schemeClr val="tx1"/>
@@ -3268,7 +5665,7 @@
           <a:cs typeface="+mn-cs"/>
         </a:defRPr>
       </a:lvl5pPr>
-      <a:lvl6pPr marL="2286000" algn="l" defTabSz="914400" rtl="0" eaLnBrk="1" latinLnBrk="0" hangingPunct="1">
+      <a:lvl6pPr marL="2286000" algn="l" defTabSz="457200" rtl="0" eaLnBrk="1" latinLnBrk="0" hangingPunct="1">
         <a:defRPr sz="1800" kern="1200">
           <a:solidFill>
             <a:schemeClr val="tx1"/>
@@ -3278,7 +5675,7 @@
           <a:cs typeface="+mn-cs"/>
         </a:defRPr>
       </a:lvl6pPr>
-      <a:lvl7pPr marL="2743200" algn="l" defTabSz="914400" rtl="0" eaLnBrk="1" latinLnBrk="0" hangingPunct="1">
+      <a:lvl7pPr marL="2743200" algn="l" defTabSz="457200" rtl="0" eaLnBrk="1" latinLnBrk="0" hangingPunct="1">
         <a:defRPr sz="1800" kern="1200">
           <a:solidFill>
             <a:schemeClr val="tx1"/>
@@ -3288,7 +5685,7 @@
           <a:cs typeface="+mn-cs"/>
         </a:defRPr>
       </a:lvl7pPr>
-      <a:lvl8pPr marL="3200400" algn="l" defTabSz="914400" rtl="0" eaLnBrk="1" latinLnBrk="0" hangingPunct="1">
+      <a:lvl8pPr marL="3200400" algn="l" defTabSz="457200" rtl="0" eaLnBrk="1" latinLnBrk="0" hangingPunct="1">
         <a:defRPr sz="1800" kern="1200">
           <a:solidFill>
             <a:schemeClr val="tx1"/>
@@ -3298,7 +5695,7 @@
           <a:cs typeface="+mn-cs"/>
         </a:defRPr>
       </a:lvl8pPr>
-      <a:lvl9pPr marL="3657600" algn="l" defTabSz="914400" rtl="0" eaLnBrk="1" latinLnBrk="0" hangingPunct="1">
+      <a:lvl9pPr marL="3657600" algn="l" defTabSz="457200" rtl="0" eaLnBrk="1" latinLnBrk="0" hangingPunct="1">
         <a:defRPr sz="1800" kern="1200">
           <a:solidFill>
             <a:schemeClr val="tx1"/>
@@ -3344,8 +5741,8 @@
         </p:nvSpPr>
         <p:spPr>
           <a:xfrm>
-            <a:off x="1687286" y="2525801"/>
-            <a:ext cx="8371114" cy="707886"/>
+            <a:off x="206829" y="2782079"/>
+            <a:ext cx="11625942" cy="769441"/>
           </a:xfrm>
           <a:prstGeom prst="rect">
             <a:avLst/>
@@ -3360,14 +5757,10 @@
           <a:p>
             <a:pPr algn="ctr"/>
             <a:r>
-              <a:rPr lang="en-US" sz="4000" b="1" dirty="0"/>
-              <a:t>Churn Prediction in </a:t>
-            </a:r>
-            <a:r>
-              <a:rPr lang="en-US" sz="4000" b="1" dirty="0" err="1"/>
-              <a:t>SyriaTel</a:t>
-            </a:r>
-            <a:endParaRPr lang="en-US" sz="4000" b="1" dirty="0"/>
+              <a:rPr lang="en-US" sz="4400" b="1" dirty="0"/>
+              <a:t>Customer Churn Prediction Model – SyriaTel</a:t>
+            </a:r>
+            <a:endParaRPr lang="en-US" sz="4400" dirty="0"/>
           </a:p>
         </p:txBody>
       </p:sp>
@@ -3415,8 +5808,8 @@
         </p:nvSpPr>
         <p:spPr>
           <a:xfrm>
-            <a:off x="1665514" y="381000"/>
-            <a:ext cx="8392886" cy="523220"/>
+            <a:off x="228601" y="381000"/>
+            <a:ext cx="11865428" cy="5262979"/>
           </a:xfrm>
           <a:prstGeom prst="rect">
             <a:avLst/>
@@ -3429,10 +5822,110 @@
           </a:bodyPr>
           <a:lstStyle/>
           <a:p>
+            <a:pPr algn="ctr"/>
             <a:r>
               <a:rPr lang="en-US" sz="2800" b="1" dirty="0"/>
               <a:t>Business Overview</a:t>
             </a:r>
+          </a:p>
+          <a:p>
+            <a:endParaRPr lang="en-US" sz="2800" b="1" dirty="0"/>
+          </a:p>
+          <a:p>
+            <a:r>
+              <a:rPr lang="en-US" sz="2800" b="1" dirty="0"/>
+              <a:t>Objective:</a:t>
+            </a:r>
+            <a:br>
+              <a:rPr lang="en-US" sz="2800" dirty="0"/>
+            </a:br>
+            <a:r>
+              <a:rPr lang="en-US" sz="2800" dirty="0"/>
+              <a:t>To build a model that predicts whether a customer is likely to churn (stop using SyriaTel services).</a:t>
+            </a:r>
+          </a:p>
+          <a:p>
+            <a:endParaRPr lang="en-US" sz="2800" dirty="0"/>
+          </a:p>
+          <a:p>
+            <a:endParaRPr lang="en-US" sz="2800" dirty="0"/>
+          </a:p>
+          <a:p>
+            <a:r>
+              <a:rPr lang="en-US" sz="2800" b="1" dirty="0"/>
+              <a:t>Why it matters:</a:t>
+            </a:r>
+            <a:endParaRPr lang="en-US" sz="2800" dirty="0"/>
+          </a:p>
+          <a:p>
+            <a:pPr marL="457200" indent="-457200">
+              <a:buFont typeface="Arial" panose="020B0604020202020204" pitchFamily="34" charset="0"/>
+              <a:buChar char="•"/>
+            </a:pPr>
+            <a:r>
+              <a:rPr lang="en-US" sz="2800" dirty="0"/>
+              <a:t>Acquiring new customers is </a:t>
+            </a:r>
+            <a:r>
+              <a:rPr lang="en-US" sz="2800" b="1" dirty="0"/>
+              <a:t>5x more expensive</a:t>
+            </a:r>
+            <a:r>
+              <a:rPr lang="en-US" sz="2800" dirty="0"/>
+              <a:t> than retaining existing ones.</a:t>
+            </a:r>
+          </a:p>
+          <a:p>
+            <a:pPr marL="457200" indent="-457200">
+              <a:buFont typeface="Arial" panose="020B0604020202020204" pitchFamily="34" charset="0"/>
+              <a:buChar char="•"/>
+            </a:pPr>
+            <a:r>
+              <a:rPr lang="en-US" sz="2800" dirty="0"/>
+              <a:t>Early detection of churn risk helps </a:t>
+            </a:r>
+            <a:r>
+              <a:rPr lang="en-US" sz="2800" b="1" dirty="0"/>
+              <a:t>increase customer loyalty and revenue</a:t>
+            </a:r>
+            <a:r>
+              <a:rPr lang="en-US" sz="2800" dirty="0"/>
+              <a:t>.</a:t>
+            </a:r>
+          </a:p>
+          <a:p>
+            <a:pPr marL="457200" indent="-457200">
+              <a:buFont typeface="Arial" panose="020B0604020202020204" pitchFamily="34" charset="0"/>
+              <a:buChar char="•"/>
+            </a:pPr>
+            <a:r>
+              <a:rPr lang="en-US" sz="2800" dirty="0"/>
+              <a:t>Aligns with </a:t>
+            </a:r>
+            <a:r>
+              <a:rPr lang="en-US" sz="2800" dirty="0" err="1"/>
+              <a:t>SyriaTel’s</a:t>
+            </a:r>
+            <a:r>
+              <a:rPr lang="en-US" sz="2800" dirty="0"/>
+              <a:t> goal of </a:t>
+            </a:r>
+            <a:r>
+              <a:rPr lang="en-US" sz="2800" b="1" dirty="0"/>
+              <a:t>enhancing customer satisfaction</a:t>
+            </a:r>
+            <a:r>
+              <a:rPr lang="en-US" sz="2800" dirty="0"/>
+              <a:t> and </a:t>
+            </a:r>
+            <a:r>
+              <a:rPr lang="en-US" sz="2800" b="1" dirty="0"/>
+              <a:t>retention.</a:t>
+            </a:r>
+            <a:endParaRPr lang="en-US" sz="2800" dirty="0"/>
+          </a:p>
+          <a:p>
+            <a:endParaRPr lang="en-US" sz="2800" b="1" dirty="0"/>
           </a:p>
         </p:txBody>
       </p:sp>
@@ -3540,9 +6033,9 @@
 </file>
 
 <file path=ppt/theme/theme1.xml><?xml version="1.0" encoding="utf-8"?>
-<a:theme xmlns:a="http://schemas.openxmlformats.org/drawingml/2006/main" name="Office Theme">
+<a:theme xmlns:a="http://schemas.openxmlformats.org/drawingml/2006/main" name="Mesh">
   <a:themeElements>
-    <a:clrScheme name="Office">
+    <a:clrScheme name="Mesh">
       <a:dk1>
         <a:sysClr val="windowText" lastClr="000000"/>
       </a:dk1>
@@ -3550,100 +6043,48 @@
         <a:sysClr val="window" lastClr="FFFFFF"/>
       </a:lt1>
       <a:dk2>
-        <a:srgbClr val="44546A"/>
+        <a:srgbClr val="363D46"/>
       </a:dk2>
       <a:lt2>
-        <a:srgbClr val="E7E6E6"/>
+        <a:srgbClr val="EBEBEB"/>
       </a:lt2>
       <a:accent1>
-        <a:srgbClr val="4472C4"/>
+        <a:srgbClr val="6F6F6F"/>
       </a:accent1>
       <a:accent2>
-        <a:srgbClr val="ED7D31"/>
+        <a:srgbClr val="BFBFA5"/>
       </a:accent2>
       <a:accent3>
-        <a:srgbClr val="A5A5A5"/>
+        <a:srgbClr val="DCD084"/>
       </a:accent3>
       <a:accent4>
-        <a:srgbClr val="FFC000"/>
+        <a:srgbClr val="E7BF5F"/>
       </a:accent4>
       <a:accent5>
-        <a:srgbClr val="5B9BD5"/>
+        <a:srgbClr val="E9A039"/>
       </a:accent5>
       <a:accent6>
-        <a:srgbClr val="70AD47"/>
+        <a:srgbClr val="CF7133"/>
       </a:accent6>
       <a:hlink>
-        <a:srgbClr val="0563C1"/>
+        <a:srgbClr val="F28943"/>
       </a:hlink>
       <a:folHlink>
-        <a:srgbClr val="954F72"/>
+        <a:srgbClr val="F1B76C"/>
       </a:folHlink>
     </a:clrScheme>
-    <a:fontScheme name="Office">
+    <a:fontScheme name="Mesh">
       <a:majorFont>
-        <a:latin typeface="Calibri Light" panose="020F0302020204030204"/>
+        <a:latin typeface="Century Gothic" panose="020B0502020202020204"/>
         <a:ea typeface=""/>
         <a:cs typeface=""/>
-        <a:font script="Jpan" typeface="游ゴシック Light"/>
+        <a:font script="Jpan" typeface="ＭＳ ゴシック"/>
         <a:font script="Hang" typeface="맑은 고딕"/>
-        <a:font script="Hans" typeface="等线 Light"/>
+        <a:font script="Hans" typeface="宋体"/>
         <a:font script="Hant" typeface="新細明體"/>
-        <a:font script="Arab" typeface="Times New Roman"/>
-        <a:font script="Hebr" typeface="Times New Roman"/>
-        <a:font script="Thai" typeface="Angsana New"/>
-        <a:font script="Ethi" typeface="Nyala"/>
-        <a:font script="Beng" typeface="Vrinda"/>
-        <a:font script="Gujr" typeface="Shruti"/>
-        <a:font script="Khmr" typeface="MoolBoran"/>
-        <a:font script="Knda" typeface="Tunga"/>
-        <a:font script="Guru" typeface="Raavi"/>
-        <a:font script="Cans" typeface="Euphemia"/>
-        <a:font script="Cher" typeface="Plantagenet Cherokee"/>
-        <a:font script="Yiii" typeface="Microsoft Yi Baiti"/>
-        <a:font script="Tibt" typeface="Microsoft Himalaya"/>
-        <a:font script="Thaa" typeface="MV Boli"/>
-        <a:font script="Deva" typeface="Mangal"/>
-        <a:font script="Telu" typeface="Gautami"/>
-        <a:font script="Taml" typeface="Latha"/>
-        <a:font script="Syrc" typeface="Estrangelo Edessa"/>
-        <a:font script="Orya" typeface="Kalinga"/>
-        <a:font script="Mlym" typeface="Kartika"/>
-        <a:font script="Laoo" typeface="DokChampa"/>
-        <a:font script="Sinh" typeface="Iskoola Pota"/>
-        <a:font script="Mong" typeface="Mongolian Baiti"/>
-        <a:font script="Viet" typeface="Times New Roman"/>
-        <a:font script="Uigh" typeface="Microsoft Uighur"/>
-        <a:font script="Geor" typeface="Sylfaen"/>
-        <a:font script="Armn" typeface="Arial"/>
-        <a:font script="Bugi" typeface="Leelawadee UI"/>
-        <a:font script="Bopo" typeface="Microsoft JhengHei"/>
-        <a:font script="Java" typeface="Javanese Text"/>
-        <a:font script="Lisu" typeface="Segoe UI"/>
-        <a:font script="Mymr" typeface="Myanmar Text"/>
-        <a:font script="Nkoo" typeface="Ebrima"/>
-        <a:font script="Olck" typeface="Nirmala UI"/>
-        <a:font script="Osma" typeface="Ebrima"/>
-        <a:font script="Phag" typeface="Phagspa"/>
-        <a:font script="Syrn" typeface="Estrangelo Edessa"/>
-        <a:font script="Syrj" typeface="Estrangelo Edessa"/>
-        <a:font script="Syre" typeface="Estrangelo Edessa"/>
-        <a:font script="Sora" typeface="Nirmala UI"/>
-        <a:font script="Tale" typeface="Microsoft Tai Le"/>
-        <a:font script="Talu" typeface="Microsoft New Tai Lue"/>
-        <a:font script="Tfng" typeface="Ebrima"/>
-      </a:majorFont>
-      <a:minorFont>
-        <a:latin typeface="Calibri" panose="020F0502020204030204"/>
-        <a:ea typeface=""/>
-        <a:cs typeface=""/>
-        <a:font script="Jpan" typeface="游ゴシック"/>
-        <a:font script="Hang" typeface="맑은 고딕"/>
-        <a:font script="Hans" typeface="等线"/>
-        <a:font script="Hant" typeface="新細明體"/>
-        <a:font script="Arab" typeface="Arial"/>
-        <a:font script="Hebr" typeface="Arial"/>
-        <a:font script="Thai" typeface="Cordia New"/>
+        <a:font script="Arab" typeface="Tahoma"/>
+        <a:font script="Hebr" typeface="Gisha"/>
+        <a:font script="Thai" typeface="DilleniaUPC"/>
         <a:font script="Ethi" typeface="Nyala"/>
         <a:font script="Beng" typeface="Vrinda"/>
         <a:font script="Gujr" typeface="Shruti"/>
@@ -3664,29 +6105,47 @@
         <a:font script="Laoo" typeface="DokChampa"/>
         <a:font script="Sinh" typeface="Iskoola Pota"/>
         <a:font script="Mong" typeface="Mongolian Baiti"/>
-        <a:font script="Viet" typeface="Arial"/>
+        <a:font script="Viet" typeface="Tahoma"/>
         <a:font script="Uigh" typeface="Microsoft Uighur"/>
         <a:font script="Geor" typeface="Sylfaen"/>
-        <a:font script="Armn" typeface="Arial"/>
-        <a:font script="Bugi" typeface="Leelawadee UI"/>
-        <a:font script="Bopo" typeface="Microsoft JhengHei"/>
-        <a:font script="Java" typeface="Javanese Text"/>
-        <a:font script="Lisu" typeface="Segoe UI"/>
-        <a:font script="Mymr" typeface="Myanmar Text"/>
-        <a:font script="Nkoo" typeface="Ebrima"/>
-        <a:font script="Olck" typeface="Nirmala UI"/>
-        <a:font script="Osma" typeface="Ebrima"/>
-        <a:font script="Phag" typeface="Phagspa"/>
-        <a:font script="Syrn" typeface="Estrangelo Edessa"/>
-        <a:font script="Syrj" typeface="Estrangelo Edessa"/>
-        <a:font script="Syre" typeface="Estrangelo Edessa"/>
-        <a:font script="Sora" typeface="Nirmala UI"/>
-        <a:font script="Tale" typeface="Microsoft Tai Le"/>
-        <a:font script="Talu" typeface="Microsoft New Tai Lue"/>
-        <a:font script="Tfng" typeface="Ebrima"/>
+      </a:majorFont>
+      <a:minorFont>
+        <a:latin typeface="Century Gothic" panose="020B0502020202020204"/>
+        <a:ea typeface=""/>
+        <a:cs typeface=""/>
+        <a:font script="Jpan" typeface="ＭＳ ゴシック"/>
+        <a:font script="Hang" typeface="맑은 고딕"/>
+        <a:font script="Hans" typeface="宋体"/>
+        <a:font script="Hant" typeface="新細明體"/>
+        <a:font script="Arab" typeface="Tahoma"/>
+        <a:font script="Hebr" typeface="Gisha"/>
+        <a:font script="Thai" typeface="DilleniaUPC"/>
+        <a:font script="Ethi" typeface="Nyala"/>
+        <a:font script="Beng" typeface="Vrinda"/>
+        <a:font script="Gujr" typeface="Shruti"/>
+        <a:font script="Khmr" typeface="DaunPenh"/>
+        <a:font script="Knda" typeface="Tunga"/>
+        <a:font script="Guru" typeface="Raavi"/>
+        <a:font script="Cans" typeface="Euphemia"/>
+        <a:font script="Cher" typeface="Plantagenet Cherokee"/>
+        <a:font script="Yiii" typeface="Microsoft Yi Baiti"/>
+        <a:font script="Tibt" typeface="Microsoft Himalaya"/>
+        <a:font script="Thaa" typeface="MV Boli"/>
+        <a:font script="Deva" typeface="Mangal"/>
+        <a:font script="Telu" typeface="Gautami"/>
+        <a:font script="Taml" typeface="Latha"/>
+        <a:font script="Syrc" typeface="Estrangelo Edessa"/>
+        <a:font script="Orya" typeface="Kalinga"/>
+        <a:font script="Mlym" typeface="Kartika"/>
+        <a:font script="Laoo" typeface="DokChampa"/>
+        <a:font script="Sinh" typeface="Iskoola Pota"/>
+        <a:font script="Mong" typeface="Mongolian Baiti"/>
+        <a:font script="Viet" typeface="Verdana"/>
+        <a:font script="Uigh" typeface="Microsoft Uighur"/>
+        <a:font script="Geor" typeface="Sylfaen"/>
       </a:minorFont>
     </a:fontScheme>
-    <a:fmtScheme name="Office">
+    <a:fmtScheme name="Mesh">
       <a:fillStyleLst>
         <a:solidFill>
           <a:schemeClr val="phClr"/>
@@ -3695,23 +6154,13 @@
           <a:gsLst>
             <a:gs pos="0">
               <a:schemeClr val="phClr">
+                <a:tint val="60000"/>
                 <a:lumMod val="110000"/>
-                <a:satMod val="105000"/>
-                <a:tint val="67000"/>
-              </a:schemeClr>
-            </a:gs>
-            <a:gs pos="50000">
-              <a:schemeClr val="phClr">
-                <a:lumMod val="105000"/>
-                <a:satMod val="103000"/>
-                <a:tint val="73000"/>
               </a:schemeClr>
             </a:gs>
             <a:gs pos="100000">
               <a:schemeClr val="phClr">
-                <a:lumMod val="105000"/>
-                <a:satMod val="109000"/>
-                <a:tint val="81000"/>
+                <a:tint val="82000"/>
               </a:schemeClr>
             </a:gs>
           </a:gsLst>
@@ -3721,23 +6170,14 @@
           <a:gsLst>
             <a:gs pos="0">
               <a:schemeClr val="phClr">
-                <a:satMod val="103000"/>
-                <a:lumMod val="102000"/>
-                <a:tint val="94000"/>
-              </a:schemeClr>
-            </a:gs>
-            <a:gs pos="50000">
-              <a:schemeClr val="phClr">
-                <a:satMod val="110000"/>
-                <a:lumMod val="100000"/>
-                <a:shade val="100000"/>
+                <a:tint val="96000"/>
+                <a:lumMod val="104000"/>
               </a:schemeClr>
             </a:gs>
             <a:gs pos="100000">
               <a:schemeClr val="phClr">
-                <a:lumMod val="99000"/>
-                <a:satMod val="120000"/>
-                <a:shade val="78000"/>
+                <a:shade val="84000"/>
+                <a:lumMod val="84000"/>
               </a:schemeClr>
             </a:gs>
           </a:gsLst>
@@ -3745,26 +6185,23 @@
         </a:gradFill>
       </a:fillStyleLst>
       <a:lnStyleLst>
-        <a:ln w="6350" cap="flat" cmpd="sng" algn="ctr">
+        <a:ln w="9525" cap="rnd" cmpd="sng" algn="ctr">
           <a:solidFill>
             <a:schemeClr val="phClr"/>
           </a:solidFill>
           <a:prstDash val="solid"/>
-          <a:miter lim="800000"/>
         </a:ln>
-        <a:ln w="12700" cap="flat" cmpd="sng" algn="ctr">
+        <a:ln w="19050" cap="rnd" cmpd="sng" algn="ctr">
           <a:solidFill>
             <a:schemeClr val="phClr"/>
           </a:solidFill>
           <a:prstDash val="solid"/>
-          <a:miter lim="800000"/>
         </a:ln>
-        <a:ln w="19050" cap="flat" cmpd="sng" algn="ctr">
+        <a:ln w="25400" cap="rnd" cmpd="sng" algn="ctr">
           <a:solidFill>
             <a:schemeClr val="phClr"/>
           </a:solidFill>
           <a:prstDash val="solid"/>
-          <a:miter lim="800000"/>
         </a:ln>
       </a:lnStyleLst>
       <a:effectStyleLst>
@@ -3772,55 +6209,72 @@
           <a:effectLst/>
         </a:effectStyle>
         <a:effectStyle>
-          <a:effectLst/>
+          <a:effectLst>
+            <a:innerShdw blurRad="50800" dist="25400" dir="13500000">
+              <a:srgbClr val="000000">
+                <a:alpha val="55000"/>
+              </a:srgbClr>
+            </a:innerShdw>
+          </a:effectLst>
         </a:effectStyle>
         <a:effectStyle>
           <a:effectLst>
-            <a:outerShdw blurRad="57150" dist="19050" dir="5400000" algn="ctr" rotWithShape="0">
+            <a:outerShdw blurRad="50800" dist="38100" dir="5400000" rotWithShape="0">
               <a:srgbClr val="000000">
-                <a:alpha val="63000"/>
+                <a:alpha val="60000"/>
               </a:srgbClr>
             </a:outerShdw>
           </a:effectLst>
+          <a:scene3d>
+            <a:camera prst="orthographicFront">
+              <a:rot lat="0" lon="0" rev="0"/>
+            </a:camera>
+            <a:lightRig rig="threePt" dir="tl"/>
+          </a:scene3d>
+          <a:sp3d>
+            <a:bevelT w="25400" h="25400" prst="slope"/>
+          </a:sp3d>
         </a:effectStyle>
       </a:effectStyleLst>
       <a:bgFillStyleLst>
         <a:solidFill>
           <a:schemeClr val="phClr"/>
         </a:solidFill>
-        <a:solidFill>
-          <a:schemeClr val="phClr">
-            <a:tint val="95000"/>
-            <a:satMod val="170000"/>
-          </a:schemeClr>
-        </a:solidFill>
         <a:gradFill rotWithShape="1">
           <a:gsLst>
             <a:gs pos="0">
               <a:schemeClr val="phClr">
-                <a:tint val="93000"/>
-                <a:satMod val="150000"/>
-                <a:shade val="98000"/>
-                <a:lumMod val="102000"/>
-              </a:schemeClr>
-            </a:gs>
-            <a:gs pos="50000">
-              <a:schemeClr val="phClr">
-                <a:tint val="98000"/>
-                <a:satMod val="130000"/>
-                <a:shade val="90000"/>
-                <a:lumMod val="103000"/>
+                <a:tint val="90000"/>
+                <a:lumMod val="110000"/>
               </a:schemeClr>
             </a:gs>
             <a:gs pos="100000">
               <a:schemeClr val="phClr">
-                <a:shade val="63000"/>
-                <a:satMod val="120000"/>
+                <a:shade val="64000"/>
+                <a:lumMod val="98000"/>
               </a:schemeClr>
             </a:gs>
           </a:gsLst>
           <a:lin ang="5400000" scaled="0"/>
         </a:gradFill>
+        <a:blipFill rotWithShape="1">
+          <a:blip xmlns:r="http://schemas.openxmlformats.org/officeDocument/2006/relationships" r:embed="rId1">
+            <a:duotone>
+              <a:schemeClr val="phClr">
+                <a:shade val="28000"/>
+                <a:satMod val="94000"/>
+                <a:lumMod val="20000"/>
+              </a:schemeClr>
+              <a:schemeClr val="phClr">
+                <a:tint val="94000"/>
+                <a:shade val="84000"/>
+                <a:satMod val="148000"/>
+                <a:lumMod val="114000"/>
+              </a:schemeClr>
+            </a:duotone>
+          </a:blip>
+          <a:stretch/>
+        </a:blipFill>
       </a:bgFillStyleLst>
     </a:fmtScheme>
   </a:themeElements>
@@ -3828,7 +6282,7 @@
   <a:extraClrSchemeLst/>
   <a:extLst>
     <a:ext uri="{05A4C25C-085E-4340-85A3-A5531E510DB2}">
-      <thm15:themeFamily xmlns:thm15="http://schemas.microsoft.com/office/thememl/2012/main" name="Office Theme" id="{62F939B6-93AF-4DB8-9C6B-D6C7DFDC589F}" vid="{4A3C46E8-61CC-4603-A589-7422A47A8E4A}"/>
+      <thm15:themeFamily xmlns:thm15="http://schemas.microsoft.com/office/thememl/2012/main" name="Mesh" id="{789EC3FE-34FD-429C-9918-760025E6C145}" vid="{B8BE45C0-8141-4D58-8C71-A009BC26FBBB}"/>
     </a:ext>
   </a:extLst>
 </a:theme>

--- a/Churn Prediction in Telecom.pptx
+++ b/Churn Prediction in Telecom.pptx
@@ -2,7 +2,7 @@
 <file path=ppt/presentation.xml><?xml version="1.0" encoding="utf-8"?>
 <p:presentation xmlns:a="http://schemas.openxmlformats.org/drawingml/2006/main" xmlns:r="http://schemas.openxmlformats.org/officeDocument/2006/relationships" xmlns:p="http://schemas.openxmlformats.org/presentationml/2006/main" saveSubsetFonts="1">
   <p:sldMasterIdLst>
-    <p:sldMasterId id="2147483696" r:id="rId1"/>
+    <p:sldMasterId id="2147484122" r:id="rId1"/>
   </p:sldMasterIdLst>
   <p:sldIdLst>
     <p:sldId id="256" r:id="rId2"/>
@@ -10,6 +10,10 @@
     <p:sldId id="258" r:id="rId4"/>
     <p:sldId id="259" r:id="rId5"/>
     <p:sldId id="260" r:id="rId6"/>
+    <p:sldId id="261" r:id="rId7"/>
+    <p:sldId id="262" r:id="rId8"/>
+    <p:sldId id="263" r:id="rId9"/>
+    <p:sldId id="264" r:id="rId10"/>
   </p:sldIdLst>
   <p:sldSz cx="12192000" cy="6858000"/>
   <p:notesSz cx="6858000" cy="9144000"/>
@@ -133,6 +137,36 @@
           <a:chExt cx="0" cy="0"/>
         </a:xfrm>
       </p:grpSpPr>
+      <p:pic>
+        <p:nvPicPr>
+          <p:cNvPr id="7" name="Picture 6" descr="C0-HD-BTM.png"/>
+          <p:cNvPicPr>
+            <a:picLocks noChangeAspect="1"/>
+          </p:cNvPicPr>
+          <p:nvPr/>
+        </p:nvPicPr>
+        <p:blipFill>
+          <a:blip r:embed="rId2">
+            <a:extLst>
+              <a:ext uri="{28A0092B-C50C-407E-A947-70E740481C1C}">
+                <a14:useLocalDpi xmlns:a14="http://schemas.microsoft.com/office/drawing/2010/main" val="0"/>
+              </a:ext>
+            </a:extLst>
+          </a:blip>
+          <a:stretch>
+            <a:fillRect/>
+          </a:stretch>
+        </p:blipFill>
+        <p:spPr>
+          <a:xfrm>
+            <a:off x="0" y="4375150"/>
+            <a:ext cx="12192000" cy="2482850"/>
+          </a:xfrm>
+          <a:prstGeom prst="rect">
+            <a:avLst/>
+          </a:prstGeom>
+        </p:spPr>
+      </p:pic>
       <p:sp>
         <p:nvSpPr>
           <p:cNvPr id="2" name="Title 1"/>
@@ -145,8 +179,8 @@
         </p:nvSpPr>
         <p:spPr>
           <a:xfrm>
-            <a:off x="1751012" y="609601"/>
-            <a:ext cx="8676222" cy="3200400"/>
+            <a:off x="1371600" y="1803405"/>
+            <a:ext cx="9448800" cy="1825096"/>
           </a:xfrm>
         </p:spPr>
         <p:txBody>
@@ -154,23 +188,8 @@
             <a:normAutofit/>
           </a:bodyPr>
           <a:lstStyle>
-            <a:lvl1pPr algn="ctr">
-              <a:defRPr sz="4800">
-                <a:effectLst>
-                  <a:glow rad="38100">
-                    <a:schemeClr val="bg1">
-                      <a:lumMod val="65000"/>
-                      <a:lumOff val="35000"/>
-                      <a:alpha val="50000"/>
-                    </a:schemeClr>
-                  </a:glow>
-                  <a:outerShdw blurRad="28575" dist="31750" dir="13200000" algn="tl" rotWithShape="0">
-                    <a:srgbClr val="000000">
-                      <a:alpha val="25000"/>
-                    </a:srgbClr>
-                  </a:outerShdw>
-                </a:effectLst>
-              </a:defRPr>
+            <a:lvl1pPr algn="l">
+              <a:defRPr sz="6000"/>
             </a:lvl1pPr>
           </a:lstStyle>
           <a:p>
@@ -194,113 +213,50 @@
         </p:nvSpPr>
         <p:spPr>
           <a:xfrm>
-            <a:off x="1751012" y="3886200"/>
-            <a:ext cx="8676222" cy="1905000"/>
-          </a:xfrm>
-        </p:spPr>
-        <p:txBody>
-          <a:bodyPr anchor="t">
+            <a:off x="1371600" y="3632201"/>
+            <a:ext cx="9448800" cy="685800"/>
+          </a:xfrm>
+        </p:spPr>
+        <p:txBody>
+          <a:bodyPr>
             <a:normAutofit/>
           </a:bodyPr>
           <a:lstStyle>
-            <a:lvl1pPr marL="0" indent="0" algn="ctr">
-              <a:buNone/>
-              <a:defRPr sz="2100">
-                <a:gradFill flip="none" rotWithShape="1">
-                  <a:gsLst>
-                    <a:gs pos="0">
-                      <a:schemeClr val="tx1"/>
-                    </a:gs>
-                    <a:gs pos="100000">
-                      <a:schemeClr val="tx1">
-                        <a:lumMod val="75000"/>
-                      </a:schemeClr>
-                    </a:gs>
-                  </a:gsLst>
-                  <a:lin ang="5400000" scaled="0"/>
-                  <a:tileRect/>
-                </a:gradFill>
-              </a:defRPr>
+            <a:lvl1pPr marL="0" indent="0" algn="l">
+              <a:buNone/>
+              <a:defRPr sz="2000"/>
             </a:lvl1pPr>
             <a:lvl2pPr marL="457200" indent="0" algn="ctr">
               <a:buNone/>
-              <a:defRPr>
-                <a:solidFill>
-                  <a:schemeClr val="tx1">
-                    <a:tint val="75000"/>
-                  </a:schemeClr>
-                </a:solidFill>
-              </a:defRPr>
+              <a:defRPr sz="2000"/>
             </a:lvl2pPr>
             <a:lvl3pPr marL="914400" indent="0" algn="ctr">
               <a:buNone/>
-              <a:defRPr>
-                <a:solidFill>
-                  <a:schemeClr val="tx1">
-                    <a:tint val="75000"/>
-                  </a:schemeClr>
-                </a:solidFill>
-              </a:defRPr>
+              <a:defRPr sz="1800"/>
             </a:lvl3pPr>
             <a:lvl4pPr marL="1371600" indent="0" algn="ctr">
               <a:buNone/>
-              <a:defRPr>
-                <a:solidFill>
-                  <a:schemeClr val="tx1">
-                    <a:tint val="75000"/>
-                  </a:schemeClr>
-                </a:solidFill>
-              </a:defRPr>
+              <a:defRPr sz="1600"/>
             </a:lvl4pPr>
             <a:lvl5pPr marL="1828800" indent="0" algn="ctr">
               <a:buNone/>
-              <a:defRPr>
-                <a:solidFill>
-                  <a:schemeClr val="tx1">
-                    <a:tint val="75000"/>
-                  </a:schemeClr>
-                </a:solidFill>
-              </a:defRPr>
+              <a:defRPr sz="1600"/>
             </a:lvl5pPr>
             <a:lvl6pPr marL="2286000" indent="0" algn="ctr">
               <a:buNone/>
-              <a:defRPr>
-                <a:solidFill>
-                  <a:schemeClr val="tx1">
-                    <a:tint val="75000"/>
-                  </a:schemeClr>
-                </a:solidFill>
-              </a:defRPr>
+              <a:defRPr sz="1600"/>
             </a:lvl6pPr>
             <a:lvl7pPr marL="2743200" indent="0" algn="ctr">
               <a:buNone/>
-              <a:defRPr>
-                <a:solidFill>
-                  <a:schemeClr val="tx1">
-                    <a:tint val="75000"/>
-                  </a:schemeClr>
-                </a:solidFill>
-              </a:defRPr>
+              <a:defRPr sz="1600"/>
             </a:lvl7pPr>
             <a:lvl8pPr marL="3200400" indent="0" algn="ctr">
               <a:buNone/>
-              <a:defRPr>
-                <a:solidFill>
-                  <a:schemeClr val="tx1">
-                    <a:tint val="75000"/>
-                  </a:schemeClr>
-                </a:solidFill>
-              </a:defRPr>
+              <a:defRPr sz="1600"/>
             </a:lvl8pPr>
             <a:lvl9pPr marL="3657600" indent="0" algn="ctr">
               <a:buNone/>
-              <a:defRPr>
-                <a:solidFill>
-                  <a:schemeClr val="tx1">
-                    <a:tint val="75000"/>
-                  </a:schemeClr>
-                </a:solidFill>
-              </a:defRPr>
+              <a:defRPr sz="1600"/>
             </a:lvl9pPr>
           </a:lstStyle>
           <a:p>
@@ -322,7 +278,12 @@
             <p:ph type="dt" sz="half" idx="10"/>
           </p:nvPr>
         </p:nvSpPr>
-        <p:spPr/>
+        <p:spPr>
+          <a:xfrm>
+            <a:off x="7909561" y="4314328"/>
+            <a:ext cx="2910840" cy="374642"/>
+          </a:xfrm>
+        </p:spPr>
         <p:txBody>
           <a:bodyPr/>
           <a:lstStyle/>
@@ -345,7 +306,12 @@
             <p:ph type="ftr" sz="quarter" idx="11"/>
           </p:nvPr>
         </p:nvSpPr>
-        <p:spPr/>
+        <p:spPr>
+          <a:xfrm>
+            <a:off x="1371600" y="4323845"/>
+            <a:ext cx="6400800" cy="365125"/>
+          </a:xfrm>
+        </p:spPr>
         <p:txBody>
           <a:bodyPr/>
           <a:lstStyle/>
@@ -364,7 +330,12 @@
             <p:ph type="sldNum" sz="quarter" idx="12"/>
           </p:nvPr>
         </p:nvSpPr>
-        <p:spPr/>
+        <p:spPr>
+          <a:xfrm>
+            <a:off x="8077200" y="1430866"/>
+            <a:ext cx="2743200" cy="365125"/>
+          </a:xfrm>
+        </p:spPr>
         <p:txBody>
           <a:bodyPr/>
           <a:lstStyle/>
@@ -380,7 +351,7 @@
     </p:spTree>
     <p:extLst>
       <p:ext uri="{BB962C8B-B14F-4D97-AF65-F5344CB8AC3E}">
-        <p14:creationId xmlns:p14="http://schemas.microsoft.com/office/powerpoint/2010/main" val="2265708655"/>
+        <p14:creationId xmlns:p14="http://schemas.microsoft.com/office/powerpoint/2010/main" val="4126362036"/>
       </p:ext>
     </p:extLst>
   </p:cSld>
@@ -419,17 +390,15 @@
         </p:nvSpPr>
         <p:spPr>
           <a:xfrm>
-            <a:off x="1141413" y="4732865"/>
-            <a:ext cx="9906000" cy="566738"/>
-          </a:xfrm>
-        </p:spPr>
-        <p:txBody>
-          <a:bodyPr anchor="b">
-            <a:normAutofit/>
-          </a:bodyPr>
+            <a:off x="685777" y="4697360"/>
+            <a:ext cx="10822034" cy="819355"/>
+          </a:xfrm>
+        </p:spPr>
+        <p:txBody>
+          <a:bodyPr anchor="b"/>
           <a:lstStyle>
             <a:lvl1pPr algn="l">
-              <a:defRPr sz="2400" b="0"/>
+              <a:defRPr sz="3200"/>
             </a:lvl1pPr>
           </a:lstStyle>
           <a:p>
@@ -453,145 +422,113 @@
         </p:nvSpPr>
         <p:spPr>
           <a:xfrm>
-            <a:off x="1979612" y="932112"/>
-            <a:ext cx="8225944" cy="3164976"/>
-          </a:xfrm>
-          <a:prstGeom prst="roundRect">
-            <a:avLst>
-              <a:gd name="adj" fmla="val 4380"/>
-            </a:avLst>
-          </a:prstGeom>
-          <a:ln w="38100">
-            <a:gradFill flip="none" rotWithShape="1">
-              <a:gsLst>
-                <a:gs pos="0">
-                  <a:schemeClr val="bg2"/>
-                </a:gs>
-                <a:gs pos="100000">
-                  <a:schemeClr val="bg2">
-                    <a:lumMod val="75000"/>
-                  </a:schemeClr>
-                </a:gs>
-              </a:gsLst>
-              <a:lin ang="5400000" scaled="0"/>
-              <a:tileRect/>
-            </a:gradFill>
-          </a:ln>
-          <a:effectLst>
-            <a:innerShdw blurRad="57150" dist="38100" dir="14460000">
-              <a:srgbClr val="000000">
-                <a:alpha val="70000"/>
-              </a:srgbClr>
-            </a:innerShdw>
-          </a:effectLst>
-        </p:spPr>
-        <p:txBody>
-          <a:bodyPr anchor="t">
-            <a:normAutofit/>
-          </a:bodyPr>
+            <a:off x="681727" y="941439"/>
+            <a:ext cx="10821840" cy="3478161"/>
+          </a:xfrm>
+        </p:spPr>
+        <p:txBody>
+          <a:bodyPr anchor="t"/>
           <a:lstStyle>
-            <a:lvl1pPr marL="0" indent="0" algn="ctr">
+            <a:lvl1pPr marL="0" indent="0">
+              <a:buNone/>
+              <a:defRPr sz="3200"/>
+            </a:lvl1pPr>
+            <a:lvl2pPr marL="457200" indent="0">
+              <a:buNone/>
+              <a:defRPr sz="2800"/>
+            </a:lvl2pPr>
+            <a:lvl3pPr marL="914400" indent="0">
+              <a:buNone/>
+              <a:defRPr sz="2400"/>
+            </a:lvl3pPr>
+            <a:lvl4pPr marL="1371600" indent="0">
+              <a:buNone/>
+              <a:defRPr sz="2000"/>
+            </a:lvl4pPr>
+            <a:lvl5pPr marL="1828800" indent="0">
+              <a:buNone/>
+              <a:defRPr sz="2000"/>
+            </a:lvl5pPr>
+            <a:lvl6pPr marL="2286000" indent="0">
+              <a:buNone/>
+              <a:defRPr sz="2000"/>
+            </a:lvl6pPr>
+            <a:lvl7pPr marL="2743200" indent="0">
+              <a:buNone/>
+              <a:defRPr sz="2000"/>
+            </a:lvl7pPr>
+            <a:lvl8pPr marL="3200400" indent="0">
+              <a:buNone/>
+              <a:defRPr sz="2000"/>
+            </a:lvl8pPr>
+            <a:lvl9pPr marL="3657600" indent="0">
+              <a:buNone/>
+              <a:defRPr sz="2000"/>
+            </a:lvl9pPr>
+          </a:lstStyle>
+          <a:p>
+            <a:r>
+              <a:rPr lang="en-US"/>
+              <a:t>Click icon to add picture</a:t>
+            </a:r>
+            <a:endParaRPr lang="en-US" dirty="0"/>
+          </a:p>
+        </p:txBody>
+      </p:sp>
+      <p:sp>
+        <p:nvSpPr>
+          <p:cNvPr id="4" name="Text Placeholder 3"/>
+          <p:cNvSpPr>
+            <a:spLocks noGrp="1"/>
+          </p:cNvSpPr>
+          <p:nvPr>
+            <p:ph type="body" sz="half" idx="2"/>
+          </p:nvPr>
+        </p:nvSpPr>
+        <p:spPr>
+          <a:xfrm>
+            <a:off x="685800" y="5516715"/>
+            <a:ext cx="10820400" cy="701969"/>
+          </a:xfrm>
+        </p:spPr>
+        <p:txBody>
+          <a:bodyPr/>
+          <a:lstStyle>
+            <a:lvl1pPr marL="0" indent="0" algn="l">
               <a:buNone/>
               <a:defRPr sz="1600"/>
             </a:lvl1pPr>
             <a:lvl2pPr marL="457200" indent="0">
               <a:buNone/>
-              <a:defRPr sz="1600"/>
+              <a:defRPr sz="1400"/>
             </a:lvl2pPr>
             <a:lvl3pPr marL="914400" indent="0">
               <a:buNone/>
-              <a:defRPr sz="1600"/>
+              <a:defRPr sz="1200"/>
             </a:lvl3pPr>
             <a:lvl4pPr marL="1371600" indent="0">
               <a:buNone/>
-              <a:defRPr sz="1600"/>
+              <a:defRPr sz="1000"/>
             </a:lvl4pPr>
             <a:lvl5pPr marL="1828800" indent="0">
               <a:buNone/>
-              <a:defRPr sz="1600"/>
+              <a:defRPr sz="1000"/>
             </a:lvl5pPr>
             <a:lvl6pPr marL="2286000" indent="0">
               <a:buNone/>
-              <a:defRPr sz="1600"/>
+              <a:defRPr sz="1000"/>
             </a:lvl6pPr>
             <a:lvl7pPr marL="2743200" indent="0">
               <a:buNone/>
-              <a:defRPr sz="1600"/>
+              <a:defRPr sz="1000"/>
             </a:lvl7pPr>
             <a:lvl8pPr marL="3200400" indent="0">
               <a:buNone/>
-              <a:defRPr sz="1600"/>
+              <a:defRPr sz="1000"/>
             </a:lvl8pPr>
             <a:lvl9pPr marL="3657600" indent="0">
               <a:buNone/>
-              <a:defRPr sz="1600"/>
-            </a:lvl9pPr>
-          </a:lstStyle>
-          <a:p>
-            <a:r>
-              <a:rPr lang="en-US"/>
-              <a:t>Click icon to add picture</a:t>
-            </a:r>
-            <a:endParaRPr lang="en-US" dirty="0"/>
-          </a:p>
-        </p:txBody>
-      </p:sp>
-      <p:sp>
-        <p:nvSpPr>
-          <p:cNvPr id="4" name="Text Placeholder 3"/>
-          <p:cNvSpPr>
-            <a:spLocks noGrp="1"/>
-          </p:cNvSpPr>
-          <p:nvPr>
-            <p:ph type="body" sz="half" idx="2"/>
-          </p:nvPr>
-        </p:nvSpPr>
-        <p:spPr>
-          <a:xfrm>
-            <a:off x="1141413" y="5299603"/>
-            <a:ext cx="9906000" cy="493712"/>
-          </a:xfrm>
-        </p:spPr>
-        <p:txBody>
-          <a:bodyPr>
-            <a:normAutofit/>
-          </a:bodyPr>
-          <a:lstStyle>
-            <a:lvl1pPr marL="0" indent="0">
-              <a:buNone/>
-              <a:defRPr sz="1400"/>
-            </a:lvl1pPr>
-            <a:lvl2pPr marL="457200" indent="0">
-              <a:buNone/>
-              <a:defRPr sz="1200"/>
-            </a:lvl2pPr>
-            <a:lvl3pPr marL="914400" indent="0">
-              <a:buNone/>
               <a:defRPr sz="1000"/>
-            </a:lvl3pPr>
-            <a:lvl4pPr marL="1371600" indent="0">
-              <a:buNone/>
-              <a:defRPr sz="900"/>
-            </a:lvl4pPr>
-            <a:lvl5pPr marL="1828800" indent="0">
-              <a:buNone/>
-              <a:defRPr sz="900"/>
-            </a:lvl5pPr>
-            <a:lvl6pPr marL="2286000" indent="0">
-              <a:buNone/>
-              <a:defRPr sz="900"/>
-            </a:lvl6pPr>
-            <a:lvl7pPr marL="2743200" indent="0">
-              <a:buNone/>
-              <a:defRPr sz="900"/>
-            </a:lvl7pPr>
-            <a:lvl8pPr marL="3200400" indent="0">
-              <a:buNone/>
-              <a:defRPr sz="900"/>
-            </a:lvl8pPr>
-            <a:lvl9pPr marL="3657600" indent="0">
-              <a:buNone/>
-              <a:defRPr sz="900"/>
             </a:lvl9pPr>
           </a:lstStyle>
           <a:p>
@@ -671,7 +608,7 @@
     </p:spTree>
     <p:extLst>
       <p:ext uri="{BB962C8B-B14F-4D97-AF65-F5344CB8AC3E}">
-        <p14:creationId xmlns:p14="http://schemas.microsoft.com/office/powerpoint/2010/main" val="320842763"/>
+        <p14:creationId xmlns:p14="http://schemas.microsoft.com/office/powerpoint/2010/main" val="2722172382"/>
       </p:ext>
     </p:extLst>
   </p:cSld>
@@ -682,7 +619,7 @@
 </file>
 
 <file path=ppt/slideLayouts/slideLayout11.xml><?xml version="1.0" encoding="utf-8"?>
-<p:sldLayout xmlns:a="http://schemas.openxmlformats.org/drawingml/2006/main" xmlns:r="http://schemas.openxmlformats.org/officeDocument/2006/relationships" xmlns:p="http://schemas.openxmlformats.org/presentationml/2006/main" preserve="1">
+<p:sldLayout xmlns:a="http://schemas.openxmlformats.org/drawingml/2006/main" xmlns:r="http://schemas.openxmlformats.org/officeDocument/2006/relationships" xmlns:p="http://schemas.openxmlformats.org/presentationml/2006/main" showMasterSp="0" preserve="1">
   <p:cSld name="Title and Caption">
     <p:spTree>
       <p:nvGrpSpPr>
@@ -698,6 +635,36 @@
           <a:chExt cx="0" cy="0"/>
         </a:xfrm>
       </p:grpSpPr>
+      <p:pic>
+        <p:nvPicPr>
+          <p:cNvPr id="8" name="Picture 7" descr="C0-HD-BTM.png"/>
+          <p:cNvPicPr>
+            <a:picLocks noChangeAspect="1"/>
+          </p:cNvPicPr>
+          <p:nvPr/>
+        </p:nvPicPr>
+        <p:blipFill>
+          <a:blip r:embed="rId2">
+            <a:extLst>
+              <a:ext uri="{28A0092B-C50C-407E-A947-70E740481C1C}">
+                <a14:useLocalDpi xmlns:a14="http://schemas.microsoft.com/office/drawing/2010/main" val="0"/>
+              </a:ext>
+            </a:extLst>
+          </a:blip>
+          <a:stretch>
+            <a:fillRect/>
+          </a:stretch>
+        </p:blipFill>
+        <p:spPr>
+          <a:xfrm>
+            <a:off x="0" y="4375150"/>
+            <a:ext cx="12192000" cy="2482850"/>
+          </a:xfrm>
+          <a:prstGeom prst="rect">
+            <a:avLst/>
+          </a:prstGeom>
+        </p:spPr>
+      </p:pic>
       <p:sp>
         <p:nvSpPr>
           <p:cNvPr id="2" name="Title 1"/>
@@ -710,17 +677,15 @@
         </p:nvSpPr>
         <p:spPr>
           <a:xfrm>
-            <a:off x="1141412" y="609601"/>
-            <a:ext cx="9905999" cy="3124199"/>
-          </a:xfrm>
-        </p:spPr>
-        <p:txBody>
-          <a:bodyPr anchor="ctr">
-            <a:normAutofit/>
-          </a:bodyPr>
+            <a:off x="685800" y="753532"/>
+            <a:ext cx="10820400" cy="2802467"/>
+          </a:xfrm>
+        </p:spPr>
+        <p:txBody>
+          <a:bodyPr anchor="ctr"/>
           <a:lstStyle>
             <a:lvl1pPr algn="l">
-              <a:defRPr sz="3200" b="0" cap="all"/>
+              <a:defRPr sz="3200"/>
             </a:lvl1pPr>
           </a:lstStyle>
           <a:p>
@@ -734,123 +699,58 @@
       </p:sp>
       <p:sp>
         <p:nvSpPr>
-          <p:cNvPr id="3" name="Text Placeholder 2"/>
-          <p:cNvSpPr>
-            <a:spLocks noGrp="1"/>
-          </p:cNvSpPr>
-          <p:nvPr>
-            <p:ph type="body" idx="1"/>
-          </p:nvPr>
-        </p:nvSpPr>
-        <p:spPr>
-          <a:xfrm>
-            <a:off x="1141411" y="4343400"/>
-            <a:ext cx="9906000" cy="1447800"/>
-          </a:xfrm>
-        </p:spPr>
-        <p:txBody>
-          <a:bodyPr anchor="ctr">
-            <a:normAutofit/>
-          </a:bodyPr>
+          <p:cNvPr id="4" name="Text Placeholder 3"/>
+          <p:cNvSpPr>
+            <a:spLocks noGrp="1"/>
+          </p:cNvSpPr>
+          <p:nvPr>
+            <p:ph type="body" sz="half" idx="2"/>
+          </p:nvPr>
+        </p:nvSpPr>
+        <p:spPr>
+          <a:xfrm>
+            <a:off x="1024467" y="3649133"/>
+            <a:ext cx="10130516" cy="999067"/>
+          </a:xfrm>
+        </p:spPr>
+        <p:txBody>
+          <a:bodyPr anchor="ctr"/>
           <a:lstStyle>
-            <a:lvl1pPr marL="0" indent="0" algn="l">
-              <a:buNone/>
-              <a:defRPr sz="2000">
-                <a:gradFill flip="none" rotWithShape="1">
-                  <a:gsLst>
-                    <a:gs pos="0">
-                      <a:schemeClr val="tx1"/>
-                    </a:gs>
-                    <a:gs pos="100000">
-                      <a:schemeClr val="tx1">
-                        <a:lumMod val="75000"/>
-                      </a:schemeClr>
-                    </a:gs>
-                  </a:gsLst>
-                  <a:lin ang="5400000" scaled="0"/>
-                  <a:tileRect/>
-                </a:gradFill>
-              </a:defRPr>
+            <a:lvl1pPr marL="0" indent="0">
+              <a:buNone/>
+              <a:defRPr sz="1600"/>
             </a:lvl1pPr>
             <a:lvl2pPr marL="457200" indent="0">
               <a:buNone/>
-              <a:defRPr sz="1800">
-                <a:solidFill>
-                  <a:schemeClr val="tx1">
-                    <a:tint val="75000"/>
-                  </a:schemeClr>
-                </a:solidFill>
-              </a:defRPr>
+              <a:defRPr sz="1400"/>
             </a:lvl2pPr>
             <a:lvl3pPr marL="914400" indent="0">
               <a:buNone/>
-              <a:defRPr sz="1600">
-                <a:solidFill>
-                  <a:schemeClr val="tx1">
-                    <a:tint val="75000"/>
-                  </a:schemeClr>
-                </a:solidFill>
-              </a:defRPr>
+              <a:defRPr sz="1200"/>
             </a:lvl3pPr>
             <a:lvl4pPr marL="1371600" indent="0">
               <a:buNone/>
-              <a:defRPr sz="1400">
-                <a:solidFill>
-                  <a:schemeClr val="tx1">
-                    <a:tint val="75000"/>
-                  </a:schemeClr>
-                </a:solidFill>
-              </a:defRPr>
+              <a:defRPr sz="1000"/>
             </a:lvl4pPr>
             <a:lvl5pPr marL="1828800" indent="0">
               <a:buNone/>
-              <a:defRPr sz="1400">
-                <a:solidFill>
-                  <a:schemeClr val="tx1">
-                    <a:tint val="75000"/>
-                  </a:schemeClr>
-                </a:solidFill>
-              </a:defRPr>
+              <a:defRPr sz="1000"/>
             </a:lvl5pPr>
             <a:lvl6pPr marL="2286000" indent="0">
               <a:buNone/>
-              <a:defRPr sz="1400">
-                <a:solidFill>
-                  <a:schemeClr val="tx1">
-                    <a:tint val="75000"/>
-                  </a:schemeClr>
-                </a:solidFill>
-              </a:defRPr>
+              <a:defRPr sz="1000"/>
             </a:lvl6pPr>
             <a:lvl7pPr marL="2743200" indent="0">
               <a:buNone/>
-              <a:defRPr sz="1400">
-                <a:solidFill>
-                  <a:schemeClr val="tx1">
-                    <a:tint val="75000"/>
-                  </a:schemeClr>
-                </a:solidFill>
-              </a:defRPr>
+              <a:defRPr sz="1000"/>
             </a:lvl7pPr>
             <a:lvl8pPr marL="3200400" indent="0">
               <a:buNone/>
-              <a:defRPr sz="1400">
-                <a:solidFill>
-                  <a:schemeClr val="tx1">
-                    <a:tint val="75000"/>
-                  </a:schemeClr>
-                </a:solidFill>
-              </a:defRPr>
+              <a:defRPr sz="1000"/>
             </a:lvl8pPr>
             <a:lvl9pPr marL="3657600" indent="0">
               <a:buNone/>
-              <a:defRPr sz="1400">
-                <a:solidFill>
-                  <a:schemeClr val="tx1">
-                    <a:tint val="75000"/>
-                  </a:schemeClr>
-                </a:solidFill>
-              </a:defRPr>
+              <a:defRPr sz="1000"/>
             </a:lvl9pPr>
           </a:lstStyle>
           <a:p>
@@ -864,7 +764,7 @@
       </p:sp>
       <p:sp>
         <p:nvSpPr>
-          <p:cNvPr id="4" name="Date Placeholder 3"/>
+          <p:cNvPr id="5" name="Date Placeholder 4"/>
           <p:cNvSpPr>
             <a:spLocks noGrp="1"/>
           </p:cNvSpPr>
@@ -872,10 +772,19 @@
             <p:ph type="dt" sz="half" idx="10"/>
           </p:nvPr>
         </p:nvSpPr>
-        <p:spPr/>
+        <p:spPr>
+          <a:xfrm>
+            <a:off x="7814452" y="381000"/>
+            <a:ext cx="2910840" cy="365125"/>
+          </a:xfrm>
+        </p:spPr>
         <p:txBody>
           <a:bodyPr/>
-          <a:lstStyle/>
+          <a:lstStyle>
+            <a:lvl1pPr algn="r">
+              <a:defRPr/>
+            </a:lvl1pPr>
+          </a:lstStyle>
           <a:p>
             <a:fld id="{498091AC-18C7-4233-95AF-D63622717748}" type="datetimeFigureOut">
               <a:rPr lang="en-US" smtClean="0"/>
@@ -887,7 +796,7 @@
       </p:sp>
       <p:sp>
         <p:nvSpPr>
-          <p:cNvPr id="5" name="Footer Placeholder 4"/>
+          <p:cNvPr id="6" name="Footer Placeholder 5"/>
           <p:cNvSpPr>
             <a:spLocks noGrp="1"/>
           </p:cNvSpPr>
@@ -895,7 +804,12 @@
             <p:ph type="ftr" sz="quarter" idx="11"/>
           </p:nvPr>
         </p:nvSpPr>
-        <p:spPr/>
+        <p:spPr>
+          <a:xfrm>
+            <a:off x="685800" y="379941"/>
+            <a:ext cx="6991492" cy="365125"/>
+          </a:xfrm>
+        </p:spPr>
         <p:txBody>
           <a:bodyPr/>
           <a:lstStyle/>
@@ -906,7 +820,7 @@
       </p:sp>
       <p:sp>
         <p:nvSpPr>
-          <p:cNvPr id="6" name="Slide Number Placeholder 5"/>
+          <p:cNvPr id="7" name="Slide Number Placeholder 6"/>
           <p:cNvSpPr>
             <a:spLocks noGrp="1"/>
           </p:cNvSpPr>
@@ -914,7 +828,12 @@
             <p:ph type="sldNum" sz="quarter" idx="12"/>
           </p:nvPr>
         </p:nvSpPr>
-        <p:spPr/>
+        <p:spPr>
+          <a:xfrm>
+            <a:off x="10862452" y="381000"/>
+            <a:ext cx="643748" cy="365125"/>
+          </a:xfrm>
+        </p:spPr>
         <p:txBody>
           <a:bodyPr/>
           <a:lstStyle/>
@@ -930,7 +849,7 @@
     </p:spTree>
     <p:extLst>
       <p:ext uri="{BB962C8B-B14F-4D97-AF65-F5344CB8AC3E}">
-        <p14:creationId xmlns:p14="http://schemas.microsoft.com/office/powerpoint/2010/main" val="2496013779"/>
+        <p14:creationId xmlns:p14="http://schemas.microsoft.com/office/powerpoint/2010/main" val="1702708596"/>
       </p:ext>
     </p:extLst>
   </p:cSld>
@@ -941,7 +860,7 @@
 </file>
 
 <file path=ppt/slideLayouts/slideLayout12.xml><?xml version="1.0" encoding="utf-8"?>
-<p:sldLayout xmlns:a="http://schemas.openxmlformats.org/drawingml/2006/main" xmlns:r="http://schemas.openxmlformats.org/officeDocument/2006/relationships" xmlns:p="http://schemas.openxmlformats.org/presentationml/2006/main" preserve="1">
+<p:sldLayout xmlns:a="http://schemas.openxmlformats.org/drawingml/2006/main" xmlns:r="http://schemas.openxmlformats.org/officeDocument/2006/relationships" xmlns:p="http://schemas.openxmlformats.org/presentationml/2006/main" showMasterSp="0" preserve="1">
   <p:cSld name="Quote with Caption">
     <p:spTree>
       <p:nvGrpSpPr>
@@ -957,15 +876,295 @@
           <a:chExt cx="0" cy="0"/>
         </a:xfrm>
       </p:grpSpPr>
-      <p:sp>
-        <p:nvSpPr>
-          <p:cNvPr id="14" name="TextBox 13"/>
+      <p:pic>
+        <p:nvPicPr>
+          <p:cNvPr id="13" name="Picture 12" descr="C0-HD-BTM.png"/>
+          <p:cNvPicPr>
+            <a:picLocks noChangeAspect="1"/>
+          </p:cNvPicPr>
+          <p:nvPr/>
+        </p:nvPicPr>
+        <p:blipFill>
+          <a:blip r:embed="rId2">
+            <a:extLst>
+              <a:ext uri="{28A0092B-C50C-407E-A947-70E740481C1C}">
+                <a14:useLocalDpi xmlns:a14="http://schemas.microsoft.com/office/drawing/2010/main" val="0"/>
+              </a:ext>
+            </a:extLst>
+          </a:blip>
+          <a:stretch>
+            <a:fillRect/>
+          </a:stretch>
+        </p:blipFill>
+        <p:spPr>
+          <a:xfrm>
+            <a:off x="0" y="4375150"/>
+            <a:ext cx="12192000" cy="2482850"/>
+          </a:xfrm>
+          <a:prstGeom prst="rect">
+            <a:avLst/>
+          </a:prstGeom>
+        </p:spPr>
+      </p:pic>
+      <p:sp>
+        <p:nvSpPr>
+          <p:cNvPr id="2" name="Title 1"/>
+          <p:cNvSpPr>
+            <a:spLocks noGrp="1"/>
+          </p:cNvSpPr>
+          <p:nvPr>
+            <p:ph type="title"/>
+          </p:nvPr>
+        </p:nvSpPr>
+        <p:spPr>
+          <a:xfrm>
+            <a:off x="1024467" y="753533"/>
+            <a:ext cx="10151533" cy="2604495"/>
+          </a:xfrm>
+        </p:spPr>
+        <p:txBody>
+          <a:bodyPr anchor="ctr"/>
+          <a:lstStyle>
+            <a:lvl1pPr algn="l">
+              <a:defRPr sz="3200"/>
+            </a:lvl1pPr>
+          </a:lstStyle>
+          <a:p>
+            <a:r>
+              <a:rPr lang="en-US"/>
+              <a:t>Click to edit Master title style</a:t>
+            </a:r>
+            <a:endParaRPr lang="en-US" dirty="0"/>
+          </a:p>
+        </p:txBody>
+      </p:sp>
+      <p:sp>
+        <p:nvSpPr>
+          <p:cNvPr id="12" name="Text Placeholder 3"/>
+          <p:cNvSpPr>
+            <a:spLocks noGrp="1"/>
+          </p:cNvSpPr>
+          <p:nvPr>
+            <p:ph type="body" sz="half" idx="13"/>
+          </p:nvPr>
+        </p:nvSpPr>
+        <p:spPr>
+          <a:xfrm>
+            <a:off x="1303865" y="3365556"/>
+            <a:ext cx="9592736" cy="444443"/>
+          </a:xfrm>
+        </p:spPr>
+        <p:txBody>
+          <a:bodyPr anchor="t">
+            <a:normAutofit/>
+          </a:bodyPr>
+          <a:lstStyle>
+            <a:lvl1pPr marL="0" indent="0">
+              <a:buNone/>
+              <a:defRPr sz="1400"/>
+            </a:lvl1pPr>
+            <a:lvl2pPr marL="457200" indent="0">
+              <a:buNone/>
+              <a:defRPr sz="1400"/>
+            </a:lvl2pPr>
+            <a:lvl3pPr marL="914400" indent="0">
+              <a:buNone/>
+              <a:defRPr sz="1200"/>
+            </a:lvl3pPr>
+            <a:lvl4pPr marL="1371600" indent="0">
+              <a:buNone/>
+              <a:defRPr sz="1000"/>
+            </a:lvl4pPr>
+            <a:lvl5pPr marL="1828800" indent="0">
+              <a:buNone/>
+              <a:defRPr sz="1000"/>
+            </a:lvl5pPr>
+            <a:lvl6pPr marL="2286000" indent="0">
+              <a:buNone/>
+              <a:defRPr sz="1000"/>
+            </a:lvl6pPr>
+            <a:lvl7pPr marL="2743200" indent="0">
+              <a:buNone/>
+              <a:defRPr sz="1000"/>
+            </a:lvl7pPr>
+            <a:lvl8pPr marL="3200400" indent="0">
+              <a:buNone/>
+              <a:defRPr sz="1000"/>
+            </a:lvl8pPr>
+            <a:lvl9pPr marL="3657600" indent="0">
+              <a:buNone/>
+              <a:defRPr sz="1000"/>
+            </a:lvl9pPr>
+          </a:lstStyle>
+          <a:p>
+            <a:pPr lvl="0"/>
+            <a:r>
+              <a:rPr lang="en-US"/>
+              <a:t>Click to edit Master text styles</a:t>
+            </a:r>
+          </a:p>
+        </p:txBody>
+      </p:sp>
+      <p:sp>
+        <p:nvSpPr>
+          <p:cNvPr id="4" name="Text Placeholder 3"/>
+          <p:cNvSpPr>
+            <a:spLocks noGrp="1"/>
+          </p:cNvSpPr>
+          <p:nvPr>
+            <p:ph type="body" sz="half" idx="2"/>
+          </p:nvPr>
+        </p:nvSpPr>
+        <p:spPr>
+          <a:xfrm>
+            <a:off x="1024467" y="3959862"/>
+            <a:ext cx="10151533" cy="679871"/>
+          </a:xfrm>
+        </p:spPr>
+        <p:txBody>
+          <a:bodyPr anchor="ctr">
+            <a:normAutofit/>
+          </a:bodyPr>
+          <a:lstStyle>
+            <a:lvl1pPr marL="0" indent="0">
+              <a:buNone/>
+              <a:defRPr sz="1600"/>
+            </a:lvl1pPr>
+            <a:lvl2pPr marL="457200" indent="0">
+              <a:buNone/>
+              <a:defRPr sz="1400"/>
+            </a:lvl2pPr>
+            <a:lvl3pPr marL="914400" indent="0">
+              <a:buNone/>
+              <a:defRPr sz="1200"/>
+            </a:lvl3pPr>
+            <a:lvl4pPr marL="1371600" indent="0">
+              <a:buNone/>
+              <a:defRPr sz="1000"/>
+            </a:lvl4pPr>
+            <a:lvl5pPr marL="1828800" indent="0">
+              <a:buNone/>
+              <a:defRPr sz="1000"/>
+            </a:lvl5pPr>
+            <a:lvl6pPr marL="2286000" indent="0">
+              <a:buNone/>
+              <a:defRPr sz="1000"/>
+            </a:lvl6pPr>
+            <a:lvl7pPr marL="2743200" indent="0">
+              <a:buNone/>
+              <a:defRPr sz="1000"/>
+            </a:lvl7pPr>
+            <a:lvl8pPr marL="3200400" indent="0">
+              <a:buNone/>
+              <a:defRPr sz="1000"/>
+            </a:lvl8pPr>
+            <a:lvl9pPr marL="3657600" indent="0">
+              <a:buNone/>
+              <a:defRPr sz="1000"/>
+            </a:lvl9pPr>
+          </a:lstStyle>
+          <a:p>
+            <a:pPr lvl="0"/>
+            <a:r>
+              <a:rPr lang="en-US"/>
+              <a:t>Click to edit Master text styles</a:t>
+            </a:r>
+          </a:p>
+        </p:txBody>
+      </p:sp>
+      <p:sp>
+        <p:nvSpPr>
+          <p:cNvPr id="5" name="Date Placeholder 4"/>
+          <p:cNvSpPr>
+            <a:spLocks noGrp="1"/>
+          </p:cNvSpPr>
+          <p:nvPr>
+            <p:ph type="dt" sz="half" idx="10"/>
+          </p:nvPr>
+        </p:nvSpPr>
+        <p:spPr>
+          <a:xfrm>
+            <a:off x="7814452" y="381000"/>
+            <a:ext cx="2910840" cy="365125"/>
+          </a:xfrm>
+        </p:spPr>
+        <p:txBody>
+          <a:bodyPr/>
+          <a:lstStyle>
+            <a:lvl1pPr algn="r">
+              <a:defRPr/>
+            </a:lvl1pPr>
+          </a:lstStyle>
+          <a:p>
+            <a:fld id="{498091AC-18C7-4233-95AF-D63622717748}" type="datetimeFigureOut">
+              <a:rPr lang="en-US" smtClean="0"/>
+              <a:t>7/22/2025</a:t>
+            </a:fld>
+            <a:endParaRPr lang="en-US"/>
+          </a:p>
+        </p:txBody>
+      </p:sp>
+      <p:sp>
+        <p:nvSpPr>
+          <p:cNvPr id="6" name="Footer Placeholder 5"/>
+          <p:cNvSpPr>
+            <a:spLocks noGrp="1"/>
+          </p:cNvSpPr>
+          <p:nvPr>
+            <p:ph type="ftr" sz="quarter" idx="11"/>
+          </p:nvPr>
+        </p:nvSpPr>
+        <p:spPr>
+          <a:xfrm>
+            <a:off x="685800" y="379941"/>
+            <a:ext cx="6991492" cy="365125"/>
+          </a:xfrm>
+        </p:spPr>
+        <p:txBody>
+          <a:bodyPr/>
+          <a:lstStyle/>
+          <a:p>
+            <a:endParaRPr lang="en-US"/>
+          </a:p>
+        </p:txBody>
+      </p:sp>
+      <p:sp>
+        <p:nvSpPr>
+          <p:cNvPr id="7" name="Slide Number Placeholder 6"/>
+          <p:cNvSpPr>
+            <a:spLocks noGrp="1"/>
+          </p:cNvSpPr>
+          <p:nvPr>
+            <p:ph type="sldNum" sz="quarter" idx="12"/>
+          </p:nvPr>
+        </p:nvSpPr>
+        <p:spPr>
+          <a:xfrm>
+            <a:off x="10862452" y="381000"/>
+            <a:ext cx="643748" cy="365125"/>
+          </a:xfrm>
+        </p:spPr>
+        <p:txBody>
+          <a:bodyPr/>
+          <a:lstStyle/>
+          <a:p>
+            <a:fld id="{2ED05E14-59B9-4AB9-9978-68B9D26F8450}" type="slidenum">
+              <a:rPr lang="en-US" smtClean="0"/>
+              <a:t>‹#›</a:t>
+            </a:fld>
+            <a:endParaRPr lang="en-US"/>
+          </a:p>
+        </p:txBody>
+      </p:sp>
+      <p:sp>
+        <p:nvSpPr>
+          <p:cNvPr id="9" name="TextBox 8"/>
           <p:cNvSpPr txBox="1"/>
           <p:nvPr/>
         </p:nvSpPr>
         <p:spPr>
           <a:xfrm>
-            <a:off x="836612" y="786824"/>
+            <a:off x="476250" y="933450"/>
             <a:ext cx="609600" cy="584776"/>
           </a:xfrm>
           <a:prstGeom prst="rect">
@@ -1064,8 +1263,9 @@
             <a:r>
               <a:rPr lang="en-US" sz="8000" dirty="0">
                 <a:solidFill>
-                  <a:schemeClr val="accent1"/>
+                  <a:schemeClr val="tx1"/>
                 </a:solidFill>
+                <a:effectLst/>
               </a:rPr>
               <a:t>“</a:t>
             </a:r>
@@ -1074,13 +1274,13 @@
       </p:sp>
       <p:sp>
         <p:nvSpPr>
-          <p:cNvPr id="15" name="TextBox 14"/>
+          <p:cNvPr id="10" name="TextBox 9"/>
           <p:cNvSpPr txBox="1"/>
           <p:nvPr/>
         </p:nvSpPr>
         <p:spPr>
           <a:xfrm>
-            <a:off x="10437812" y="2743200"/>
+            <a:off x="10984230" y="2701290"/>
             <a:ext cx="609600" cy="584776"/>
           </a:xfrm>
           <a:prstGeom prst="rect">
@@ -1179,227 +1379,19 @@
             <a:r>
               <a:rPr lang="en-US" sz="8000" dirty="0">
                 <a:solidFill>
-                  <a:schemeClr val="accent1"/>
+                  <a:schemeClr val="tx1"/>
                 </a:solidFill>
+                <a:effectLst/>
               </a:rPr>
               <a:t>”</a:t>
             </a:r>
-          </a:p>
-        </p:txBody>
-      </p:sp>
-      <p:sp>
-        <p:nvSpPr>
-          <p:cNvPr id="2" name="Title 1"/>
-          <p:cNvSpPr>
-            <a:spLocks noGrp="1"/>
-          </p:cNvSpPr>
-          <p:nvPr>
-            <p:ph type="title"/>
-          </p:nvPr>
-        </p:nvSpPr>
-        <p:spPr>
-          <a:xfrm>
-            <a:off x="1446213" y="609601"/>
-            <a:ext cx="9296398" cy="2743199"/>
-          </a:xfrm>
-        </p:spPr>
-        <p:txBody>
-          <a:bodyPr anchor="ctr">
-            <a:normAutofit/>
-          </a:bodyPr>
-          <a:lstStyle>
-            <a:lvl1pPr algn="l">
-              <a:defRPr sz="3200" b="0" cap="all">
-                <a:solidFill>
-                  <a:schemeClr val="tx1"/>
-                </a:solidFill>
-              </a:defRPr>
-            </a:lvl1pPr>
-          </a:lstStyle>
-          <a:p>
-            <a:r>
-              <a:rPr lang="en-US"/>
-              <a:t>Click to edit Master title style</a:t>
-            </a:r>
-            <a:endParaRPr lang="en-US" dirty="0"/>
-          </a:p>
-        </p:txBody>
-      </p:sp>
-      <p:sp>
-        <p:nvSpPr>
-          <p:cNvPr id="10" name="Text Placeholder 9"/>
-          <p:cNvSpPr>
-            <a:spLocks noGrp="1"/>
-          </p:cNvSpPr>
-          <p:nvPr>
-            <p:ph type="body" sz="quarter" idx="13"/>
-          </p:nvPr>
-        </p:nvSpPr>
-        <p:spPr>
-          <a:xfrm>
-            <a:off x="1674812" y="3352800"/>
-            <a:ext cx="8839202" cy="381000"/>
-          </a:xfrm>
-        </p:spPr>
-        <p:txBody>
-          <a:bodyPr anchor="ctr"/>
-          <a:lstStyle>
-            <a:lvl1pPr marL="0" indent="0">
-              <a:buFontTx/>
-              <a:buNone/>
-              <a:defRPr/>
-            </a:lvl1pPr>
-            <a:lvl2pPr marL="457200" indent="0">
-              <a:buFontTx/>
-              <a:buNone/>
-              <a:defRPr/>
-            </a:lvl2pPr>
-            <a:lvl3pPr marL="914400" indent="0">
-              <a:buFontTx/>
-              <a:buNone/>
-              <a:defRPr/>
-            </a:lvl3pPr>
-            <a:lvl4pPr marL="1371600" indent="0">
-              <a:buFontTx/>
-              <a:buNone/>
-              <a:defRPr/>
-            </a:lvl4pPr>
-            <a:lvl5pPr marL="1828800" indent="0">
-              <a:buFontTx/>
-              <a:buNone/>
-              <a:defRPr/>
-            </a:lvl5pPr>
-          </a:lstStyle>
-          <a:p>
-            <a:pPr lvl="0"/>
-            <a:r>
-              <a:rPr lang="en-US"/>
-              <a:t>Click to edit Master text styles</a:t>
-            </a:r>
-          </a:p>
-        </p:txBody>
-      </p:sp>
-      <p:sp>
-        <p:nvSpPr>
-          <p:cNvPr id="3" name="Text Placeholder 2"/>
-          <p:cNvSpPr>
-            <a:spLocks noGrp="1"/>
-          </p:cNvSpPr>
-          <p:nvPr>
-            <p:ph type="body" idx="1"/>
-          </p:nvPr>
-        </p:nvSpPr>
-        <p:spPr>
-          <a:xfrm>
-            <a:off x="1141411" y="4343400"/>
-            <a:ext cx="9906000" cy="1447800"/>
-          </a:xfrm>
-        </p:spPr>
-        <p:txBody>
-          <a:bodyPr vert="horz" lIns="91440" tIns="45720" rIns="91440" bIns="45720" rtlCol="0" anchor="ctr">
-            <a:normAutofit/>
-          </a:bodyPr>
-          <a:lstStyle>
-            <a:lvl1pPr>
-              <a:buNone/>
-              <a:defRPr lang="en-US" sz="2000">
-                <a:gradFill flip="none" rotWithShape="1">
-                  <a:gsLst>
-                    <a:gs pos="0">
-                      <a:schemeClr val="tx1"/>
-                    </a:gs>
-                    <a:gs pos="100000">
-                      <a:schemeClr val="tx1">
-                        <a:lumMod val="75000"/>
-                      </a:schemeClr>
-                    </a:gs>
-                  </a:gsLst>
-                  <a:lin ang="5400000" scaled="0"/>
-                  <a:tileRect/>
-                </a:gradFill>
-              </a:defRPr>
-            </a:lvl1pPr>
-          </a:lstStyle>
-          <a:p>
-            <a:pPr marL="0" lvl="0" indent="0">
-              <a:buNone/>
-            </a:pPr>
-            <a:r>
-              <a:rPr lang="en-US"/>
-              <a:t>Click to edit Master text styles</a:t>
-            </a:r>
-          </a:p>
-        </p:txBody>
-      </p:sp>
-      <p:sp>
-        <p:nvSpPr>
-          <p:cNvPr id="4" name="Date Placeholder 3"/>
-          <p:cNvSpPr>
-            <a:spLocks noGrp="1"/>
-          </p:cNvSpPr>
-          <p:nvPr>
-            <p:ph type="dt" sz="half" idx="10"/>
-          </p:nvPr>
-        </p:nvSpPr>
-        <p:spPr/>
-        <p:txBody>
-          <a:bodyPr/>
-          <a:lstStyle/>
-          <a:p>
-            <a:fld id="{498091AC-18C7-4233-95AF-D63622717748}" type="datetimeFigureOut">
-              <a:rPr lang="en-US" smtClean="0"/>
-              <a:t>7/22/2025</a:t>
-            </a:fld>
-            <a:endParaRPr lang="en-US"/>
-          </a:p>
-        </p:txBody>
-      </p:sp>
-      <p:sp>
-        <p:nvSpPr>
-          <p:cNvPr id="5" name="Footer Placeholder 4"/>
-          <p:cNvSpPr>
-            <a:spLocks noGrp="1"/>
-          </p:cNvSpPr>
-          <p:nvPr>
-            <p:ph type="ftr" sz="quarter" idx="11"/>
-          </p:nvPr>
-        </p:nvSpPr>
-        <p:spPr/>
-        <p:txBody>
-          <a:bodyPr/>
-          <a:lstStyle/>
-          <a:p>
-            <a:endParaRPr lang="en-US"/>
-          </a:p>
-        </p:txBody>
-      </p:sp>
-      <p:sp>
-        <p:nvSpPr>
-          <p:cNvPr id="6" name="Slide Number Placeholder 5"/>
-          <p:cNvSpPr>
-            <a:spLocks noGrp="1"/>
-          </p:cNvSpPr>
-          <p:nvPr>
-            <p:ph type="sldNum" sz="quarter" idx="12"/>
-          </p:nvPr>
-        </p:nvSpPr>
-        <p:spPr/>
-        <p:txBody>
-          <a:bodyPr/>
-          <a:lstStyle/>
-          <a:p>
-            <a:fld id="{2ED05E14-59B9-4AB9-9978-68B9D26F8450}" type="slidenum">
-              <a:rPr lang="en-US" smtClean="0"/>
-              <a:t>‹#›</a:t>
-            </a:fld>
-            <a:endParaRPr lang="en-US"/>
           </a:p>
         </p:txBody>
       </p:sp>
     </p:spTree>
     <p:extLst>
       <p:ext uri="{BB962C8B-B14F-4D97-AF65-F5344CB8AC3E}">
-        <p14:creationId xmlns:p14="http://schemas.microsoft.com/office/powerpoint/2010/main" val="2081099602"/>
+        <p14:creationId xmlns:p14="http://schemas.microsoft.com/office/powerpoint/2010/main" val="3979070943"/>
       </p:ext>
     </p:extLst>
   </p:cSld>
@@ -1410,7 +1402,7 @@
 </file>
 
 <file path=ppt/slideLayouts/slideLayout13.xml><?xml version="1.0" encoding="utf-8"?>
-<p:sldLayout xmlns:a="http://schemas.openxmlformats.org/drawingml/2006/main" xmlns:r="http://schemas.openxmlformats.org/officeDocument/2006/relationships" xmlns:p="http://schemas.openxmlformats.org/presentationml/2006/main" preserve="1">
+<p:sldLayout xmlns:a="http://schemas.openxmlformats.org/drawingml/2006/main" xmlns:r="http://schemas.openxmlformats.org/officeDocument/2006/relationships" xmlns:p="http://schemas.openxmlformats.org/presentationml/2006/main" showMasterSp="0" preserve="1">
   <p:cSld name="Name Card">
     <p:spTree>
       <p:nvGrpSpPr>
@@ -1426,6 +1418,36 @@
           <a:chExt cx="0" cy="0"/>
         </a:xfrm>
       </p:grpSpPr>
+      <p:pic>
+        <p:nvPicPr>
+          <p:cNvPr id="9" name="Picture 8" descr="C0-HD-BTM.png"/>
+          <p:cNvPicPr>
+            <a:picLocks noChangeAspect="1"/>
+          </p:cNvPicPr>
+          <p:nvPr/>
+        </p:nvPicPr>
+        <p:blipFill>
+          <a:blip r:embed="rId2">
+            <a:extLst>
+              <a:ext uri="{28A0092B-C50C-407E-A947-70E740481C1C}">
+                <a14:useLocalDpi xmlns:a14="http://schemas.microsoft.com/office/drawing/2010/main" val="0"/>
+              </a:ext>
+            </a:extLst>
+          </a:blip>
+          <a:stretch>
+            <a:fillRect/>
+          </a:stretch>
+        </p:blipFill>
+        <p:spPr>
+          <a:xfrm>
+            <a:off x="0" y="4375150"/>
+            <a:ext cx="12192000" cy="2482850"/>
+          </a:xfrm>
+          <a:prstGeom prst="rect">
+            <a:avLst/>
+          </a:prstGeom>
+        </p:spPr>
+      </p:pic>
       <p:sp>
         <p:nvSpPr>
           <p:cNvPr id="2" name="Title 1"/>
@@ -1438,17 +1460,15 @@
         </p:nvSpPr>
         <p:spPr>
           <a:xfrm>
-            <a:off x="1141412" y="3308581"/>
-            <a:ext cx="9906000" cy="1468800"/>
-          </a:xfrm>
-        </p:spPr>
-        <p:txBody>
-          <a:bodyPr anchor="b">
-            <a:normAutofit/>
-          </a:bodyPr>
+            <a:off x="1024495" y="1124701"/>
+            <a:ext cx="10146186" cy="2511835"/>
+          </a:xfrm>
+        </p:spPr>
+        <p:txBody>
+          <a:bodyPr anchor="b"/>
           <a:lstStyle>
             <a:lvl1pPr algn="l">
-              <a:defRPr sz="3200" b="0" cap="all"/>
+              <a:defRPr sz="3200"/>
             </a:lvl1pPr>
           </a:lstStyle>
           <a:p>
@@ -1462,69 +1482,92 @@
       </p:sp>
       <p:sp>
         <p:nvSpPr>
-          <p:cNvPr id="3" name="Text Placeholder 2"/>
-          <p:cNvSpPr>
-            <a:spLocks noGrp="1"/>
-          </p:cNvSpPr>
-          <p:nvPr>
-            <p:ph type="body" idx="1"/>
-          </p:nvPr>
-        </p:nvSpPr>
-        <p:spPr>
-          <a:xfrm>
-            <a:off x="1141410" y="4777381"/>
-            <a:ext cx="9906001" cy="860400"/>
-          </a:xfrm>
-        </p:spPr>
-        <p:txBody>
-          <a:bodyPr vert="horz" lIns="91440" tIns="45720" rIns="91440" bIns="45720" rtlCol="0" anchor="t">
-            <a:normAutofit/>
-          </a:bodyPr>
+          <p:cNvPr id="4" name="Text Placeholder 3"/>
+          <p:cNvSpPr>
+            <a:spLocks noGrp="1"/>
+          </p:cNvSpPr>
+          <p:nvPr>
+            <p:ph type="body" sz="half" idx="2"/>
+          </p:nvPr>
+        </p:nvSpPr>
+        <p:spPr>
+          <a:xfrm>
+            <a:off x="1024467" y="3648315"/>
+            <a:ext cx="10144654" cy="999885"/>
+          </a:xfrm>
+        </p:spPr>
+        <p:txBody>
+          <a:bodyPr anchor="t"/>
           <a:lstStyle>
-            <a:lvl1pPr>
-              <a:defRPr lang="en-US" sz="2000">
-                <a:gradFill flip="none" rotWithShape="1">
-                  <a:gsLst>
-                    <a:gs pos="0">
-                      <a:schemeClr val="tx1"/>
-                    </a:gs>
-                    <a:gs pos="100000">
-                      <a:schemeClr val="tx1">
-                        <a:lumMod val="75000"/>
-                      </a:schemeClr>
-                    </a:gs>
-                  </a:gsLst>
-                  <a:lin ang="5400000" scaled="0"/>
-                  <a:tileRect/>
-                </a:gradFill>
-              </a:defRPr>
+            <a:lvl1pPr marL="0" indent="0">
+              <a:buNone/>
+              <a:defRPr sz="1600"/>
+            </a:lvl1pPr>
+            <a:lvl2pPr marL="457200" indent="0">
+              <a:buNone/>
+              <a:defRPr sz="1400"/>
+            </a:lvl2pPr>
+            <a:lvl3pPr marL="914400" indent="0">
+              <a:buNone/>
+              <a:defRPr sz="1200"/>
+            </a:lvl3pPr>
+            <a:lvl4pPr marL="1371600" indent="0">
+              <a:buNone/>
+              <a:defRPr sz="1000"/>
+            </a:lvl4pPr>
+            <a:lvl5pPr marL="1828800" indent="0">
+              <a:buNone/>
+              <a:defRPr sz="1000"/>
+            </a:lvl5pPr>
+            <a:lvl6pPr marL="2286000" indent="0">
+              <a:buNone/>
+              <a:defRPr sz="1000"/>
+            </a:lvl6pPr>
+            <a:lvl7pPr marL="2743200" indent="0">
+              <a:buNone/>
+              <a:defRPr sz="1000"/>
+            </a:lvl7pPr>
+            <a:lvl8pPr marL="3200400" indent="0">
+              <a:buNone/>
+              <a:defRPr sz="1000"/>
+            </a:lvl8pPr>
+            <a:lvl9pPr marL="3657600" indent="0">
+              <a:buNone/>
+              <a:defRPr sz="1000"/>
+            </a:lvl9pPr>
+          </a:lstStyle>
+          <a:p>
+            <a:pPr lvl="0"/>
+            <a:r>
+              <a:rPr lang="en-US"/>
+              <a:t>Click to edit Master text styles</a:t>
+            </a:r>
+          </a:p>
+        </p:txBody>
+      </p:sp>
+      <p:sp>
+        <p:nvSpPr>
+          <p:cNvPr id="5" name="Date Placeholder 4"/>
+          <p:cNvSpPr>
+            <a:spLocks noGrp="1"/>
+          </p:cNvSpPr>
+          <p:nvPr>
+            <p:ph type="dt" sz="half" idx="10"/>
+          </p:nvPr>
+        </p:nvSpPr>
+        <p:spPr>
+          <a:xfrm>
+            <a:off x="7814452" y="378883"/>
+            <a:ext cx="2910840" cy="365125"/>
+          </a:xfrm>
+        </p:spPr>
+        <p:txBody>
+          <a:bodyPr/>
+          <a:lstStyle>
+            <a:lvl1pPr algn="r">
+              <a:defRPr/>
             </a:lvl1pPr>
           </a:lstStyle>
-          <a:p>
-            <a:pPr marL="0" lvl="0" indent="0">
-              <a:buNone/>
-            </a:pPr>
-            <a:r>
-              <a:rPr lang="en-US"/>
-              <a:t>Click to edit Master text styles</a:t>
-            </a:r>
-          </a:p>
-        </p:txBody>
-      </p:sp>
-      <p:sp>
-        <p:nvSpPr>
-          <p:cNvPr id="4" name="Date Placeholder 3"/>
-          <p:cNvSpPr>
-            <a:spLocks noGrp="1"/>
-          </p:cNvSpPr>
-          <p:nvPr>
-            <p:ph type="dt" sz="half" idx="10"/>
-          </p:nvPr>
-        </p:nvSpPr>
-        <p:spPr/>
-        <p:txBody>
-          <a:bodyPr/>
-          <a:lstStyle/>
           <a:p>
             <a:fld id="{498091AC-18C7-4233-95AF-D63622717748}" type="datetimeFigureOut">
               <a:rPr lang="en-US" smtClean="0"/>
@@ -1536,7 +1579,7 @@
       </p:sp>
       <p:sp>
         <p:nvSpPr>
-          <p:cNvPr id="5" name="Footer Placeholder 4"/>
+          <p:cNvPr id="6" name="Footer Placeholder 5"/>
           <p:cNvSpPr>
             <a:spLocks noGrp="1"/>
           </p:cNvSpPr>
@@ -1544,7 +1587,12 @@
             <p:ph type="ftr" sz="quarter" idx="11"/>
           </p:nvPr>
         </p:nvSpPr>
-        <p:spPr/>
+        <p:spPr>
+          <a:xfrm>
+            <a:off x="685800" y="378883"/>
+            <a:ext cx="6991492" cy="365125"/>
+          </a:xfrm>
+        </p:spPr>
         <p:txBody>
           <a:bodyPr/>
           <a:lstStyle/>
@@ -1555,7 +1603,7 @@
       </p:sp>
       <p:sp>
         <p:nvSpPr>
-          <p:cNvPr id="6" name="Slide Number Placeholder 5"/>
+          <p:cNvPr id="7" name="Slide Number Placeholder 6"/>
           <p:cNvSpPr>
             <a:spLocks noGrp="1"/>
           </p:cNvSpPr>
@@ -1563,7 +1611,12 @@
             <p:ph type="sldNum" sz="quarter" idx="12"/>
           </p:nvPr>
         </p:nvSpPr>
-        <p:spPr/>
+        <p:spPr>
+          <a:xfrm>
+            <a:off x="10862452" y="381000"/>
+            <a:ext cx="643748" cy="365125"/>
+          </a:xfrm>
+        </p:spPr>
         <p:txBody>
           <a:bodyPr/>
           <a:lstStyle/>
@@ -1579,7 +1632,7 @@
     </p:spTree>
     <p:extLst>
       <p:ext uri="{BB962C8B-B14F-4D97-AF65-F5344CB8AC3E}">
-        <p14:creationId xmlns:p14="http://schemas.microsoft.com/office/powerpoint/2010/main" val="2149229905"/>
+        <p14:creationId xmlns:p14="http://schemas.microsoft.com/office/powerpoint/2010/main" val="3569563020"/>
       </p:ext>
     </p:extLst>
   </p:cSld>
@@ -1591,7 +1644,7 @@
 
 <file path=ppt/slideLayouts/slideLayout14.xml><?xml version="1.0" encoding="utf-8"?>
 <p:sldLayout xmlns:a="http://schemas.openxmlformats.org/drawingml/2006/main" xmlns:r="http://schemas.openxmlformats.org/officeDocument/2006/relationships" xmlns:p="http://schemas.openxmlformats.org/presentationml/2006/main" preserve="1">
-  <p:cSld name="Quote Name Card">
+  <p:cSld name="3 Column">
     <p:spTree>
       <p:nvGrpSpPr>
         <p:cNvPr id="1" name=""/>
@@ -1608,349 +1661,97 @@
       </p:grpSpPr>
       <p:sp>
         <p:nvSpPr>
-          <p:cNvPr id="14" name="TextBox 13"/>
-          <p:cNvSpPr txBox="1"/>
-          <p:nvPr/>
-        </p:nvSpPr>
-        <p:spPr>
-          <a:xfrm>
-            <a:off x="836612" y="786824"/>
-            <a:ext cx="609600" cy="584776"/>
-          </a:xfrm>
-          <a:prstGeom prst="rect">
-            <a:avLst/>
-          </a:prstGeom>
-        </p:spPr>
-        <p:txBody>
-          <a:bodyPr vert="horz" lIns="91440" tIns="45720" rIns="91440" bIns="45720" rtlCol="0" anchor="ctr">
+          <p:cNvPr id="15" name="Title 1"/>
+          <p:cNvSpPr>
+            <a:spLocks noGrp="1"/>
+          </p:cNvSpPr>
+          <p:nvPr>
+            <p:ph type="title"/>
+          </p:nvPr>
+        </p:nvSpPr>
+        <p:spPr>
+          <a:xfrm>
+            <a:off x="2895600" y="761999"/>
+            <a:ext cx="8610599" cy="1303867"/>
+          </a:xfrm>
+        </p:spPr>
+        <p:txBody>
+          <a:bodyPr/>
+          <a:lstStyle/>
+          <a:p>
+            <a:r>
+              <a:rPr lang="en-US"/>
+              <a:t>Click to edit Master title style</a:t>
+            </a:r>
+            <a:endParaRPr lang="en-US" dirty="0"/>
+          </a:p>
+        </p:txBody>
+      </p:sp>
+      <p:sp>
+        <p:nvSpPr>
+          <p:cNvPr id="7" name="Text Placeholder 2"/>
+          <p:cNvSpPr>
+            <a:spLocks noGrp="1"/>
+          </p:cNvSpPr>
+          <p:nvPr>
+            <p:ph type="body" idx="1"/>
+          </p:nvPr>
+        </p:nvSpPr>
+        <p:spPr>
+          <a:xfrm>
+            <a:off x="685800" y="2202080"/>
+            <a:ext cx="3456432" cy="617320"/>
+          </a:xfrm>
+        </p:spPr>
+        <p:txBody>
+          <a:bodyPr anchor="b">
             <a:noAutofit/>
           </a:bodyPr>
           <a:lstStyle>
-            <a:lvl1pPr>
-              <a:spcBef>
-                <a:spcPct val="0"/>
-              </a:spcBef>
-              <a:buNone/>
-              <a:defRPr sz="3200" b="0" cap="all">
-                <a:ln w="3175" cmpd="sng">
-                  <a:noFill/>
-                </a:ln>
-                <a:effectLst>
-                  <a:glow rad="38100">
-                    <a:schemeClr val="bg1">
-                      <a:lumMod val="65000"/>
-                      <a:lumOff val="35000"/>
-                      <a:alpha val="40000"/>
-                    </a:schemeClr>
-                  </a:glow>
-                  <a:outerShdw blurRad="28575" dist="38100" dir="14040000" algn="tl" rotWithShape="0">
-                    <a:srgbClr val="000000">
-                      <a:alpha val="25000"/>
-                    </a:srgbClr>
-                  </a:outerShdw>
-                </a:effectLst>
+            <a:lvl1pPr marL="0" indent="0">
+              <a:buNone/>
+              <a:defRPr sz="2400" b="0">
+                <a:solidFill>
+                  <a:schemeClr val="tx1"/>
+                </a:solidFill>
               </a:defRPr>
             </a:lvl1pPr>
-            <a:lvl2pPr>
-              <a:defRPr>
-                <a:solidFill>
-                  <a:schemeClr val="tx2"/>
-                </a:solidFill>
-              </a:defRPr>
+            <a:lvl2pPr marL="457200" indent="0">
+              <a:buNone/>
+              <a:defRPr sz="2000" b="1"/>
             </a:lvl2pPr>
-            <a:lvl3pPr>
-              <a:defRPr>
-                <a:solidFill>
-                  <a:schemeClr val="tx2"/>
-                </a:solidFill>
-              </a:defRPr>
+            <a:lvl3pPr marL="914400" indent="0">
+              <a:buNone/>
+              <a:defRPr sz="1800" b="1"/>
             </a:lvl3pPr>
-            <a:lvl4pPr>
-              <a:defRPr>
-                <a:solidFill>
-                  <a:schemeClr val="tx2"/>
-                </a:solidFill>
-              </a:defRPr>
+            <a:lvl4pPr marL="1371600" indent="0">
+              <a:buNone/>
+              <a:defRPr sz="1600" b="1"/>
             </a:lvl4pPr>
-            <a:lvl5pPr>
-              <a:defRPr>
-                <a:solidFill>
-                  <a:schemeClr val="tx2"/>
-                </a:solidFill>
-              </a:defRPr>
+            <a:lvl5pPr marL="1828800" indent="0">
+              <a:buNone/>
+              <a:defRPr sz="1600" b="1"/>
             </a:lvl5pPr>
-            <a:lvl6pPr>
-              <a:defRPr>
-                <a:solidFill>
-                  <a:schemeClr val="tx2"/>
-                </a:solidFill>
-              </a:defRPr>
+            <a:lvl6pPr marL="2286000" indent="0">
+              <a:buNone/>
+              <a:defRPr sz="1600" b="1"/>
             </a:lvl6pPr>
-            <a:lvl7pPr>
-              <a:defRPr>
-                <a:solidFill>
-                  <a:schemeClr val="tx2"/>
-                </a:solidFill>
-              </a:defRPr>
+            <a:lvl7pPr marL="2743200" indent="0">
+              <a:buNone/>
+              <a:defRPr sz="1600" b="1"/>
             </a:lvl7pPr>
-            <a:lvl8pPr>
-              <a:defRPr>
-                <a:solidFill>
-                  <a:schemeClr val="tx2"/>
-                </a:solidFill>
-              </a:defRPr>
+            <a:lvl8pPr marL="3200400" indent="0">
+              <a:buNone/>
+              <a:defRPr sz="1600" b="1"/>
             </a:lvl8pPr>
-            <a:lvl9pPr>
-              <a:defRPr>
-                <a:solidFill>
-                  <a:schemeClr val="tx2"/>
-                </a:solidFill>
-              </a:defRPr>
+            <a:lvl9pPr marL="3657600" indent="0">
+              <a:buNone/>
+              <a:defRPr sz="1600" b="1"/>
             </a:lvl9pPr>
           </a:lstStyle>
           <a:p>
             <a:pPr lvl="0"/>
             <a:r>
-              <a:rPr lang="en-US" sz="8000" dirty="0">
-                <a:solidFill>
-                  <a:schemeClr val="accent1"/>
-                </a:solidFill>
-              </a:rPr>
-              <a:t>“</a:t>
-            </a:r>
-          </a:p>
-        </p:txBody>
-      </p:sp>
-      <p:sp>
-        <p:nvSpPr>
-          <p:cNvPr id="15" name="TextBox 14"/>
-          <p:cNvSpPr txBox="1"/>
-          <p:nvPr/>
-        </p:nvSpPr>
-        <p:spPr>
-          <a:xfrm>
-            <a:off x="10437812" y="2743200"/>
-            <a:ext cx="609600" cy="584776"/>
-          </a:xfrm>
-          <a:prstGeom prst="rect">
-            <a:avLst/>
-          </a:prstGeom>
-        </p:spPr>
-        <p:txBody>
-          <a:bodyPr vert="horz" lIns="91440" tIns="45720" rIns="91440" bIns="45720" rtlCol="0" anchor="ctr">
-            <a:noAutofit/>
-          </a:bodyPr>
-          <a:lstStyle>
-            <a:lvl1pPr>
-              <a:spcBef>
-                <a:spcPct val="0"/>
-              </a:spcBef>
-              <a:buNone/>
-              <a:defRPr sz="3200" b="0" cap="all">
-                <a:ln w="3175" cmpd="sng">
-                  <a:noFill/>
-                </a:ln>
-                <a:effectLst>
-                  <a:glow rad="38100">
-                    <a:schemeClr val="bg1">
-                      <a:lumMod val="65000"/>
-                      <a:lumOff val="35000"/>
-                      <a:alpha val="40000"/>
-                    </a:schemeClr>
-                  </a:glow>
-                  <a:outerShdw blurRad="28575" dist="38100" dir="14040000" algn="tl" rotWithShape="0">
-                    <a:srgbClr val="000000">
-                      <a:alpha val="25000"/>
-                    </a:srgbClr>
-                  </a:outerShdw>
-                </a:effectLst>
-              </a:defRPr>
-            </a:lvl1pPr>
-            <a:lvl2pPr>
-              <a:defRPr>
-                <a:solidFill>
-                  <a:schemeClr val="tx2"/>
-                </a:solidFill>
-              </a:defRPr>
-            </a:lvl2pPr>
-            <a:lvl3pPr>
-              <a:defRPr>
-                <a:solidFill>
-                  <a:schemeClr val="tx2"/>
-                </a:solidFill>
-              </a:defRPr>
-            </a:lvl3pPr>
-            <a:lvl4pPr>
-              <a:defRPr>
-                <a:solidFill>
-                  <a:schemeClr val="tx2"/>
-                </a:solidFill>
-              </a:defRPr>
-            </a:lvl4pPr>
-            <a:lvl5pPr>
-              <a:defRPr>
-                <a:solidFill>
-                  <a:schemeClr val="tx2"/>
-                </a:solidFill>
-              </a:defRPr>
-            </a:lvl5pPr>
-            <a:lvl6pPr>
-              <a:defRPr>
-                <a:solidFill>
-                  <a:schemeClr val="tx2"/>
-                </a:solidFill>
-              </a:defRPr>
-            </a:lvl6pPr>
-            <a:lvl7pPr>
-              <a:defRPr>
-                <a:solidFill>
-                  <a:schemeClr val="tx2"/>
-                </a:solidFill>
-              </a:defRPr>
-            </a:lvl7pPr>
-            <a:lvl8pPr>
-              <a:defRPr>
-                <a:solidFill>
-                  <a:schemeClr val="tx2"/>
-                </a:solidFill>
-              </a:defRPr>
-            </a:lvl8pPr>
-            <a:lvl9pPr>
-              <a:defRPr>
-                <a:solidFill>
-                  <a:schemeClr val="tx2"/>
-                </a:solidFill>
-              </a:defRPr>
-            </a:lvl9pPr>
-          </a:lstStyle>
-          <a:p>
-            <a:pPr lvl="0" algn="r"/>
-            <a:r>
-              <a:rPr lang="en-US" sz="8000" dirty="0">
-                <a:solidFill>
-                  <a:schemeClr val="accent1"/>
-                </a:solidFill>
-              </a:rPr>
-              <a:t>”</a:t>
-            </a:r>
-          </a:p>
-        </p:txBody>
-      </p:sp>
-      <p:sp>
-        <p:nvSpPr>
-          <p:cNvPr id="2" name="Title 1"/>
-          <p:cNvSpPr>
-            <a:spLocks noGrp="1"/>
-          </p:cNvSpPr>
-          <p:nvPr>
-            <p:ph type="title"/>
-          </p:nvPr>
-        </p:nvSpPr>
-        <p:spPr>
-          <a:xfrm>
-            <a:off x="1446213" y="609601"/>
-            <a:ext cx="9296398" cy="2743199"/>
-          </a:xfrm>
-        </p:spPr>
-        <p:txBody>
-          <a:bodyPr anchor="ctr">
-            <a:normAutofit/>
-          </a:bodyPr>
-          <a:lstStyle>
-            <a:lvl1pPr algn="l">
-              <a:defRPr sz="3200" b="0" cap="all">
-                <a:gradFill flip="none" rotWithShape="1">
-                  <a:gsLst>
-                    <a:gs pos="0">
-                      <a:schemeClr val="tx1"/>
-                    </a:gs>
-                    <a:gs pos="100000">
-                      <a:schemeClr val="tx1">
-                        <a:lumMod val="75000"/>
-                      </a:schemeClr>
-                    </a:gs>
-                  </a:gsLst>
-                  <a:lin ang="5400000" scaled="0"/>
-                  <a:tileRect/>
-                </a:gradFill>
-              </a:defRPr>
-            </a:lvl1pPr>
-          </a:lstStyle>
-          <a:p>
-            <a:r>
-              <a:rPr lang="en-US"/>
-              <a:t>Click to edit Master title style</a:t>
-            </a:r>
-            <a:endParaRPr lang="en-US" dirty="0"/>
-          </a:p>
-        </p:txBody>
-      </p:sp>
-      <p:sp>
-        <p:nvSpPr>
-          <p:cNvPr id="10" name="Text Placeholder 9"/>
-          <p:cNvSpPr>
-            <a:spLocks noGrp="1"/>
-          </p:cNvSpPr>
-          <p:nvPr>
-            <p:ph type="body" sz="quarter" idx="13"/>
-          </p:nvPr>
-        </p:nvSpPr>
-        <p:spPr>
-          <a:xfrm>
-            <a:off x="1141412" y="3886200"/>
-            <a:ext cx="9906000" cy="889000"/>
-          </a:xfrm>
-        </p:spPr>
-        <p:txBody>
-          <a:bodyPr vert="horz" lIns="91440" tIns="45720" rIns="91440" bIns="45720" rtlCol="0" anchor="b">
-            <a:normAutofit/>
-          </a:bodyPr>
-          <a:lstStyle>
-            <a:lvl1pPr>
-              <a:buNone/>
-              <a:defRPr lang="en-US" sz="2400" b="0" cap="all" dirty="0">
-                <a:ln w="3175" cmpd="sng">
-                  <a:noFill/>
-                </a:ln>
-                <a:gradFill flip="none" rotWithShape="1">
-                  <a:gsLst>
-                    <a:gs pos="0">
-                      <a:schemeClr val="tx1"/>
-                    </a:gs>
-                    <a:gs pos="100000">
-                      <a:schemeClr val="tx1">
-                        <a:lumMod val="75000"/>
-                      </a:schemeClr>
-                    </a:gs>
-                  </a:gsLst>
-                  <a:lin ang="5400000" scaled="0"/>
-                  <a:tileRect/>
-                </a:gradFill>
-                <a:effectLst>
-                  <a:glow rad="38100">
-                    <a:schemeClr val="bg1">
-                      <a:lumMod val="65000"/>
-                      <a:lumOff val="35000"/>
-                      <a:alpha val="40000"/>
-                    </a:schemeClr>
-                  </a:glow>
-                  <a:outerShdw blurRad="28575" dist="38100" dir="14040000" algn="tl" rotWithShape="0">
-                    <a:srgbClr val="000000">
-                      <a:alpha val="25000"/>
-                    </a:srgbClr>
-                  </a:outerShdw>
-                </a:effectLst>
-              </a:defRPr>
-            </a:lvl1pPr>
-          </a:lstStyle>
-          <a:p>
-            <a:pPr marL="0" lvl="0">
-              <a:spcBef>
-                <a:spcPct val="0"/>
-              </a:spcBef>
-              <a:buNone/>
-            </a:pPr>
-            <a:r>
               <a:rPr lang="en-US"/>
               <a:t>Click to edit Master text styles</a:t>
             </a:r>
@@ -1959,18 +1760,18 @@
       </p:sp>
       <p:sp>
         <p:nvSpPr>
-          <p:cNvPr id="3" name="Text Placeholder 2"/>
-          <p:cNvSpPr>
-            <a:spLocks noGrp="1"/>
-          </p:cNvSpPr>
-          <p:nvPr>
-            <p:ph type="body" idx="1"/>
-          </p:nvPr>
-        </p:nvSpPr>
-        <p:spPr>
-          <a:xfrm>
-            <a:off x="1141411" y="4775200"/>
-            <a:ext cx="9906000" cy="1016000"/>
+          <p:cNvPr id="8" name="Text Placeholder 3"/>
+          <p:cNvSpPr>
+            <a:spLocks noGrp="1"/>
+          </p:cNvSpPr>
+          <p:nvPr>
+            <p:ph type="body" sz="half" idx="15"/>
+          </p:nvPr>
+        </p:nvSpPr>
+        <p:spPr>
+          <a:xfrm>
+            <a:off x="685799" y="2904565"/>
+            <a:ext cx="3456432" cy="3314132"/>
           </a:xfrm>
         </p:spPr>
         <p:txBody>
@@ -1978,104 +1779,250 @@
             <a:normAutofit/>
           </a:bodyPr>
           <a:lstStyle>
-            <a:lvl1pPr marL="0" indent="0" algn="l">
-              <a:buNone/>
-              <a:defRPr sz="1800">
-                <a:gradFill flip="none" rotWithShape="1">
-                  <a:gsLst>
-                    <a:gs pos="0">
-                      <a:schemeClr val="tx1"/>
-                    </a:gs>
-                    <a:gs pos="100000">
-                      <a:schemeClr val="tx1">
-                        <a:lumMod val="75000"/>
-                      </a:schemeClr>
-                    </a:gs>
-                  </a:gsLst>
-                  <a:lin ang="5400000" scaled="0"/>
-                  <a:tileRect/>
-                </a:gradFill>
+            <a:lvl1pPr marL="0" indent="0">
+              <a:buNone/>
+              <a:defRPr sz="1400"/>
+            </a:lvl1pPr>
+            <a:lvl2pPr marL="457200" indent="0">
+              <a:buNone/>
+              <a:defRPr sz="1200"/>
+            </a:lvl2pPr>
+            <a:lvl3pPr marL="914400" indent="0">
+              <a:buNone/>
+              <a:defRPr sz="1000"/>
+            </a:lvl3pPr>
+            <a:lvl4pPr marL="1371600" indent="0">
+              <a:buNone/>
+              <a:defRPr sz="900"/>
+            </a:lvl4pPr>
+            <a:lvl5pPr marL="1828800" indent="0">
+              <a:buNone/>
+              <a:defRPr sz="900"/>
+            </a:lvl5pPr>
+            <a:lvl6pPr marL="2286000" indent="0">
+              <a:buNone/>
+              <a:defRPr sz="900"/>
+            </a:lvl6pPr>
+            <a:lvl7pPr marL="2743200" indent="0">
+              <a:buNone/>
+              <a:defRPr sz="900"/>
+            </a:lvl7pPr>
+            <a:lvl8pPr marL="3200400" indent="0">
+              <a:buNone/>
+              <a:defRPr sz="900"/>
+            </a:lvl8pPr>
+            <a:lvl9pPr marL="3657600" indent="0">
+              <a:buNone/>
+              <a:defRPr sz="900"/>
+            </a:lvl9pPr>
+          </a:lstStyle>
+          <a:p>
+            <a:pPr lvl="0"/>
+            <a:r>
+              <a:rPr lang="en-US"/>
+              <a:t>Click to edit Master text styles</a:t>
+            </a:r>
+          </a:p>
+        </p:txBody>
+      </p:sp>
+      <p:sp>
+        <p:nvSpPr>
+          <p:cNvPr id="9" name="Text Placeholder 4"/>
+          <p:cNvSpPr>
+            <a:spLocks noGrp="1"/>
+          </p:cNvSpPr>
+          <p:nvPr>
+            <p:ph type="body" sz="quarter" idx="3"/>
+          </p:nvPr>
+        </p:nvSpPr>
+        <p:spPr>
+          <a:xfrm>
+            <a:off x="4368800" y="2201333"/>
+            <a:ext cx="3456432" cy="626534"/>
+          </a:xfrm>
+        </p:spPr>
+        <p:txBody>
+          <a:bodyPr anchor="b">
+            <a:noAutofit/>
+          </a:bodyPr>
+          <a:lstStyle>
+            <a:lvl1pPr marL="0" indent="0">
+              <a:buNone/>
+              <a:defRPr sz="2400" b="0">
+                <a:solidFill>
+                  <a:schemeClr val="tx1"/>
+                </a:solidFill>
               </a:defRPr>
             </a:lvl1pPr>
             <a:lvl2pPr marL="457200" indent="0">
               <a:buNone/>
-              <a:defRPr sz="1800">
+              <a:defRPr sz="2000" b="1"/>
+            </a:lvl2pPr>
+            <a:lvl3pPr marL="914400" indent="0">
+              <a:buNone/>
+              <a:defRPr sz="1800" b="1"/>
+            </a:lvl3pPr>
+            <a:lvl4pPr marL="1371600" indent="0">
+              <a:buNone/>
+              <a:defRPr sz="1600" b="1"/>
+            </a:lvl4pPr>
+            <a:lvl5pPr marL="1828800" indent="0">
+              <a:buNone/>
+              <a:defRPr sz="1600" b="1"/>
+            </a:lvl5pPr>
+            <a:lvl6pPr marL="2286000" indent="0">
+              <a:buNone/>
+              <a:defRPr sz="1600" b="1"/>
+            </a:lvl6pPr>
+            <a:lvl7pPr marL="2743200" indent="0">
+              <a:buNone/>
+              <a:defRPr sz="1600" b="1"/>
+            </a:lvl7pPr>
+            <a:lvl8pPr marL="3200400" indent="0">
+              <a:buNone/>
+              <a:defRPr sz="1600" b="1"/>
+            </a:lvl8pPr>
+            <a:lvl9pPr marL="3657600" indent="0">
+              <a:buNone/>
+              <a:defRPr sz="1600" b="1"/>
+            </a:lvl9pPr>
+          </a:lstStyle>
+          <a:p>
+            <a:pPr lvl="0"/>
+            <a:r>
+              <a:rPr lang="en-US"/>
+              <a:t>Click to edit Master text styles</a:t>
+            </a:r>
+          </a:p>
+        </p:txBody>
+      </p:sp>
+      <p:sp>
+        <p:nvSpPr>
+          <p:cNvPr id="10" name="Text Placeholder 3"/>
+          <p:cNvSpPr>
+            <a:spLocks noGrp="1"/>
+          </p:cNvSpPr>
+          <p:nvPr>
+            <p:ph type="body" sz="half" idx="16"/>
+          </p:nvPr>
+        </p:nvSpPr>
+        <p:spPr>
+          <a:xfrm>
+            <a:off x="4366858" y="2904067"/>
+            <a:ext cx="3456432" cy="3314618"/>
+          </a:xfrm>
+        </p:spPr>
+        <p:txBody>
+          <a:bodyPr anchor="t">
+            <a:normAutofit/>
+          </a:bodyPr>
+          <a:lstStyle>
+            <a:lvl1pPr marL="0" indent="0">
+              <a:buNone/>
+              <a:defRPr sz="1400"/>
+            </a:lvl1pPr>
+            <a:lvl2pPr marL="457200" indent="0">
+              <a:buNone/>
+              <a:defRPr sz="1200"/>
+            </a:lvl2pPr>
+            <a:lvl3pPr marL="914400" indent="0">
+              <a:buNone/>
+              <a:defRPr sz="1000"/>
+            </a:lvl3pPr>
+            <a:lvl4pPr marL="1371600" indent="0">
+              <a:buNone/>
+              <a:defRPr sz="900"/>
+            </a:lvl4pPr>
+            <a:lvl5pPr marL="1828800" indent="0">
+              <a:buNone/>
+              <a:defRPr sz="900"/>
+            </a:lvl5pPr>
+            <a:lvl6pPr marL="2286000" indent="0">
+              <a:buNone/>
+              <a:defRPr sz="900"/>
+            </a:lvl6pPr>
+            <a:lvl7pPr marL="2743200" indent="0">
+              <a:buNone/>
+              <a:defRPr sz="900"/>
+            </a:lvl7pPr>
+            <a:lvl8pPr marL="3200400" indent="0">
+              <a:buNone/>
+              <a:defRPr sz="900"/>
+            </a:lvl8pPr>
+            <a:lvl9pPr marL="3657600" indent="0">
+              <a:buNone/>
+              <a:defRPr sz="900"/>
+            </a:lvl9pPr>
+          </a:lstStyle>
+          <a:p>
+            <a:pPr lvl="0"/>
+            <a:r>
+              <a:rPr lang="en-US"/>
+              <a:t>Click to edit Master text styles</a:t>
+            </a:r>
+          </a:p>
+        </p:txBody>
+      </p:sp>
+      <p:sp>
+        <p:nvSpPr>
+          <p:cNvPr id="11" name="Text Placeholder 4"/>
+          <p:cNvSpPr>
+            <a:spLocks noGrp="1"/>
+          </p:cNvSpPr>
+          <p:nvPr>
+            <p:ph type="body" sz="quarter" idx="13"/>
+          </p:nvPr>
+        </p:nvSpPr>
+        <p:spPr>
+          <a:xfrm>
+            <a:off x="8051800" y="2192866"/>
+            <a:ext cx="3456432" cy="626534"/>
+          </a:xfrm>
+        </p:spPr>
+        <p:txBody>
+          <a:bodyPr anchor="b">
+            <a:noAutofit/>
+          </a:bodyPr>
+          <a:lstStyle>
+            <a:lvl1pPr marL="0" indent="0">
+              <a:buNone/>
+              <a:defRPr sz="2400" b="0">
                 <a:solidFill>
-                  <a:schemeClr val="tx1">
-                    <a:tint val="75000"/>
-                  </a:schemeClr>
+                  <a:schemeClr val="tx1"/>
                 </a:solidFill>
               </a:defRPr>
+            </a:lvl1pPr>
+            <a:lvl2pPr marL="457200" indent="0">
+              <a:buNone/>
+              <a:defRPr sz="2000" b="1"/>
             </a:lvl2pPr>
             <a:lvl3pPr marL="914400" indent="0">
               <a:buNone/>
-              <a:defRPr sz="1600">
-                <a:solidFill>
-                  <a:schemeClr val="tx1">
-                    <a:tint val="75000"/>
-                  </a:schemeClr>
-                </a:solidFill>
-              </a:defRPr>
+              <a:defRPr sz="1800" b="1"/>
             </a:lvl3pPr>
             <a:lvl4pPr marL="1371600" indent="0">
               <a:buNone/>
-              <a:defRPr sz="1400">
-                <a:solidFill>
-                  <a:schemeClr val="tx1">
-                    <a:tint val="75000"/>
-                  </a:schemeClr>
-                </a:solidFill>
-              </a:defRPr>
+              <a:defRPr sz="1600" b="1"/>
             </a:lvl4pPr>
             <a:lvl5pPr marL="1828800" indent="0">
               <a:buNone/>
-              <a:defRPr sz="1400">
-                <a:solidFill>
-                  <a:schemeClr val="tx1">
-                    <a:tint val="75000"/>
-                  </a:schemeClr>
-                </a:solidFill>
-              </a:defRPr>
+              <a:defRPr sz="1600" b="1"/>
             </a:lvl5pPr>
             <a:lvl6pPr marL="2286000" indent="0">
               <a:buNone/>
-              <a:defRPr sz="1400">
-                <a:solidFill>
-                  <a:schemeClr val="tx1">
-                    <a:tint val="75000"/>
-                  </a:schemeClr>
-                </a:solidFill>
-              </a:defRPr>
+              <a:defRPr sz="1600" b="1"/>
             </a:lvl6pPr>
             <a:lvl7pPr marL="2743200" indent="0">
               <a:buNone/>
-              <a:defRPr sz="1400">
-                <a:solidFill>
-                  <a:schemeClr val="tx1">
-                    <a:tint val="75000"/>
-                  </a:schemeClr>
-                </a:solidFill>
-              </a:defRPr>
+              <a:defRPr sz="1600" b="1"/>
             </a:lvl7pPr>
             <a:lvl8pPr marL="3200400" indent="0">
               <a:buNone/>
-              <a:defRPr sz="1400">
-                <a:solidFill>
-                  <a:schemeClr val="tx1">
-                    <a:tint val="75000"/>
-                  </a:schemeClr>
-                </a:solidFill>
-              </a:defRPr>
+              <a:defRPr sz="1600" b="1"/>
             </a:lvl8pPr>
             <a:lvl9pPr marL="3657600" indent="0">
               <a:buNone/>
-              <a:defRPr sz="1400">
-                <a:solidFill>
-                  <a:schemeClr val="tx1">
-                    <a:tint val="75000"/>
-                  </a:schemeClr>
-                </a:solidFill>
-              </a:defRPr>
+              <a:defRPr sz="1600" b="1"/>
             </a:lvl9pPr>
           </a:lstStyle>
           <a:p>
@@ -2089,7 +2036,74 @@
       </p:sp>
       <p:sp>
         <p:nvSpPr>
-          <p:cNvPr id="4" name="Date Placeholder 3"/>
+          <p:cNvPr id="12" name="Text Placeholder 3"/>
+          <p:cNvSpPr>
+            <a:spLocks noGrp="1"/>
+          </p:cNvSpPr>
+          <p:nvPr>
+            <p:ph type="body" sz="half" idx="17"/>
+          </p:nvPr>
+        </p:nvSpPr>
+        <p:spPr>
+          <a:xfrm>
+            <a:off x="8051801" y="2904565"/>
+            <a:ext cx="3456432" cy="3314132"/>
+          </a:xfrm>
+        </p:spPr>
+        <p:txBody>
+          <a:bodyPr anchor="t">
+            <a:normAutofit/>
+          </a:bodyPr>
+          <a:lstStyle>
+            <a:lvl1pPr marL="0" indent="0">
+              <a:buNone/>
+              <a:defRPr sz="1400"/>
+            </a:lvl1pPr>
+            <a:lvl2pPr marL="457200" indent="0">
+              <a:buNone/>
+              <a:defRPr sz="1200"/>
+            </a:lvl2pPr>
+            <a:lvl3pPr marL="914400" indent="0">
+              <a:buNone/>
+              <a:defRPr sz="1000"/>
+            </a:lvl3pPr>
+            <a:lvl4pPr marL="1371600" indent="0">
+              <a:buNone/>
+              <a:defRPr sz="900"/>
+            </a:lvl4pPr>
+            <a:lvl5pPr marL="1828800" indent="0">
+              <a:buNone/>
+              <a:defRPr sz="900"/>
+            </a:lvl5pPr>
+            <a:lvl6pPr marL="2286000" indent="0">
+              <a:buNone/>
+              <a:defRPr sz="900"/>
+            </a:lvl6pPr>
+            <a:lvl7pPr marL="2743200" indent="0">
+              <a:buNone/>
+              <a:defRPr sz="900"/>
+            </a:lvl7pPr>
+            <a:lvl8pPr marL="3200400" indent="0">
+              <a:buNone/>
+              <a:defRPr sz="900"/>
+            </a:lvl8pPr>
+            <a:lvl9pPr marL="3657600" indent="0">
+              <a:buNone/>
+              <a:defRPr sz="900"/>
+            </a:lvl9pPr>
+          </a:lstStyle>
+          <a:p>
+            <a:pPr lvl="0"/>
+            <a:r>
+              <a:rPr lang="en-US"/>
+              <a:t>Click to edit Master text styles</a:t>
+            </a:r>
+          </a:p>
+        </p:txBody>
+      </p:sp>
+      <p:sp>
+        <p:nvSpPr>
+          <p:cNvPr id="3" name="Date Placeholder 2"/>
           <p:cNvSpPr>
             <a:spLocks noGrp="1"/>
           </p:cNvSpPr>
@@ -2112,7 +2126,7 @@
       </p:sp>
       <p:sp>
         <p:nvSpPr>
-          <p:cNvPr id="5" name="Footer Placeholder 4"/>
+          <p:cNvPr id="4" name="Footer Placeholder 3"/>
           <p:cNvSpPr>
             <a:spLocks noGrp="1"/>
           </p:cNvSpPr>
@@ -2131,7 +2145,7 @@
       </p:sp>
       <p:sp>
         <p:nvSpPr>
-          <p:cNvPr id="6" name="Slide Number Placeholder 5"/>
+          <p:cNvPr id="5" name="Slide Number Placeholder 4"/>
           <p:cNvSpPr>
             <a:spLocks noGrp="1"/>
           </p:cNvSpPr>
@@ -2155,7 +2169,7 @@
     </p:spTree>
     <p:extLst>
       <p:ext uri="{BB962C8B-B14F-4D97-AF65-F5344CB8AC3E}">
-        <p14:creationId xmlns:p14="http://schemas.microsoft.com/office/powerpoint/2010/main" val="942809779"/>
+        <p14:creationId xmlns:p14="http://schemas.microsoft.com/office/powerpoint/2010/main" val="1950908032"/>
       </p:ext>
     </p:extLst>
   </p:cSld>
@@ -2167,7 +2181,7 @@
 
 <file path=ppt/slideLayouts/slideLayout15.xml><?xml version="1.0" encoding="utf-8"?>
 <p:sldLayout xmlns:a="http://schemas.openxmlformats.org/drawingml/2006/main" xmlns:r="http://schemas.openxmlformats.org/officeDocument/2006/relationships" xmlns:p="http://schemas.openxmlformats.org/presentationml/2006/main" preserve="1">
-  <p:cSld name="True or False">
+  <p:cSld name="3 Picture Column">
     <p:spTree>
       <p:nvGrpSpPr>
         <p:cNvPr id="1" name=""/>
@@ -2184,7 +2198,7 @@
       </p:grpSpPr>
       <p:sp>
         <p:nvSpPr>
-          <p:cNvPr id="2" name="Title 1"/>
+          <p:cNvPr id="30" name="Title 1"/>
           <p:cNvSpPr>
             <a:spLocks noGrp="1"/>
           </p:cNvSpPr>
@@ -2194,94 +2208,86 @@
         </p:nvSpPr>
         <p:spPr>
           <a:xfrm>
-            <a:off x="1141412" y="609601"/>
-            <a:ext cx="9905999" cy="2743199"/>
-          </a:xfrm>
-        </p:spPr>
-        <p:txBody>
-          <a:bodyPr vert="horz" lIns="91440" tIns="45720" rIns="91440" bIns="45720" rtlCol="0" anchor="ctr">
-            <a:normAutofit/>
+            <a:off x="2895600" y="762000"/>
+            <a:ext cx="8610599" cy="1295400"/>
+          </a:xfrm>
+        </p:spPr>
+        <p:txBody>
+          <a:bodyPr/>
+          <a:lstStyle/>
+          <a:p>
+            <a:r>
+              <a:rPr lang="en-US"/>
+              <a:t>Click to edit Master title style</a:t>
+            </a:r>
+            <a:endParaRPr lang="en-US" dirty="0"/>
+          </a:p>
+        </p:txBody>
+      </p:sp>
+      <p:sp>
+        <p:nvSpPr>
+          <p:cNvPr id="19" name="Text Placeholder 2"/>
+          <p:cNvSpPr>
+            <a:spLocks noGrp="1"/>
+          </p:cNvSpPr>
+          <p:nvPr>
+            <p:ph type="body" idx="1"/>
+          </p:nvPr>
+        </p:nvSpPr>
+        <p:spPr>
+          <a:xfrm>
+            <a:off x="688618" y="4191000"/>
+            <a:ext cx="3451582" cy="682765"/>
+          </a:xfrm>
+        </p:spPr>
+        <p:txBody>
+          <a:bodyPr anchor="b">
+            <a:noAutofit/>
           </a:bodyPr>
           <a:lstStyle>
-            <a:lvl1pPr>
-              <a:defRPr lang="en-US" b="0" dirty="0"/>
-            </a:lvl1pPr>
-          </a:lstStyle>
-          <a:p>
-            <a:pPr marL="0" lvl="0"/>
-            <a:r>
-              <a:rPr lang="en-US"/>
-              <a:t>Click to edit Master title style</a:t>
-            </a:r>
-            <a:endParaRPr lang="en-US" dirty="0"/>
-          </a:p>
-        </p:txBody>
-      </p:sp>
-      <p:sp>
-        <p:nvSpPr>
-          <p:cNvPr id="10" name="Text Placeholder 9"/>
-          <p:cNvSpPr>
-            <a:spLocks noGrp="1"/>
-          </p:cNvSpPr>
-          <p:nvPr>
-            <p:ph type="body" sz="quarter" idx="13"/>
-          </p:nvPr>
-        </p:nvSpPr>
-        <p:spPr>
-          <a:xfrm>
-            <a:off x="1141412" y="3505200"/>
-            <a:ext cx="9906000" cy="838200"/>
-          </a:xfrm>
-        </p:spPr>
-        <p:txBody>
-          <a:bodyPr vert="horz" lIns="91440" tIns="45720" rIns="91440" bIns="45720" rtlCol="0" anchor="b">
-            <a:normAutofit/>
-          </a:bodyPr>
-          <a:lstStyle>
-            <a:lvl1pPr>
-              <a:buNone/>
-              <a:defRPr lang="en-US" sz="2800" b="0" cap="all" dirty="0">
-                <a:ln w="3175" cmpd="sng">
-                  <a:noFill/>
-                </a:ln>
-                <a:gradFill flip="none" rotWithShape="1">
-                  <a:gsLst>
-                    <a:gs pos="0">
-                      <a:schemeClr val="tx1"/>
-                    </a:gs>
-                    <a:gs pos="100000">
-                      <a:schemeClr val="tx1">
-                        <a:lumMod val="75000"/>
-                      </a:schemeClr>
-                    </a:gs>
-                  </a:gsLst>
-                  <a:lin ang="5400000" scaled="0"/>
-                  <a:tileRect/>
-                </a:gradFill>
-                <a:effectLst>
-                  <a:glow rad="38100">
-                    <a:schemeClr val="bg1">
-                      <a:lumMod val="65000"/>
-                      <a:lumOff val="35000"/>
-                      <a:alpha val="40000"/>
-                    </a:schemeClr>
-                  </a:glow>
-                  <a:outerShdw blurRad="28575" dist="38100" dir="14040000" algn="tl" rotWithShape="0">
-                    <a:srgbClr val="000000">
-                      <a:alpha val="25000"/>
-                    </a:srgbClr>
-                  </a:outerShdw>
-                </a:effectLst>
+            <a:lvl1pPr marL="0" indent="0">
+              <a:buNone/>
+              <a:defRPr sz="2400" b="0">
+                <a:solidFill>
+                  <a:schemeClr val="tx1"/>
+                </a:solidFill>
               </a:defRPr>
             </a:lvl1pPr>
+            <a:lvl2pPr marL="457200" indent="0">
+              <a:buNone/>
+              <a:defRPr sz="2000" b="1"/>
+            </a:lvl2pPr>
+            <a:lvl3pPr marL="914400" indent="0">
+              <a:buNone/>
+              <a:defRPr sz="1800" b="1"/>
+            </a:lvl3pPr>
+            <a:lvl4pPr marL="1371600" indent="0">
+              <a:buNone/>
+              <a:defRPr sz="1600" b="1"/>
+            </a:lvl4pPr>
+            <a:lvl5pPr marL="1828800" indent="0">
+              <a:buNone/>
+              <a:defRPr sz="1600" b="1"/>
+            </a:lvl5pPr>
+            <a:lvl6pPr marL="2286000" indent="0">
+              <a:buNone/>
+              <a:defRPr sz="1600" b="1"/>
+            </a:lvl6pPr>
+            <a:lvl7pPr marL="2743200" indent="0">
+              <a:buNone/>
+              <a:defRPr sz="1600" b="1"/>
+            </a:lvl7pPr>
+            <a:lvl8pPr marL="3200400" indent="0">
+              <a:buNone/>
+              <a:defRPr sz="1600" b="1"/>
+            </a:lvl8pPr>
+            <a:lvl9pPr marL="3657600" indent="0">
+              <a:buNone/>
+              <a:defRPr sz="1600" b="1"/>
+            </a:lvl9pPr>
           </a:lstStyle>
           <a:p>
-            <a:pPr marL="0" lvl="0">
-              <a:spcBef>
-                <a:spcPct val="0"/>
-              </a:spcBef>
-              <a:buNone/>
-            </a:pPr>
+            <a:pPr lvl="0"/>
             <a:r>
               <a:rPr lang="en-US"/>
               <a:t>Click to edit Master text styles</a:t>
@@ -2291,123 +2297,427 @@
       </p:sp>
       <p:sp>
         <p:nvSpPr>
-          <p:cNvPr id="3" name="Text Placeholder 2"/>
-          <p:cNvSpPr>
-            <a:spLocks noGrp="1"/>
-          </p:cNvSpPr>
-          <p:nvPr>
-            <p:ph type="body" idx="1"/>
-          </p:nvPr>
-        </p:nvSpPr>
-        <p:spPr>
-          <a:xfrm>
-            <a:off x="1141411" y="4343400"/>
-            <a:ext cx="9906000" cy="1447800"/>
-          </a:xfrm>
+          <p:cNvPr id="20" name="Picture Placeholder 2"/>
+          <p:cNvSpPr>
+            <a:spLocks noGrp="1" noChangeAspect="1"/>
+          </p:cNvSpPr>
+          <p:nvPr>
+            <p:ph type="pic" idx="15"/>
+          </p:nvPr>
+        </p:nvSpPr>
+        <p:spPr>
+          <a:xfrm>
+            <a:off x="688618" y="2362200"/>
+            <a:ext cx="3451582" cy="1524000"/>
+          </a:xfrm>
+          <a:prstGeom prst="roundRect">
+            <a:avLst>
+              <a:gd name="adj" fmla="val 0"/>
+            </a:avLst>
+          </a:prstGeom>
+          <a:effectLst>
+            <a:outerShdw blurRad="50800" dist="50800" dir="5400000" algn="tl" rotWithShape="0">
+              <a:srgbClr val="000000">
+                <a:alpha val="43000"/>
+              </a:srgbClr>
+            </a:outerShdw>
+          </a:effectLst>
         </p:spPr>
         <p:txBody>
           <a:bodyPr anchor="t">
             <a:normAutofit/>
           </a:bodyPr>
           <a:lstStyle>
-            <a:lvl1pPr marL="0" indent="0" algn="l">
-              <a:buNone/>
-              <a:defRPr sz="1800">
-                <a:gradFill flip="none" rotWithShape="1">
-                  <a:gsLst>
-                    <a:gs pos="0">
-                      <a:schemeClr val="tx1"/>
-                    </a:gs>
-                    <a:gs pos="100000">
-                      <a:schemeClr val="tx1">
-                        <a:lumMod val="75000"/>
-                      </a:schemeClr>
-                    </a:gs>
-                  </a:gsLst>
-                  <a:lin ang="5400000" scaled="0"/>
-                  <a:tileRect/>
-                </a:gradFill>
+            <a:lvl1pPr marL="0" indent="0" algn="ctr">
+              <a:buNone/>
+              <a:defRPr sz="1600"/>
+            </a:lvl1pPr>
+            <a:lvl2pPr marL="457200" indent="0">
+              <a:buNone/>
+              <a:defRPr sz="1600"/>
+            </a:lvl2pPr>
+            <a:lvl3pPr marL="914400" indent="0">
+              <a:buNone/>
+              <a:defRPr sz="1600"/>
+            </a:lvl3pPr>
+            <a:lvl4pPr marL="1371600" indent="0">
+              <a:buNone/>
+              <a:defRPr sz="1600"/>
+            </a:lvl4pPr>
+            <a:lvl5pPr marL="1828800" indent="0">
+              <a:buNone/>
+              <a:defRPr sz="1600"/>
+            </a:lvl5pPr>
+            <a:lvl6pPr marL="2286000" indent="0">
+              <a:buNone/>
+              <a:defRPr sz="1600"/>
+            </a:lvl6pPr>
+            <a:lvl7pPr marL="2743200" indent="0">
+              <a:buNone/>
+              <a:defRPr sz="1600"/>
+            </a:lvl7pPr>
+            <a:lvl8pPr marL="3200400" indent="0">
+              <a:buNone/>
+              <a:defRPr sz="1600"/>
+            </a:lvl8pPr>
+            <a:lvl9pPr marL="3657600" indent="0">
+              <a:buNone/>
+              <a:defRPr sz="1600"/>
+            </a:lvl9pPr>
+          </a:lstStyle>
+          <a:p>
+            <a:r>
+              <a:rPr lang="en-US"/>
+              <a:t>Click icon to add picture</a:t>
+            </a:r>
+            <a:endParaRPr lang="en-US" dirty="0"/>
+          </a:p>
+        </p:txBody>
+      </p:sp>
+      <p:sp>
+        <p:nvSpPr>
+          <p:cNvPr id="21" name="Text Placeholder 3"/>
+          <p:cNvSpPr>
+            <a:spLocks noGrp="1"/>
+          </p:cNvSpPr>
+          <p:nvPr>
+            <p:ph type="body" sz="half" idx="18"/>
+          </p:nvPr>
+        </p:nvSpPr>
+        <p:spPr>
+          <a:xfrm>
+            <a:off x="688618" y="4873764"/>
+            <a:ext cx="3451582" cy="1344921"/>
+          </a:xfrm>
+        </p:spPr>
+        <p:txBody>
+          <a:bodyPr anchor="t">
+            <a:normAutofit/>
+          </a:bodyPr>
+          <a:lstStyle>
+            <a:lvl1pPr marL="0" indent="0">
+              <a:buNone/>
+              <a:defRPr sz="1400"/>
+            </a:lvl1pPr>
+            <a:lvl2pPr marL="457200" indent="0">
+              <a:buNone/>
+              <a:defRPr sz="1200"/>
+            </a:lvl2pPr>
+            <a:lvl3pPr marL="914400" indent="0">
+              <a:buNone/>
+              <a:defRPr sz="1000"/>
+            </a:lvl3pPr>
+            <a:lvl4pPr marL="1371600" indent="0">
+              <a:buNone/>
+              <a:defRPr sz="900"/>
+            </a:lvl4pPr>
+            <a:lvl5pPr marL="1828800" indent="0">
+              <a:buNone/>
+              <a:defRPr sz="900"/>
+            </a:lvl5pPr>
+            <a:lvl6pPr marL="2286000" indent="0">
+              <a:buNone/>
+              <a:defRPr sz="900"/>
+            </a:lvl6pPr>
+            <a:lvl7pPr marL="2743200" indent="0">
+              <a:buNone/>
+              <a:defRPr sz="900"/>
+            </a:lvl7pPr>
+            <a:lvl8pPr marL="3200400" indent="0">
+              <a:buNone/>
+              <a:defRPr sz="900"/>
+            </a:lvl8pPr>
+            <a:lvl9pPr marL="3657600" indent="0">
+              <a:buNone/>
+              <a:defRPr sz="900"/>
+            </a:lvl9pPr>
+          </a:lstStyle>
+          <a:p>
+            <a:pPr lvl="0"/>
+            <a:r>
+              <a:rPr lang="en-US"/>
+              <a:t>Click to edit Master text styles</a:t>
+            </a:r>
+          </a:p>
+        </p:txBody>
+      </p:sp>
+      <p:sp>
+        <p:nvSpPr>
+          <p:cNvPr id="22" name="Text Placeholder 4"/>
+          <p:cNvSpPr>
+            <a:spLocks noGrp="1"/>
+          </p:cNvSpPr>
+          <p:nvPr>
+            <p:ph type="body" sz="quarter" idx="3"/>
+          </p:nvPr>
+        </p:nvSpPr>
+        <p:spPr>
+          <a:xfrm>
+            <a:off x="4374263" y="4191000"/>
+            <a:ext cx="3448935" cy="682765"/>
+          </a:xfrm>
+        </p:spPr>
+        <p:txBody>
+          <a:bodyPr anchor="b">
+            <a:noAutofit/>
+          </a:bodyPr>
+          <a:lstStyle>
+            <a:lvl1pPr marL="0" indent="0">
+              <a:buNone/>
+              <a:defRPr sz="2400" b="0">
+                <a:solidFill>
+                  <a:schemeClr val="tx1"/>
+                </a:solidFill>
               </a:defRPr>
             </a:lvl1pPr>
             <a:lvl2pPr marL="457200" indent="0">
               <a:buNone/>
-              <a:defRPr sz="1800">
+              <a:defRPr sz="2000" b="1"/>
+            </a:lvl2pPr>
+            <a:lvl3pPr marL="914400" indent="0">
+              <a:buNone/>
+              <a:defRPr sz="1800" b="1"/>
+            </a:lvl3pPr>
+            <a:lvl4pPr marL="1371600" indent="0">
+              <a:buNone/>
+              <a:defRPr sz="1600" b="1"/>
+            </a:lvl4pPr>
+            <a:lvl5pPr marL="1828800" indent="0">
+              <a:buNone/>
+              <a:defRPr sz="1600" b="1"/>
+            </a:lvl5pPr>
+            <a:lvl6pPr marL="2286000" indent="0">
+              <a:buNone/>
+              <a:defRPr sz="1600" b="1"/>
+            </a:lvl6pPr>
+            <a:lvl7pPr marL="2743200" indent="0">
+              <a:buNone/>
+              <a:defRPr sz="1600" b="1"/>
+            </a:lvl7pPr>
+            <a:lvl8pPr marL="3200400" indent="0">
+              <a:buNone/>
+              <a:defRPr sz="1600" b="1"/>
+            </a:lvl8pPr>
+            <a:lvl9pPr marL="3657600" indent="0">
+              <a:buNone/>
+              <a:defRPr sz="1600" b="1"/>
+            </a:lvl9pPr>
+          </a:lstStyle>
+          <a:p>
+            <a:pPr lvl="0"/>
+            <a:r>
+              <a:rPr lang="en-US"/>
+              <a:t>Click to edit Master text styles</a:t>
+            </a:r>
+          </a:p>
+        </p:txBody>
+      </p:sp>
+      <p:sp>
+        <p:nvSpPr>
+          <p:cNvPr id="23" name="Picture Placeholder 2"/>
+          <p:cNvSpPr>
+            <a:spLocks noGrp="1" noChangeAspect="1"/>
+          </p:cNvSpPr>
+          <p:nvPr>
+            <p:ph type="pic" idx="21"/>
+          </p:nvPr>
+        </p:nvSpPr>
+        <p:spPr>
+          <a:xfrm>
+            <a:off x="4374263" y="2362200"/>
+            <a:ext cx="3448936" cy="1524000"/>
+          </a:xfrm>
+          <a:prstGeom prst="roundRect">
+            <a:avLst>
+              <a:gd name="adj" fmla="val 0"/>
+            </a:avLst>
+          </a:prstGeom>
+          <a:effectLst>
+            <a:outerShdw blurRad="50800" dist="50800" dir="5400000" algn="tl" rotWithShape="0">
+              <a:srgbClr val="000000">
+                <a:alpha val="43000"/>
+              </a:srgbClr>
+            </a:outerShdw>
+          </a:effectLst>
+        </p:spPr>
+        <p:txBody>
+          <a:bodyPr anchor="t">
+            <a:normAutofit/>
+          </a:bodyPr>
+          <a:lstStyle>
+            <a:lvl1pPr marL="0" indent="0" algn="ctr">
+              <a:buNone/>
+              <a:defRPr sz="1600"/>
+            </a:lvl1pPr>
+            <a:lvl2pPr marL="457200" indent="0">
+              <a:buNone/>
+              <a:defRPr sz="1600"/>
+            </a:lvl2pPr>
+            <a:lvl3pPr marL="914400" indent="0">
+              <a:buNone/>
+              <a:defRPr sz="1600"/>
+            </a:lvl3pPr>
+            <a:lvl4pPr marL="1371600" indent="0">
+              <a:buNone/>
+              <a:defRPr sz="1600"/>
+            </a:lvl4pPr>
+            <a:lvl5pPr marL="1828800" indent="0">
+              <a:buNone/>
+              <a:defRPr sz="1600"/>
+            </a:lvl5pPr>
+            <a:lvl6pPr marL="2286000" indent="0">
+              <a:buNone/>
+              <a:defRPr sz="1600"/>
+            </a:lvl6pPr>
+            <a:lvl7pPr marL="2743200" indent="0">
+              <a:buNone/>
+              <a:defRPr sz="1600"/>
+            </a:lvl7pPr>
+            <a:lvl8pPr marL="3200400" indent="0">
+              <a:buNone/>
+              <a:defRPr sz="1600"/>
+            </a:lvl8pPr>
+            <a:lvl9pPr marL="3657600" indent="0">
+              <a:buNone/>
+              <a:defRPr sz="1600"/>
+            </a:lvl9pPr>
+          </a:lstStyle>
+          <a:p>
+            <a:r>
+              <a:rPr lang="en-US"/>
+              <a:t>Click icon to add picture</a:t>
+            </a:r>
+            <a:endParaRPr lang="en-US" dirty="0"/>
+          </a:p>
+        </p:txBody>
+      </p:sp>
+      <p:sp>
+        <p:nvSpPr>
+          <p:cNvPr id="24" name="Text Placeholder 3"/>
+          <p:cNvSpPr>
+            <a:spLocks noGrp="1"/>
+          </p:cNvSpPr>
+          <p:nvPr>
+            <p:ph type="body" sz="half" idx="19"/>
+          </p:nvPr>
+        </p:nvSpPr>
+        <p:spPr>
+          <a:xfrm>
+            <a:off x="4374264" y="4873763"/>
+            <a:ext cx="3448935" cy="1344921"/>
+          </a:xfrm>
+        </p:spPr>
+        <p:txBody>
+          <a:bodyPr anchor="t">
+            <a:normAutofit/>
+          </a:bodyPr>
+          <a:lstStyle>
+            <a:lvl1pPr marL="0" indent="0">
+              <a:buNone/>
+              <a:defRPr sz="1400"/>
+            </a:lvl1pPr>
+            <a:lvl2pPr marL="457200" indent="0">
+              <a:buNone/>
+              <a:defRPr sz="1200"/>
+            </a:lvl2pPr>
+            <a:lvl3pPr marL="914400" indent="0">
+              <a:buNone/>
+              <a:defRPr sz="1000"/>
+            </a:lvl3pPr>
+            <a:lvl4pPr marL="1371600" indent="0">
+              <a:buNone/>
+              <a:defRPr sz="900"/>
+            </a:lvl4pPr>
+            <a:lvl5pPr marL="1828800" indent="0">
+              <a:buNone/>
+              <a:defRPr sz="900"/>
+            </a:lvl5pPr>
+            <a:lvl6pPr marL="2286000" indent="0">
+              <a:buNone/>
+              <a:defRPr sz="900"/>
+            </a:lvl6pPr>
+            <a:lvl7pPr marL="2743200" indent="0">
+              <a:buNone/>
+              <a:defRPr sz="900"/>
+            </a:lvl7pPr>
+            <a:lvl8pPr marL="3200400" indent="0">
+              <a:buNone/>
+              <a:defRPr sz="900"/>
+            </a:lvl8pPr>
+            <a:lvl9pPr marL="3657600" indent="0">
+              <a:buNone/>
+              <a:defRPr sz="900"/>
+            </a:lvl9pPr>
+          </a:lstStyle>
+          <a:p>
+            <a:pPr lvl="0"/>
+            <a:r>
+              <a:rPr lang="en-US"/>
+              <a:t>Click to edit Master text styles</a:t>
+            </a:r>
+          </a:p>
+        </p:txBody>
+      </p:sp>
+      <p:sp>
+        <p:nvSpPr>
+          <p:cNvPr id="25" name="Text Placeholder 4"/>
+          <p:cNvSpPr>
+            <a:spLocks noGrp="1"/>
+          </p:cNvSpPr>
+          <p:nvPr>
+            <p:ph type="body" sz="quarter" idx="13"/>
+          </p:nvPr>
+        </p:nvSpPr>
+        <p:spPr>
+          <a:xfrm>
+            <a:off x="8049731" y="4191000"/>
+            <a:ext cx="3456469" cy="682765"/>
+          </a:xfrm>
+        </p:spPr>
+        <p:txBody>
+          <a:bodyPr anchor="b">
+            <a:noAutofit/>
+          </a:bodyPr>
+          <a:lstStyle>
+            <a:lvl1pPr marL="0" indent="0">
+              <a:buNone/>
+              <a:defRPr sz="2400" b="0">
                 <a:solidFill>
-                  <a:schemeClr val="tx1">
-                    <a:tint val="75000"/>
-                  </a:schemeClr>
+                  <a:schemeClr val="tx1"/>
                 </a:solidFill>
               </a:defRPr>
+            </a:lvl1pPr>
+            <a:lvl2pPr marL="457200" indent="0">
+              <a:buNone/>
+              <a:defRPr sz="2000" b="1"/>
             </a:lvl2pPr>
             <a:lvl3pPr marL="914400" indent="0">
               <a:buNone/>
-              <a:defRPr sz="1600">
-                <a:solidFill>
-                  <a:schemeClr val="tx1">
-                    <a:tint val="75000"/>
-                  </a:schemeClr>
-                </a:solidFill>
-              </a:defRPr>
+              <a:defRPr sz="1800" b="1"/>
             </a:lvl3pPr>
             <a:lvl4pPr marL="1371600" indent="0">
               <a:buNone/>
-              <a:defRPr sz="1400">
-                <a:solidFill>
-                  <a:schemeClr val="tx1">
-                    <a:tint val="75000"/>
-                  </a:schemeClr>
-                </a:solidFill>
-              </a:defRPr>
+              <a:defRPr sz="1600" b="1"/>
             </a:lvl4pPr>
             <a:lvl5pPr marL="1828800" indent="0">
               <a:buNone/>
-              <a:defRPr sz="1400">
-                <a:solidFill>
-                  <a:schemeClr val="tx1">
-                    <a:tint val="75000"/>
-                  </a:schemeClr>
-                </a:solidFill>
-              </a:defRPr>
+              <a:defRPr sz="1600" b="1"/>
             </a:lvl5pPr>
             <a:lvl6pPr marL="2286000" indent="0">
               <a:buNone/>
-              <a:defRPr sz="1400">
-                <a:solidFill>
-                  <a:schemeClr val="tx1">
-                    <a:tint val="75000"/>
-                  </a:schemeClr>
-                </a:solidFill>
-              </a:defRPr>
+              <a:defRPr sz="1600" b="1"/>
             </a:lvl6pPr>
             <a:lvl7pPr marL="2743200" indent="0">
               <a:buNone/>
-              <a:defRPr sz="1400">
-                <a:solidFill>
-                  <a:schemeClr val="tx1">
-                    <a:tint val="75000"/>
-                  </a:schemeClr>
-                </a:solidFill>
-              </a:defRPr>
+              <a:defRPr sz="1600" b="1"/>
             </a:lvl7pPr>
             <a:lvl8pPr marL="3200400" indent="0">
               <a:buNone/>
-              <a:defRPr sz="1400">
-                <a:solidFill>
-                  <a:schemeClr val="tx1">
-                    <a:tint val="75000"/>
-                  </a:schemeClr>
-                </a:solidFill>
-              </a:defRPr>
+              <a:defRPr sz="1600" b="1"/>
             </a:lvl8pPr>
             <a:lvl9pPr marL="3657600" indent="0">
               <a:buNone/>
-              <a:defRPr sz="1400">
-                <a:solidFill>
-                  <a:schemeClr val="tx1">
-                    <a:tint val="75000"/>
-                  </a:schemeClr>
-                </a:solidFill>
-              </a:defRPr>
+              <a:defRPr sz="1600" b="1"/>
             </a:lvl9pPr>
           </a:lstStyle>
           <a:p>
@@ -2421,7 +2731,153 @@
       </p:sp>
       <p:sp>
         <p:nvSpPr>
-          <p:cNvPr id="4" name="Date Placeholder 3"/>
+          <p:cNvPr id="26" name="Picture Placeholder 2"/>
+          <p:cNvSpPr>
+            <a:spLocks noGrp="1" noChangeAspect="1"/>
+          </p:cNvSpPr>
+          <p:nvPr>
+            <p:ph type="pic" idx="22"/>
+          </p:nvPr>
+        </p:nvSpPr>
+        <p:spPr>
+          <a:xfrm>
+            <a:off x="8049855" y="2362200"/>
+            <a:ext cx="3447878" cy="1524000"/>
+          </a:xfrm>
+          <a:prstGeom prst="roundRect">
+            <a:avLst>
+              <a:gd name="adj" fmla="val 0"/>
+            </a:avLst>
+          </a:prstGeom>
+          <a:effectLst>
+            <a:outerShdw blurRad="50800" dist="50800" dir="5400000" algn="tl" rotWithShape="0">
+              <a:srgbClr val="000000">
+                <a:alpha val="43000"/>
+              </a:srgbClr>
+            </a:outerShdw>
+          </a:effectLst>
+        </p:spPr>
+        <p:txBody>
+          <a:bodyPr anchor="t">
+            <a:normAutofit/>
+          </a:bodyPr>
+          <a:lstStyle>
+            <a:lvl1pPr marL="0" indent="0" algn="ctr">
+              <a:buNone/>
+              <a:defRPr sz="1600"/>
+            </a:lvl1pPr>
+            <a:lvl2pPr marL="457200" indent="0">
+              <a:buNone/>
+              <a:defRPr sz="1600"/>
+            </a:lvl2pPr>
+            <a:lvl3pPr marL="914400" indent="0">
+              <a:buNone/>
+              <a:defRPr sz="1600"/>
+            </a:lvl3pPr>
+            <a:lvl4pPr marL="1371600" indent="0">
+              <a:buNone/>
+              <a:defRPr sz="1600"/>
+            </a:lvl4pPr>
+            <a:lvl5pPr marL="1828800" indent="0">
+              <a:buNone/>
+              <a:defRPr sz="1600"/>
+            </a:lvl5pPr>
+            <a:lvl6pPr marL="2286000" indent="0">
+              <a:buNone/>
+              <a:defRPr sz="1600"/>
+            </a:lvl6pPr>
+            <a:lvl7pPr marL="2743200" indent="0">
+              <a:buNone/>
+              <a:defRPr sz="1600"/>
+            </a:lvl7pPr>
+            <a:lvl8pPr marL="3200400" indent="0">
+              <a:buNone/>
+              <a:defRPr sz="1600"/>
+            </a:lvl8pPr>
+            <a:lvl9pPr marL="3657600" indent="0">
+              <a:buNone/>
+              <a:defRPr sz="1600"/>
+            </a:lvl9pPr>
+          </a:lstStyle>
+          <a:p>
+            <a:r>
+              <a:rPr lang="en-US"/>
+              <a:t>Click icon to add picture</a:t>
+            </a:r>
+            <a:endParaRPr lang="en-US" dirty="0"/>
+          </a:p>
+        </p:txBody>
+      </p:sp>
+      <p:sp>
+        <p:nvSpPr>
+          <p:cNvPr id="27" name="Text Placeholder 3"/>
+          <p:cNvSpPr>
+            <a:spLocks noGrp="1"/>
+          </p:cNvSpPr>
+          <p:nvPr>
+            <p:ph type="body" sz="half" idx="20"/>
+          </p:nvPr>
+        </p:nvSpPr>
+        <p:spPr>
+          <a:xfrm>
+            <a:off x="8049731" y="4873761"/>
+            <a:ext cx="3452445" cy="1344921"/>
+          </a:xfrm>
+        </p:spPr>
+        <p:txBody>
+          <a:bodyPr anchor="t">
+            <a:normAutofit/>
+          </a:bodyPr>
+          <a:lstStyle>
+            <a:lvl1pPr marL="0" indent="0">
+              <a:buNone/>
+              <a:defRPr sz="1400"/>
+            </a:lvl1pPr>
+            <a:lvl2pPr marL="457200" indent="0">
+              <a:buNone/>
+              <a:defRPr sz="1200"/>
+            </a:lvl2pPr>
+            <a:lvl3pPr marL="914400" indent="0">
+              <a:buNone/>
+              <a:defRPr sz="1000"/>
+            </a:lvl3pPr>
+            <a:lvl4pPr marL="1371600" indent="0">
+              <a:buNone/>
+              <a:defRPr sz="900"/>
+            </a:lvl4pPr>
+            <a:lvl5pPr marL="1828800" indent="0">
+              <a:buNone/>
+              <a:defRPr sz="900"/>
+            </a:lvl5pPr>
+            <a:lvl6pPr marL="2286000" indent="0">
+              <a:buNone/>
+              <a:defRPr sz="900"/>
+            </a:lvl6pPr>
+            <a:lvl7pPr marL="2743200" indent="0">
+              <a:buNone/>
+              <a:defRPr sz="900"/>
+            </a:lvl7pPr>
+            <a:lvl8pPr marL="3200400" indent="0">
+              <a:buNone/>
+              <a:defRPr sz="900"/>
+            </a:lvl8pPr>
+            <a:lvl9pPr marL="3657600" indent="0">
+              <a:buNone/>
+              <a:defRPr sz="900"/>
+            </a:lvl9pPr>
+          </a:lstStyle>
+          <a:p>
+            <a:pPr lvl="0"/>
+            <a:r>
+              <a:rPr lang="en-US"/>
+              <a:t>Click to edit Master text styles</a:t>
+            </a:r>
+          </a:p>
+        </p:txBody>
+      </p:sp>
+      <p:sp>
+        <p:nvSpPr>
+          <p:cNvPr id="3" name="Date Placeholder 2"/>
           <p:cNvSpPr>
             <a:spLocks noGrp="1"/>
           </p:cNvSpPr>
@@ -2444,7 +2900,7 @@
       </p:sp>
       <p:sp>
         <p:nvSpPr>
-          <p:cNvPr id="5" name="Footer Placeholder 4"/>
+          <p:cNvPr id="4" name="Footer Placeholder 3"/>
           <p:cNvSpPr>
             <a:spLocks noGrp="1"/>
           </p:cNvSpPr>
@@ -2463,7 +2919,7 @@
       </p:sp>
       <p:sp>
         <p:nvSpPr>
-          <p:cNvPr id="6" name="Slide Number Placeholder 5"/>
+          <p:cNvPr id="5" name="Slide Number Placeholder 4"/>
           <p:cNvSpPr>
             <a:spLocks noGrp="1"/>
           </p:cNvSpPr>
@@ -2487,7 +2943,7 @@
     </p:spTree>
     <p:extLst>
       <p:ext uri="{BB962C8B-B14F-4D97-AF65-F5344CB8AC3E}">
-        <p14:creationId xmlns:p14="http://schemas.microsoft.com/office/powerpoint/2010/main" val="3936238361"/>
+        <p14:creationId xmlns:p14="http://schemas.microsoft.com/office/powerpoint/2010/main" val="2951713074"/>
       </p:ext>
     </p:extLst>
   </p:cSld>
@@ -2516,7 +2972,7 @@
       </p:grpSpPr>
       <p:sp>
         <p:nvSpPr>
-          <p:cNvPr id="7" name="Title 1"/>
+          <p:cNvPr id="2" name="Title 1"/>
           <p:cNvSpPr>
             <a:spLocks noGrp="1"/>
           </p:cNvSpPr>
@@ -2524,12 +2980,7 @@
             <p:ph type="title"/>
           </p:nvPr>
         </p:nvSpPr>
-        <p:spPr>
-          <a:xfrm>
-            <a:off x="1141413" y="609600"/>
-            <a:ext cx="9905998" cy="1905000"/>
-          </a:xfrm>
-        </p:spPr>
+        <p:spPr/>
         <p:txBody>
           <a:bodyPr/>
           <a:lstStyle/>
@@ -2552,9 +3003,14 @@
             <p:ph type="body" orient="vert" idx="1"/>
           </p:nvPr>
         </p:nvSpPr>
-        <p:spPr/>
-        <p:txBody>
-          <a:bodyPr vert="eaVert" anchor="t"/>
+        <p:spPr>
+          <a:xfrm>
+            <a:off x="685800" y="2194559"/>
+            <a:ext cx="10820400" cy="4024125"/>
+          </a:xfrm>
+        </p:spPr>
+        <p:txBody>
+          <a:bodyPr vert="eaVert"/>
           <a:lstStyle/>
           <a:p>
             <a:pPr lvl="0"/>
@@ -2662,7 +3118,7 @@
     </p:spTree>
     <p:extLst>
       <p:ext uri="{BB962C8B-B14F-4D97-AF65-F5344CB8AC3E}">
-        <p14:creationId xmlns:p14="http://schemas.microsoft.com/office/powerpoint/2010/main" val="2697941364"/>
+        <p14:creationId xmlns:p14="http://schemas.microsoft.com/office/powerpoint/2010/main" val="126989842"/>
       </p:ext>
     </p:extLst>
   </p:cSld>
@@ -2673,7 +3129,7 @@
 </file>
 
 <file path=ppt/slideLayouts/slideLayout17.xml><?xml version="1.0" encoding="utf-8"?>
-<p:sldLayout xmlns:a="http://schemas.openxmlformats.org/drawingml/2006/main" xmlns:r="http://schemas.openxmlformats.org/officeDocument/2006/relationships" xmlns:p="http://schemas.openxmlformats.org/presentationml/2006/main" type="vertTitleAndTx" preserve="1">
+<p:sldLayout xmlns:a="http://schemas.openxmlformats.org/drawingml/2006/main" xmlns:r="http://schemas.openxmlformats.org/officeDocument/2006/relationships" xmlns:p="http://schemas.openxmlformats.org/presentationml/2006/main" showMasterSp="0" type="vertTitleAndTx" preserve="1">
   <p:cSld name="Vertical Title and Text">
     <p:spTree>
       <p:nvGrpSpPr>
@@ -2689,6 +3145,36 @@
           <a:chExt cx="0" cy="0"/>
         </a:xfrm>
       </p:grpSpPr>
+      <p:pic>
+        <p:nvPicPr>
+          <p:cNvPr id="8" name="Picture 7" descr="C0-HD-BTM.png"/>
+          <p:cNvPicPr>
+            <a:picLocks noChangeAspect="1"/>
+          </p:cNvPicPr>
+          <p:nvPr/>
+        </p:nvPicPr>
+        <p:blipFill>
+          <a:blip r:embed="rId2">
+            <a:extLst>
+              <a:ext uri="{28A0092B-C50C-407E-A947-70E740481C1C}">
+                <a14:useLocalDpi xmlns:a14="http://schemas.microsoft.com/office/drawing/2010/main" val="0"/>
+              </a:ext>
+            </a:extLst>
+          </a:blip>
+          <a:stretch>
+            <a:fillRect/>
+          </a:stretch>
+        </p:blipFill>
+        <p:spPr>
+          <a:xfrm>
+            <a:off x="0" y="4375150"/>
+            <a:ext cx="12192000" cy="2482850"/>
+          </a:xfrm>
+          <a:prstGeom prst="rect">
+            <a:avLst/>
+          </a:prstGeom>
+        </p:spPr>
+      </p:pic>
       <p:sp>
         <p:nvSpPr>
           <p:cNvPr id="2" name="Vertical Title 1"/>
@@ -2701,17 +3187,78 @@
         </p:nvSpPr>
         <p:spPr>
           <a:xfrm>
-            <a:off x="8836898" y="609599"/>
-            <a:ext cx="2210514" cy="5181601"/>
+            <a:off x="9448800" y="745066"/>
+            <a:ext cx="2057400" cy="3903133"/>
+          </a:xfrm>
+        </p:spPr>
+        <p:txBody>
+          <a:bodyPr vert="eaVert"/>
+          <a:lstStyle>
+            <a:lvl1pPr algn="l">
+              <a:defRPr/>
+            </a:lvl1pPr>
+          </a:lstStyle>
+          <a:p>
+            <a:r>
+              <a:rPr lang="en-US"/>
+              <a:t>Click to edit Master title style</a:t>
+            </a:r>
+            <a:endParaRPr lang="en-US" dirty="0"/>
+          </a:p>
+        </p:txBody>
+      </p:sp>
+      <p:sp>
+        <p:nvSpPr>
+          <p:cNvPr id="3" name="Vertical Text Placeholder 2"/>
+          <p:cNvSpPr>
+            <a:spLocks noGrp="1"/>
+          </p:cNvSpPr>
+          <p:nvPr>
+            <p:ph type="body" orient="vert" idx="1"/>
+          </p:nvPr>
+        </p:nvSpPr>
+        <p:spPr>
+          <a:xfrm>
+            <a:off x="1024466" y="745067"/>
+            <a:ext cx="8204201" cy="3903133"/>
           </a:xfrm>
         </p:spPr>
         <p:txBody>
           <a:bodyPr vert="eaVert"/>
           <a:lstStyle/>
           <a:p>
-            <a:r>
-              <a:rPr lang="en-US"/>
-              <a:t>Click to edit Master title style</a:t>
+            <a:pPr lvl="0"/>
+            <a:r>
+              <a:rPr lang="en-US"/>
+              <a:t>Click to edit Master text styles</a:t>
+            </a:r>
+          </a:p>
+          <a:p>
+            <a:pPr lvl="1"/>
+            <a:r>
+              <a:rPr lang="en-US"/>
+              <a:t>Second level</a:t>
+            </a:r>
+          </a:p>
+          <a:p>
+            <a:pPr lvl="2"/>
+            <a:r>
+              <a:rPr lang="en-US"/>
+              <a:t>Third level</a:t>
+            </a:r>
+          </a:p>
+          <a:p>
+            <a:pPr lvl="3"/>
+            <a:r>
+              <a:rPr lang="en-US"/>
+              <a:t>Fourth level</a:t>
+            </a:r>
+          </a:p>
+          <a:p>
+            <a:pPr lvl="4"/>
+            <a:r>
+              <a:rPr lang="en-US"/>
+              <a:t>Fifth level</a:t>
             </a:r>
             <a:endParaRPr lang="en-US" dirty="0"/>
           </a:p>
@@ -2719,63 +3266,6 @@
       </p:sp>
       <p:sp>
         <p:nvSpPr>
-          <p:cNvPr id="3" name="Vertical Text Placeholder 2"/>
-          <p:cNvSpPr>
-            <a:spLocks noGrp="1"/>
-          </p:cNvSpPr>
-          <p:nvPr>
-            <p:ph type="body" orient="vert" idx="1"/>
-          </p:nvPr>
-        </p:nvSpPr>
-        <p:spPr>
-          <a:xfrm>
-            <a:off x="1141412" y="609600"/>
-            <a:ext cx="7543800" cy="5181600"/>
-          </a:xfrm>
-        </p:spPr>
-        <p:txBody>
-          <a:bodyPr vert="eaVert" anchor="t"/>
-          <a:lstStyle/>
-          <a:p>
-            <a:pPr lvl="0"/>
-            <a:r>
-              <a:rPr lang="en-US"/>
-              <a:t>Click to edit Master text styles</a:t>
-            </a:r>
-          </a:p>
-          <a:p>
-            <a:pPr lvl="1"/>
-            <a:r>
-              <a:rPr lang="en-US"/>
-              <a:t>Second level</a:t>
-            </a:r>
-          </a:p>
-          <a:p>
-            <a:pPr lvl="2"/>
-            <a:r>
-              <a:rPr lang="en-US"/>
-              <a:t>Third level</a:t>
-            </a:r>
-          </a:p>
-          <a:p>
-            <a:pPr lvl="3"/>
-            <a:r>
-              <a:rPr lang="en-US"/>
-              <a:t>Fourth level</a:t>
-            </a:r>
-          </a:p>
-          <a:p>
-            <a:pPr lvl="4"/>
-            <a:r>
-              <a:rPr lang="en-US"/>
-              <a:t>Fifth level</a:t>
-            </a:r>
-            <a:endParaRPr lang="en-US" dirty="0"/>
-          </a:p>
-        </p:txBody>
-      </p:sp>
-      <p:sp>
-        <p:nvSpPr>
           <p:cNvPr id="4" name="Date Placeholder 3"/>
           <p:cNvSpPr>
             <a:spLocks noGrp="1"/>
@@ -2784,10 +3274,19 @@
             <p:ph type="dt" sz="half" idx="10"/>
           </p:nvPr>
         </p:nvSpPr>
-        <p:spPr/>
+        <p:spPr>
+          <a:xfrm>
+            <a:off x="7814452" y="379941"/>
+            <a:ext cx="2910840" cy="365125"/>
+          </a:xfrm>
+        </p:spPr>
         <p:txBody>
           <a:bodyPr/>
-          <a:lstStyle/>
+          <a:lstStyle>
+            <a:lvl1pPr algn="r">
+              <a:defRPr/>
+            </a:lvl1pPr>
+          </a:lstStyle>
           <a:p>
             <a:fld id="{498091AC-18C7-4233-95AF-D63622717748}" type="datetimeFigureOut">
               <a:rPr lang="en-US" smtClean="0"/>
@@ -2807,7 +3306,12 @@
             <p:ph type="ftr" sz="quarter" idx="11"/>
           </p:nvPr>
         </p:nvSpPr>
-        <p:spPr/>
+        <p:spPr>
+          <a:xfrm>
+            <a:off x="685800" y="381000"/>
+            <a:ext cx="6991492" cy="365125"/>
+          </a:xfrm>
+        </p:spPr>
         <p:txBody>
           <a:bodyPr/>
           <a:lstStyle/>
@@ -2826,7 +3330,12 @@
             <p:ph type="sldNum" sz="quarter" idx="12"/>
           </p:nvPr>
         </p:nvSpPr>
-        <p:spPr/>
+        <p:spPr>
+          <a:xfrm>
+            <a:off x="10862452" y="381000"/>
+            <a:ext cx="643748" cy="365125"/>
+          </a:xfrm>
+        </p:spPr>
         <p:txBody>
           <a:bodyPr/>
           <a:lstStyle/>
@@ -2842,7 +3351,7 @@
     </p:spTree>
     <p:extLst>
       <p:ext uri="{BB962C8B-B14F-4D97-AF65-F5344CB8AC3E}">
-        <p14:creationId xmlns:p14="http://schemas.microsoft.com/office/powerpoint/2010/main" val="194407544"/>
+        <p14:creationId xmlns:p14="http://schemas.microsoft.com/office/powerpoint/2010/main" val="3485193169"/>
       </p:ext>
     </p:extLst>
   </p:cSld>
@@ -2904,7 +3413,7 @@
         </p:nvSpPr>
         <p:spPr/>
         <p:txBody>
-          <a:bodyPr anchor="ctr"/>
+          <a:bodyPr/>
           <a:lstStyle/>
           <a:p>
             <a:pPr lvl="0"/>
@@ -3012,7 +3521,7 @@
     </p:spTree>
     <p:extLst>
       <p:ext uri="{BB962C8B-B14F-4D97-AF65-F5344CB8AC3E}">
-        <p14:creationId xmlns:p14="http://schemas.microsoft.com/office/powerpoint/2010/main" val="3044688592"/>
+        <p14:creationId xmlns:p14="http://schemas.microsoft.com/office/powerpoint/2010/main" val="2917866913"/>
       </p:ext>
     </p:extLst>
   </p:cSld>
@@ -3023,7 +3532,7 @@
 </file>
 
 <file path=ppt/slideLayouts/slideLayout3.xml><?xml version="1.0" encoding="utf-8"?>
-<p:sldLayout xmlns:a="http://schemas.openxmlformats.org/drawingml/2006/main" xmlns:r="http://schemas.openxmlformats.org/officeDocument/2006/relationships" xmlns:p="http://schemas.openxmlformats.org/presentationml/2006/main" type="secHead" preserve="1">
+<p:sldLayout xmlns:a="http://schemas.openxmlformats.org/drawingml/2006/main" xmlns:r="http://schemas.openxmlformats.org/officeDocument/2006/relationships" xmlns:p="http://schemas.openxmlformats.org/presentationml/2006/main" showMasterSp="0" type="secHead" preserve="1">
   <p:cSld name="Section Header">
     <p:spTree>
       <p:nvGrpSpPr>
@@ -3039,6 +3548,36 @@
           <a:chExt cx="0" cy="0"/>
         </a:xfrm>
       </p:grpSpPr>
+      <p:pic>
+        <p:nvPicPr>
+          <p:cNvPr id="9" name="Picture 8" descr="C0-HD-BTM.png"/>
+          <p:cNvPicPr>
+            <a:picLocks noChangeAspect="1"/>
+          </p:cNvPicPr>
+          <p:nvPr/>
+        </p:nvPicPr>
+        <p:blipFill>
+          <a:blip r:embed="rId2">
+            <a:extLst>
+              <a:ext uri="{28A0092B-C50C-407E-A947-70E740481C1C}">
+                <a14:useLocalDpi xmlns:a14="http://schemas.microsoft.com/office/drawing/2010/main" val="0"/>
+              </a:ext>
+            </a:extLst>
+          </a:blip>
+          <a:stretch>
+            <a:fillRect/>
+          </a:stretch>
+        </p:blipFill>
+        <p:spPr>
+          <a:xfrm>
+            <a:off x="0" y="4375150"/>
+            <a:ext cx="12192000" cy="2482850"/>
+          </a:xfrm>
+          <a:prstGeom prst="rect">
+            <a:avLst/>
+          </a:prstGeom>
+        </p:spPr>
+      </p:pic>
       <p:sp>
         <p:nvSpPr>
           <p:cNvPr id="2" name="Title 1"/>
@@ -3051,15 +3590,17 @@
         </p:nvSpPr>
         <p:spPr>
           <a:xfrm>
-            <a:off x="1751013" y="3308581"/>
-            <a:ext cx="8686800" cy="1468800"/>
-          </a:xfrm>
-        </p:spPr>
-        <p:txBody>
-          <a:bodyPr anchor="b"/>
+            <a:off x="685800" y="753533"/>
+            <a:ext cx="10820399" cy="2801935"/>
+          </a:xfrm>
+        </p:spPr>
+        <p:txBody>
+          <a:bodyPr anchor="b">
+            <a:normAutofit/>
+          </a:bodyPr>
           <a:lstStyle>
             <a:lvl1pPr algn="r">
-              <a:defRPr sz="4000" b="0" cap="all"/>
+              <a:defRPr sz="4000"/>
             </a:lvl1pPr>
           </a:lstStyle>
           <a:p>
@@ -3083,37 +3624,28 @@
         </p:nvSpPr>
         <p:spPr>
           <a:xfrm>
-            <a:off x="1751011" y="4777381"/>
-            <a:ext cx="8686801" cy="860400"/>
-          </a:xfrm>
-        </p:spPr>
-        <p:txBody>
-          <a:bodyPr anchor="t">
+            <a:off x="1024467" y="3641725"/>
+            <a:ext cx="10490200" cy="955675"/>
+          </a:xfrm>
+        </p:spPr>
+        <p:txBody>
+          <a:bodyPr>
             <a:normAutofit/>
           </a:bodyPr>
           <a:lstStyle>
             <a:lvl1pPr marL="0" indent="0" algn="r">
               <a:buNone/>
-              <a:defRPr sz="2000">
-                <a:gradFill flip="none" rotWithShape="1">
-                  <a:gsLst>
-                    <a:gs pos="0">
-                      <a:schemeClr val="tx1"/>
-                    </a:gs>
-                    <a:gs pos="100000">
-                      <a:schemeClr val="tx1">
-                        <a:lumMod val="75000"/>
-                      </a:schemeClr>
-                    </a:gs>
-                  </a:gsLst>
-                  <a:lin ang="5400000" scaled="0"/>
-                  <a:tileRect/>
-                </a:gradFill>
+              <a:defRPr sz="2200">
+                <a:solidFill>
+                  <a:schemeClr val="tx1">
+                    <a:tint val="75000"/>
+                  </a:schemeClr>
+                </a:solidFill>
               </a:defRPr>
             </a:lvl1pPr>
             <a:lvl2pPr marL="457200" indent="0">
               <a:buNone/>
-              <a:defRPr sz="1800">
+              <a:defRPr sz="2000">
                 <a:solidFill>
                   <a:schemeClr val="tx1">
                     <a:tint val="75000"/>
@@ -3123,7 +3655,7 @@
             </a:lvl2pPr>
             <a:lvl3pPr marL="914400" indent="0">
               <a:buNone/>
-              <a:defRPr sz="1600">
+              <a:defRPr sz="1800">
                 <a:solidFill>
                   <a:schemeClr val="tx1">
                     <a:tint val="75000"/>
@@ -3133,7 +3665,7 @@
             </a:lvl3pPr>
             <a:lvl4pPr marL="1371600" indent="0">
               <a:buNone/>
-              <a:defRPr sz="1400">
+              <a:defRPr sz="1600">
                 <a:solidFill>
                   <a:schemeClr val="tx1">
                     <a:tint val="75000"/>
@@ -3143,7 +3675,7 @@
             </a:lvl4pPr>
             <a:lvl5pPr marL="1828800" indent="0">
               <a:buNone/>
-              <a:defRPr sz="1400">
+              <a:defRPr sz="1600">
                 <a:solidFill>
                   <a:schemeClr val="tx1">
                     <a:tint val="75000"/>
@@ -3153,7 +3685,7 @@
             </a:lvl5pPr>
             <a:lvl6pPr marL="2286000" indent="0">
               <a:buNone/>
-              <a:defRPr sz="1400">
+              <a:defRPr sz="1600">
                 <a:solidFill>
                   <a:schemeClr val="tx1">
                     <a:tint val="75000"/>
@@ -3163,7 +3695,7 @@
             </a:lvl6pPr>
             <a:lvl7pPr marL="2743200" indent="0">
               <a:buNone/>
-              <a:defRPr sz="1400">
+              <a:defRPr sz="1600">
                 <a:solidFill>
                   <a:schemeClr val="tx1">
                     <a:tint val="75000"/>
@@ -3173,7 +3705,7 @@
             </a:lvl7pPr>
             <a:lvl8pPr marL="3200400" indent="0">
               <a:buNone/>
-              <a:defRPr sz="1400">
+              <a:defRPr sz="1600">
                 <a:solidFill>
                   <a:schemeClr val="tx1">
                     <a:tint val="75000"/>
@@ -3183,7 +3715,7 @@
             </a:lvl8pPr>
             <a:lvl9pPr marL="3657600" indent="0">
               <a:buNone/>
-              <a:defRPr sz="1400">
+              <a:defRPr sz="1600">
                 <a:solidFill>
                   <a:schemeClr val="tx1">
                     <a:tint val="75000"/>
@@ -3211,10 +3743,19 @@
             <p:ph type="dt" sz="half" idx="10"/>
           </p:nvPr>
         </p:nvSpPr>
-        <p:spPr/>
+        <p:spPr>
+          <a:xfrm>
+            <a:off x="7814452" y="381000"/>
+            <a:ext cx="2910840" cy="365125"/>
+          </a:xfrm>
+        </p:spPr>
         <p:txBody>
           <a:bodyPr/>
-          <a:lstStyle/>
+          <a:lstStyle>
+            <a:lvl1pPr algn="r">
+              <a:defRPr/>
+            </a:lvl1pPr>
+          </a:lstStyle>
           <a:p>
             <a:fld id="{498091AC-18C7-4233-95AF-D63622717748}" type="datetimeFigureOut">
               <a:rPr lang="en-US" smtClean="0"/>
@@ -3234,7 +3775,12 @@
             <p:ph type="ftr" sz="quarter" idx="11"/>
           </p:nvPr>
         </p:nvSpPr>
-        <p:spPr/>
+        <p:spPr>
+          <a:xfrm>
+            <a:off x="685800" y="381001"/>
+            <a:ext cx="6991492" cy="364065"/>
+          </a:xfrm>
+        </p:spPr>
         <p:txBody>
           <a:bodyPr/>
           <a:lstStyle/>
@@ -3253,7 +3799,12 @@
             <p:ph type="sldNum" sz="quarter" idx="12"/>
           </p:nvPr>
         </p:nvSpPr>
-        <p:spPr/>
+        <p:spPr>
+          <a:xfrm>
+            <a:off x="10862452" y="381000"/>
+            <a:ext cx="643748" cy="365125"/>
+          </a:xfrm>
+        </p:spPr>
         <p:txBody>
           <a:bodyPr/>
           <a:lstStyle/>
@@ -3269,7 +3820,7 @@
     </p:spTree>
     <p:extLst>
       <p:ext uri="{BB962C8B-B14F-4D97-AF65-F5344CB8AC3E}">
-        <p14:creationId xmlns:p14="http://schemas.microsoft.com/office/powerpoint/2010/main" val="1987912690"/>
+        <p14:creationId xmlns:p14="http://schemas.microsoft.com/office/powerpoint/2010/main" val="3555797905"/>
       </p:ext>
     </p:extLst>
   </p:cSld>
@@ -3331,43 +3882,13 @@
         </p:nvSpPr>
         <p:spPr>
           <a:xfrm>
-            <a:off x="1141412" y="2666999"/>
-            <a:ext cx="4876800" cy="3124201"/>
-          </a:xfrm>
-        </p:spPr>
-        <p:txBody>
-          <a:bodyPr>
-            <a:normAutofit/>
-          </a:bodyPr>
-          <a:lstStyle>
-            <a:lvl1pPr>
-              <a:defRPr sz="1800"/>
-            </a:lvl1pPr>
-            <a:lvl2pPr>
-              <a:defRPr sz="1600"/>
-            </a:lvl2pPr>
-            <a:lvl3pPr>
-              <a:defRPr sz="1400"/>
-            </a:lvl3pPr>
-            <a:lvl4pPr>
-              <a:defRPr sz="1200"/>
-            </a:lvl4pPr>
-            <a:lvl5pPr>
-              <a:defRPr sz="1200"/>
-            </a:lvl5pPr>
-            <a:lvl6pPr>
-              <a:defRPr sz="1200"/>
-            </a:lvl6pPr>
-            <a:lvl7pPr>
-              <a:defRPr sz="1200"/>
-            </a:lvl7pPr>
-            <a:lvl8pPr>
-              <a:defRPr sz="1200"/>
-            </a:lvl8pPr>
-            <a:lvl9pPr>
-              <a:defRPr sz="1200"/>
-            </a:lvl9pPr>
-          </a:lstStyle>
+            <a:off x="685800" y="2194559"/>
+            <a:ext cx="5334000" cy="4024125"/>
+          </a:xfrm>
+        </p:spPr>
+        <p:txBody>
+          <a:bodyPr/>
+          <a:lstStyle/>
           <a:p>
             <a:pPr lvl="0"/>
             <a:r>
@@ -3418,43 +3939,13 @@
         </p:nvSpPr>
         <p:spPr>
           <a:xfrm>
-            <a:off x="6170612" y="2667000"/>
-            <a:ext cx="4876800" cy="3124200"/>
-          </a:xfrm>
-        </p:spPr>
-        <p:txBody>
-          <a:bodyPr>
-            <a:normAutofit/>
-          </a:bodyPr>
-          <a:lstStyle>
-            <a:lvl1pPr>
-              <a:defRPr sz="1800"/>
-            </a:lvl1pPr>
-            <a:lvl2pPr>
-              <a:defRPr sz="1600"/>
-            </a:lvl2pPr>
-            <a:lvl3pPr>
-              <a:defRPr sz="1400"/>
-            </a:lvl3pPr>
-            <a:lvl4pPr>
-              <a:defRPr sz="1200"/>
-            </a:lvl4pPr>
-            <a:lvl5pPr>
-              <a:defRPr sz="1200"/>
-            </a:lvl5pPr>
-            <a:lvl6pPr>
-              <a:defRPr sz="1200"/>
-            </a:lvl6pPr>
-            <a:lvl7pPr>
-              <a:defRPr sz="1200"/>
-            </a:lvl7pPr>
-            <a:lvl8pPr>
-              <a:defRPr sz="1200"/>
-            </a:lvl8pPr>
-            <a:lvl9pPr>
-              <a:defRPr sz="1200"/>
-            </a:lvl9pPr>
-          </a:lstStyle>
+            <a:off x="6172200" y="2194559"/>
+            <a:ext cx="5334000" cy="4024125"/>
+          </a:xfrm>
+        </p:spPr>
+        <p:txBody>
+          <a:bodyPr/>
+          <a:lstStyle/>
           <a:p>
             <a:pPr lvl="0"/>
             <a:r>
@@ -3561,7 +4052,7 @@
     </p:spTree>
     <p:extLst>
       <p:ext uri="{BB962C8B-B14F-4D97-AF65-F5344CB8AC3E}">
-        <p14:creationId xmlns:p14="http://schemas.microsoft.com/office/powerpoint/2010/main" val="3509433112"/>
+        <p14:creationId xmlns:p14="http://schemas.microsoft.com/office/powerpoint/2010/main" val="3615662451"/>
       </p:ext>
     </p:extLst>
   </p:cSld>
@@ -3598,14 +4089,15 @@
             <p:ph type="title"/>
           </p:nvPr>
         </p:nvSpPr>
-        <p:spPr/>
+        <p:spPr>
+          <a:xfrm>
+            <a:off x="2895600" y="762000"/>
+            <a:ext cx="8610600" cy="1295400"/>
+          </a:xfrm>
+        </p:spPr>
         <p:txBody>
           <a:bodyPr/>
-          <a:lstStyle>
-            <a:lvl1pPr>
-              <a:defRPr/>
-            </a:lvl1pPr>
-          </a:lstStyle>
+          <a:lstStyle/>
           <a:p>
             <a:r>
               <a:rPr lang="en-US"/>
@@ -3627,18 +4119,22 @@
         </p:nvSpPr>
         <p:spPr>
           <a:xfrm>
-            <a:off x="1429280" y="2658533"/>
-            <a:ext cx="4588931" cy="576262"/>
+            <a:off x="914409" y="2183802"/>
+            <a:ext cx="5079991" cy="823912"/>
           </a:xfrm>
         </p:spPr>
         <p:txBody>
           <a:bodyPr anchor="b">
-            <a:noAutofit/>
+            <a:normAutofit/>
           </a:bodyPr>
           <a:lstStyle>
             <a:lvl1pPr marL="0" indent="0">
               <a:buNone/>
-              <a:defRPr sz="2800" b="0"/>
+              <a:defRPr sz="2800" b="0">
+                <a:solidFill>
+                  <a:schemeClr val="tx1"/>
+                </a:solidFill>
+              </a:defRPr>
             </a:lvl1pPr>
             <a:lvl2pPr marL="457200" indent="0">
               <a:buNone/>
@@ -3694,105 +4190,79 @@
         </p:nvSpPr>
         <p:spPr>
           <a:xfrm>
-            <a:off x="1141412" y="3243262"/>
-            <a:ext cx="4876800" cy="2547937"/>
-          </a:xfrm>
-        </p:spPr>
-        <p:txBody>
-          <a:bodyPr anchor="t">
+            <a:off x="685800" y="3132666"/>
+            <a:ext cx="5311775" cy="3086019"/>
+          </a:xfrm>
+        </p:spPr>
+        <p:txBody>
+          <a:bodyPr/>
+          <a:lstStyle/>
+          <a:p>
+            <a:pPr lvl="0"/>
+            <a:r>
+              <a:rPr lang="en-US"/>
+              <a:t>Click to edit Master text styles</a:t>
+            </a:r>
+          </a:p>
+          <a:p>
+            <a:pPr lvl="1"/>
+            <a:r>
+              <a:rPr lang="en-US"/>
+              <a:t>Second level</a:t>
+            </a:r>
+          </a:p>
+          <a:p>
+            <a:pPr lvl="2"/>
+            <a:r>
+              <a:rPr lang="en-US"/>
+              <a:t>Third level</a:t>
+            </a:r>
+          </a:p>
+          <a:p>
+            <a:pPr lvl="3"/>
+            <a:r>
+              <a:rPr lang="en-US"/>
+              <a:t>Fourth level</a:t>
+            </a:r>
+          </a:p>
+          <a:p>
+            <a:pPr lvl="4"/>
+            <a:r>
+              <a:rPr lang="en-US"/>
+              <a:t>Fifth level</a:t>
+            </a:r>
+            <a:endParaRPr lang="en-US" dirty="0"/>
+          </a:p>
+        </p:txBody>
+      </p:sp>
+      <p:sp>
+        <p:nvSpPr>
+          <p:cNvPr id="5" name="Text Placeholder 4"/>
+          <p:cNvSpPr>
+            <a:spLocks noGrp="1"/>
+          </p:cNvSpPr>
+          <p:nvPr>
+            <p:ph type="body" sz="quarter" idx="3"/>
+          </p:nvPr>
+        </p:nvSpPr>
+        <p:spPr>
+          <a:xfrm>
+            <a:off x="6400800" y="2183802"/>
+            <a:ext cx="5105400" cy="823912"/>
+          </a:xfrm>
+        </p:spPr>
+        <p:txBody>
+          <a:bodyPr anchor="b">
             <a:normAutofit/>
           </a:bodyPr>
           <a:lstStyle>
-            <a:lvl1pPr>
-              <a:defRPr sz="1800"/>
-            </a:lvl1pPr>
-            <a:lvl2pPr>
-              <a:defRPr sz="1600"/>
-            </a:lvl2pPr>
-            <a:lvl3pPr>
-              <a:defRPr sz="1400"/>
-            </a:lvl3pPr>
-            <a:lvl4pPr>
-              <a:defRPr sz="1200"/>
-            </a:lvl4pPr>
-            <a:lvl5pPr>
-              <a:defRPr sz="1200"/>
-            </a:lvl5pPr>
-            <a:lvl6pPr>
-              <a:defRPr sz="1200"/>
-            </a:lvl6pPr>
-            <a:lvl7pPr>
-              <a:defRPr sz="1200"/>
-            </a:lvl7pPr>
-            <a:lvl8pPr>
-              <a:defRPr sz="1200"/>
-            </a:lvl8pPr>
-            <a:lvl9pPr>
-              <a:defRPr sz="1200"/>
-            </a:lvl9pPr>
-          </a:lstStyle>
-          <a:p>
-            <a:pPr lvl="0"/>
-            <a:r>
-              <a:rPr lang="en-US"/>
-              <a:t>Click to edit Master text styles</a:t>
-            </a:r>
-          </a:p>
-          <a:p>
-            <a:pPr lvl="1"/>
-            <a:r>
-              <a:rPr lang="en-US"/>
-              <a:t>Second level</a:t>
-            </a:r>
-          </a:p>
-          <a:p>
-            <a:pPr lvl="2"/>
-            <a:r>
-              <a:rPr lang="en-US"/>
-              <a:t>Third level</a:t>
-            </a:r>
-          </a:p>
-          <a:p>
-            <a:pPr lvl="3"/>
-            <a:r>
-              <a:rPr lang="en-US"/>
-              <a:t>Fourth level</a:t>
-            </a:r>
-          </a:p>
-          <a:p>
-            <a:pPr lvl="4"/>
-            <a:r>
-              <a:rPr lang="en-US"/>
-              <a:t>Fifth level</a:t>
-            </a:r>
-            <a:endParaRPr lang="en-US" dirty="0"/>
-          </a:p>
-        </p:txBody>
-      </p:sp>
-      <p:sp>
-        <p:nvSpPr>
-          <p:cNvPr id="5" name="Text Placeholder 4"/>
-          <p:cNvSpPr>
-            <a:spLocks noGrp="1"/>
-          </p:cNvSpPr>
-          <p:nvPr>
-            <p:ph type="body" sz="quarter" idx="3"/>
-          </p:nvPr>
-        </p:nvSpPr>
-        <p:spPr>
-          <a:xfrm>
-            <a:off x="6443133" y="2667000"/>
-            <a:ext cx="4604280" cy="576262"/>
-          </a:xfrm>
-        </p:spPr>
-        <p:txBody>
-          <a:bodyPr anchor="b">
-            <a:noAutofit/>
-          </a:bodyPr>
-          <a:lstStyle>
             <a:lvl1pPr marL="0" indent="0">
               <a:buNone/>
-              <a:defRPr sz="2800" b="0"/>
+              <a:defRPr sz="2800" b="0">
+                <a:solidFill>
+                  <a:schemeClr val="tx1"/>
+                </a:solidFill>
+              </a:defRPr>
             </a:lvl1pPr>
             <a:lvl2pPr marL="457200" indent="0">
               <a:buNone/>
@@ -3848,43 +4318,13 @@
         </p:nvSpPr>
         <p:spPr>
           <a:xfrm>
-            <a:off x="6170612" y="3243262"/>
-            <a:ext cx="4876801" cy="2547937"/>
-          </a:xfrm>
-        </p:spPr>
-        <p:txBody>
-          <a:bodyPr anchor="t">
-            <a:normAutofit/>
-          </a:bodyPr>
-          <a:lstStyle>
-            <a:lvl1pPr>
-              <a:defRPr sz="1800"/>
-            </a:lvl1pPr>
-            <a:lvl2pPr>
-              <a:defRPr sz="1600"/>
-            </a:lvl2pPr>
-            <a:lvl3pPr>
-              <a:defRPr sz="1400"/>
-            </a:lvl3pPr>
-            <a:lvl4pPr>
-              <a:defRPr sz="1200"/>
-            </a:lvl4pPr>
-            <a:lvl5pPr>
-              <a:defRPr sz="1200"/>
-            </a:lvl5pPr>
-            <a:lvl6pPr>
-              <a:defRPr sz="1200"/>
-            </a:lvl6pPr>
-            <a:lvl7pPr>
-              <a:defRPr sz="1200"/>
-            </a:lvl7pPr>
-            <a:lvl8pPr>
-              <a:defRPr sz="1200"/>
-            </a:lvl8pPr>
-            <a:lvl9pPr>
-              <a:defRPr sz="1200"/>
-            </a:lvl9pPr>
-          </a:lstStyle>
+            <a:off x="6172200" y="3132666"/>
+            <a:ext cx="5334000" cy="3086019"/>
+          </a:xfrm>
+        </p:spPr>
+        <p:txBody>
+          <a:bodyPr/>
+          <a:lstStyle/>
           <a:p>
             <a:pPr lvl="0"/>
             <a:r>
@@ -3991,7 +4431,7 @@
     </p:spTree>
     <p:extLst>
       <p:ext uri="{BB962C8B-B14F-4D97-AF65-F5344CB8AC3E}">
-        <p14:creationId xmlns:p14="http://schemas.microsoft.com/office/powerpoint/2010/main" val="2009193731"/>
+        <p14:creationId xmlns:p14="http://schemas.microsoft.com/office/powerpoint/2010/main" val="1232434778"/>
       </p:ext>
     </p:extLst>
   </p:cSld>
@@ -4109,7 +4549,7 @@
     </p:spTree>
     <p:extLst>
       <p:ext uri="{BB962C8B-B14F-4D97-AF65-F5344CB8AC3E}">
-        <p14:creationId xmlns:p14="http://schemas.microsoft.com/office/powerpoint/2010/main" val="2646826606"/>
+        <p14:creationId xmlns:p14="http://schemas.microsoft.com/office/powerpoint/2010/main" val="2084212577"/>
       </p:ext>
     </p:extLst>
   </p:cSld>
@@ -4204,7 +4644,7 @@
     </p:spTree>
     <p:extLst>
       <p:ext uri="{BB962C8B-B14F-4D97-AF65-F5344CB8AC3E}">
-        <p14:creationId xmlns:p14="http://schemas.microsoft.com/office/powerpoint/2010/main" val="359928148"/>
+        <p14:creationId xmlns:p14="http://schemas.microsoft.com/office/powerpoint/2010/main" val="2679352861"/>
       </p:ext>
     </p:extLst>
   </p:cSld>
@@ -4243,17 +4683,15 @@
         </p:nvSpPr>
         <p:spPr>
           <a:xfrm>
-            <a:off x="1141411" y="1600200"/>
-            <a:ext cx="3549121" cy="1371600"/>
-          </a:xfrm>
-        </p:spPr>
-        <p:txBody>
-          <a:bodyPr anchor="b">
-            <a:normAutofit/>
-          </a:bodyPr>
+            <a:off x="685800" y="1524000"/>
+            <a:ext cx="4114800" cy="1600200"/>
+          </a:xfrm>
+        </p:spPr>
+        <p:txBody>
+          <a:bodyPr anchor="b"/>
           <a:lstStyle>
             <a:lvl1pPr algn="l">
-              <a:defRPr sz="2400" b="0"/>
+              <a:defRPr sz="3200"/>
             </a:lvl1pPr>
           </a:lstStyle>
           <a:p>
@@ -4277,43 +4715,13 @@
         </p:nvSpPr>
         <p:spPr>
           <a:xfrm>
-            <a:off x="5103812" y="609601"/>
-            <a:ext cx="5943601" cy="5181600"/>
-          </a:xfrm>
-        </p:spPr>
-        <p:txBody>
-          <a:bodyPr anchor="ctr">
-            <a:normAutofit/>
-          </a:bodyPr>
-          <a:lstStyle>
-            <a:lvl1pPr>
-              <a:defRPr sz="2000"/>
-            </a:lvl1pPr>
-            <a:lvl2pPr>
-              <a:defRPr sz="1800"/>
-            </a:lvl2pPr>
-            <a:lvl3pPr>
-              <a:defRPr sz="1600"/>
-            </a:lvl3pPr>
-            <a:lvl4pPr>
-              <a:defRPr sz="1400"/>
-            </a:lvl4pPr>
-            <a:lvl5pPr>
-              <a:defRPr sz="1400"/>
-            </a:lvl5pPr>
-            <a:lvl6pPr>
-              <a:defRPr sz="1400"/>
-            </a:lvl6pPr>
-            <a:lvl7pPr>
-              <a:defRPr sz="1400"/>
-            </a:lvl7pPr>
-            <a:lvl8pPr>
-              <a:defRPr sz="1400"/>
-            </a:lvl8pPr>
-            <a:lvl9pPr>
-              <a:defRPr sz="1400"/>
-            </a:lvl9pPr>
-          </a:lstStyle>
+            <a:off x="4995582" y="746759"/>
+            <a:ext cx="6510618" cy="5471925"/>
+          </a:xfrm>
+        </p:spPr>
+        <p:txBody>
+          <a:bodyPr anchor="ctr"/>
+          <a:lstStyle/>
           <a:p>
             <a:pPr lvl="0"/>
             <a:r>
@@ -4364,14 +4772,12 @@
         </p:nvSpPr>
         <p:spPr>
           <a:xfrm>
-            <a:off x="1141411" y="2971800"/>
-            <a:ext cx="3549121" cy="1828800"/>
-          </a:xfrm>
-        </p:spPr>
-        <p:txBody>
-          <a:bodyPr>
-            <a:normAutofit/>
-          </a:bodyPr>
+            <a:off x="685800" y="3124199"/>
+            <a:ext cx="4114800" cy="3094485"/>
+          </a:xfrm>
+        </p:spPr>
+        <p:txBody>
+          <a:bodyPr/>
           <a:lstStyle>
             <a:lvl1pPr marL="0" indent="0">
               <a:buNone/>
@@ -4379,35 +4785,35 @@
             </a:lvl1pPr>
             <a:lvl2pPr marL="457200" indent="0">
               <a:buNone/>
-              <a:defRPr sz="1200"/>
+              <a:defRPr sz="1400"/>
             </a:lvl2pPr>
             <a:lvl3pPr marL="914400" indent="0">
               <a:buNone/>
-              <a:defRPr sz="1000"/>
+              <a:defRPr sz="1200"/>
             </a:lvl3pPr>
             <a:lvl4pPr marL="1371600" indent="0">
               <a:buNone/>
-              <a:defRPr sz="900"/>
+              <a:defRPr sz="1000"/>
             </a:lvl4pPr>
             <a:lvl5pPr marL="1828800" indent="0">
               <a:buNone/>
-              <a:defRPr sz="900"/>
+              <a:defRPr sz="1000"/>
             </a:lvl5pPr>
             <a:lvl6pPr marL="2286000" indent="0">
               <a:buNone/>
-              <a:defRPr sz="900"/>
+              <a:defRPr sz="1000"/>
             </a:lvl6pPr>
             <a:lvl7pPr marL="2743200" indent="0">
               <a:buNone/>
-              <a:defRPr sz="900"/>
+              <a:defRPr sz="1000"/>
             </a:lvl7pPr>
             <a:lvl8pPr marL="3200400" indent="0">
               <a:buNone/>
-              <a:defRPr sz="900"/>
+              <a:defRPr sz="1000"/>
             </a:lvl8pPr>
             <a:lvl9pPr marL="3657600" indent="0">
               <a:buNone/>
-              <a:defRPr sz="900"/>
+              <a:defRPr sz="1000"/>
             </a:lvl9pPr>
           </a:lstStyle>
           <a:p>
@@ -4487,7 +4893,7 @@
     </p:spTree>
     <p:extLst>
       <p:ext uri="{BB962C8B-B14F-4D97-AF65-F5344CB8AC3E}">
-        <p14:creationId xmlns:p14="http://schemas.microsoft.com/office/powerpoint/2010/main" val="820032458"/>
+        <p14:creationId xmlns:p14="http://schemas.microsoft.com/office/powerpoint/2010/main" val="2784632140"/>
       </p:ext>
     </p:extLst>
   </p:cSld>
@@ -4526,17 +4932,15 @@
         </p:nvSpPr>
         <p:spPr>
           <a:xfrm>
-            <a:off x="1141411" y="1600200"/>
-            <a:ext cx="5334001" cy="1371600"/>
-          </a:xfrm>
-        </p:spPr>
-        <p:txBody>
-          <a:bodyPr anchor="b">
-            <a:normAutofit/>
-          </a:bodyPr>
+            <a:off x="685800" y="1524000"/>
+            <a:ext cx="6873240" cy="1600200"/>
+          </a:xfrm>
+        </p:spPr>
+        <p:txBody>
+          <a:bodyPr anchor="b"/>
           <a:lstStyle>
             <a:lvl1pPr algn="l">
-              <a:defRPr sz="2800" b="0"/>
+              <a:defRPr sz="3200"/>
             </a:lvl1pPr>
           </a:lstStyle>
           <a:p>
@@ -4550,7 +4954,7 @@
       </p:sp>
       <p:sp>
         <p:nvSpPr>
-          <p:cNvPr id="14" name="Picture Placeholder 2"/>
+          <p:cNvPr id="3" name="Picture Placeholder 2"/>
           <p:cNvSpPr>
             <a:spLocks noGrp="1" noChangeAspect="1"/>
           </p:cNvSpPr>
@@ -4560,143 +4964,116 @@
         </p:nvSpPr>
         <p:spPr>
           <a:xfrm>
-            <a:off x="7433733" y="-18288"/>
-            <a:ext cx="3276599" cy="6903720"/>
-          </a:xfrm>
-          <a:ln w="38100">
-            <a:gradFill flip="none" rotWithShape="1">
-              <a:gsLst>
-                <a:gs pos="0">
-                  <a:schemeClr val="bg2"/>
-                </a:gs>
-                <a:gs pos="100000">
-                  <a:schemeClr val="bg2">
-                    <a:lumMod val="75000"/>
-                  </a:schemeClr>
-                </a:gs>
-              </a:gsLst>
-              <a:lin ang="5400000" scaled="0"/>
-              <a:tileRect/>
-            </a:gradFill>
-          </a:ln>
-          <a:effectLst>
-            <a:innerShdw blurRad="57150" dist="38100" dir="10800000">
-              <a:srgbClr val="000000">
-                <a:alpha val="70000"/>
-              </a:srgbClr>
-            </a:innerShdw>
-          </a:effectLst>
-        </p:spPr>
-        <p:txBody>
-          <a:bodyPr anchor="t">
-            <a:normAutofit/>
-          </a:bodyPr>
+            <a:off x="7861238" y="751241"/>
+            <a:ext cx="3644962" cy="5467443"/>
+          </a:xfrm>
+        </p:spPr>
+        <p:txBody>
+          <a:bodyPr anchor="t"/>
           <a:lstStyle>
-            <a:lvl1pPr marL="0" indent="0" algn="ctr">
+            <a:lvl1pPr marL="0" indent="0">
+              <a:buNone/>
+              <a:defRPr sz="3200"/>
+            </a:lvl1pPr>
+            <a:lvl2pPr marL="457200" indent="0">
+              <a:buNone/>
+              <a:defRPr sz="2800"/>
+            </a:lvl2pPr>
+            <a:lvl3pPr marL="914400" indent="0">
+              <a:buNone/>
+              <a:defRPr sz="2400"/>
+            </a:lvl3pPr>
+            <a:lvl4pPr marL="1371600" indent="0">
+              <a:buNone/>
+              <a:defRPr sz="2000"/>
+            </a:lvl4pPr>
+            <a:lvl5pPr marL="1828800" indent="0">
+              <a:buNone/>
+              <a:defRPr sz="2000"/>
+            </a:lvl5pPr>
+            <a:lvl6pPr marL="2286000" indent="0">
+              <a:buNone/>
+              <a:defRPr sz="2000"/>
+            </a:lvl6pPr>
+            <a:lvl7pPr marL="2743200" indent="0">
+              <a:buNone/>
+              <a:defRPr sz="2000"/>
+            </a:lvl7pPr>
+            <a:lvl8pPr marL="3200400" indent="0">
+              <a:buNone/>
+              <a:defRPr sz="2000"/>
+            </a:lvl8pPr>
+            <a:lvl9pPr marL="3657600" indent="0">
+              <a:buNone/>
+              <a:defRPr sz="2000"/>
+            </a:lvl9pPr>
+          </a:lstStyle>
+          <a:p>
+            <a:r>
+              <a:rPr lang="en-US"/>
+              <a:t>Click icon to add picture</a:t>
+            </a:r>
+            <a:endParaRPr lang="en-US" dirty="0"/>
+          </a:p>
+        </p:txBody>
+      </p:sp>
+      <p:sp>
+        <p:nvSpPr>
+          <p:cNvPr id="4" name="Text Placeholder 3"/>
+          <p:cNvSpPr>
+            <a:spLocks noGrp="1"/>
+          </p:cNvSpPr>
+          <p:nvPr>
+            <p:ph type="body" sz="half" idx="2"/>
+          </p:nvPr>
+        </p:nvSpPr>
+        <p:spPr>
+          <a:xfrm>
+            <a:off x="685800" y="3124199"/>
+            <a:ext cx="6873240" cy="3094485"/>
+          </a:xfrm>
+        </p:spPr>
+        <p:txBody>
+          <a:bodyPr/>
+          <a:lstStyle>
+            <a:lvl1pPr marL="0" indent="0">
               <a:buNone/>
               <a:defRPr sz="1600"/>
             </a:lvl1pPr>
             <a:lvl2pPr marL="457200" indent="0">
               <a:buNone/>
-              <a:defRPr sz="1600"/>
+              <a:defRPr sz="1400"/>
             </a:lvl2pPr>
             <a:lvl3pPr marL="914400" indent="0">
               <a:buNone/>
-              <a:defRPr sz="1600"/>
+              <a:defRPr sz="1200"/>
             </a:lvl3pPr>
             <a:lvl4pPr marL="1371600" indent="0">
               <a:buNone/>
-              <a:defRPr sz="1600"/>
+              <a:defRPr sz="1000"/>
             </a:lvl4pPr>
             <a:lvl5pPr marL="1828800" indent="0">
               <a:buNone/>
-              <a:defRPr sz="1600"/>
+              <a:defRPr sz="1000"/>
             </a:lvl5pPr>
             <a:lvl6pPr marL="2286000" indent="0">
               <a:buNone/>
-              <a:defRPr sz="1600"/>
+              <a:defRPr sz="1000"/>
             </a:lvl6pPr>
             <a:lvl7pPr marL="2743200" indent="0">
               <a:buNone/>
-              <a:defRPr sz="1600"/>
+              <a:defRPr sz="1000"/>
             </a:lvl7pPr>
             <a:lvl8pPr marL="3200400" indent="0">
               <a:buNone/>
-              <a:defRPr sz="1600"/>
+              <a:defRPr sz="1000"/>
             </a:lvl8pPr>
             <a:lvl9pPr marL="3657600" indent="0">
               <a:buNone/>
-              <a:defRPr sz="1600"/>
+              <a:defRPr sz="1000"/>
             </a:lvl9pPr>
           </a:lstStyle>
           <a:p>
-            <a:r>
-              <a:rPr lang="en-US"/>
-              <a:t>Click icon to add picture</a:t>
-            </a:r>
-            <a:endParaRPr lang="en-US" dirty="0"/>
-          </a:p>
-        </p:txBody>
-      </p:sp>
-      <p:sp>
-        <p:nvSpPr>
-          <p:cNvPr id="4" name="Text Placeholder 3"/>
-          <p:cNvSpPr>
-            <a:spLocks noGrp="1"/>
-          </p:cNvSpPr>
-          <p:nvPr>
-            <p:ph type="body" sz="half" idx="2"/>
-          </p:nvPr>
-        </p:nvSpPr>
-        <p:spPr>
-          <a:xfrm>
-            <a:off x="1141411" y="2971800"/>
-            <a:ext cx="5334001" cy="1828800"/>
-          </a:xfrm>
-        </p:spPr>
-        <p:txBody>
-          <a:bodyPr>
-            <a:normAutofit/>
-          </a:bodyPr>
-          <a:lstStyle>
-            <a:lvl1pPr marL="0" indent="0">
-              <a:buNone/>
-              <a:defRPr sz="1800"/>
-            </a:lvl1pPr>
-            <a:lvl2pPr marL="457200" indent="0">
-              <a:buNone/>
-              <a:defRPr sz="1200"/>
-            </a:lvl2pPr>
-            <a:lvl3pPr marL="914400" indent="0">
-              <a:buNone/>
-              <a:defRPr sz="1000"/>
-            </a:lvl3pPr>
-            <a:lvl4pPr marL="1371600" indent="0">
-              <a:buNone/>
-              <a:defRPr sz="900"/>
-            </a:lvl4pPr>
-            <a:lvl5pPr marL="1828800" indent="0">
-              <a:buNone/>
-              <a:defRPr sz="900"/>
-            </a:lvl5pPr>
-            <a:lvl6pPr marL="2286000" indent="0">
-              <a:buNone/>
-              <a:defRPr sz="900"/>
-            </a:lvl6pPr>
-            <a:lvl7pPr marL="2743200" indent="0">
-              <a:buNone/>
-              <a:defRPr sz="900"/>
-            </a:lvl7pPr>
-            <a:lvl8pPr marL="3200400" indent="0">
-              <a:buNone/>
-              <a:defRPr sz="900"/>
-            </a:lvl8pPr>
-            <a:lvl9pPr marL="3657600" indent="0">
-              <a:buNone/>
-              <a:defRPr sz="900"/>
-            </a:lvl9pPr>
-          </a:lstStyle>
-          <a:p>
             <a:pPr lvl="0"/>
             <a:r>
               <a:rPr lang="en-US"/>
@@ -4715,12 +5092,7 @@
             <p:ph type="dt" sz="half" idx="10"/>
           </p:nvPr>
         </p:nvSpPr>
-        <p:spPr>
-          <a:xfrm>
-            <a:off x="6399212" y="5883275"/>
-            <a:ext cx="914400" cy="365125"/>
-          </a:xfrm>
-        </p:spPr>
+        <p:spPr/>
         <p:txBody>
           <a:bodyPr/>
           <a:lstStyle/>
@@ -4743,17 +5115,12 @@
             <p:ph type="ftr" sz="quarter" idx="11"/>
           </p:nvPr>
         </p:nvSpPr>
-        <p:spPr>
-          <a:xfrm>
-            <a:off x="1141412" y="5883275"/>
-            <a:ext cx="5105400" cy="365125"/>
-          </a:xfrm>
-        </p:spPr>
+        <p:spPr/>
         <p:txBody>
           <a:bodyPr/>
           <a:lstStyle/>
           <a:p>
-            <a:endParaRPr lang="en-US"/>
+            <a:endParaRPr lang="en-US" dirty="0"/>
           </a:p>
         </p:txBody>
       </p:sp>
@@ -4767,12 +5134,7 @@
             <p:ph type="sldNum" sz="quarter" idx="12"/>
           </p:nvPr>
         </p:nvSpPr>
-        <p:spPr>
-          <a:xfrm>
-            <a:off x="10742612" y="5883275"/>
-            <a:ext cx="322567" cy="365125"/>
-          </a:xfrm>
-        </p:spPr>
+        <p:spPr/>
         <p:txBody>
           <a:bodyPr/>
           <a:lstStyle/>
@@ -4788,7 +5150,7 @@
     </p:spTree>
     <p:extLst>
       <p:ext uri="{BB962C8B-B14F-4D97-AF65-F5344CB8AC3E}">
-        <p14:creationId xmlns:p14="http://schemas.microsoft.com/office/powerpoint/2010/main" val="929437829"/>
+        <p14:creationId xmlns:p14="http://schemas.microsoft.com/office/powerpoint/2010/main" val="1856563975"/>
       </p:ext>
     </p:extLst>
   </p:cSld>
@@ -4802,8 +5164,8 @@
 <p:sldMaster xmlns:a="http://schemas.openxmlformats.org/drawingml/2006/main" xmlns:r="http://schemas.openxmlformats.org/officeDocument/2006/relationships" xmlns:p="http://schemas.openxmlformats.org/presentationml/2006/main">
   <p:cSld>
     <p:bg>
-      <p:bgRef idx="1003">
-        <a:schemeClr val="bg2"/>
+      <p:bgRef idx="1001">
+        <a:schemeClr val="bg1"/>
       </p:bgRef>
     </p:bg>
     <p:spTree>
@@ -4820,6 +5182,36 @@
           <a:chExt cx="0" cy="0"/>
         </a:xfrm>
       </p:grpSpPr>
+      <p:pic>
+        <p:nvPicPr>
+          <p:cNvPr id="7" name="Picture 6" descr="C0-HD-TOP.png"/>
+          <p:cNvPicPr>
+            <a:picLocks noChangeAspect="1"/>
+          </p:cNvPicPr>
+          <p:nvPr/>
+        </p:nvPicPr>
+        <p:blipFill>
+          <a:blip r:embed="rId19">
+            <a:extLst>
+              <a:ext uri="{28A0092B-C50C-407E-A947-70E740481C1C}">
+                <a14:useLocalDpi xmlns:a14="http://schemas.microsoft.com/office/drawing/2010/main" val="0"/>
+              </a:ext>
+            </a:extLst>
+          </a:blip>
+          <a:stretch>
+            <a:fillRect/>
+          </a:stretch>
+        </p:blipFill>
+        <p:spPr>
+          <a:xfrm>
+            <a:off x="0" y="0"/>
+            <a:ext cx="12192000" cy="1441450"/>
+          </a:xfrm>
+          <a:prstGeom prst="rect">
+            <a:avLst/>
+          </a:prstGeom>
+        </p:spPr>
+      </p:pic>
       <p:sp>
         <p:nvSpPr>
           <p:cNvPr id="2" name="Title Placeholder 1"/>
@@ -4832,8 +5224,8 @@
         </p:nvSpPr>
         <p:spPr>
           <a:xfrm>
-            <a:off x="1141413" y="609600"/>
-            <a:ext cx="9905998" cy="1905000"/>
+            <a:off x="2895600" y="764373"/>
+            <a:ext cx="8610600" cy="1293028"/>
           </a:xfrm>
           <a:prstGeom prst="rect">
             <a:avLst/>
@@ -4865,15 +5257,15 @@
         </p:nvSpPr>
         <p:spPr>
           <a:xfrm>
-            <a:off x="1141413" y="2666999"/>
-            <a:ext cx="9905998" cy="3124201"/>
+            <a:off x="685800" y="2194560"/>
+            <a:ext cx="10820400" cy="4024125"/>
           </a:xfrm>
           <a:prstGeom prst="rect">
             <a:avLst/>
           </a:prstGeom>
         </p:spPr>
         <p:txBody>
-          <a:bodyPr vert="horz" lIns="91440" tIns="45720" rIns="91440" bIns="45720" rtlCol="0" anchor="ctr">
+          <a:bodyPr vert="horz" lIns="91440" tIns="45720" rIns="91440" bIns="45720" rtlCol="0">
             <a:normAutofit/>
           </a:bodyPr>
           <a:lstStyle/>
@@ -4927,8 +5319,8 @@
         </p:nvSpPr>
         <p:spPr>
           <a:xfrm>
-            <a:off x="8837612" y="5883275"/>
-            <a:ext cx="1600200" cy="365125"/>
+            <a:off x="8595360" y="6356350"/>
+            <a:ext cx="2910840" cy="365125"/>
           </a:xfrm>
           <a:prstGeom prst="rect">
             <a:avLst/>
@@ -4938,20 +5330,12 @@
           <a:bodyPr vert="horz" lIns="91440" tIns="45720" rIns="91440" bIns="45720" rtlCol="0" anchor="ctr"/>
           <a:lstStyle>
             <a:lvl1pPr algn="r">
-              <a:defRPr sz="900" b="1" i="0">
+              <a:defRPr sz="1050">
                 <a:solidFill>
                   <a:schemeClr val="tx1">
-                    <a:lumMod val="75000"/>
+                    <a:tint val="75000"/>
                   </a:schemeClr>
                 </a:solidFill>
-                <a:effectLst>
-                  <a:outerShdw blurRad="50800" dist="38100" dir="2700000" algn="tl" rotWithShape="0">
-                    <a:srgbClr val="000000">
-                      <a:alpha val="43000"/>
-                    </a:srgbClr>
-                  </a:outerShdw>
-                </a:effectLst>
-                <a:latin typeface="+mn-lt"/>
               </a:defRPr>
             </a:lvl1pPr>
           </a:lstStyle>
@@ -4976,8 +5360,8 @@
         </p:nvSpPr>
         <p:spPr>
           <a:xfrm>
-            <a:off x="1141412" y="5883275"/>
-            <a:ext cx="7543800" cy="365125"/>
+            <a:off x="685800" y="6355845"/>
+            <a:ext cx="7772400" cy="365125"/>
           </a:xfrm>
           <a:prstGeom prst="rect">
             <a:avLst/>
@@ -4987,20 +5371,12 @@
           <a:bodyPr vert="horz" lIns="91440" tIns="45720" rIns="91440" bIns="45720" rtlCol="0" anchor="ctr"/>
           <a:lstStyle>
             <a:lvl1pPr algn="l">
-              <a:defRPr sz="900" b="1" i="0">
+              <a:defRPr sz="1050">
                 <a:solidFill>
                   <a:schemeClr val="tx1">
-                    <a:lumMod val="75000"/>
+                    <a:tint val="75000"/>
                   </a:schemeClr>
                 </a:solidFill>
-                <a:effectLst>
-                  <a:outerShdw blurRad="50800" dist="38100" dir="2700000" algn="tl" rotWithShape="0">
-                    <a:srgbClr val="000000">
-                      <a:alpha val="43000"/>
-                    </a:srgbClr>
-                  </a:outerShdw>
-                </a:effectLst>
-                <a:latin typeface="+mn-lt"/>
               </a:defRPr>
             </a:lvl1pPr>
           </a:lstStyle>
@@ -5021,8 +5397,8 @@
         </p:nvSpPr>
         <p:spPr>
           <a:xfrm>
-            <a:off x="10514012" y="5883275"/>
-            <a:ext cx="551167" cy="365125"/>
+            <a:off x="8763000" y="381000"/>
+            <a:ext cx="2743200" cy="365125"/>
           </a:xfrm>
           <a:prstGeom prst="rect">
             <a:avLst/>
@@ -5032,20 +5408,12 @@
           <a:bodyPr vert="horz" lIns="91440" tIns="45720" rIns="91440" bIns="45720" rtlCol="0" anchor="ctr"/>
           <a:lstStyle>
             <a:lvl1pPr algn="r">
-              <a:defRPr sz="900" b="1" i="0">
+              <a:defRPr sz="1050">
                 <a:solidFill>
                   <a:schemeClr val="tx1">
-                    <a:lumMod val="75000"/>
+                    <a:tint val="75000"/>
                   </a:schemeClr>
                 </a:solidFill>
-                <a:effectLst>
-                  <a:outerShdw blurRad="50800" dist="38100" dir="2700000" algn="tl" rotWithShape="0">
-                    <a:srgbClr val="000000">
-                      <a:alpha val="43000"/>
-                    </a:srgbClr>
-                  </a:outerShdw>
-                </a:effectLst>
-                <a:latin typeface="+mn-lt"/>
               </a:defRPr>
             </a:lvl1pPr>
           </a:lstStyle>
@@ -5061,550 +5429,208 @@
     </p:spTree>
     <p:extLst>
       <p:ext uri="{BB962C8B-B14F-4D97-AF65-F5344CB8AC3E}">
-        <p14:creationId xmlns:p14="http://schemas.microsoft.com/office/powerpoint/2010/main" val="634886518"/>
+        <p14:creationId xmlns:p14="http://schemas.microsoft.com/office/powerpoint/2010/main" val="1397226259"/>
       </p:ext>
     </p:extLst>
   </p:cSld>
   <p:clrMap bg1="dk1" tx1="lt1" bg2="dk2" tx2="lt2" accent1="accent1" accent2="accent2" accent3="accent3" accent4="accent4" accent5="accent5" accent6="accent6" hlink="hlink" folHlink="folHlink"/>
   <p:sldLayoutIdLst>
-    <p:sldLayoutId id="2147483697" r:id="rId1"/>
-    <p:sldLayoutId id="2147483698" r:id="rId2"/>
-    <p:sldLayoutId id="2147483699" r:id="rId3"/>
-    <p:sldLayoutId id="2147483700" r:id="rId4"/>
-    <p:sldLayoutId id="2147483701" r:id="rId5"/>
-    <p:sldLayoutId id="2147483702" r:id="rId6"/>
-    <p:sldLayoutId id="2147483703" r:id="rId7"/>
-    <p:sldLayoutId id="2147483704" r:id="rId8"/>
-    <p:sldLayoutId id="2147483705" r:id="rId9"/>
-    <p:sldLayoutId id="2147483706" r:id="rId10"/>
-    <p:sldLayoutId id="2147483707" r:id="rId11"/>
-    <p:sldLayoutId id="2147483708" r:id="rId12"/>
-    <p:sldLayoutId id="2147483709" r:id="rId13"/>
-    <p:sldLayoutId id="2147483710" r:id="rId14"/>
-    <p:sldLayoutId id="2147483711" r:id="rId15"/>
-    <p:sldLayoutId id="2147483712" r:id="rId16"/>
-    <p:sldLayoutId id="2147483713" r:id="rId17"/>
+    <p:sldLayoutId id="2147484123" r:id="rId1"/>
+    <p:sldLayoutId id="2147484124" r:id="rId2"/>
+    <p:sldLayoutId id="2147484125" r:id="rId3"/>
+    <p:sldLayoutId id="2147484126" r:id="rId4"/>
+    <p:sldLayoutId id="2147484127" r:id="rId5"/>
+    <p:sldLayoutId id="2147484128" r:id="rId6"/>
+    <p:sldLayoutId id="2147484129" r:id="rId7"/>
+    <p:sldLayoutId id="2147484130" r:id="rId8"/>
+    <p:sldLayoutId id="2147484131" r:id="rId9"/>
+    <p:sldLayoutId id="2147484132" r:id="rId10"/>
+    <p:sldLayoutId id="2147484133" r:id="rId11"/>
+    <p:sldLayoutId id="2147484134" r:id="rId12"/>
+    <p:sldLayoutId id="2147484135" r:id="rId13"/>
+    <p:sldLayoutId id="2147484136" r:id="rId14"/>
+    <p:sldLayoutId id="2147484137" r:id="rId15"/>
+    <p:sldLayoutId id="2147484138" r:id="rId16"/>
+    <p:sldLayoutId id="2147484139" r:id="rId17"/>
   </p:sldLayoutIdLst>
   <p:txStyles>
     <p:titleStyle>
-      <a:lvl1pPr algn="l" defTabSz="457200" rtl="0" eaLnBrk="1" latinLnBrk="0" hangingPunct="1">
+      <a:lvl1pPr algn="r" defTabSz="914400" rtl="0" eaLnBrk="1" latinLnBrk="0" hangingPunct="1">
+        <a:lnSpc>
+          <a:spcPct val="90000"/>
+        </a:lnSpc>
         <a:spcBef>
           <a:spcPct val="0"/>
         </a:spcBef>
         <a:buNone/>
-        <a:defRPr sz="3200" kern="1200" cap="all">
-          <a:ln w="3175" cmpd="sng">
-            <a:noFill/>
-          </a:ln>
-          <a:gradFill flip="none" rotWithShape="1">
-            <a:gsLst>
-              <a:gs pos="0">
-                <a:schemeClr val="tx1"/>
-              </a:gs>
-              <a:gs pos="100000">
-                <a:schemeClr val="tx1">
-                  <a:lumMod val="65000"/>
-                </a:schemeClr>
-              </a:gs>
-            </a:gsLst>
-            <a:lin ang="5580000" scaled="0"/>
-            <a:tileRect/>
-          </a:gradFill>
-          <a:effectLst>
-            <a:glow rad="38100">
-              <a:schemeClr val="bg1">
-                <a:lumMod val="65000"/>
-                <a:lumOff val="35000"/>
-                <a:alpha val="40000"/>
-              </a:schemeClr>
-            </a:glow>
-            <a:outerShdw blurRad="28575" dist="38100" dir="14040000" algn="tl" rotWithShape="0">
-              <a:srgbClr val="000000">
-                <a:alpha val="25000"/>
-              </a:srgbClr>
-            </a:outerShdw>
-          </a:effectLst>
+        <a:defRPr sz="4000" kern="1200" cap="all" baseline="0">
+          <a:solidFill>
+            <a:schemeClr val="tx1"/>
+          </a:solidFill>
           <a:latin typeface="+mj-lt"/>
           <a:ea typeface="+mj-ea"/>
           <a:cs typeface="+mj-cs"/>
         </a:defRPr>
       </a:lvl1pPr>
-      <a:lvl2pPr eaLnBrk="1" hangingPunct="1">
-        <a:defRPr>
-          <a:solidFill>
-            <a:schemeClr val="tx2"/>
-          </a:solidFill>
-        </a:defRPr>
-      </a:lvl2pPr>
-      <a:lvl3pPr eaLnBrk="1" hangingPunct="1">
-        <a:defRPr>
-          <a:solidFill>
-            <a:schemeClr val="tx2"/>
-          </a:solidFill>
-        </a:defRPr>
-      </a:lvl3pPr>
-      <a:lvl4pPr eaLnBrk="1" hangingPunct="1">
-        <a:defRPr>
-          <a:solidFill>
-            <a:schemeClr val="tx2"/>
-          </a:solidFill>
-        </a:defRPr>
-      </a:lvl4pPr>
-      <a:lvl5pPr eaLnBrk="1" hangingPunct="1">
-        <a:defRPr>
-          <a:solidFill>
-            <a:schemeClr val="tx2"/>
-          </a:solidFill>
-        </a:defRPr>
-      </a:lvl5pPr>
-      <a:lvl6pPr eaLnBrk="1" hangingPunct="1">
-        <a:defRPr>
-          <a:solidFill>
-            <a:schemeClr val="tx2"/>
-          </a:solidFill>
-        </a:defRPr>
-      </a:lvl6pPr>
-      <a:lvl7pPr eaLnBrk="1" hangingPunct="1">
-        <a:defRPr>
-          <a:solidFill>
-            <a:schemeClr val="tx2"/>
-          </a:solidFill>
-        </a:defRPr>
-      </a:lvl7pPr>
-      <a:lvl8pPr eaLnBrk="1" hangingPunct="1">
-        <a:defRPr>
-          <a:solidFill>
-            <a:schemeClr val="tx2"/>
-          </a:solidFill>
-        </a:defRPr>
-      </a:lvl8pPr>
-      <a:lvl9pPr eaLnBrk="1" hangingPunct="1">
-        <a:defRPr>
-          <a:solidFill>
-            <a:schemeClr val="tx2"/>
-          </a:solidFill>
-        </a:defRPr>
-      </a:lvl9pPr>
     </p:titleStyle>
     <p:bodyStyle>
-      <a:lvl1pPr marL="285750" indent="-285750" algn="l" defTabSz="457200" rtl="0" eaLnBrk="1" latinLnBrk="0" hangingPunct="1">
+      <a:lvl1pPr marL="228600" indent="-228600" algn="l" defTabSz="914400" rtl="0" eaLnBrk="1" latinLnBrk="0" hangingPunct="1">
+        <a:lnSpc>
+          <a:spcPct val="90000"/>
+        </a:lnSpc>
         <a:spcBef>
-          <a:spcPct val="20000"/>
+          <a:spcPts val="1000"/>
         </a:spcBef>
-        <a:spcAft>
-          <a:spcPts val="600"/>
-        </a:spcAft>
-        <a:buClr>
-          <a:schemeClr val="tx1"/>
-        </a:buClr>
-        <a:buSzPct val="100000"/>
-        <a:buFont typeface="Arial"/>
+        <a:buFont typeface="Arial" panose="020B0604020202020204" pitchFamily="34" charset="0"/>
         <a:buChar char="•"/>
-        <a:defRPr sz="2000" kern="1200" cap="small">
-          <a:gradFill flip="none" rotWithShape="1">
-            <a:gsLst>
-              <a:gs pos="0">
-                <a:schemeClr val="tx1"/>
-              </a:gs>
-              <a:gs pos="100000">
-                <a:schemeClr val="tx1">
-                  <a:lumMod val="75000"/>
-                </a:schemeClr>
-              </a:gs>
-            </a:gsLst>
-            <a:lin ang="5580000" scaled="0"/>
-            <a:tileRect/>
-          </a:gradFill>
-          <a:effectLst>
-            <a:glow rad="38100">
-              <a:schemeClr val="bg1">
-                <a:lumMod val="50000"/>
-                <a:lumOff val="50000"/>
-                <a:alpha val="20000"/>
-              </a:schemeClr>
-            </a:glow>
-            <a:outerShdw blurRad="44450" dist="12700" dir="13860000" algn="tl" rotWithShape="0">
-              <a:srgbClr val="000000">
-                <a:alpha val="20000"/>
-              </a:srgbClr>
-            </a:outerShdw>
-          </a:effectLst>
+        <a:defRPr sz="2200" kern="1200">
+          <a:solidFill>
+            <a:schemeClr val="tx1"/>
+          </a:solidFill>
           <a:latin typeface="+mn-lt"/>
           <a:ea typeface="+mn-ea"/>
           <a:cs typeface="+mn-cs"/>
         </a:defRPr>
       </a:lvl1pPr>
-      <a:lvl2pPr marL="742950" indent="-285750" algn="l" defTabSz="457200" rtl="0" eaLnBrk="1" latinLnBrk="0" hangingPunct="1">
+      <a:lvl2pPr marL="685800" indent="-228600" algn="l" defTabSz="914400" rtl="0" eaLnBrk="1" latinLnBrk="0" hangingPunct="1">
+        <a:lnSpc>
+          <a:spcPct val="90000"/>
+        </a:lnSpc>
         <a:spcBef>
-          <a:spcPct val="20000"/>
+          <a:spcPts val="500"/>
         </a:spcBef>
-        <a:spcAft>
-          <a:spcPts val="600"/>
-        </a:spcAft>
-        <a:buClr>
-          <a:schemeClr val="tx1"/>
-        </a:buClr>
-        <a:buSzPct val="100000"/>
-        <a:buFont typeface="Arial"/>
+        <a:buFont typeface="Arial" panose="020B0604020202020204" pitchFamily="34" charset="0"/>
         <a:buChar char="•"/>
-        <a:defRPr sz="1800" kern="1200" cap="small">
-          <a:gradFill flip="none" rotWithShape="1">
-            <a:gsLst>
-              <a:gs pos="0">
-                <a:schemeClr val="tx1"/>
-              </a:gs>
-              <a:gs pos="100000">
-                <a:schemeClr val="tx1">
-                  <a:lumMod val="75000"/>
-                </a:schemeClr>
-              </a:gs>
-            </a:gsLst>
-            <a:lin ang="5580000" scaled="0"/>
-            <a:tileRect/>
-          </a:gradFill>
-          <a:effectLst>
-            <a:glow rad="38100">
-              <a:schemeClr val="bg1">
-                <a:lumMod val="50000"/>
-                <a:lumOff val="50000"/>
-                <a:alpha val="20000"/>
-              </a:schemeClr>
-            </a:glow>
-            <a:outerShdw blurRad="44450" dist="12700" dir="13860000" algn="tl" rotWithShape="0">
-              <a:srgbClr val="000000">
-                <a:alpha val="20000"/>
-              </a:srgbClr>
-            </a:outerShdw>
-          </a:effectLst>
+        <a:defRPr sz="2000" kern="1200">
+          <a:solidFill>
+            <a:schemeClr val="tx1"/>
+          </a:solidFill>
           <a:latin typeface="+mn-lt"/>
           <a:ea typeface="+mn-ea"/>
           <a:cs typeface="+mn-cs"/>
         </a:defRPr>
       </a:lvl2pPr>
-      <a:lvl3pPr marL="1200150" indent="-285750" algn="l" defTabSz="457200" rtl="0" eaLnBrk="1" latinLnBrk="0" hangingPunct="1">
+      <a:lvl3pPr marL="1143000" indent="-228600" algn="l" defTabSz="914400" rtl="0" eaLnBrk="1" latinLnBrk="0" hangingPunct="1">
+        <a:lnSpc>
+          <a:spcPct val="90000"/>
+        </a:lnSpc>
         <a:spcBef>
-          <a:spcPct val="20000"/>
+          <a:spcPts val="500"/>
         </a:spcBef>
-        <a:spcAft>
-          <a:spcPts val="600"/>
-        </a:spcAft>
-        <a:buClr>
-          <a:schemeClr val="tx1"/>
-        </a:buClr>
-        <a:buSzPct val="100000"/>
-        <a:buFont typeface="Arial"/>
+        <a:buFont typeface="Arial" panose="020B0604020202020204" pitchFamily="34" charset="0"/>
         <a:buChar char="•"/>
-        <a:defRPr sz="1600" kern="1200" cap="small">
-          <a:gradFill flip="none" rotWithShape="1">
-            <a:gsLst>
-              <a:gs pos="0">
-                <a:schemeClr val="tx1"/>
-              </a:gs>
-              <a:gs pos="100000">
-                <a:schemeClr val="tx1">
-                  <a:lumMod val="75000"/>
-                </a:schemeClr>
-              </a:gs>
-            </a:gsLst>
-            <a:lin ang="5580000" scaled="0"/>
-            <a:tileRect/>
-          </a:gradFill>
-          <a:effectLst>
-            <a:glow rad="38100">
-              <a:schemeClr val="bg1">
-                <a:lumMod val="50000"/>
-                <a:lumOff val="50000"/>
-                <a:alpha val="20000"/>
-              </a:schemeClr>
-            </a:glow>
-            <a:outerShdw blurRad="44450" dist="12700" dir="13860000" algn="tl" rotWithShape="0">
-              <a:srgbClr val="000000">
-                <a:alpha val="20000"/>
-              </a:srgbClr>
-            </a:outerShdw>
-          </a:effectLst>
+        <a:defRPr sz="1800" kern="1200">
+          <a:solidFill>
+            <a:schemeClr val="tx1"/>
+          </a:solidFill>
           <a:latin typeface="+mn-lt"/>
           <a:ea typeface="+mn-ea"/>
           <a:cs typeface="+mn-cs"/>
         </a:defRPr>
       </a:lvl3pPr>
-      <a:lvl4pPr marL="1543050" indent="-171450" algn="l" defTabSz="457200" rtl="0" eaLnBrk="1" latinLnBrk="0" hangingPunct="1">
+      <a:lvl4pPr marL="1600200" indent="-228600" algn="l" defTabSz="914400" rtl="0" eaLnBrk="1" latinLnBrk="0" hangingPunct="1">
+        <a:lnSpc>
+          <a:spcPct val="90000"/>
+        </a:lnSpc>
         <a:spcBef>
-          <a:spcPct val="20000"/>
+          <a:spcPts val="500"/>
         </a:spcBef>
-        <a:spcAft>
-          <a:spcPts val="600"/>
-        </a:spcAft>
-        <a:buClr>
-          <a:schemeClr val="tx1"/>
-        </a:buClr>
-        <a:buSzPct val="100000"/>
-        <a:buFont typeface="Arial"/>
+        <a:buFont typeface="Arial" panose="020B0604020202020204" pitchFamily="34" charset="0"/>
         <a:buChar char="•"/>
-        <a:defRPr sz="1400" kern="1200" cap="small">
-          <a:gradFill flip="none" rotWithShape="1">
-            <a:gsLst>
-              <a:gs pos="0">
-                <a:schemeClr val="tx1"/>
-              </a:gs>
-              <a:gs pos="100000">
-                <a:schemeClr val="tx1">
-                  <a:lumMod val="75000"/>
-                </a:schemeClr>
-              </a:gs>
-            </a:gsLst>
-            <a:lin ang="5580000" scaled="0"/>
-            <a:tileRect/>
-          </a:gradFill>
-          <a:effectLst>
-            <a:glow rad="38100">
-              <a:schemeClr val="bg1">
-                <a:lumMod val="50000"/>
-                <a:lumOff val="50000"/>
-                <a:alpha val="20000"/>
-              </a:schemeClr>
-            </a:glow>
-            <a:outerShdw blurRad="44450" dist="12700" dir="13860000" algn="tl" rotWithShape="0">
-              <a:srgbClr val="000000">
-                <a:alpha val="20000"/>
-              </a:srgbClr>
-            </a:outerShdw>
-          </a:effectLst>
+        <a:defRPr sz="1600" kern="1200">
+          <a:solidFill>
+            <a:schemeClr val="tx1"/>
+          </a:solidFill>
           <a:latin typeface="+mn-lt"/>
           <a:ea typeface="+mn-ea"/>
           <a:cs typeface="+mn-cs"/>
         </a:defRPr>
       </a:lvl4pPr>
-      <a:lvl5pPr marL="2000250" indent="-171450" algn="l" defTabSz="457200" rtl="0" eaLnBrk="1" latinLnBrk="0" hangingPunct="1">
+      <a:lvl5pPr marL="2057400" indent="-228600" algn="l" defTabSz="914400" rtl="0" eaLnBrk="1" latinLnBrk="0" hangingPunct="1">
+        <a:lnSpc>
+          <a:spcPct val="90000"/>
+        </a:lnSpc>
         <a:spcBef>
-          <a:spcPct val="20000"/>
+          <a:spcPts val="500"/>
         </a:spcBef>
-        <a:spcAft>
-          <a:spcPts val="600"/>
-        </a:spcAft>
-        <a:buClr>
-          <a:schemeClr val="tx1"/>
-        </a:buClr>
-        <a:buSzPct val="100000"/>
-        <a:buFont typeface="Arial"/>
+        <a:buFont typeface="Arial" panose="020B0604020202020204" pitchFamily="34" charset="0"/>
         <a:buChar char="•"/>
-        <a:defRPr sz="1400" kern="1200" cap="small">
-          <a:gradFill flip="none" rotWithShape="1">
-            <a:gsLst>
-              <a:gs pos="0">
-                <a:schemeClr val="tx1"/>
-              </a:gs>
-              <a:gs pos="100000">
-                <a:schemeClr val="tx1">
-                  <a:lumMod val="75000"/>
-                </a:schemeClr>
-              </a:gs>
-            </a:gsLst>
-            <a:lin ang="5580000" scaled="0"/>
-            <a:tileRect/>
-          </a:gradFill>
-          <a:effectLst>
-            <a:glow rad="38100">
-              <a:schemeClr val="bg1">
-                <a:lumMod val="50000"/>
-                <a:lumOff val="50000"/>
-                <a:alpha val="20000"/>
-              </a:schemeClr>
-            </a:glow>
-            <a:outerShdw blurRad="44450" dist="12700" dir="13860000" algn="tl" rotWithShape="0">
-              <a:srgbClr val="000000">
-                <a:alpha val="20000"/>
-              </a:srgbClr>
-            </a:outerShdw>
-          </a:effectLst>
+        <a:defRPr sz="1600" kern="1200">
+          <a:solidFill>
+            <a:schemeClr val="tx1"/>
+          </a:solidFill>
           <a:latin typeface="+mn-lt"/>
           <a:ea typeface="+mn-ea"/>
           <a:cs typeface="+mn-cs"/>
         </a:defRPr>
       </a:lvl5pPr>
-      <a:lvl6pPr marL="2514600" indent="-228600" algn="l" defTabSz="457200" rtl="0" eaLnBrk="1" latinLnBrk="0" hangingPunct="1">
+      <a:lvl6pPr marL="2514600" indent="-228600" algn="l" defTabSz="914400" rtl="0" eaLnBrk="1" latinLnBrk="0" hangingPunct="1">
+        <a:lnSpc>
+          <a:spcPct val="90000"/>
+        </a:lnSpc>
         <a:spcBef>
-          <a:spcPct val="20000"/>
+          <a:spcPts val="500"/>
         </a:spcBef>
-        <a:spcAft>
-          <a:spcPts val="600"/>
-        </a:spcAft>
-        <a:buClr>
-          <a:schemeClr val="tx1"/>
-        </a:buClr>
-        <a:buSzPct val="100000"/>
-        <a:buFont typeface="Arial"/>
+        <a:buFont typeface="Arial" panose="020B0604020202020204" pitchFamily="34" charset="0"/>
         <a:buChar char="•"/>
-        <a:defRPr sz="1200" kern="1200" cap="small">
-          <a:gradFill flip="none" rotWithShape="1">
-            <a:gsLst>
-              <a:gs pos="0">
-                <a:schemeClr val="tx1"/>
-              </a:gs>
-              <a:gs pos="100000">
-                <a:schemeClr val="tx1">
-                  <a:lumMod val="75000"/>
-                </a:schemeClr>
-              </a:gs>
-            </a:gsLst>
-            <a:lin ang="5580000" scaled="0"/>
-            <a:tileRect/>
-          </a:gradFill>
-          <a:effectLst>
-            <a:glow rad="38100">
-              <a:schemeClr val="bg1">
-                <a:lumMod val="50000"/>
-                <a:lumOff val="50000"/>
-                <a:alpha val="20000"/>
-              </a:schemeClr>
-            </a:glow>
-            <a:outerShdw blurRad="44450" dist="12700" dir="13860000" algn="tl" rotWithShape="0">
-              <a:srgbClr val="000000">
-                <a:alpha val="20000"/>
-              </a:srgbClr>
-            </a:outerShdw>
-          </a:effectLst>
+        <a:defRPr sz="1600" kern="1200">
+          <a:solidFill>
+            <a:schemeClr val="tx1"/>
+          </a:solidFill>
           <a:latin typeface="+mn-lt"/>
           <a:ea typeface="+mn-ea"/>
           <a:cs typeface="+mn-cs"/>
         </a:defRPr>
       </a:lvl6pPr>
-      <a:lvl7pPr marL="2971800" indent="-228600" algn="l" defTabSz="457200" rtl="0" eaLnBrk="1" latinLnBrk="0" hangingPunct="1">
+      <a:lvl7pPr marL="2971800" indent="-228600" algn="l" defTabSz="914400" rtl="0" eaLnBrk="1" latinLnBrk="0" hangingPunct="1">
+        <a:lnSpc>
+          <a:spcPct val="90000"/>
+        </a:lnSpc>
         <a:spcBef>
-          <a:spcPct val="20000"/>
+          <a:spcPts val="500"/>
         </a:spcBef>
-        <a:spcAft>
-          <a:spcPts val="600"/>
-        </a:spcAft>
-        <a:buClr>
-          <a:schemeClr val="tx1"/>
-        </a:buClr>
-        <a:buSzPct val="100000"/>
-        <a:buFont typeface="Arial"/>
+        <a:buFont typeface="Arial" panose="020B0604020202020204" pitchFamily="34" charset="0"/>
         <a:buChar char="•"/>
-        <a:defRPr sz="1200" kern="1200" cap="small">
-          <a:gradFill flip="none" rotWithShape="1">
-            <a:gsLst>
-              <a:gs pos="0">
-                <a:schemeClr val="tx1"/>
-              </a:gs>
-              <a:gs pos="100000">
-                <a:schemeClr val="tx1">
-                  <a:lumMod val="75000"/>
-                </a:schemeClr>
-              </a:gs>
-            </a:gsLst>
-            <a:lin ang="5580000" scaled="0"/>
-            <a:tileRect/>
-          </a:gradFill>
-          <a:effectLst>
-            <a:glow rad="38100">
-              <a:schemeClr val="bg1">
-                <a:lumMod val="50000"/>
-                <a:lumOff val="50000"/>
-                <a:alpha val="20000"/>
-              </a:schemeClr>
-            </a:glow>
-            <a:outerShdw blurRad="44450" dist="12700" dir="13860000" algn="tl" rotWithShape="0">
-              <a:srgbClr val="000000">
-                <a:alpha val="20000"/>
-              </a:srgbClr>
-            </a:outerShdw>
-          </a:effectLst>
+        <a:defRPr sz="1600" kern="1200">
+          <a:solidFill>
+            <a:schemeClr val="tx1"/>
+          </a:solidFill>
           <a:latin typeface="+mn-lt"/>
           <a:ea typeface="+mn-ea"/>
           <a:cs typeface="+mn-cs"/>
         </a:defRPr>
       </a:lvl7pPr>
-      <a:lvl8pPr marL="3429000" indent="-228600" algn="l" defTabSz="457200" rtl="0" eaLnBrk="1" latinLnBrk="0" hangingPunct="1">
+      <a:lvl8pPr marL="3429000" indent="-228600" algn="l" defTabSz="914400" rtl="0" eaLnBrk="1" latinLnBrk="0" hangingPunct="1">
+        <a:lnSpc>
+          <a:spcPct val="90000"/>
+        </a:lnSpc>
         <a:spcBef>
-          <a:spcPct val="20000"/>
+          <a:spcPts val="500"/>
         </a:spcBef>
-        <a:spcAft>
-          <a:spcPts val="600"/>
-        </a:spcAft>
-        <a:buClr>
-          <a:schemeClr val="tx1"/>
-        </a:buClr>
-        <a:buSzPct val="100000"/>
-        <a:buFont typeface="Arial"/>
+        <a:buFont typeface="Arial" panose="020B0604020202020204" pitchFamily="34" charset="0"/>
         <a:buChar char="•"/>
-        <a:defRPr sz="1200" kern="1200" cap="small">
-          <a:gradFill flip="none" rotWithShape="1">
-            <a:gsLst>
-              <a:gs pos="0">
-                <a:schemeClr val="tx1"/>
-              </a:gs>
-              <a:gs pos="100000">
-                <a:schemeClr val="tx1">
-                  <a:lumMod val="75000"/>
-                </a:schemeClr>
-              </a:gs>
-            </a:gsLst>
-            <a:lin ang="5580000" scaled="0"/>
-            <a:tileRect/>
-          </a:gradFill>
-          <a:effectLst>
-            <a:glow rad="38100">
-              <a:schemeClr val="bg1">
-                <a:lumMod val="50000"/>
-                <a:lumOff val="50000"/>
-                <a:alpha val="20000"/>
-              </a:schemeClr>
-            </a:glow>
-            <a:outerShdw blurRad="44450" dist="12700" dir="13860000" algn="tl" rotWithShape="0">
-              <a:srgbClr val="000000">
-                <a:alpha val="20000"/>
-              </a:srgbClr>
-            </a:outerShdw>
-          </a:effectLst>
+        <a:defRPr sz="1600" kern="1200">
+          <a:solidFill>
+            <a:schemeClr val="tx1"/>
+          </a:solidFill>
           <a:latin typeface="+mn-lt"/>
           <a:ea typeface="+mn-ea"/>
           <a:cs typeface="+mn-cs"/>
         </a:defRPr>
       </a:lvl8pPr>
-      <a:lvl9pPr marL="3886200" indent="-228600" algn="l" defTabSz="457200" rtl="0" eaLnBrk="1" latinLnBrk="0" hangingPunct="1">
+      <a:lvl9pPr marL="3886200" indent="-228600" algn="l" defTabSz="914400" rtl="0" eaLnBrk="1" latinLnBrk="0" hangingPunct="1">
+        <a:lnSpc>
+          <a:spcPct val="90000"/>
+        </a:lnSpc>
         <a:spcBef>
-          <a:spcPct val="20000"/>
+          <a:spcPts val="500"/>
         </a:spcBef>
-        <a:spcAft>
-          <a:spcPts val="600"/>
-        </a:spcAft>
-        <a:buClr>
-          <a:schemeClr val="tx1"/>
-        </a:buClr>
-        <a:buSzPct val="100000"/>
-        <a:buFont typeface="Arial"/>
+        <a:buFont typeface="Arial" panose="020B0604020202020204" pitchFamily="34" charset="0"/>
         <a:buChar char="•"/>
-        <a:defRPr sz="1200" kern="1200" cap="small">
-          <a:gradFill flip="none" rotWithShape="1">
-            <a:gsLst>
-              <a:gs pos="0">
-                <a:schemeClr val="tx1"/>
-              </a:gs>
-              <a:gs pos="100000">
-                <a:schemeClr val="tx1">
-                  <a:lumMod val="75000"/>
-                </a:schemeClr>
-              </a:gs>
-            </a:gsLst>
-            <a:lin ang="5580000" scaled="0"/>
-            <a:tileRect/>
-          </a:gradFill>
-          <a:effectLst>
-            <a:glow rad="38100">
-              <a:schemeClr val="bg1">
-                <a:lumMod val="50000"/>
-                <a:lumOff val="50000"/>
-                <a:alpha val="20000"/>
-              </a:schemeClr>
-            </a:glow>
-            <a:outerShdw blurRad="44450" dist="12700" dir="13860000" algn="tl" rotWithShape="0">
-              <a:srgbClr val="000000">
-                <a:alpha val="20000"/>
-              </a:srgbClr>
-            </a:outerShdw>
-          </a:effectLst>
+        <a:defRPr sz="1600" kern="1200">
+          <a:solidFill>
+            <a:schemeClr val="tx1"/>
+          </a:solidFill>
           <a:latin typeface="+mn-lt"/>
           <a:ea typeface="+mn-ea"/>
           <a:cs typeface="+mn-cs"/>
@@ -5615,7 +5641,7 @@
       <a:defPPr>
         <a:defRPr lang="en-US"/>
       </a:defPPr>
-      <a:lvl1pPr marL="0" algn="l" defTabSz="457200" rtl="0" eaLnBrk="1" latinLnBrk="0" hangingPunct="1">
+      <a:lvl1pPr marL="0" algn="l" defTabSz="914400" rtl="0" eaLnBrk="1" latinLnBrk="0" hangingPunct="1">
         <a:defRPr sz="1800" kern="1200">
           <a:solidFill>
             <a:schemeClr val="tx1"/>
@@ -5625,7 +5651,7 @@
           <a:cs typeface="+mn-cs"/>
         </a:defRPr>
       </a:lvl1pPr>
-      <a:lvl2pPr marL="457200" algn="l" defTabSz="457200" rtl="0" eaLnBrk="1" latinLnBrk="0" hangingPunct="1">
+      <a:lvl2pPr marL="457200" algn="l" defTabSz="914400" rtl="0" eaLnBrk="1" latinLnBrk="0" hangingPunct="1">
         <a:defRPr sz="1800" kern="1200">
           <a:solidFill>
             <a:schemeClr val="tx1"/>
@@ -5635,7 +5661,7 @@
           <a:cs typeface="+mn-cs"/>
         </a:defRPr>
       </a:lvl2pPr>
-      <a:lvl3pPr marL="914400" algn="l" defTabSz="457200" rtl="0" eaLnBrk="1" latinLnBrk="0" hangingPunct="1">
+      <a:lvl3pPr marL="914400" algn="l" defTabSz="914400" rtl="0" eaLnBrk="1" latinLnBrk="0" hangingPunct="1">
         <a:defRPr sz="1800" kern="1200">
           <a:solidFill>
             <a:schemeClr val="tx1"/>
@@ -5645,7 +5671,7 @@
           <a:cs typeface="+mn-cs"/>
         </a:defRPr>
       </a:lvl3pPr>
-      <a:lvl4pPr marL="1371600" algn="l" defTabSz="457200" rtl="0" eaLnBrk="1" latinLnBrk="0" hangingPunct="1">
+      <a:lvl4pPr marL="1371600" algn="l" defTabSz="914400" rtl="0" eaLnBrk="1" latinLnBrk="0" hangingPunct="1">
         <a:defRPr sz="1800" kern="1200">
           <a:solidFill>
             <a:schemeClr val="tx1"/>
@@ -5655,7 +5681,7 @@
           <a:cs typeface="+mn-cs"/>
         </a:defRPr>
       </a:lvl4pPr>
-      <a:lvl5pPr marL="1828800" algn="l" defTabSz="457200" rtl="0" eaLnBrk="1" latinLnBrk="0" hangingPunct="1">
+      <a:lvl5pPr marL="1828800" algn="l" defTabSz="914400" rtl="0" eaLnBrk="1" latinLnBrk="0" hangingPunct="1">
         <a:defRPr sz="1800" kern="1200">
           <a:solidFill>
             <a:schemeClr val="tx1"/>
@@ -5665,7 +5691,7 @@
           <a:cs typeface="+mn-cs"/>
         </a:defRPr>
       </a:lvl5pPr>
-      <a:lvl6pPr marL="2286000" algn="l" defTabSz="457200" rtl="0" eaLnBrk="1" latinLnBrk="0" hangingPunct="1">
+      <a:lvl6pPr marL="2286000" algn="l" defTabSz="914400" rtl="0" eaLnBrk="1" latinLnBrk="0" hangingPunct="1">
         <a:defRPr sz="1800" kern="1200">
           <a:solidFill>
             <a:schemeClr val="tx1"/>
@@ -5675,7 +5701,7 @@
           <a:cs typeface="+mn-cs"/>
         </a:defRPr>
       </a:lvl6pPr>
-      <a:lvl7pPr marL="2743200" algn="l" defTabSz="457200" rtl="0" eaLnBrk="1" latinLnBrk="0" hangingPunct="1">
+      <a:lvl7pPr marL="2743200" algn="l" defTabSz="914400" rtl="0" eaLnBrk="1" latinLnBrk="0" hangingPunct="1">
         <a:defRPr sz="1800" kern="1200">
           <a:solidFill>
             <a:schemeClr val="tx1"/>
@@ -5685,7 +5711,7 @@
           <a:cs typeface="+mn-cs"/>
         </a:defRPr>
       </a:lvl7pPr>
-      <a:lvl8pPr marL="3200400" algn="l" defTabSz="457200" rtl="0" eaLnBrk="1" latinLnBrk="0" hangingPunct="1">
+      <a:lvl8pPr marL="3200400" algn="l" defTabSz="914400" rtl="0" eaLnBrk="1" latinLnBrk="0" hangingPunct="1">
         <a:defRPr sz="1800" kern="1200">
           <a:solidFill>
             <a:schemeClr val="tx1"/>
@@ -5695,7 +5721,7 @@
           <a:cs typeface="+mn-cs"/>
         </a:defRPr>
       </a:lvl8pPr>
-      <a:lvl9pPr marL="3657600" algn="l" defTabSz="457200" rtl="0" eaLnBrk="1" latinLnBrk="0" hangingPunct="1">
+      <a:lvl9pPr marL="3657600" algn="l" defTabSz="914400" rtl="0" eaLnBrk="1" latinLnBrk="0" hangingPunct="1">
         <a:defRPr sz="1800" kern="1200">
           <a:solidFill>
             <a:schemeClr val="tx1"/>
@@ -5742,7 +5768,7 @@
         <p:spPr>
           <a:xfrm>
             <a:off x="206829" y="2782079"/>
-            <a:ext cx="11625942" cy="769441"/>
+            <a:ext cx="11625942" cy="707886"/>
           </a:xfrm>
           <a:prstGeom prst="rect">
             <a:avLst/>
@@ -5757,10 +5783,10 @@
           <a:p>
             <a:pPr algn="ctr"/>
             <a:r>
-              <a:rPr lang="en-US" sz="4400" b="1" dirty="0"/>
+              <a:rPr lang="en-US" sz="4000" b="1" dirty="0"/>
               <a:t>Customer Churn Prediction Model – SyriaTel</a:t>
             </a:r>
-            <a:endParaRPr lang="en-US" sz="4400" dirty="0"/>
+            <a:endParaRPr lang="en-US" sz="4000" dirty="0"/>
           </a:p>
         </p:txBody>
       </p:sp>
@@ -5809,7 +5835,7 @@
         <p:spPr>
           <a:xfrm>
             <a:off x="228601" y="381000"/>
-            <a:ext cx="11865428" cy="5262979"/>
+            <a:ext cx="11865428" cy="3785652"/>
           </a:xfrm>
           <a:prstGeom prst="rect">
             <a:avLst/>
@@ -5824,38 +5850,41 @@
           <a:p>
             <a:pPr algn="ctr"/>
             <a:r>
-              <a:rPr lang="en-US" sz="2800" b="1" dirty="0"/>
+              <a:rPr lang="en-US" sz="2400" b="1" dirty="0"/>
               <a:t>Business Overview</a:t>
             </a:r>
           </a:p>
           <a:p>
-            <a:endParaRPr lang="en-US" sz="2800" b="1" dirty="0"/>
-          </a:p>
-          <a:p>
-            <a:r>
-              <a:rPr lang="en-US" sz="2800" b="1" dirty="0"/>
+            <a:endParaRPr lang="en-US" sz="2000" b="1" dirty="0"/>
+          </a:p>
+          <a:p>
+            <a:r>
+              <a:rPr lang="en-US" b="1" dirty="0"/>
               <a:t>Objective:</a:t>
             </a:r>
             <a:br>
-              <a:rPr lang="en-US" sz="2800" dirty="0"/>
+              <a:rPr lang="en-US" dirty="0"/>
             </a:br>
             <a:r>
-              <a:rPr lang="en-US" sz="2800" dirty="0"/>
+              <a:rPr lang="en-US" dirty="0"/>
               <a:t>To build a model that predicts whether a customer is likely to churn (stop using SyriaTel services).</a:t>
             </a:r>
           </a:p>
           <a:p>
-            <a:endParaRPr lang="en-US" sz="2800" dirty="0"/>
-          </a:p>
-          <a:p>
-            <a:endParaRPr lang="en-US" sz="2800" dirty="0"/>
-          </a:p>
-          <a:p>
-            <a:r>
-              <a:rPr lang="en-US" sz="2800" b="1" dirty="0"/>
+            <a:endParaRPr lang="en-US" dirty="0"/>
+          </a:p>
+          <a:p>
+            <a:endParaRPr lang="en-US" dirty="0"/>
+          </a:p>
+          <a:p>
+            <a:endParaRPr lang="en-US" dirty="0"/>
+          </a:p>
+          <a:p>
+            <a:r>
+              <a:rPr lang="en-US" b="1" dirty="0"/>
               <a:t>Why it matters:</a:t>
             </a:r>
-            <a:endParaRPr lang="en-US" sz="2800" dirty="0"/>
+            <a:endParaRPr lang="en-US" dirty="0"/>
           </a:p>
           <a:p>
             <a:pPr marL="457200" indent="-457200">
@@ -5863,15 +5892,15 @@
               <a:buChar char="•"/>
             </a:pPr>
             <a:r>
-              <a:rPr lang="en-US" sz="2800" dirty="0"/>
+              <a:rPr lang="en-US" dirty="0"/>
               <a:t>Acquiring new customers is </a:t>
             </a:r>
             <a:r>
-              <a:rPr lang="en-US" sz="2800" b="1" dirty="0"/>
+              <a:rPr lang="en-US" b="1" dirty="0"/>
               <a:t>5x more expensive</a:t>
             </a:r>
             <a:r>
-              <a:rPr lang="en-US" sz="2800" dirty="0"/>
+              <a:rPr lang="en-US" dirty="0"/>
               <a:t> than retaining existing ones.</a:t>
             </a:r>
           </a:p>
@@ -5881,15 +5910,15 @@
               <a:buChar char="•"/>
             </a:pPr>
             <a:r>
-              <a:rPr lang="en-US" sz="2800" dirty="0"/>
+              <a:rPr lang="en-US" dirty="0"/>
               <a:t>Early detection of churn risk helps </a:t>
             </a:r>
             <a:r>
-              <a:rPr lang="en-US" sz="2800" b="1" dirty="0"/>
+              <a:rPr lang="en-US" b="1" dirty="0"/>
               <a:t>increase customer loyalty and revenue</a:t>
             </a:r>
             <a:r>
-              <a:rPr lang="en-US" sz="2800" dirty="0"/>
+              <a:rPr lang="en-US" dirty="0"/>
               <a:t>.</a:t>
             </a:r>
           </a:p>
@@ -5899,30 +5928,34 @@
               <a:buChar char="•"/>
             </a:pPr>
             <a:r>
-              <a:rPr lang="en-US" sz="2800" dirty="0"/>
+              <a:rPr lang="en-US" dirty="0"/>
               <a:t>Aligns with </a:t>
             </a:r>
             <a:r>
-              <a:rPr lang="en-US" sz="2800" dirty="0" err="1"/>
+              <a:rPr lang="en-US" dirty="0" err="1"/>
               <a:t>SyriaTel’s</a:t>
             </a:r>
             <a:r>
-              <a:rPr lang="en-US" sz="2800" dirty="0"/>
+              <a:rPr lang="en-US" dirty="0"/>
               <a:t> goal of </a:t>
             </a:r>
             <a:r>
-              <a:rPr lang="en-US" sz="2800" b="1" dirty="0"/>
+              <a:rPr lang="en-US" b="1" dirty="0"/>
               <a:t>enhancing customer satisfaction</a:t>
             </a:r>
             <a:r>
-              <a:rPr lang="en-US" sz="2800" dirty="0"/>
+              <a:rPr lang="en-US" dirty="0"/>
               <a:t> and </a:t>
             </a:r>
             <a:r>
-              <a:rPr lang="en-US" sz="2800" b="1" dirty="0"/>
-              <a:t>retention.</a:t>
-            </a:r>
-            <a:endParaRPr lang="en-US" sz="2800" dirty="0"/>
+              <a:rPr lang="en-US" b="1" dirty="0"/>
+              <a:t>retention</a:t>
+            </a:r>
+            <a:r>
+              <a:rPr lang="en-US" sz="2400" b="1" dirty="0"/>
+              <a:t>.</a:t>
+            </a:r>
+            <a:endParaRPr lang="en-US" sz="2400" dirty="0"/>
           </a:p>
           <a:p>
             <a:endParaRPr lang="en-US" sz="2800" b="1" dirty="0"/>
@@ -5959,6 +5992,211 @@
           <a:chExt cx="0" cy="0"/>
         </a:xfrm>
       </p:grpSpPr>
+      <p:sp>
+        <p:nvSpPr>
+          <p:cNvPr id="3" name="TextBox 2">
+            <a:extLst>
+              <a:ext uri="{FF2B5EF4-FFF2-40B4-BE49-F238E27FC236}">
+                <a16:creationId xmlns:a16="http://schemas.microsoft.com/office/drawing/2014/main" id="{7AF474F6-3685-FC51-8A33-30D15B1BBAA8}"/>
+              </a:ext>
+            </a:extLst>
+          </p:cNvPr>
+          <p:cNvSpPr txBox="1"/>
+          <p:nvPr/>
+        </p:nvSpPr>
+        <p:spPr>
+          <a:xfrm>
+            <a:off x="740228" y="659011"/>
+            <a:ext cx="11223172" cy="5539978"/>
+          </a:xfrm>
+          <a:prstGeom prst="rect">
+            <a:avLst/>
+          </a:prstGeom>
+          <a:noFill/>
+        </p:spPr>
+        <p:txBody>
+          <a:bodyPr wrap="square">
+            <a:spAutoFit/>
+          </a:bodyPr>
+          <a:lstStyle/>
+          <a:p>
+            <a:pPr algn="ctr">
+              <a:buNone/>
+            </a:pPr>
+            <a:r>
+              <a:rPr lang="en-US" sz="2400" b="1" dirty="0"/>
+              <a:t>Exploratory Data Analysis (EDA)</a:t>
+            </a:r>
+          </a:p>
+          <a:p>
+            <a:pPr algn="ctr">
+              <a:buNone/>
+            </a:pPr>
+            <a:endParaRPr lang="en-US" sz="2400" b="1" dirty="0"/>
+          </a:p>
+          <a:p>
+            <a:pPr>
+              <a:lnSpc>
+                <a:spcPct val="150000"/>
+              </a:lnSpc>
+              <a:buNone/>
+            </a:pPr>
+            <a:r>
+              <a:rPr lang="en-US" b="1" dirty="0"/>
+              <a:t>What I Explored:</a:t>
+            </a:r>
+            <a:endParaRPr lang="en-US" dirty="0"/>
+          </a:p>
+          <a:p>
+            <a:pPr>
+              <a:lnSpc>
+                <a:spcPct val="150000"/>
+              </a:lnSpc>
+              <a:buFont typeface="Arial" panose="020B0604020202020204" pitchFamily="34" charset="0"/>
+              <a:buChar char="•"/>
+            </a:pPr>
+            <a:r>
+              <a:rPr lang="en-US" b="1" dirty="0"/>
+              <a:t>Demographics</a:t>
+            </a:r>
+            <a:r>
+              <a:rPr lang="en-US" dirty="0"/>
+              <a:t>: Customer location and phone usage</a:t>
+            </a:r>
+          </a:p>
+          <a:p>
+            <a:pPr>
+              <a:lnSpc>
+                <a:spcPct val="150000"/>
+              </a:lnSpc>
+              <a:buFont typeface="Arial" panose="020B0604020202020204" pitchFamily="34" charset="0"/>
+              <a:buChar char="•"/>
+            </a:pPr>
+            <a:r>
+              <a:rPr lang="en-US" b="1" dirty="0"/>
+              <a:t>Behavioral data</a:t>
+            </a:r>
+            <a:r>
+              <a:rPr lang="en-US" dirty="0"/>
+              <a:t>: Call duration, number of calls, service plans</a:t>
+            </a:r>
+          </a:p>
+          <a:p>
+            <a:pPr>
+              <a:lnSpc>
+                <a:spcPct val="150000"/>
+              </a:lnSpc>
+              <a:buFont typeface="Arial" panose="020B0604020202020204" pitchFamily="34" charset="0"/>
+              <a:buChar char="•"/>
+            </a:pPr>
+            <a:r>
+              <a:rPr lang="en-US" b="1" dirty="0"/>
+              <a:t>Churn rate</a:t>
+            </a:r>
+            <a:r>
+              <a:rPr lang="en-US" dirty="0"/>
+              <a:t>: ~10% of customers churned</a:t>
+            </a:r>
+          </a:p>
+          <a:p>
+            <a:pPr>
+              <a:lnSpc>
+                <a:spcPct val="150000"/>
+              </a:lnSpc>
+            </a:pPr>
+            <a:endParaRPr lang="en-US" dirty="0"/>
+          </a:p>
+          <a:p>
+            <a:pPr>
+              <a:lnSpc>
+                <a:spcPct val="150000"/>
+              </a:lnSpc>
+              <a:buFont typeface="Arial" panose="020B0604020202020204" pitchFamily="34" charset="0"/>
+              <a:buChar char="•"/>
+            </a:pPr>
+            <a:endParaRPr lang="en-US" dirty="0"/>
+          </a:p>
+          <a:p>
+            <a:pPr>
+              <a:lnSpc>
+                <a:spcPct val="150000"/>
+              </a:lnSpc>
+              <a:buNone/>
+            </a:pPr>
+            <a:r>
+              <a:rPr lang="en-US" b="1" dirty="0"/>
+              <a:t>Key Observations:</a:t>
+            </a:r>
+            <a:endParaRPr lang="en-US" dirty="0"/>
+          </a:p>
+          <a:p>
+            <a:pPr>
+              <a:lnSpc>
+                <a:spcPct val="150000"/>
+              </a:lnSpc>
+              <a:buFont typeface="Arial" panose="020B0604020202020204" pitchFamily="34" charset="0"/>
+              <a:buChar char="•"/>
+            </a:pPr>
+            <a:r>
+              <a:rPr lang="en-US" dirty="0"/>
+              <a:t>High churn linked to </a:t>
+            </a:r>
+            <a:r>
+              <a:rPr lang="en-US" b="1" dirty="0"/>
+              <a:t>multiple customer service calls</a:t>
+            </a:r>
+            <a:endParaRPr lang="en-US" dirty="0"/>
+          </a:p>
+          <a:p>
+            <a:pPr>
+              <a:lnSpc>
+                <a:spcPct val="150000"/>
+              </a:lnSpc>
+              <a:buFont typeface="Arial" panose="020B0604020202020204" pitchFamily="34" charset="0"/>
+              <a:buChar char="•"/>
+            </a:pPr>
+            <a:r>
+              <a:rPr lang="en-US" dirty="0"/>
+              <a:t>Customers without </a:t>
+            </a:r>
+            <a:r>
+              <a:rPr lang="en-US" b="1" dirty="0"/>
+              <a:t>voice mail or international plans</a:t>
+            </a:r>
+            <a:r>
+              <a:rPr lang="en-US" dirty="0"/>
+              <a:t> are more likely to churn</a:t>
+            </a:r>
+          </a:p>
+          <a:p>
+            <a:pPr>
+              <a:lnSpc>
+                <a:spcPct val="150000"/>
+              </a:lnSpc>
+              <a:buFont typeface="Arial" panose="020B0604020202020204" pitchFamily="34" charset="0"/>
+              <a:buChar char="•"/>
+            </a:pPr>
+            <a:r>
+              <a:rPr lang="en-US" dirty="0"/>
+              <a:t>Usage patterns (day vs night) provide predictive signals</a:t>
+            </a:r>
+          </a:p>
+          <a:p>
+            <a:pPr>
+              <a:buFont typeface="Arial" panose="020B0604020202020204" pitchFamily="34" charset="0"/>
+              <a:buChar char="•"/>
+            </a:pPr>
+            <a:endParaRPr lang="en-US" dirty="0"/>
+          </a:p>
+          <a:p>
+            <a:pPr>
+              <a:buFont typeface="Arial" panose="020B0604020202020204" pitchFamily="34" charset="0"/>
+              <a:buChar char="•"/>
+            </a:pPr>
+            <a:endParaRPr lang="en-US" dirty="0"/>
+          </a:p>
+        </p:txBody>
+      </p:sp>
     </p:spTree>
     <p:extLst>
       <p:ext uri="{BB962C8B-B14F-4D97-AF65-F5344CB8AC3E}">
@@ -5989,6 +6227,188 @@
           <a:chExt cx="0" cy="0"/>
         </a:xfrm>
       </p:grpSpPr>
+      <p:sp>
+        <p:nvSpPr>
+          <p:cNvPr id="3" name="TextBox 2">
+            <a:extLst>
+              <a:ext uri="{FF2B5EF4-FFF2-40B4-BE49-F238E27FC236}">
+                <a16:creationId xmlns:a16="http://schemas.microsoft.com/office/drawing/2014/main" id="{2D3B67B5-A334-FCDA-2301-2B9A471A55F2}"/>
+              </a:ext>
+            </a:extLst>
+          </p:cNvPr>
+          <p:cNvSpPr txBox="1"/>
+          <p:nvPr/>
+        </p:nvSpPr>
+        <p:spPr>
+          <a:xfrm>
+            <a:off x="511628" y="520511"/>
+            <a:ext cx="11168743" cy="5447645"/>
+          </a:xfrm>
+          <a:prstGeom prst="rect">
+            <a:avLst/>
+          </a:prstGeom>
+          <a:noFill/>
+        </p:spPr>
+        <p:txBody>
+          <a:bodyPr wrap="square">
+            <a:spAutoFit/>
+          </a:bodyPr>
+          <a:lstStyle/>
+          <a:p>
+            <a:pPr algn="ctr">
+              <a:buNone/>
+            </a:pPr>
+            <a:r>
+              <a:rPr lang="en-US" sz="2400" b="1" dirty="0"/>
+              <a:t>Data Processing and Modeling</a:t>
+            </a:r>
+          </a:p>
+          <a:p>
+            <a:pPr>
+              <a:buNone/>
+            </a:pPr>
+            <a:r>
+              <a:rPr lang="en-US" b="1" dirty="0"/>
+              <a:t>How I Built the Model:</a:t>
+            </a:r>
+            <a:endParaRPr lang="en-US" dirty="0"/>
+          </a:p>
+          <a:p>
+            <a:pPr>
+              <a:buFont typeface="+mj-lt"/>
+              <a:buAutoNum type="arabicPeriod"/>
+            </a:pPr>
+            <a:r>
+              <a:rPr lang="en-US" b="1" dirty="0"/>
+              <a:t>Data Cleaning</a:t>
+            </a:r>
+            <a:endParaRPr lang="en-US" dirty="0"/>
+          </a:p>
+          <a:p>
+            <a:pPr marL="742950" lvl="1" indent="-285750">
+              <a:buFont typeface="+mj-lt"/>
+              <a:buAutoNum type="arabicPeriod"/>
+            </a:pPr>
+            <a:r>
+              <a:rPr lang="en-US" dirty="0"/>
+              <a:t>Removed irrelevant fields (e.g., phone number)</a:t>
+            </a:r>
+          </a:p>
+          <a:p>
+            <a:pPr marL="742950" lvl="1" indent="-285750">
+              <a:buFont typeface="+mj-lt"/>
+              <a:buAutoNum type="arabicPeriod"/>
+            </a:pPr>
+            <a:r>
+              <a:rPr lang="en-US" dirty="0"/>
+              <a:t>Converted text to numbers (e.g., Yes/No to 1/0)</a:t>
+            </a:r>
+          </a:p>
+          <a:p>
+            <a:pPr marL="742950" lvl="1" indent="-285750">
+              <a:buFont typeface="+mj-lt"/>
+              <a:buAutoNum type="arabicPeriod"/>
+            </a:pPr>
+            <a:endParaRPr lang="en-US" dirty="0"/>
+          </a:p>
+          <a:p>
+            <a:pPr lvl="1"/>
+            <a:endParaRPr lang="en-US" dirty="0"/>
+          </a:p>
+          <a:p>
+            <a:pPr>
+              <a:buFont typeface="+mj-lt"/>
+              <a:buAutoNum type="arabicPeriod"/>
+            </a:pPr>
+            <a:r>
+              <a:rPr lang="en-US" b="1" dirty="0"/>
+              <a:t>Data Balancing</a:t>
+            </a:r>
+            <a:endParaRPr lang="en-US" dirty="0"/>
+          </a:p>
+          <a:p>
+            <a:pPr marL="742950" lvl="1" indent="-285750">
+              <a:buFont typeface="+mj-lt"/>
+              <a:buAutoNum type="arabicPeriod"/>
+            </a:pPr>
+            <a:r>
+              <a:rPr lang="en-US" dirty="0"/>
+              <a:t>Only 10% churned → I used the SMOTE technique to balance data.</a:t>
+            </a:r>
+          </a:p>
+          <a:p>
+            <a:pPr marL="742950" lvl="1" indent="-285750">
+              <a:buFont typeface="+mj-lt"/>
+              <a:buAutoNum type="arabicPeriod"/>
+            </a:pPr>
+            <a:endParaRPr lang="en-US" dirty="0"/>
+          </a:p>
+          <a:p>
+            <a:pPr lvl="1"/>
+            <a:endParaRPr lang="en-US" dirty="0"/>
+          </a:p>
+          <a:p>
+            <a:pPr>
+              <a:buFont typeface="+mj-lt"/>
+              <a:buAutoNum type="arabicPeriod"/>
+            </a:pPr>
+            <a:r>
+              <a:rPr lang="en-US" b="1" dirty="0"/>
+              <a:t>Model Training</a:t>
+            </a:r>
+            <a:endParaRPr lang="en-US" dirty="0"/>
+          </a:p>
+          <a:p>
+            <a:pPr marL="742950" lvl="1" indent="-285750">
+              <a:buFont typeface="+mj-lt"/>
+              <a:buAutoNum type="arabicPeriod"/>
+            </a:pPr>
+            <a:r>
+              <a:rPr lang="en-US" dirty="0"/>
+              <a:t>I Tried various algorithms; then chose one with highest accuracy and reliability.</a:t>
+            </a:r>
+          </a:p>
+          <a:p>
+            <a:pPr marL="742950" lvl="1" indent="-285750">
+              <a:buFont typeface="+mj-lt"/>
+              <a:buAutoNum type="arabicPeriod"/>
+            </a:pPr>
+            <a:endParaRPr lang="en-US" b="1" dirty="0"/>
+          </a:p>
+          <a:p>
+            <a:pPr lvl="1"/>
+            <a:endParaRPr lang="en-US" dirty="0"/>
+          </a:p>
+          <a:p>
+            <a:pPr>
+              <a:buNone/>
+            </a:pPr>
+            <a:r>
+              <a:rPr lang="en-US" b="1" dirty="0"/>
+              <a:t>Outcome:</a:t>
+            </a:r>
+            <a:br>
+              <a:rPr lang="en-US" dirty="0"/>
+            </a:br>
+            <a:r>
+              <a:rPr lang="en-US" dirty="0"/>
+              <a:t>Built a model that learns from customer behavior to predict churn before it happens.</a:t>
+            </a:r>
+          </a:p>
+          <a:p>
+            <a:pPr>
+              <a:buNone/>
+            </a:pPr>
+            <a:endParaRPr lang="en-US" b="1" dirty="0"/>
+          </a:p>
+          <a:p>
+            <a:pPr>
+              <a:buNone/>
+            </a:pPr>
+            <a:endParaRPr lang="en-US" dirty="0"/>
+          </a:p>
+        </p:txBody>
+      </p:sp>
     </p:spTree>
     <p:extLst>
       <p:ext uri="{BB962C8B-B14F-4D97-AF65-F5344CB8AC3E}">
@@ -6019,6 +6439,116 @@
           <a:chExt cx="0" cy="0"/>
         </a:xfrm>
       </p:grpSpPr>
+      <p:sp>
+        <p:nvSpPr>
+          <p:cNvPr id="3" name="TextBox 2">
+            <a:extLst>
+              <a:ext uri="{FF2B5EF4-FFF2-40B4-BE49-F238E27FC236}">
+                <a16:creationId xmlns:a16="http://schemas.microsoft.com/office/drawing/2014/main" id="{86EA7954-4DAF-53F7-4C53-4AD02719317D}"/>
+              </a:ext>
+            </a:extLst>
+          </p:cNvPr>
+          <p:cNvSpPr txBox="1"/>
+          <p:nvPr/>
+        </p:nvSpPr>
+        <p:spPr>
+          <a:xfrm>
+            <a:off x="533400" y="326570"/>
+            <a:ext cx="10907486" cy="2769989"/>
+          </a:xfrm>
+          <a:prstGeom prst="rect">
+            <a:avLst/>
+          </a:prstGeom>
+          <a:noFill/>
+        </p:spPr>
+        <p:txBody>
+          <a:bodyPr wrap="square">
+            <a:spAutoFit/>
+          </a:bodyPr>
+          <a:lstStyle/>
+          <a:p>
+            <a:pPr algn="ctr">
+              <a:buNone/>
+            </a:pPr>
+            <a:r>
+              <a:rPr lang="en-US" sz="2400" b="1" dirty="0"/>
+              <a:t>Model Performance &amp; Results</a:t>
+            </a:r>
+          </a:p>
+          <a:p>
+            <a:pPr algn="ctr">
+              <a:buNone/>
+            </a:pPr>
+            <a:endParaRPr lang="en-US" sz="2400" b="1" dirty="0"/>
+          </a:p>
+          <a:p>
+            <a:pPr>
+              <a:buNone/>
+            </a:pPr>
+            <a:r>
+              <a:rPr lang="en-US" b="1" dirty="0"/>
+              <a:t>Metric Used:</a:t>
+            </a:r>
+            <a:br>
+              <a:rPr lang="en-US" dirty="0"/>
+            </a:br>
+            <a:r>
+              <a:rPr lang="en-US" b="1" dirty="0"/>
+              <a:t>ROC-AUC Score = 0.917</a:t>
+            </a:r>
+            <a:r>
+              <a:rPr lang="en-US" dirty="0"/>
+              <a:t> (Excellent Performance)</a:t>
+            </a:r>
+          </a:p>
+          <a:p>
+            <a:pPr>
+              <a:buNone/>
+            </a:pPr>
+            <a:endParaRPr lang="en-US" dirty="0"/>
+          </a:p>
+          <a:p>
+            <a:pPr>
+              <a:buNone/>
+            </a:pPr>
+            <a:endParaRPr lang="en-US" dirty="0"/>
+          </a:p>
+          <a:p>
+            <a:pPr>
+              <a:buNone/>
+            </a:pPr>
+            <a:r>
+              <a:rPr lang="en-US" b="1" dirty="0"/>
+              <a:t>Interpretation:</a:t>
+            </a:r>
+            <a:endParaRPr lang="en-US" dirty="0"/>
+          </a:p>
+          <a:p>
+            <a:pPr>
+              <a:buFont typeface="Arial" panose="020B0604020202020204" pitchFamily="34" charset="0"/>
+              <a:buChar char="•"/>
+            </a:pPr>
+            <a:r>
+              <a:rPr lang="en-US" b="1" dirty="0"/>
+              <a:t>91.7% accuracy</a:t>
+            </a:r>
+            <a:r>
+              <a:rPr lang="en-US" dirty="0"/>
+              <a:t> in distinguishing between churners and non-churners</a:t>
+            </a:r>
+          </a:p>
+          <a:p>
+            <a:pPr>
+              <a:buFont typeface="Arial" panose="020B0604020202020204" pitchFamily="34" charset="0"/>
+              <a:buChar char="•"/>
+            </a:pPr>
+            <a:r>
+              <a:rPr lang="en-US" dirty="0"/>
+              <a:t>The model is reliable and can be used for real-time customer scoring</a:t>
+            </a:r>
+          </a:p>
+        </p:txBody>
+      </p:sp>
     </p:spTree>
     <p:extLst>
       <p:ext uri="{BB962C8B-B14F-4D97-AF65-F5344CB8AC3E}">
@@ -6032,10 +6562,575 @@
 </p:sld>
 </file>
 
+<file path=ppt/slides/slide6.xml><?xml version="1.0" encoding="utf-8"?>
+<p:sld xmlns:a="http://schemas.openxmlformats.org/drawingml/2006/main" xmlns:r="http://schemas.openxmlformats.org/officeDocument/2006/relationships" xmlns:p="http://schemas.openxmlformats.org/presentationml/2006/main">
+  <p:cSld>
+    <p:spTree>
+      <p:nvGrpSpPr>
+        <p:cNvPr id="1" name=""/>
+        <p:cNvGrpSpPr/>
+        <p:nvPr/>
+      </p:nvGrpSpPr>
+      <p:grpSpPr>
+        <a:xfrm>
+          <a:off x="0" y="0"/>
+          <a:ext cx="0" cy="0"/>
+          <a:chOff x="0" y="0"/>
+          <a:chExt cx="0" cy="0"/>
+        </a:xfrm>
+      </p:grpSpPr>
+      <p:sp>
+        <p:nvSpPr>
+          <p:cNvPr id="3" name="TextBox 2">
+            <a:extLst>
+              <a:ext uri="{FF2B5EF4-FFF2-40B4-BE49-F238E27FC236}">
+                <a16:creationId xmlns:a16="http://schemas.microsoft.com/office/drawing/2014/main" id="{6E036B35-013C-6B90-2795-273A4FE838A3}"/>
+              </a:ext>
+            </a:extLst>
+          </p:cNvPr>
+          <p:cNvSpPr txBox="1"/>
+          <p:nvPr/>
+        </p:nvSpPr>
+        <p:spPr>
+          <a:xfrm>
+            <a:off x="228599" y="446314"/>
+            <a:ext cx="11767457" cy="2769989"/>
+          </a:xfrm>
+          <a:prstGeom prst="rect">
+            <a:avLst/>
+          </a:prstGeom>
+          <a:noFill/>
+        </p:spPr>
+        <p:txBody>
+          <a:bodyPr wrap="square">
+            <a:spAutoFit/>
+          </a:bodyPr>
+          <a:lstStyle/>
+          <a:p>
+            <a:pPr algn="ctr">
+              <a:buNone/>
+            </a:pPr>
+            <a:r>
+              <a:rPr lang="en-US" sz="2400" b="1" dirty="0"/>
+              <a:t>Key Insights</a:t>
+            </a:r>
+          </a:p>
+          <a:p>
+            <a:pPr algn="ctr">
+              <a:buNone/>
+            </a:pPr>
+            <a:endParaRPr lang="en-US" sz="2400" b="1" dirty="0"/>
+          </a:p>
+          <a:p>
+            <a:pPr>
+              <a:buFont typeface="Arial" panose="020B0604020202020204" pitchFamily="34" charset="0"/>
+              <a:buChar char="•"/>
+            </a:pPr>
+            <a:r>
+              <a:rPr lang="en-US" dirty="0"/>
+              <a:t>Customers with many customer service calls have high churn risk</a:t>
+            </a:r>
+          </a:p>
+          <a:p>
+            <a:pPr>
+              <a:buFont typeface="Arial" panose="020B0604020202020204" pitchFamily="34" charset="0"/>
+              <a:buChar char="•"/>
+            </a:pPr>
+            <a:endParaRPr lang="en-US" dirty="0"/>
+          </a:p>
+          <a:p>
+            <a:pPr>
+              <a:buFont typeface="Arial" panose="020B0604020202020204" pitchFamily="34" charset="0"/>
+              <a:buChar char="•"/>
+            </a:pPr>
+            <a:r>
+              <a:rPr lang="en-US" dirty="0"/>
+              <a:t>Lack of international/voice mail plans is a common trait among churners</a:t>
+            </a:r>
+          </a:p>
+          <a:p>
+            <a:pPr>
+              <a:buFont typeface="Arial" panose="020B0604020202020204" pitchFamily="34" charset="0"/>
+              <a:buChar char="•"/>
+            </a:pPr>
+            <a:endParaRPr lang="en-US" dirty="0"/>
+          </a:p>
+          <a:p>
+            <a:pPr>
+              <a:buFont typeface="Arial" panose="020B0604020202020204" pitchFamily="34" charset="0"/>
+              <a:buChar char="•"/>
+            </a:pPr>
+            <a:r>
+              <a:rPr lang="en-US" dirty="0"/>
+              <a:t>High daytime charges correlate with churn</a:t>
+            </a:r>
+          </a:p>
+          <a:p>
+            <a:pPr>
+              <a:buFont typeface="Arial" panose="020B0604020202020204" pitchFamily="34" charset="0"/>
+              <a:buChar char="•"/>
+            </a:pPr>
+            <a:endParaRPr lang="en-US" dirty="0"/>
+          </a:p>
+          <a:p>
+            <a:pPr>
+              <a:buFont typeface="Arial" panose="020B0604020202020204" pitchFamily="34" charset="0"/>
+              <a:buChar char="•"/>
+            </a:pPr>
+            <a:r>
+              <a:rPr lang="en-US" dirty="0"/>
+              <a:t>Data shows consistent patterns in how churners behave differently</a:t>
+            </a:r>
+          </a:p>
+        </p:txBody>
+      </p:sp>
+    </p:spTree>
+    <p:extLst>
+      <p:ext uri="{BB962C8B-B14F-4D97-AF65-F5344CB8AC3E}">
+        <p14:creationId xmlns:p14="http://schemas.microsoft.com/office/powerpoint/2010/main" val="1303929268"/>
+      </p:ext>
+    </p:extLst>
+  </p:cSld>
+  <p:clrMapOvr>
+    <a:masterClrMapping/>
+  </p:clrMapOvr>
+</p:sld>
+</file>
+
+<file path=ppt/slides/slide7.xml><?xml version="1.0" encoding="utf-8"?>
+<p:sld xmlns:a="http://schemas.openxmlformats.org/drawingml/2006/main" xmlns:r="http://schemas.openxmlformats.org/officeDocument/2006/relationships" xmlns:p="http://schemas.openxmlformats.org/presentationml/2006/main">
+  <p:cSld>
+    <p:spTree>
+      <p:nvGrpSpPr>
+        <p:cNvPr id="1" name=""/>
+        <p:cNvGrpSpPr/>
+        <p:nvPr/>
+      </p:nvGrpSpPr>
+      <p:grpSpPr>
+        <a:xfrm>
+          <a:off x="0" y="0"/>
+          <a:ext cx="0" cy="0"/>
+          <a:chOff x="0" y="0"/>
+          <a:chExt cx="0" cy="0"/>
+        </a:xfrm>
+      </p:grpSpPr>
+      <p:sp>
+        <p:nvSpPr>
+          <p:cNvPr id="3" name="TextBox 2">
+            <a:extLst>
+              <a:ext uri="{FF2B5EF4-FFF2-40B4-BE49-F238E27FC236}">
+                <a16:creationId xmlns:a16="http://schemas.microsoft.com/office/drawing/2014/main" id="{C3E8C4F3-7EDE-970F-57D1-6FBEDA1F2AFF}"/>
+              </a:ext>
+            </a:extLst>
+          </p:cNvPr>
+          <p:cNvSpPr txBox="1"/>
+          <p:nvPr/>
+        </p:nvSpPr>
+        <p:spPr>
+          <a:xfrm>
+            <a:off x="446314" y="337457"/>
+            <a:ext cx="11517086" cy="3877985"/>
+          </a:xfrm>
+          <a:prstGeom prst="rect">
+            <a:avLst/>
+          </a:prstGeom>
+          <a:noFill/>
+        </p:spPr>
+        <p:txBody>
+          <a:bodyPr wrap="square">
+            <a:spAutoFit/>
+          </a:bodyPr>
+          <a:lstStyle/>
+          <a:p>
+            <a:pPr algn="ctr">
+              <a:buNone/>
+            </a:pPr>
+            <a:r>
+              <a:rPr lang="en-US" sz="2400" b="1" dirty="0"/>
+              <a:t>Recommendations for the Business</a:t>
+            </a:r>
+          </a:p>
+          <a:p>
+            <a:pPr algn="ctr">
+              <a:buNone/>
+            </a:pPr>
+            <a:endParaRPr lang="en-US" sz="2400" b="1" dirty="0"/>
+          </a:p>
+          <a:p>
+            <a:pPr>
+              <a:buFont typeface="+mj-lt"/>
+              <a:buAutoNum type="arabicPeriod"/>
+            </a:pPr>
+            <a:r>
+              <a:rPr lang="en-US" b="1" dirty="0"/>
+              <a:t>Proactive Retention:</a:t>
+            </a:r>
+            <a:endParaRPr lang="en-US" dirty="0"/>
+          </a:p>
+          <a:p>
+            <a:pPr marL="742950" lvl="1" indent="-285750">
+              <a:buFont typeface="+mj-lt"/>
+              <a:buAutoNum type="arabicPeriod"/>
+            </a:pPr>
+            <a:r>
+              <a:rPr lang="en-US" dirty="0"/>
+              <a:t>Call or offer discounts to predicted high-risk customers</a:t>
+            </a:r>
+          </a:p>
+          <a:p>
+            <a:pPr marL="742950" lvl="1" indent="-285750">
+              <a:buFont typeface="+mj-lt"/>
+              <a:buAutoNum type="arabicPeriod"/>
+            </a:pPr>
+            <a:endParaRPr lang="en-US" dirty="0"/>
+          </a:p>
+          <a:p>
+            <a:pPr>
+              <a:buFont typeface="+mj-lt"/>
+              <a:buAutoNum type="arabicPeriod"/>
+            </a:pPr>
+            <a:r>
+              <a:rPr lang="en-US" b="1" dirty="0"/>
+              <a:t>Enhance Customer Support:</a:t>
+            </a:r>
+            <a:endParaRPr lang="en-US" dirty="0"/>
+          </a:p>
+          <a:p>
+            <a:pPr marL="742950" lvl="1" indent="-285750">
+              <a:buFont typeface="+mj-lt"/>
+              <a:buAutoNum type="arabicPeriod"/>
+            </a:pPr>
+            <a:r>
+              <a:rPr lang="en-US" dirty="0"/>
+              <a:t>Improve issue resolution speed and quality</a:t>
+            </a:r>
+          </a:p>
+          <a:p>
+            <a:pPr marL="742950" lvl="1" indent="-285750">
+              <a:buFont typeface="+mj-lt"/>
+              <a:buAutoNum type="arabicPeriod"/>
+            </a:pPr>
+            <a:endParaRPr lang="en-US" dirty="0"/>
+          </a:p>
+          <a:p>
+            <a:pPr>
+              <a:buFont typeface="+mj-lt"/>
+              <a:buAutoNum type="arabicPeriod"/>
+            </a:pPr>
+            <a:r>
+              <a:rPr lang="en-US" b="1" dirty="0"/>
+              <a:t>Bundle Plans &amp; Offers:</a:t>
+            </a:r>
+            <a:endParaRPr lang="en-US" dirty="0"/>
+          </a:p>
+          <a:p>
+            <a:pPr marL="742950" lvl="1" indent="-285750">
+              <a:buFont typeface="+mj-lt"/>
+              <a:buAutoNum type="arabicPeriod"/>
+            </a:pPr>
+            <a:r>
+              <a:rPr lang="en-US" dirty="0"/>
+              <a:t>Encourage uptake of voicemail and international packages</a:t>
+            </a:r>
+          </a:p>
+          <a:p>
+            <a:pPr marL="742950" lvl="1" indent="-285750">
+              <a:buFont typeface="+mj-lt"/>
+              <a:buAutoNum type="arabicPeriod"/>
+            </a:pPr>
+            <a:endParaRPr lang="en-US" dirty="0"/>
+          </a:p>
+          <a:p>
+            <a:pPr>
+              <a:buFont typeface="+mj-lt"/>
+              <a:buAutoNum type="arabicPeriod"/>
+            </a:pPr>
+            <a:r>
+              <a:rPr lang="en-US" b="1" dirty="0"/>
+              <a:t>Data-Driven Strategy:</a:t>
+            </a:r>
+            <a:endParaRPr lang="en-US" dirty="0"/>
+          </a:p>
+          <a:p>
+            <a:pPr marL="742950" lvl="1" indent="-285750">
+              <a:buFont typeface="+mj-lt"/>
+              <a:buAutoNum type="arabicPeriod"/>
+            </a:pPr>
+            <a:r>
+              <a:rPr lang="en-US" dirty="0"/>
+              <a:t>Use the model monthly to flag customers needing attention</a:t>
+            </a:r>
+          </a:p>
+        </p:txBody>
+      </p:sp>
+    </p:spTree>
+    <p:extLst>
+      <p:ext uri="{BB962C8B-B14F-4D97-AF65-F5344CB8AC3E}">
+        <p14:creationId xmlns:p14="http://schemas.microsoft.com/office/powerpoint/2010/main" val="1944891180"/>
+      </p:ext>
+    </p:extLst>
+  </p:cSld>
+  <p:clrMapOvr>
+    <a:masterClrMapping/>
+  </p:clrMapOvr>
+</p:sld>
+</file>
+
+<file path=ppt/slides/slide8.xml><?xml version="1.0" encoding="utf-8"?>
+<p:sld xmlns:a="http://schemas.openxmlformats.org/drawingml/2006/main" xmlns:r="http://schemas.openxmlformats.org/officeDocument/2006/relationships" xmlns:p="http://schemas.openxmlformats.org/presentationml/2006/main">
+  <p:cSld>
+    <p:spTree>
+      <p:nvGrpSpPr>
+        <p:cNvPr id="1" name=""/>
+        <p:cNvGrpSpPr/>
+        <p:nvPr/>
+      </p:nvGrpSpPr>
+      <p:grpSpPr>
+        <a:xfrm>
+          <a:off x="0" y="0"/>
+          <a:ext cx="0" cy="0"/>
+          <a:chOff x="0" y="0"/>
+          <a:chExt cx="0" cy="0"/>
+        </a:xfrm>
+      </p:grpSpPr>
+      <p:sp>
+        <p:nvSpPr>
+          <p:cNvPr id="3" name="TextBox 2">
+            <a:extLst>
+              <a:ext uri="{FF2B5EF4-FFF2-40B4-BE49-F238E27FC236}">
+                <a16:creationId xmlns:a16="http://schemas.microsoft.com/office/drawing/2014/main" id="{66DC7C62-A67A-52CA-8D09-E9AEEEE0B2E1}"/>
+              </a:ext>
+            </a:extLst>
+          </p:cNvPr>
+          <p:cNvSpPr txBox="1"/>
+          <p:nvPr/>
+        </p:nvSpPr>
+        <p:spPr>
+          <a:xfrm>
+            <a:off x="457200" y="174171"/>
+            <a:ext cx="11419114" cy="2677656"/>
+          </a:xfrm>
+          <a:prstGeom prst="rect">
+            <a:avLst/>
+          </a:prstGeom>
+          <a:noFill/>
+        </p:spPr>
+        <p:txBody>
+          <a:bodyPr wrap="square">
+            <a:spAutoFit/>
+          </a:bodyPr>
+          <a:lstStyle/>
+          <a:p>
+            <a:pPr algn="ctr">
+              <a:buNone/>
+            </a:pPr>
+            <a:r>
+              <a:rPr lang="en-US" sz="2400" b="1" dirty="0"/>
+              <a:t>Conclusion &amp; Next Steps</a:t>
+            </a:r>
+          </a:p>
+          <a:p>
+            <a:pPr>
+              <a:buNone/>
+            </a:pPr>
+            <a:r>
+              <a:rPr lang="en-US" b="1" dirty="0"/>
+              <a:t>Conclusion:</a:t>
+            </a:r>
+            <a:br>
+              <a:rPr lang="en-US" dirty="0"/>
+            </a:br>
+            <a:r>
+              <a:rPr lang="en-US" dirty="0"/>
+              <a:t>The model provides early warning signals to prevent churn and save costs.</a:t>
+            </a:r>
+          </a:p>
+          <a:p>
+            <a:pPr>
+              <a:buNone/>
+            </a:pPr>
+            <a:endParaRPr lang="en-US" dirty="0"/>
+          </a:p>
+          <a:p>
+            <a:pPr>
+              <a:buNone/>
+            </a:pPr>
+            <a:endParaRPr lang="en-US" dirty="0"/>
+          </a:p>
+          <a:p>
+            <a:pPr>
+              <a:buNone/>
+            </a:pPr>
+            <a:r>
+              <a:rPr lang="en-US" b="1" dirty="0"/>
+              <a:t>Next Steps:</a:t>
+            </a:r>
+            <a:endParaRPr lang="en-US" dirty="0"/>
+          </a:p>
+          <a:p>
+            <a:pPr>
+              <a:buFont typeface="Arial" panose="020B0604020202020204" pitchFamily="34" charset="0"/>
+              <a:buChar char="•"/>
+            </a:pPr>
+            <a:r>
+              <a:rPr lang="en-US" dirty="0"/>
+              <a:t>Deploy the model into </a:t>
+            </a:r>
+            <a:r>
+              <a:rPr lang="en-US" dirty="0" err="1"/>
+              <a:t>SyriaTel’s</a:t>
+            </a:r>
+            <a:r>
+              <a:rPr lang="en-US" dirty="0"/>
+              <a:t> CRM system.</a:t>
+            </a:r>
+          </a:p>
+          <a:p>
+            <a:pPr>
+              <a:buFont typeface="Arial" panose="020B0604020202020204" pitchFamily="34" charset="0"/>
+              <a:buChar char="•"/>
+            </a:pPr>
+            <a:r>
+              <a:rPr lang="en-US" dirty="0"/>
+              <a:t>Continuously monitor and update with fresh data.</a:t>
+            </a:r>
+          </a:p>
+          <a:p>
+            <a:pPr>
+              <a:buFont typeface="Arial" panose="020B0604020202020204" pitchFamily="34" charset="0"/>
+              <a:buChar char="•"/>
+            </a:pPr>
+            <a:r>
+              <a:rPr lang="en-US" dirty="0"/>
+              <a:t>Expand this approach to other areas (upselling, segmentation).</a:t>
+            </a:r>
+          </a:p>
+        </p:txBody>
+      </p:sp>
+    </p:spTree>
+    <p:extLst>
+      <p:ext uri="{BB962C8B-B14F-4D97-AF65-F5344CB8AC3E}">
+        <p14:creationId xmlns:p14="http://schemas.microsoft.com/office/powerpoint/2010/main" val="3005992196"/>
+      </p:ext>
+    </p:extLst>
+  </p:cSld>
+  <p:clrMapOvr>
+    <a:masterClrMapping/>
+  </p:clrMapOvr>
+</p:sld>
+</file>
+
+<file path=ppt/slides/slide9.xml><?xml version="1.0" encoding="utf-8"?>
+<p:sld xmlns:a="http://schemas.openxmlformats.org/drawingml/2006/main" xmlns:r="http://schemas.openxmlformats.org/officeDocument/2006/relationships" xmlns:p="http://schemas.openxmlformats.org/presentationml/2006/main">
+  <p:cSld>
+    <p:spTree>
+      <p:nvGrpSpPr>
+        <p:cNvPr id="1" name=""/>
+        <p:cNvGrpSpPr/>
+        <p:nvPr/>
+      </p:nvGrpSpPr>
+      <p:grpSpPr>
+        <a:xfrm>
+          <a:off x="0" y="0"/>
+          <a:ext cx="0" cy="0"/>
+          <a:chOff x="0" y="0"/>
+          <a:chExt cx="0" cy="0"/>
+        </a:xfrm>
+      </p:grpSpPr>
+      <p:sp>
+        <p:nvSpPr>
+          <p:cNvPr id="3" name="TextBox 2">
+            <a:extLst>
+              <a:ext uri="{FF2B5EF4-FFF2-40B4-BE49-F238E27FC236}">
+                <a16:creationId xmlns:a16="http://schemas.microsoft.com/office/drawing/2014/main" id="{67418A73-D215-8515-CB81-F573A00C45D5}"/>
+              </a:ext>
+            </a:extLst>
+          </p:cNvPr>
+          <p:cNvSpPr txBox="1"/>
+          <p:nvPr/>
+        </p:nvSpPr>
+        <p:spPr>
+          <a:xfrm>
+            <a:off x="1823357" y="2041472"/>
+            <a:ext cx="8545286" cy="2775055"/>
+          </a:xfrm>
+          <a:prstGeom prst="rect">
+            <a:avLst/>
+          </a:prstGeom>
+          <a:noFill/>
+        </p:spPr>
+        <p:txBody>
+          <a:bodyPr wrap="square">
+            <a:spAutoFit/>
+          </a:bodyPr>
+          <a:lstStyle/>
+          <a:p>
+            <a:pPr algn="ctr">
+              <a:lnSpc>
+                <a:spcPct val="200000"/>
+              </a:lnSpc>
+            </a:pPr>
+            <a:r>
+              <a:rPr lang="en-US" b="1" dirty="0"/>
+              <a:t>Presented by:</a:t>
+            </a:r>
+            <a:br>
+              <a:rPr lang="en-US" dirty="0"/>
+            </a:br>
+            <a:r>
+              <a:rPr lang="en-US" dirty="0"/>
+              <a:t>Kelvin Shilisia</a:t>
+            </a:r>
+            <a:br>
+              <a:rPr lang="en-US" dirty="0"/>
+            </a:br>
+            <a:r>
+              <a:rPr lang="en-US" dirty="0"/>
+              <a:t>Date: 22</a:t>
+            </a:r>
+            <a:r>
+              <a:rPr lang="en-US" baseline="30000" dirty="0"/>
+              <a:t>nd</a:t>
+            </a:r>
+            <a:r>
+              <a:rPr lang="en-US" dirty="0"/>
+              <a:t> July 2025</a:t>
+            </a:r>
+          </a:p>
+          <a:p>
+            <a:pPr algn="ctr">
+              <a:lnSpc>
+                <a:spcPct val="200000"/>
+              </a:lnSpc>
+            </a:pPr>
+            <a:r>
+              <a:rPr lang="en-US" dirty="0"/>
+              <a:t>LinkedIn: www.linkedin.com/in/kelvin-shilisia-2b289b108</a:t>
+            </a:r>
+            <a:br>
+              <a:rPr lang="en-US" dirty="0"/>
+            </a:br>
+            <a:endParaRPr lang="en-US" dirty="0"/>
+          </a:p>
+        </p:txBody>
+      </p:sp>
+    </p:spTree>
+    <p:extLst>
+      <p:ext uri="{BB962C8B-B14F-4D97-AF65-F5344CB8AC3E}">
+        <p14:creationId xmlns:p14="http://schemas.microsoft.com/office/powerpoint/2010/main" val="1249813725"/>
+      </p:ext>
+    </p:extLst>
+  </p:cSld>
+  <p:clrMapOvr>
+    <a:masterClrMapping/>
+  </p:clrMapOvr>
+</p:sld>
+</file>
+
 <file path=ppt/theme/theme1.xml><?xml version="1.0" encoding="utf-8"?>
-<a:theme xmlns:a="http://schemas.openxmlformats.org/drawingml/2006/main" name="Mesh">
+<a:theme xmlns:a="http://schemas.openxmlformats.org/drawingml/2006/main" name="Vapor Trail">
   <a:themeElements>
-    <a:clrScheme name="Mesh">
+    <a:clrScheme name="Vapor Trail">
       <a:dk1>
         <a:sysClr val="windowText" lastClr="000000"/>
       </a:dk1>
@@ -6043,48 +7138,83 @@
         <a:sysClr val="window" lastClr="FFFFFF"/>
       </a:lt1>
       <a:dk2>
-        <a:srgbClr val="363D46"/>
+        <a:srgbClr val="454545"/>
       </a:dk2>
       <a:lt2>
-        <a:srgbClr val="EBEBEB"/>
+        <a:srgbClr val="DADADA"/>
       </a:lt2>
       <a:accent1>
-        <a:srgbClr val="6F6F6F"/>
+        <a:srgbClr val="DF2E28"/>
       </a:accent1>
       <a:accent2>
-        <a:srgbClr val="BFBFA5"/>
+        <a:srgbClr val="FE801A"/>
       </a:accent2>
       <a:accent3>
-        <a:srgbClr val="DCD084"/>
+        <a:srgbClr val="E9BF35"/>
       </a:accent3>
       <a:accent4>
-        <a:srgbClr val="E7BF5F"/>
+        <a:srgbClr val="81BB42"/>
       </a:accent4>
       <a:accent5>
-        <a:srgbClr val="E9A039"/>
+        <a:srgbClr val="32C7A9"/>
       </a:accent5>
       <a:accent6>
-        <a:srgbClr val="CF7133"/>
+        <a:srgbClr val="4A9BDC"/>
       </a:accent6>
       <a:hlink>
-        <a:srgbClr val="F28943"/>
+        <a:srgbClr val="F0532B"/>
       </a:hlink>
       <a:folHlink>
-        <a:srgbClr val="F1B76C"/>
+        <a:srgbClr val="F38B53"/>
       </a:folHlink>
     </a:clrScheme>
-    <a:fontScheme name="Mesh">
+    <a:fontScheme name="Vapor Trail">
       <a:majorFont>
         <a:latin typeface="Century Gothic" panose="020B0502020202020204"/>
         <a:ea typeface=""/>
         <a:cs typeface=""/>
-        <a:font script="Jpan" typeface="ＭＳ ゴシック"/>
+        <a:font script="Jpan" typeface="ＭＳ Ｐゴシック"/>
         <a:font script="Hang" typeface="맑은 고딕"/>
         <a:font script="Hans" typeface="宋体"/>
         <a:font script="Hant" typeface="新細明體"/>
-        <a:font script="Arab" typeface="Tahoma"/>
-        <a:font script="Hebr" typeface="Gisha"/>
-        <a:font script="Thai" typeface="DilleniaUPC"/>
+        <a:font script="Arab" typeface="Times New Roman"/>
+        <a:font script="Hebr" typeface="Times New Roman"/>
+        <a:font script="Thai" typeface="Angsana New"/>
+        <a:font script="Ethi" typeface="Nyala"/>
+        <a:font script="Beng" typeface="Vrinda"/>
+        <a:font script="Gujr" typeface="Shruti"/>
+        <a:font script="Khmr" typeface="MoolBoran"/>
+        <a:font script="Knda" typeface="Tunga"/>
+        <a:font script="Guru" typeface="Raavi"/>
+        <a:font script="Cans" typeface="Euphemia"/>
+        <a:font script="Cher" typeface="Plantagenet Cherokee"/>
+        <a:font script="Yiii" typeface="Microsoft Yi Baiti"/>
+        <a:font script="Tibt" typeface="Microsoft Himalaya"/>
+        <a:font script="Thaa" typeface="MV Boli"/>
+        <a:font script="Deva" typeface="Mangal"/>
+        <a:font script="Telu" typeface="Gautami"/>
+        <a:font script="Taml" typeface="Latha"/>
+        <a:font script="Syrc" typeface="Estrangelo Edessa"/>
+        <a:font script="Orya" typeface="Kalinga"/>
+        <a:font script="Mlym" typeface="Kartika"/>
+        <a:font script="Laoo" typeface="DokChampa"/>
+        <a:font script="Sinh" typeface="Iskoola Pota"/>
+        <a:font script="Mong" typeface="Mongolian Baiti"/>
+        <a:font script="Viet" typeface="Times New Roman"/>
+        <a:font script="Uigh" typeface="Microsoft Uighur"/>
+        <a:font script="Geor" typeface="Sylfaen"/>
+      </a:majorFont>
+      <a:minorFont>
+        <a:latin typeface="Century Gothic" panose="020B0502020202020204"/>
+        <a:ea typeface=""/>
+        <a:cs typeface=""/>
+        <a:font script="Jpan" typeface="ＭＳ Ｐゴシック"/>
+        <a:font script="Hang" typeface="맑은 고딕"/>
+        <a:font script="Hans" typeface="宋体"/>
+        <a:font script="Hant" typeface="新細明體"/>
+        <a:font script="Arab" typeface="Arial"/>
+        <a:font script="Hebr" typeface="Arial"/>
+        <a:font script="Thai" typeface="Cordia New"/>
         <a:font script="Ethi" typeface="Nyala"/>
         <a:font script="Beng" typeface="Vrinda"/>
         <a:font script="Gujr" typeface="Shruti"/>
@@ -6105,47 +7235,12 @@
         <a:font script="Laoo" typeface="DokChampa"/>
         <a:font script="Sinh" typeface="Iskoola Pota"/>
         <a:font script="Mong" typeface="Mongolian Baiti"/>
-        <a:font script="Viet" typeface="Tahoma"/>
-        <a:font script="Uigh" typeface="Microsoft Uighur"/>
-        <a:font script="Geor" typeface="Sylfaen"/>
-      </a:majorFont>
-      <a:minorFont>
-        <a:latin typeface="Century Gothic" panose="020B0502020202020204"/>
-        <a:ea typeface=""/>
-        <a:cs typeface=""/>
-        <a:font script="Jpan" typeface="ＭＳ ゴシック"/>
-        <a:font script="Hang" typeface="맑은 고딕"/>
-        <a:font script="Hans" typeface="宋体"/>
-        <a:font script="Hant" typeface="新細明體"/>
-        <a:font script="Arab" typeface="Tahoma"/>
-        <a:font script="Hebr" typeface="Gisha"/>
-        <a:font script="Thai" typeface="DilleniaUPC"/>
-        <a:font script="Ethi" typeface="Nyala"/>
-        <a:font script="Beng" typeface="Vrinda"/>
-        <a:font script="Gujr" typeface="Shruti"/>
-        <a:font script="Khmr" typeface="DaunPenh"/>
-        <a:font script="Knda" typeface="Tunga"/>
-        <a:font script="Guru" typeface="Raavi"/>
-        <a:font script="Cans" typeface="Euphemia"/>
-        <a:font script="Cher" typeface="Plantagenet Cherokee"/>
-        <a:font script="Yiii" typeface="Microsoft Yi Baiti"/>
-        <a:font script="Tibt" typeface="Microsoft Himalaya"/>
-        <a:font script="Thaa" typeface="MV Boli"/>
-        <a:font script="Deva" typeface="Mangal"/>
-        <a:font script="Telu" typeface="Gautami"/>
-        <a:font script="Taml" typeface="Latha"/>
-        <a:font script="Syrc" typeface="Estrangelo Edessa"/>
-        <a:font script="Orya" typeface="Kalinga"/>
-        <a:font script="Mlym" typeface="Kartika"/>
-        <a:font script="Laoo" typeface="DokChampa"/>
-        <a:font script="Sinh" typeface="Iskoola Pota"/>
-        <a:font script="Mong" typeface="Mongolian Baiti"/>
-        <a:font script="Viet" typeface="Verdana"/>
+        <a:font script="Viet" typeface="Arial"/>
         <a:font script="Uigh" typeface="Microsoft Uighur"/>
         <a:font script="Geor" typeface="Sylfaen"/>
       </a:minorFont>
     </a:fontScheme>
-    <a:fmtScheme name="Mesh">
+    <a:fmtScheme name="Vapor Trail">
       <a:fillStyleLst>
         <a:solidFill>
           <a:schemeClr val="phClr"/>
@@ -6154,13 +7249,24 @@
           <a:gsLst>
             <a:gs pos="0">
               <a:schemeClr val="phClr">
-                <a:tint val="60000"/>
+                <a:tint val="69000"/>
+                <a:alpha val="100000"/>
+                <a:satMod val="109000"/>
                 <a:lumMod val="110000"/>
+              </a:schemeClr>
+            </a:gs>
+            <a:gs pos="52000">
+              <a:schemeClr val="phClr">
+                <a:tint val="74000"/>
+                <a:satMod val="100000"/>
+                <a:lumMod val="104000"/>
               </a:schemeClr>
             </a:gs>
             <a:gs pos="100000">
               <a:schemeClr val="phClr">
-                <a:tint val="82000"/>
+                <a:tint val="78000"/>
+                <a:satMod val="100000"/>
+                <a:lumMod val="100000"/>
               </a:schemeClr>
             </a:gs>
           </a:gsLst>
@@ -6171,13 +7277,15 @@
             <a:gs pos="0">
               <a:schemeClr val="phClr">
                 <a:tint val="96000"/>
+                <a:satMod val="100000"/>
                 <a:lumMod val="104000"/>
               </a:schemeClr>
             </a:gs>
-            <a:gs pos="100000">
+            <a:gs pos="78000">
               <a:schemeClr val="phClr">
-                <a:shade val="84000"/>
-                <a:lumMod val="84000"/>
+                <a:shade val="100000"/>
+                <a:satMod val="110000"/>
+                <a:lumMod val="100000"/>
               </a:schemeClr>
             </a:gs>
           </a:gsLst>
@@ -6185,19 +7293,19 @@
         </a:gradFill>
       </a:fillStyleLst>
       <a:lnStyleLst>
-        <a:ln w="9525" cap="rnd" cmpd="sng" algn="ctr">
+        <a:ln w="9525" cap="flat" cmpd="sng" algn="ctr">
           <a:solidFill>
             <a:schemeClr val="phClr"/>
           </a:solidFill>
           <a:prstDash val="solid"/>
         </a:ln>
-        <a:ln w="19050" cap="rnd" cmpd="sng" algn="ctr">
+        <a:ln w="12700" cap="flat" cmpd="sng" algn="ctr">
           <a:solidFill>
             <a:schemeClr val="phClr"/>
           </a:solidFill>
           <a:prstDash val="solid"/>
         </a:ln>
-        <a:ln w="25400" cap="rnd" cmpd="sng" algn="ctr">
+        <a:ln w="19050" cap="flat" cmpd="sng" algn="ctr">
           <a:solidFill>
             <a:schemeClr val="phClr"/>
           </a:solidFill>
@@ -6209,19 +7317,22 @@
           <a:effectLst/>
         </a:effectStyle>
         <a:effectStyle>
-          <a:effectLst>
-            <a:innerShdw blurRad="50800" dist="25400" dir="13500000">
-              <a:srgbClr val="000000">
-                <a:alpha val="55000"/>
-              </a:srgbClr>
-            </a:innerShdw>
-          </a:effectLst>
+          <a:effectLst/>
+          <a:scene3d>
+            <a:camera prst="orthographicFront">
+              <a:rot lat="0" lon="0" rev="0"/>
+            </a:camera>
+            <a:lightRig rig="threePt" dir="t"/>
+          </a:scene3d>
+          <a:sp3d>
+            <a:bevelT w="25400" h="12700"/>
+          </a:sp3d>
         </a:effectStyle>
         <a:effectStyle>
           <a:effectLst>
-            <a:outerShdw blurRad="50800" dist="38100" dir="5400000" rotWithShape="0">
+            <a:outerShdw blurRad="57150" dist="19050" dir="5400000" algn="ctr" rotWithShape="0">
               <a:srgbClr val="000000">
-                <a:alpha val="60000"/>
+                <a:alpha val="48000"/>
               </a:srgbClr>
             </a:outerShdw>
           </a:effectLst>
@@ -6229,10 +7340,10 @@
             <a:camera prst="orthographicFront">
               <a:rot lat="0" lon="0" rev="0"/>
             </a:camera>
-            <a:lightRig rig="threePt" dir="tl"/>
+            <a:lightRig rig="threePt" dir="t"/>
           </a:scene3d>
           <a:sp3d>
-            <a:bevelT w="25400" h="25400" prst="slope"/>
+            <a:bevelT w="50800" h="25400"/>
           </a:sp3d>
         </a:effectStyle>
       </a:effectStyleLst>
@@ -6240,41 +7351,39 @@
         <a:solidFill>
           <a:schemeClr val="phClr"/>
         </a:solidFill>
+        <a:solidFill>
+          <a:schemeClr val="phClr">
+            <a:tint val="95000"/>
+            <a:satMod val="170000"/>
+          </a:schemeClr>
+        </a:solidFill>
         <a:gradFill rotWithShape="1">
           <a:gsLst>
             <a:gs pos="0">
               <a:schemeClr val="phClr">
-                <a:tint val="90000"/>
-                <a:lumMod val="110000"/>
+                <a:tint val="93000"/>
+                <a:shade val="98000"/>
+                <a:satMod val="150000"/>
+                <a:lumMod val="102000"/>
+              </a:schemeClr>
+            </a:gs>
+            <a:gs pos="50000">
+              <a:schemeClr val="phClr">
+                <a:tint val="98000"/>
+                <a:shade val="90000"/>
+                <a:satMod val="130000"/>
+                <a:lumMod val="103000"/>
               </a:schemeClr>
             </a:gs>
             <a:gs pos="100000">
               <a:schemeClr val="phClr">
-                <a:shade val="64000"/>
-                <a:lumMod val="98000"/>
+                <a:shade val="63000"/>
+                <a:satMod val="120000"/>
               </a:schemeClr>
             </a:gs>
           </a:gsLst>
           <a:lin ang="5400000" scaled="0"/>
         </a:gradFill>
-        <a:blipFill rotWithShape="1">
-          <a:blip xmlns:r="http://schemas.openxmlformats.org/officeDocument/2006/relationships" r:embed="rId1">
-            <a:duotone>
-              <a:schemeClr val="phClr">
-                <a:shade val="28000"/>
-                <a:satMod val="94000"/>
-                <a:lumMod val="20000"/>
-              </a:schemeClr>
-              <a:schemeClr val="phClr">
-                <a:tint val="94000"/>
-                <a:shade val="84000"/>
-                <a:satMod val="148000"/>
-                <a:lumMod val="114000"/>
-              </a:schemeClr>
-            </a:duotone>
-          </a:blip>
-          <a:stretch/>
-        </a:blipFill>
       </a:bgFillStyleLst>
     </a:fmtScheme>
   </a:themeElements>
@@ -6282,7 +7391,7 @@
   <a:extraClrSchemeLst/>
   <a:extLst>
     <a:ext uri="{05A4C25C-085E-4340-85A3-A5531E510DB2}">
-      <thm15:themeFamily xmlns:thm15="http://schemas.microsoft.com/office/thememl/2012/main" name="Mesh" id="{789EC3FE-34FD-429C-9918-760025E6C145}" vid="{B8BE45C0-8141-4D58-8C71-A009BC26FBBB}"/>
+      <thm15:themeFamily xmlns:thm15="http://schemas.microsoft.com/office/thememl/2012/main" name="Vapor Trail" id="{4FDF2955-7D9C-493C-B9F9-C205151B46CD}" vid="{8F31A783-2159-4870-BC29-2BA7D038EA44}"/>
     </a:ext>
   </a:extLst>
 </a:theme>

--- a/Churn Prediction in Telecom.pptx
+++ b/Churn Prediction in Telecom.pptx
@@ -6359,21 +6359,10 @@
             <a:endParaRPr lang="en-US" dirty="0"/>
           </a:p>
           <a:p>
-            <a:pPr marL="742950" lvl="1" indent="-285750">
-              <a:buFont typeface="+mj-lt"/>
-              <a:buAutoNum type="arabicPeriod"/>
-            </a:pPr>
             <a:r>
               <a:rPr lang="en-US" dirty="0"/>
-              <a:t>I Tried various algorithms; then chose one with highest accuracy and reliability.</a:t>
-            </a:r>
-          </a:p>
-          <a:p>
-            <a:pPr marL="742950" lvl="1" indent="-285750">
-              <a:buFont typeface="+mj-lt"/>
-              <a:buAutoNum type="arabicPeriod"/>
-            </a:pPr>
-            <a:endParaRPr lang="en-US" b="1" dirty="0"/>
+              <a:t>I Tried various algorithms; then chose one with highest accuracy and reliability Random Forest Classifier was likely chosen due to High ROC-AUC score (~0.917)</a:t>
+            </a:r>
           </a:p>
           <a:p>
             <a:pPr lvl="1"/>

--- a/Churn Prediction in Telecom.pptx
+++ b/Churn Prediction in Telecom.pptx
@@ -5893,15 +5893,7 @@
             </a:pPr>
             <a:r>
               <a:rPr lang="en-US" dirty="0"/>
-              <a:t>Acquiring new customers is </a:t>
-            </a:r>
-            <a:r>
-              <a:rPr lang="en-US" b="1" dirty="0"/>
-              <a:t>5x more expensive</a:t>
-            </a:r>
-            <a:r>
-              <a:rPr lang="en-US" dirty="0"/>
-              <a:t> than retaining existing ones.</a:t>
+              <a:t>Acquiring new customers is 5x more expensive than retaining existing ones.</a:t>
             </a:r>
           </a:p>
           <a:p>
@@ -5911,15 +5903,7 @@
             </a:pPr>
             <a:r>
               <a:rPr lang="en-US" dirty="0"/>
-              <a:t>Early detection of churn risk helps </a:t>
-            </a:r>
-            <a:r>
-              <a:rPr lang="en-US" b="1" dirty="0"/>
-              <a:t>increase customer loyalty and revenue</a:t>
-            </a:r>
-            <a:r>
-              <a:rPr lang="en-US" dirty="0"/>
-              <a:t>.</a:t>
+              <a:t>Early detection of churn risk helps increase customer loyalty and revenue.</a:t>
             </a:r>
           </a:p>
           <a:p>
@@ -5937,25 +5921,12 @@
             </a:r>
             <a:r>
               <a:rPr lang="en-US" dirty="0"/>
-              <a:t> goal of </a:t>
-            </a:r>
-            <a:r>
-              <a:rPr lang="en-US" b="1" dirty="0"/>
-              <a:t>enhancing customer satisfaction</a:t>
-            </a:r>
-            <a:r>
-              <a:rPr lang="en-US" dirty="0"/>
-              <a:t> and </a:t>
-            </a:r>
-            <a:r>
-              <a:rPr lang="en-US" b="1" dirty="0"/>
-              <a:t>retention</a:t>
-            </a:r>
-            <a:r>
-              <a:rPr lang="en-US" sz="2400" b="1" dirty="0"/>
+              <a:t> goal of enhancing customer satisfaction and retention</a:t>
+            </a:r>
+            <a:r>
+              <a:rPr lang="en-US" sz="2400" dirty="0"/>
               <a:t>.</a:t>
             </a:r>
-            <a:endParaRPr lang="en-US" sz="2400" dirty="0"/>
           </a:p>
           <a:p>
             <a:endParaRPr lang="en-US" sz="2800" b="1" dirty="0"/>
@@ -6139,13 +6110,8 @@
             </a:pPr>
             <a:r>
               <a:rPr lang="en-US" dirty="0"/>
-              <a:t>High churn linked to </a:t>
-            </a:r>
-            <a:r>
-              <a:rPr lang="en-US" b="1" dirty="0"/>
-              <a:t>multiple customer service calls</a:t>
-            </a:r>
-            <a:endParaRPr lang="en-US" dirty="0"/>
+              <a:t>High churn linked to multiple customer service calls</a:t>
+            </a:r>
           </a:p>
           <a:p>
             <a:pPr>
@@ -6157,15 +6123,7 @@
             </a:pPr>
             <a:r>
               <a:rPr lang="en-US" dirty="0"/>
-              <a:t>Customers without </a:t>
-            </a:r>
-            <a:r>
-              <a:rPr lang="en-US" b="1" dirty="0"/>
-              <a:t>voice mail or international plans</a:t>
-            </a:r>
-            <a:r>
-              <a:rPr lang="en-US" dirty="0"/>
-              <a:t> are more likely to churn</a:t>
+              <a:t>Customers without voice mail or international plans are more likely to churn</a:t>
             </a:r>
           </a:p>
           <a:p>
@@ -6583,7 +6541,7 @@
         <p:spPr>
           <a:xfrm>
             <a:off x="228599" y="446314"/>
-            <a:ext cx="11767457" cy="2769989"/>
+            <a:ext cx="11767457" cy="3508653"/>
           </a:xfrm>
           <a:prstGeom prst="rect">
             <a:avLst/>
@@ -6605,70 +6563,54 @@
             </a:r>
           </a:p>
           <a:p>
-            <a:pPr algn="ctr">
-              <a:buNone/>
-            </a:pPr>
-            <a:endParaRPr lang="en-US" sz="2400" b="1" dirty="0"/>
-          </a:p>
-          <a:p>
-            <a:pPr>
-              <a:buFont typeface="Arial" panose="020B0604020202020204" pitchFamily="34" charset="0"/>
-              <a:buChar char="•"/>
-            </a:pPr>
-            <a:r>
+            <a:br>
               <a:rPr lang="en-US" dirty="0"/>
-              <a:t>Customers with many customer service calls have high churn risk</a:t>
-            </a:r>
-          </a:p>
-          <a:p>
-            <a:pPr>
-              <a:buFont typeface="Arial" panose="020B0604020202020204" pitchFamily="34" charset="0"/>
-              <a:buChar char="•"/>
-            </a:pPr>
-            <a:endParaRPr lang="en-US" dirty="0"/>
-          </a:p>
-          <a:p>
-            <a:pPr>
-              <a:buFont typeface="Arial" panose="020B0604020202020204" pitchFamily="34" charset="0"/>
-              <a:buChar char="•"/>
-            </a:pPr>
+            </a:br>
             <a:r>
               <a:rPr lang="en-US" dirty="0"/>
-              <a:t>Lack of international/voice mail plans is a common trait among churners</a:t>
-            </a:r>
-          </a:p>
-          <a:p>
-            <a:pPr>
-              <a:buFont typeface="Arial" panose="020B0604020202020204" pitchFamily="34" charset="0"/>
-              <a:buChar char="•"/>
-            </a:pPr>
-            <a:endParaRPr lang="en-US" dirty="0"/>
-          </a:p>
-          <a:p>
-            <a:pPr>
-              <a:buFont typeface="Arial" panose="020B0604020202020204" pitchFamily="34" charset="0"/>
-              <a:buChar char="•"/>
-            </a:pPr>
+              <a:t>High Churn Risk Detected</a:t>
+            </a:r>
+          </a:p>
+          <a:p>
             <a:r>
               <a:rPr lang="en-US" dirty="0"/>
-              <a:t>High daytime charges correlate with churn</a:t>
-            </a:r>
-          </a:p>
-          <a:p>
-            <a:pPr>
-              <a:buFont typeface="Arial" panose="020B0604020202020204" pitchFamily="34" charset="0"/>
-              <a:buChar char="•"/>
-            </a:pPr>
-            <a:endParaRPr lang="en-US" dirty="0"/>
-          </a:p>
-          <a:p>
-            <a:pPr>
-              <a:buFont typeface="Arial" panose="020B0604020202020204" pitchFamily="34" charset="0"/>
-              <a:buChar char="•"/>
-            </a:pPr>
-            <a:r>
+              <a:t>The model shows high accuracy (AUC = 0.917) in the churn prediction.</a:t>
+            </a:r>
+          </a:p>
+          <a:p>
+            <a:br>
               <a:rPr lang="en-US" dirty="0"/>
-              <a:t>Data shows consistent patterns in how churners behave differently</a:t>
+            </a:br>
+            <a:r>
+              <a:rPr lang="en-US" dirty="0"/>
+              <a:t>This means that certain customer behaviors strongly correlate with churn, such as:</a:t>
+            </a:r>
+          </a:p>
+          <a:p>
+            <a:br>
+              <a:rPr lang="en-US" dirty="0"/>
+            </a:br>
+            <a:r>
+              <a:rPr lang="en-US" dirty="0"/>
+              <a:t>(a) High number of customer service calls.</a:t>
+            </a:r>
+          </a:p>
+          <a:p>
+            <a:br>
+              <a:rPr lang="en-US" dirty="0"/>
+            </a:br>
+            <a:r>
+              <a:rPr lang="en-US" dirty="0"/>
+              <a:t>(b) Not subscribing to voice mail or international plans.</a:t>
+            </a:r>
+          </a:p>
+          <a:p>
+            <a:br>
+              <a:rPr lang="en-US" dirty="0"/>
+            </a:br>
+            <a:r>
+              <a:rPr lang="en-US" dirty="0"/>
+              <a:t>(c) High charges during daytime usage.</a:t>
             </a:r>
           </a:p>
         </p:txBody>
@@ -7041,7 +6983,7 @@
         <p:spPr>
           <a:xfrm>
             <a:off x="1823357" y="2041472"/>
-            <a:ext cx="8545286" cy="2775055"/>
+            <a:ext cx="8545286" cy="3329053"/>
           </a:xfrm>
           <a:prstGeom prst="rect">
             <a:avLst/>
@@ -7094,7 +7036,25 @@
             </a:pPr>
             <a:r>
               <a:rPr lang="en-US" dirty="0"/>
-              <a:t>LinkedIn: www.linkedin.com/in/kelvin-shilisia-2b289b108</a:t>
+              <a:t>LinkedIn: </a:t>
+            </a:r>
+            <a:r>
+              <a:rPr lang="en-US" dirty="0">
+                <a:hlinkClick r:id="rId2"/>
+              </a:rPr>
+              <a:t>www.linkedin.com/in/kelvin-shilisia-2b289b108</a:t>
+            </a:r>
+            <a:endParaRPr lang="en-US" dirty="0"/>
+          </a:p>
+          <a:p>
+            <a:pPr>
+              <a:lnSpc>
+                <a:spcPct val="200000"/>
+              </a:lnSpc>
+            </a:pPr>
+            <a:r>
+              <a:rPr lang="en-US" dirty="0"/>
+              <a:t>      		    Email: kelvinshilisia@gmail.com</a:t>
             </a:r>
             <a:br>
               <a:rPr lang="en-US" dirty="0"/>

--- a/Churn Prediction in Telecom.pptx
+++ b/Churn Prediction in Telecom.pptx
@@ -5977,8 +5977,8 @@
         </p:nvSpPr>
         <p:spPr>
           <a:xfrm>
-            <a:off x="740228" y="659011"/>
-            <a:ext cx="11223172" cy="5539978"/>
+            <a:off x="337457" y="239486"/>
+            <a:ext cx="11625943" cy="6283836"/>
           </a:xfrm>
           <a:prstGeom prst="rect">
             <a:avLst/>
@@ -6000,12 +6000,6 @@
             </a:r>
           </a:p>
           <a:p>
-            <a:pPr algn="ctr">
-              <a:buNone/>
-            </a:pPr>
-            <a:endParaRPr lang="en-US" sz="2400" b="1" dirty="0"/>
-          </a:p>
-          <a:p>
             <a:pPr>
               <a:lnSpc>
                 <a:spcPct val="150000"/>
@@ -6014,9 +6008,13 @@
             </a:pPr>
             <a:r>
               <a:rPr lang="en-US" b="1" dirty="0"/>
+              <a:t>    </a:t>
+            </a:r>
+            <a:r>
+              <a:rPr lang="en-US" sz="1400" b="1" dirty="0"/>
               <a:t>What I Explored:</a:t>
             </a:r>
-            <a:endParaRPr lang="en-US" dirty="0"/>
+            <a:endParaRPr lang="en-US" sz="1400" dirty="0"/>
           </a:p>
           <a:p>
             <a:pPr>
@@ -6027,11 +6025,11 @@
               <a:buChar char="•"/>
             </a:pPr>
             <a:r>
-              <a:rPr lang="en-US" b="1" dirty="0"/>
+              <a:rPr lang="en-US" sz="1400" b="1" dirty="0"/>
               <a:t>Demographics</a:t>
             </a:r>
             <a:r>
-              <a:rPr lang="en-US" dirty="0"/>
+              <a:rPr lang="en-US" sz="1400" dirty="0"/>
               <a:t>: Customer location and phone usage</a:t>
             </a:r>
           </a:p>
@@ -6044,11 +6042,11 @@
               <a:buChar char="•"/>
             </a:pPr>
             <a:r>
-              <a:rPr lang="en-US" b="1" dirty="0"/>
+              <a:rPr lang="en-US" sz="1400" b="1" dirty="0"/>
               <a:t>Behavioral data</a:t>
             </a:r>
             <a:r>
-              <a:rPr lang="en-US" dirty="0"/>
+              <a:rPr lang="en-US" sz="1400" dirty="0"/>
               <a:t>: Call duration, number of calls, service plans</a:t>
             </a:r>
           </a:p>
@@ -6061,13 +6059,35 @@
               <a:buChar char="•"/>
             </a:pPr>
             <a:r>
-              <a:rPr lang="en-US" b="1" dirty="0"/>
+              <a:rPr lang="en-US" sz="1400" b="1" dirty="0"/>
               <a:t>Churn rate</a:t>
             </a:r>
             <a:r>
-              <a:rPr lang="en-US" dirty="0"/>
+              <a:rPr lang="en-US" sz="1400" dirty="0"/>
               <a:t>: ~10% of customers churned</a:t>
             </a:r>
+          </a:p>
+          <a:p>
+            <a:pPr algn="ctr">
+              <a:buNone/>
+            </a:pPr>
+            <a:endParaRPr lang="en-US" dirty="0"/>
+          </a:p>
+          <a:p>
+            <a:pPr>
+              <a:lnSpc>
+                <a:spcPct val="150000"/>
+              </a:lnSpc>
+            </a:pPr>
+            <a:endParaRPr lang="en-US" dirty="0"/>
+          </a:p>
+          <a:p>
+            <a:pPr>
+              <a:lnSpc>
+                <a:spcPct val="150000"/>
+              </a:lnSpc>
+            </a:pPr>
+            <a:endParaRPr lang="en-US" dirty="0"/>
           </a:p>
           <a:p>
             <a:pPr>
@@ -6092,12 +6112,9 @@
               <a:lnSpc>
                 <a:spcPct val="150000"/>
               </a:lnSpc>
-              <a:buNone/>
-            </a:pPr>
-            <a:r>
-              <a:rPr lang="en-US" b="1" dirty="0"/>
-              <a:t>Key Observations:</a:t>
-            </a:r>
+              <a:buFont typeface="Arial" panose="020B0604020202020204" pitchFamily="34" charset="0"/>
+              <a:buChar char="•"/>
+            </a:pPr>
             <a:endParaRPr lang="en-US" dirty="0"/>
           </a:p>
           <a:p>
@@ -6108,10 +6125,28 @@
               <a:buFont typeface="Arial" panose="020B0604020202020204" pitchFamily="34" charset="0"/>
               <a:buChar char="•"/>
             </a:pPr>
-            <a:r>
-              <a:rPr lang="en-US" dirty="0"/>
-              <a:t>High churn linked to multiple customer service calls</a:t>
-            </a:r>
+            <a:endParaRPr lang="en-US" dirty="0"/>
+          </a:p>
+          <a:p>
+            <a:pPr>
+              <a:lnSpc>
+                <a:spcPct val="150000"/>
+              </a:lnSpc>
+            </a:pPr>
+            <a:endParaRPr lang="en-US" dirty="0"/>
+          </a:p>
+          <a:p>
+            <a:pPr>
+              <a:lnSpc>
+                <a:spcPct val="150000"/>
+              </a:lnSpc>
+              <a:buNone/>
+            </a:pPr>
+            <a:r>
+              <a:rPr lang="en-US" sz="1400" b="1" dirty="0"/>
+              <a:t>Key Observations:</a:t>
+            </a:r>
+            <a:endParaRPr lang="en-US" sz="1400" dirty="0"/>
           </a:p>
           <a:p>
             <a:pPr>
@@ -6122,8 +6157,8 @@
               <a:buChar char="•"/>
             </a:pPr>
             <a:r>
-              <a:rPr lang="en-US" dirty="0"/>
-              <a:t>Customers without voice mail or international plans are more likely to churn</a:t>
+              <a:rPr lang="en-US" sz="1400" dirty="0"/>
+              <a:t>High churn linked to multiple customer service calls</a:t>
             </a:r>
           </a:p>
           <a:p>
@@ -6135,26 +6170,85 @@
               <a:buChar char="•"/>
             </a:pPr>
             <a:r>
-              <a:rPr lang="en-US" dirty="0"/>
-              <a:t>Usage patterns (day vs night) provide predictive signals</a:t>
+              <a:rPr lang="en-US" sz="1400" dirty="0"/>
+              <a:t>Customers without voice mail or international plans are more likely to churn</a:t>
             </a:r>
           </a:p>
           <a:p>
             <a:pPr>
+              <a:lnSpc>
+                <a:spcPct val="150000"/>
+              </a:lnSpc>
               <a:buFont typeface="Arial" panose="020B0604020202020204" pitchFamily="34" charset="0"/>
               <a:buChar char="•"/>
             </a:pPr>
-            <a:endParaRPr lang="en-US" dirty="0"/>
-          </a:p>
-          <a:p>
-            <a:pPr>
-              <a:buFont typeface="Arial" panose="020B0604020202020204" pitchFamily="34" charset="0"/>
-              <a:buChar char="•"/>
-            </a:pPr>
-            <a:endParaRPr lang="en-US" dirty="0"/>
-          </a:p>
-        </p:txBody>
-      </p:sp>
+            <a:r>
+              <a:rPr lang="en-US" sz="1400" dirty="0"/>
+              <a:t>Usage patterns (day vs night) provide predictive signals</a:t>
+            </a:r>
+          </a:p>
+        </p:txBody>
+      </p:sp>
+      <p:pic>
+        <p:nvPicPr>
+          <p:cNvPr id="4" name="Picture 3">
+            <a:extLst>
+              <a:ext uri="{FF2B5EF4-FFF2-40B4-BE49-F238E27FC236}">
+                <a16:creationId xmlns:a16="http://schemas.microsoft.com/office/drawing/2014/main" id="{03362B0E-1DA8-24B4-B2A5-82DE28AA2058}"/>
+              </a:ext>
+            </a:extLst>
+          </p:cNvPr>
+          <p:cNvPicPr>
+            <a:picLocks noChangeAspect="1"/>
+          </p:cNvPicPr>
+          <p:nvPr/>
+        </p:nvPicPr>
+        <p:blipFill>
+          <a:blip r:embed="rId2"/>
+          <a:stretch>
+            <a:fillRect/>
+          </a:stretch>
+        </p:blipFill>
+        <p:spPr>
+          <a:xfrm>
+            <a:off x="435427" y="2095925"/>
+            <a:ext cx="4484915" cy="3030144"/>
+          </a:xfrm>
+          <a:prstGeom prst="rect">
+            <a:avLst/>
+          </a:prstGeom>
+        </p:spPr>
+      </p:pic>
+      <p:pic>
+        <p:nvPicPr>
+          <p:cNvPr id="6" name="Picture 5">
+            <a:extLst>
+              <a:ext uri="{FF2B5EF4-FFF2-40B4-BE49-F238E27FC236}">
+                <a16:creationId xmlns:a16="http://schemas.microsoft.com/office/drawing/2014/main" id="{BFD972B4-0884-89F8-EB3F-FC566177136E}"/>
+              </a:ext>
+            </a:extLst>
+          </p:cNvPr>
+          <p:cNvPicPr>
+            <a:picLocks noChangeAspect="1"/>
+          </p:cNvPicPr>
+          <p:nvPr/>
+        </p:nvPicPr>
+        <p:blipFill>
+          <a:blip r:embed="rId3"/>
+          <a:stretch>
+            <a:fillRect/>
+          </a:stretch>
+        </p:blipFill>
+        <p:spPr>
+          <a:xfrm>
+            <a:off x="6923312" y="2095925"/>
+            <a:ext cx="4484915" cy="3030144"/>
+          </a:xfrm>
+          <a:prstGeom prst="rect">
+            <a:avLst/>
+          </a:prstGeom>
+        </p:spPr>
+      </p:pic>
     </p:spTree>
     <p:extLst>
       <p:ext uri="{BB962C8B-B14F-4D97-AF65-F5344CB8AC3E}">
@@ -6200,7 +6294,7 @@
         <p:spPr>
           <a:xfrm>
             <a:off x="511628" y="520511"/>
-            <a:ext cx="11168743" cy="5447645"/>
+            <a:ext cx="11168743" cy="6832640"/>
           </a:xfrm>
           <a:prstGeom prst="rect">
             <a:avLst/>
@@ -6244,12 +6338,22 @@
           </a:p>
           <a:p>
             <a:pPr marL="742950" lvl="1" indent="-285750">
-              <a:buFont typeface="+mj-lt"/>
-              <a:buAutoNum type="arabicPeriod"/>
+              <a:buFont typeface="Arial" panose="020B0604020202020204" pitchFamily="34" charset="0"/>
+              <a:buChar char="•"/>
             </a:pPr>
             <a:r>
               <a:rPr lang="en-US" dirty="0"/>
               <a:t>Removed irrelevant fields (e.g., phone number)</a:t>
+            </a:r>
+          </a:p>
+          <a:p>
+            <a:pPr marL="742950" lvl="1" indent="-285750">
+              <a:buFont typeface="Arial" panose="020B0604020202020204" pitchFamily="34" charset="0"/>
+              <a:buChar char="•"/>
+            </a:pPr>
+            <a:r>
+              <a:rPr lang="en-US" dirty="0"/>
+              <a:t>Converted text to numbers (e.g., Yes/No to 1/0)</a:t>
             </a:r>
           </a:p>
           <a:p>
@@ -6257,16 +6361,6 @@
               <a:buFont typeface="+mj-lt"/>
               <a:buAutoNum type="arabicPeriod"/>
             </a:pPr>
-            <a:r>
-              <a:rPr lang="en-US" dirty="0"/>
-              <a:t>Converted text to numbers (e.g., Yes/No to 1/0)</a:t>
-            </a:r>
-          </a:p>
-          <a:p>
-            <a:pPr marL="742950" lvl="1" indent="-285750">
-              <a:buFont typeface="+mj-lt"/>
-              <a:buAutoNum type="arabicPeriod"/>
-            </a:pPr>
             <a:endParaRPr lang="en-US" dirty="0"/>
           </a:p>
           <a:p>
@@ -6282,24 +6376,48 @@
               <a:rPr lang="en-US" b="1" dirty="0"/>
               <a:t>Data Balancing</a:t>
             </a:r>
-            <a:endParaRPr lang="en-US" dirty="0"/>
+          </a:p>
+          <a:p>
+            <a:r>
+              <a:rPr lang="en-US" dirty="0"/>
+              <a:t>Only 10% churned → I used the SMOTE technique to balance data. This is an important step because if not undertaken, classification models tend to:</a:t>
+            </a:r>
           </a:p>
           <a:p>
             <a:pPr marL="742950" lvl="1" indent="-285750">
-              <a:buFont typeface="+mj-lt"/>
-              <a:buAutoNum type="arabicPeriod"/>
+              <a:buFont typeface="Arial" panose="020B0604020202020204" pitchFamily="34" charset="0"/>
+              <a:buChar char="•"/>
             </a:pPr>
             <a:r>
               <a:rPr lang="en-US" dirty="0"/>
-              <a:t>Only 10% churned → I used the SMOTE technique to balance data.</a:t>
+              <a:t>Favor the majority class (non-churners).</a:t>
             </a:r>
           </a:p>
           <a:p>
             <a:pPr marL="742950" lvl="1" indent="-285750">
-              <a:buFont typeface="+mj-lt"/>
-              <a:buAutoNum type="arabicPeriod"/>
-            </a:pPr>
-            <a:endParaRPr lang="en-US" dirty="0"/>
+              <a:buFont typeface="Arial" panose="020B0604020202020204" pitchFamily="34" charset="0"/>
+              <a:buChar char="•"/>
+            </a:pPr>
+            <a:br>
+              <a:rPr lang="en-US" dirty="0"/>
+            </a:br>
+            <a:r>
+              <a:rPr lang="en-US" dirty="0"/>
+              <a:t>Show high accuracy, but miss the minority class (actual churners).</a:t>
+            </a:r>
+          </a:p>
+          <a:p>
+            <a:pPr marL="742950" lvl="1" indent="-285750">
+              <a:buFont typeface="Arial" panose="020B0604020202020204" pitchFamily="34" charset="0"/>
+              <a:buChar char="•"/>
+            </a:pPr>
+            <a:br>
+              <a:rPr lang="en-US" dirty="0"/>
+            </a:br>
+            <a:r>
+              <a:rPr lang="en-US" dirty="0"/>
+              <a:t>Make poor predictions for the very thing you're trying to detect</a:t>
+            </a:r>
           </a:p>
           <a:p>
             <a:pPr lvl="1"/>
@@ -6400,8 +6518,8 @@
         </p:nvSpPr>
         <p:spPr>
           <a:xfrm>
-            <a:off x="533400" y="326570"/>
-            <a:ext cx="10907486" cy="2769989"/>
+            <a:off x="212515" y="293913"/>
+            <a:ext cx="11766970" cy="6093976"/>
           </a:xfrm>
           <a:prstGeom prst="rect">
             <a:avLst/>
@@ -6464,6 +6582,78 @@
             <a:pPr>
               <a:buNone/>
             </a:pPr>
+            <a:endParaRPr lang="en-US" dirty="0"/>
+          </a:p>
+          <a:p>
+            <a:pPr>
+              <a:buNone/>
+            </a:pPr>
+            <a:endParaRPr lang="en-US" dirty="0"/>
+          </a:p>
+          <a:p>
+            <a:pPr>
+              <a:buNone/>
+            </a:pPr>
+            <a:endParaRPr lang="en-US" dirty="0"/>
+          </a:p>
+          <a:p>
+            <a:pPr>
+              <a:buNone/>
+            </a:pPr>
+            <a:endParaRPr lang="en-US" dirty="0"/>
+          </a:p>
+          <a:p>
+            <a:pPr>
+              <a:buNone/>
+            </a:pPr>
+            <a:endParaRPr lang="en-US" dirty="0"/>
+          </a:p>
+          <a:p>
+            <a:pPr>
+              <a:buNone/>
+            </a:pPr>
+            <a:endParaRPr lang="en-US" dirty="0"/>
+          </a:p>
+          <a:p>
+            <a:pPr>
+              <a:buNone/>
+            </a:pPr>
+            <a:endParaRPr lang="en-US" dirty="0"/>
+          </a:p>
+          <a:p>
+            <a:pPr>
+              <a:buNone/>
+            </a:pPr>
+            <a:endParaRPr lang="en-US" dirty="0"/>
+          </a:p>
+          <a:p>
+            <a:pPr>
+              <a:buNone/>
+            </a:pPr>
+            <a:endParaRPr lang="en-US" dirty="0"/>
+          </a:p>
+          <a:p>
+            <a:pPr>
+              <a:buNone/>
+            </a:pPr>
+            <a:endParaRPr lang="en-US" dirty="0"/>
+          </a:p>
+          <a:p>
+            <a:pPr>
+              <a:buNone/>
+            </a:pPr>
+            <a:endParaRPr lang="en-US" dirty="0"/>
+          </a:p>
+          <a:p>
+            <a:pPr>
+              <a:buNone/>
+            </a:pPr>
+            <a:endParaRPr lang="en-US" dirty="0"/>
+          </a:p>
+          <a:p>
+            <a:pPr>
+              <a:buNone/>
+            </a:pPr>
             <a:r>
               <a:rPr lang="en-US" b="1" dirty="0"/>
               <a:t>Interpretation:</a:t>
@@ -6481,7 +6671,7 @@
             </a:r>
             <a:r>
               <a:rPr lang="en-US" dirty="0"/>
-              <a:t> in distinguishing between churners and non-churners</a:t>
+              <a:t> in distinguishing between churners and non-churners.</a:t>
             </a:r>
           </a:p>
           <a:p>
@@ -6491,11 +6681,71 @@
             </a:pPr>
             <a:r>
               <a:rPr lang="en-US" dirty="0"/>
-              <a:t>The model is reliable and can be used for real-time customer scoring</a:t>
-            </a:r>
-          </a:p>
-        </p:txBody>
-      </p:sp>
+              <a:t>The model is reliable and can be used for real-time customer scoring.</a:t>
+            </a:r>
+          </a:p>
+        </p:txBody>
+      </p:sp>
+      <p:pic>
+        <p:nvPicPr>
+          <p:cNvPr id="4" name="Picture 3">
+            <a:extLst>
+              <a:ext uri="{FF2B5EF4-FFF2-40B4-BE49-F238E27FC236}">
+                <a16:creationId xmlns:a16="http://schemas.microsoft.com/office/drawing/2014/main" id="{8FCB5839-859B-827E-517F-CBAECF4AECBA}"/>
+              </a:ext>
+            </a:extLst>
+          </p:cNvPr>
+          <p:cNvPicPr>
+            <a:picLocks noChangeAspect="1"/>
+          </p:cNvPicPr>
+          <p:nvPr/>
+        </p:nvPicPr>
+        <p:blipFill>
+          <a:blip r:embed="rId2"/>
+          <a:stretch>
+            <a:fillRect/>
+          </a:stretch>
+        </p:blipFill>
+        <p:spPr>
+          <a:xfrm>
+            <a:off x="696685" y="1676401"/>
+            <a:ext cx="5246915" cy="3722914"/>
+          </a:xfrm>
+          <a:prstGeom prst="rect">
+            <a:avLst/>
+          </a:prstGeom>
+        </p:spPr>
+      </p:pic>
+      <p:pic>
+        <p:nvPicPr>
+          <p:cNvPr id="6" name="Picture 5">
+            <a:extLst>
+              <a:ext uri="{FF2B5EF4-FFF2-40B4-BE49-F238E27FC236}">
+                <a16:creationId xmlns:a16="http://schemas.microsoft.com/office/drawing/2014/main" id="{57993CE2-F12D-4B23-0009-B8CD8099F08B}"/>
+              </a:ext>
+            </a:extLst>
+          </p:cNvPr>
+          <p:cNvPicPr>
+            <a:picLocks noChangeAspect="1"/>
+          </p:cNvPicPr>
+          <p:nvPr/>
+        </p:nvPicPr>
+        <p:blipFill>
+          <a:blip r:embed="rId3"/>
+          <a:stretch>
+            <a:fillRect/>
+          </a:stretch>
+        </p:blipFill>
+        <p:spPr>
+          <a:xfrm>
+            <a:off x="6732570" y="1676401"/>
+            <a:ext cx="5246915" cy="3722914"/>
+          </a:xfrm>
+          <a:prstGeom prst="rect">
+            <a:avLst/>
+          </a:prstGeom>
+        </p:spPr>
+      </p:pic>
     </p:spTree>
     <p:extLst>
       <p:ext uri="{BB962C8B-B14F-4D97-AF65-F5344CB8AC3E}">

--- a/Churn Prediction in Telecom.pptx
+++ b/Churn Prediction in Telecom.pptx
@@ -6293,7 +6293,7 @@
         </p:nvSpPr>
         <p:spPr>
           <a:xfrm>
-            <a:off x="511628" y="520511"/>
+            <a:off x="413657" y="368111"/>
             <a:ext cx="11168743" cy="6832640"/>
           </a:xfrm>
           <a:prstGeom prst="rect">

--- a/Churn Prediction in Telecom.pptx
+++ b/Churn Prediction in Telecom.pptx
@@ -6293,8 +6293,8 @@
         </p:nvSpPr>
         <p:spPr>
           <a:xfrm>
-            <a:off x="413657" y="368111"/>
-            <a:ext cx="11168743" cy="6832640"/>
+            <a:off x="413657" y="270139"/>
+            <a:ext cx="11168743" cy="7386638"/>
           </a:xfrm>
           <a:prstGeom prst="rect">
             <a:avLst/>
@@ -6437,12 +6437,14 @@
           <a:p>
             <a:r>
               <a:rPr lang="en-US" dirty="0"/>
-              <a:t>I Tried various algorithms; then chose one with highest accuracy and reliability Random Forest Classifier was likely chosen due to High ROC-AUC score (~0.917)</a:t>
-            </a:r>
-          </a:p>
-          <a:p>
-            <a:pPr lvl="1"/>
-            <a:endParaRPr lang="en-US" dirty="0"/>
+              <a:t>I Tried various algorithms; then chose one with highest accuracy and reliability Random Forest Classifier was likely chosen due to High ROC-AUC score (~0.917).</a:t>
+            </a:r>
+          </a:p>
+          <a:p>
+            <a:r>
+              <a:rPr lang="en-US" dirty="0"/>
+              <a:t>The Gradient Boosting Machine had a slightly lower accuracy compared to this. After the tuning of the model, there was just a slight improvement in terms of change.</a:t>
+            </a:r>
           </a:p>
           <a:p>
             <a:pPr>

--- a/Churn Prediction in Telecom.pptx
+++ b/Churn Prediction in Telecom.pptx
@@ -6443,7 +6443,7 @@
           <a:p>
             <a:r>
               <a:rPr lang="en-US" dirty="0"/>
-              <a:t>The Gradient Boosting Machine had a slightly lower accuracy compared to this. After the tuning of the model, there was just a slight improvement in terms of change.</a:t>
+              <a:t>The Gradient Boosting Machine had a slightly lower accuracy of ROC-AUC of 0.912 compared to this. After the tuning of the model, there was just a slight improvement in terms of change.</a:t>
             </a:r>
           </a:p>
           <a:p>
